--- a/design2.pptx
+++ b/design2.pptx
@@ -6,7 +6,12 @@
   </p:sldMasterIdLst>
   <p:sldIdLst>
     <p:sldId id="256" r:id="rId2"/>
-    <p:sldId id="257" r:id="rId3"/>
+    <p:sldId id="259" r:id="rId3"/>
+    <p:sldId id="262" r:id="rId4"/>
+    <p:sldId id="260" r:id="rId5"/>
+    <p:sldId id="261" r:id="rId6"/>
+    <p:sldId id="257" r:id="rId7"/>
+    <p:sldId id="258" r:id="rId8"/>
   </p:sldIdLst>
   <p:sldSz cx="12192000" cy="6858000"/>
   <p:notesSz cx="6858000" cy="9144000"/>
@@ -105,6 +110,11 @@
       </a:defRPr>
     </a:lvl9pPr>
   </p:defaultTextStyle>
+  <p:extLst>
+    <p:ext uri="{EFAFB233-063F-42B5-8137-9DF3F51BA10A}">
+      <p15:sldGuideLst xmlns:p15="http://schemas.microsoft.com/office/powerpoint/2012/main"/>
+    </p:ext>
+  </p:extLst>
 </p:presentation>
 </file>
 
@@ -255,7 +265,7 @@
           <a:p>
             <a:fld id="{F5BFE23A-FE6F-4D72-B596-1519DBCC1FE9}" type="datetimeFigureOut">
               <a:rPr lang="zh-CN" altLang="en-US" smtClean="0"/>
-              <a:t>2022/4/7</a:t>
+              <a:t>2022/5/26</a:t>
             </a:fld>
             <a:endParaRPr lang="zh-CN" altLang="en-US"/>
           </a:p>
@@ -453,7 +463,7 @@
           <a:p>
             <a:fld id="{F5BFE23A-FE6F-4D72-B596-1519DBCC1FE9}" type="datetimeFigureOut">
               <a:rPr lang="zh-CN" altLang="en-US" smtClean="0"/>
-              <a:t>2022/4/7</a:t>
+              <a:t>2022/5/26</a:t>
             </a:fld>
             <a:endParaRPr lang="zh-CN" altLang="en-US"/>
           </a:p>
@@ -661,7 +671,7 @@
           <a:p>
             <a:fld id="{F5BFE23A-FE6F-4D72-B596-1519DBCC1FE9}" type="datetimeFigureOut">
               <a:rPr lang="zh-CN" altLang="en-US" smtClean="0"/>
-              <a:t>2022/4/7</a:t>
+              <a:t>2022/5/26</a:t>
             </a:fld>
             <a:endParaRPr lang="zh-CN" altLang="en-US"/>
           </a:p>
@@ -859,7 +869,7 @@
           <a:p>
             <a:fld id="{F5BFE23A-FE6F-4D72-B596-1519DBCC1FE9}" type="datetimeFigureOut">
               <a:rPr lang="zh-CN" altLang="en-US" smtClean="0"/>
-              <a:t>2022/4/7</a:t>
+              <a:t>2022/5/26</a:t>
             </a:fld>
             <a:endParaRPr lang="zh-CN" altLang="en-US"/>
           </a:p>
@@ -1134,7 +1144,7 @@
           <a:p>
             <a:fld id="{F5BFE23A-FE6F-4D72-B596-1519DBCC1FE9}" type="datetimeFigureOut">
               <a:rPr lang="zh-CN" altLang="en-US" smtClean="0"/>
-              <a:t>2022/4/7</a:t>
+              <a:t>2022/5/26</a:t>
             </a:fld>
             <a:endParaRPr lang="zh-CN" altLang="en-US"/>
           </a:p>
@@ -1399,7 +1409,7 @@
           <a:p>
             <a:fld id="{F5BFE23A-FE6F-4D72-B596-1519DBCC1FE9}" type="datetimeFigureOut">
               <a:rPr lang="zh-CN" altLang="en-US" smtClean="0"/>
-              <a:t>2022/4/7</a:t>
+              <a:t>2022/5/26</a:t>
             </a:fld>
             <a:endParaRPr lang="zh-CN" altLang="en-US"/>
           </a:p>
@@ -1811,7 +1821,7 @@
           <a:p>
             <a:fld id="{F5BFE23A-FE6F-4D72-B596-1519DBCC1FE9}" type="datetimeFigureOut">
               <a:rPr lang="zh-CN" altLang="en-US" smtClean="0"/>
-              <a:t>2022/4/7</a:t>
+              <a:t>2022/5/26</a:t>
             </a:fld>
             <a:endParaRPr lang="zh-CN" altLang="en-US"/>
           </a:p>
@@ -1952,7 +1962,7 @@
           <a:p>
             <a:fld id="{F5BFE23A-FE6F-4D72-B596-1519DBCC1FE9}" type="datetimeFigureOut">
               <a:rPr lang="zh-CN" altLang="en-US" smtClean="0"/>
-              <a:t>2022/4/7</a:t>
+              <a:t>2022/5/26</a:t>
             </a:fld>
             <a:endParaRPr lang="zh-CN" altLang="en-US"/>
           </a:p>
@@ -2065,7 +2075,7 @@
           <a:p>
             <a:fld id="{F5BFE23A-FE6F-4D72-B596-1519DBCC1FE9}" type="datetimeFigureOut">
               <a:rPr lang="zh-CN" altLang="en-US" smtClean="0"/>
-              <a:t>2022/4/7</a:t>
+              <a:t>2022/5/26</a:t>
             </a:fld>
             <a:endParaRPr lang="zh-CN" altLang="en-US"/>
           </a:p>
@@ -2376,7 +2386,7 @@
           <a:p>
             <a:fld id="{F5BFE23A-FE6F-4D72-B596-1519DBCC1FE9}" type="datetimeFigureOut">
               <a:rPr lang="zh-CN" altLang="en-US" smtClean="0"/>
-              <a:t>2022/4/7</a:t>
+              <a:t>2022/5/26</a:t>
             </a:fld>
             <a:endParaRPr lang="zh-CN" altLang="en-US"/>
           </a:p>
@@ -2664,7 +2674,7 @@
           <a:p>
             <a:fld id="{F5BFE23A-FE6F-4D72-B596-1519DBCC1FE9}" type="datetimeFigureOut">
               <a:rPr lang="zh-CN" altLang="en-US" smtClean="0"/>
-              <a:t>2022/4/7</a:t>
+              <a:t>2022/5/26</a:t>
             </a:fld>
             <a:endParaRPr lang="zh-CN" altLang="en-US"/>
           </a:p>
@@ -2741,9 +2751,34 @@
 <p:sldMaster xmlns:a="http://schemas.openxmlformats.org/drawingml/2006/main" xmlns:r="http://schemas.openxmlformats.org/officeDocument/2006/relationships" xmlns:p="http://schemas.openxmlformats.org/presentationml/2006/main">
   <p:cSld>
     <p:bg>
-      <p:bgRef idx="1001">
-        <a:schemeClr val="bg1"/>
-      </p:bgRef>
+      <p:bgPr>
+        <a:gradFill flip="none" rotWithShape="1">
+          <a:gsLst>
+            <a:gs pos="0">
+              <a:schemeClr val="accent1">
+                <a:lumMod val="40000"/>
+                <a:lumOff val="60000"/>
+              </a:schemeClr>
+            </a:gs>
+            <a:gs pos="46000">
+              <a:schemeClr val="accent1">
+                <a:lumMod val="95000"/>
+                <a:lumOff val="5000"/>
+              </a:schemeClr>
+            </a:gs>
+            <a:gs pos="100000">
+              <a:schemeClr val="accent1">
+                <a:lumMod val="60000"/>
+              </a:schemeClr>
+            </a:gs>
+          </a:gsLst>
+          <a:path path="circle">
+            <a:fillToRect l="50000" t="130000" r="50000" b="-30000"/>
+          </a:path>
+          <a:tileRect/>
+        </a:gradFill>
+        <a:effectLst/>
+      </p:bgPr>
     </p:bg>
     <p:spTree>
       <p:nvGrpSpPr>
@@ -2905,7 +2940,7 @@
           <a:p>
             <a:fld id="{F5BFE23A-FE6F-4D72-B596-1519DBCC1FE9}" type="datetimeFigureOut">
               <a:rPr lang="zh-CN" altLang="en-US" smtClean="0"/>
-              <a:t>2022/4/7</a:t>
+              <a:t>2022/5/26</a:t>
             </a:fld>
             <a:endParaRPr lang="zh-CN" altLang="en-US"/>
           </a:p>
@@ -3324,10 +3359,217 @@
       </p:grpSpPr>
       <p:sp>
         <p:nvSpPr>
-          <p:cNvPr id="4" name="矩形: 圆角 3">
-            <a:extLst>
-              <a:ext uri="{FF2B5EF4-FFF2-40B4-BE49-F238E27FC236}">
-                <a16:creationId xmlns:a16="http://schemas.microsoft.com/office/drawing/2014/main" id="{DF11699A-8A74-47FF-9865-8F9EA2CF82F3}"/>
+          <p:cNvPr id="7" name="文本框 6">
+            <a:extLst>
+              <a:ext uri="{FF2B5EF4-FFF2-40B4-BE49-F238E27FC236}">
+                <a16:creationId xmlns:a16="http://schemas.microsoft.com/office/drawing/2014/main" id="{30AB8525-DB0F-48D1-B75A-1A2FEF2D7888}"/>
+              </a:ext>
+            </a:extLst>
+          </p:cNvPr>
+          <p:cNvSpPr txBox="1"/>
+          <p:nvPr/>
+        </p:nvSpPr>
+        <p:spPr>
+          <a:xfrm>
+            <a:off x="-305112" y="1956528"/>
+            <a:ext cx="1324698" cy="400110"/>
+          </a:xfrm>
+          <a:prstGeom prst="rect">
+            <a:avLst/>
+          </a:prstGeom>
+          <a:noFill/>
+        </p:spPr>
+        <p:txBody>
+          <a:bodyPr wrap="square" rtlCol="0">
+            <a:spAutoFit/>
+          </a:bodyPr>
+          <a:lstStyle/>
+          <a:p>
+            <a:pPr algn="r"/>
+            <a:r>
+              <a:rPr lang="zh-CN" altLang="en-US" sz="2000" b="1" dirty="0">
+                <a:solidFill>
+                  <a:schemeClr val="bg1"/>
+                </a:solidFill>
+              </a:rPr>
+              <a:t>环绕声</a:t>
+            </a:r>
+          </a:p>
+        </p:txBody>
+      </p:sp>
+      <p:sp>
+        <p:nvSpPr>
+          <p:cNvPr id="15" name="文本框 14">
+            <a:extLst>
+              <a:ext uri="{FF2B5EF4-FFF2-40B4-BE49-F238E27FC236}">
+                <a16:creationId xmlns:a16="http://schemas.microsoft.com/office/drawing/2014/main" id="{6AD1C369-F406-48F2-8516-848195CEEBA0}"/>
+              </a:ext>
+            </a:extLst>
+          </p:cNvPr>
+          <p:cNvSpPr txBox="1"/>
+          <p:nvPr/>
+        </p:nvSpPr>
+        <p:spPr>
+          <a:xfrm>
+            <a:off x="-305112" y="2455353"/>
+            <a:ext cx="1324698" cy="400110"/>
+          </a:xfrm>
+          <a:prstGeom prst="rect">
+            <a:avLst/>
+          </a:prstGeom>
+          <a:noFill/>
+        </p:spPr>
+        <p:txBody>
+          <a:bodyPr wrap="square" rtlCol="0">
+            <a:spAutoFit/>
+          </a:bodyPr>
+          <a:lstStyle/>
+          <a:p>
+            <a:pPr algn="r"/>
+            <a:r>
+              <a:rPr lang="zh-CN" altLang="en-US" sz="2000" dirty="0">
+                <a:solidFill>
+                  <a:schemeClr val="bg1">
+                    <a:lumMod val="50000"/>
+                  </a:schemeClr>
+                </a:solidFill>
+              </a:rPr>
+              <a:t>音质增强</a:t>
+            </a:r>
+          </a:p>
+        </p:txBody>
+      </p:sp>
+      <p:sp>
+        <p:nvSpPr>
+          <p:cNvPr id="16" name="文本框 15">
+            <a:extLst>
+              <a:ext uri="{FF2B5EF4-FFF2-40B4-BE49-F238E27FC236}">
+                <a16:creationId xmlns:a16="http://schemas.microsoft.com/office/drawing/2014/main" id="{8A44217A-FE32-4EDB-8510-C80C6657673B}"/>
+              </a:ext>
+            </a:extLst>
+          </p:cNvPr>
+          <p:cNvSpPr txBox="1"/>
+          <p:nvPr/>
+        </p:nvSpPr>
+        <p:spPr>
+          <a:xfrm>
+            <a:off x="-305112" y="2954178"/>
+            <a:ext cx="1324698" cy="400110"/>
+          </a:xfrm>
+          <a:prstGeom prst="rect">
+            <a:avLst/>
+          </a:prstGeom>
+          <a:noFill/>
+        </p:spPr>
+        <p:txBody>
+          <a:bodyPr wrap="square" rtlCol="0">
+            <a:spAutoFit/>
+          </a:bodyPr>
+          <a:lstStyle/>
+          <a:p>
+            <a:pPr algn="r"/>
+            <a:r>
+              <a:rPr lang="zh-CN" altLang="en-US" sz="2000" dirty="0">
+                <a:solidFill>
+                  <a:schemeClr val="bg1">
+                    <a:lumMod val="50000"/>
+                  </a:schemeClr>
+                </a:solidFill>
+              </a:rPr>
+              <a:t>设备选项</a:t>
+            </a:r>
+          </a:p>
+        </p:txBody>
+      </p:sp>
+      <p:sp>
+        <p:nvSpPr>
+          <p:cNvPr id="17" name="文本框 16">
+            <a:extLst>
+              <a:ext uri="{FF2B5EF4-FFF2-40B4-BE49-F238E27FC236}">
+                <a16:creationId xmlns:a16="http://schemas.microsoft.com/office/drawing/2014/main" id="{C6012F29-9020-4499-B517-65C2A5CD95BC}"/>
+              </a:ext>
+            </a:extLst>
+          </p:cNvPr>
+          <p:cNvSpPr txBox="1"/>
+          <p:nvPr/>
+        </p:nvSpPr>
+        <p:spPr>
+          <a:xfrm>
+            <a:off x="-305112" y="3453004"/>
+            <a:ext cx="1324698" cy="400110"/>
+          </a:xfrm>
+          <a:prstGeom prst="rect">
+            <a:avLst/>
+          </a:prstGeom>
+          <a:noFill/>
+        </p:spPr>
+        <p:txBody>
+          <a:bodyPr wrap="square" rtlCol="0">
+            <a:spAutoFit/>
+          </a:bodyPr>
+          <a:lstStyle/>
+          <a:p>
+            <a:pPr algn="r"/>
+            <a:r>
+              <a:rPr lang="zh-CN" altLang="en-US" sz="2000" dirty="0">
+                <a:solidFill>
+                  <a:schemeClr val="bg1">
+                    <a:lumMod val="50000"/>
+                  </a:schemeClr>
+                </a:solidFill>
+              </a:rPr>
+              <a:t>关于</a:t>
+            </a:r>
+          </a:p>
+        </p:txBody>
+      </p:sp>
+      <p:cxnSp>
+        <p:nvCxnSpPr>
+          <p:cNvPr id="9" name="直接连接符 8">
+            <a:extLst>
+              <a:ext uri="{FF2B5EF4-FFF2-40B4-BE49-F238E27FC236}">
+                <a16:creationId xmlns:a16="http://schemas.microsoft.com/office/drawing/2014/main" id="{06CECFF9-58B9-4E06-920B-FB268CF6E666}"/>
+              </a:ext>
+            </a:extLst>
+          </p:cNvPr>
+          <p:cNvCxnSpPr/>
+          <p:nvPr/>
+        </p:nvCxnSpPr>
+        <p:spPr>
+          <a:xfrm>
+            <a:off x="1019586" y="1990262"/>
+            <a:ext cx="0" cy="332642"/>
+          </a:xfrm>
+          <a:prstGeom prst="line">
+            <a:avLst/>
+          </a:prstGeom>
+          <a:ln w="19050">
+            <a:solidFill>
+              <a:schemeClr val="bg1"/>
+            </a:solidFill>
+          </a:ln>
+        </p:spPr>
+        <p:style>
+          <a:lnRef idx="1">
+            <a:schemeClr val="accent1"/>
+          </a:lnRef>
+          <a:fillRef idx="0">
+            <a:schemeClr val="accent1"/>
+          </a:fillRef>
+          <a:effectRef idx="0">
+            <a:schemeClr val="accent1"/>
+          </a:effectRef>
+          <a:fontRef idx="minor">
+            <a:schemeClr val="tx1"/>
+          </a:fontRef>
+        </p:style>
+      </p:cxnSp>
+      <p:sp>
+        <p:nvSpPr>
+          <p:cNvPr id="18" name="任意多边形: 形状 17">
+            <a:extLst>
+              <a:ext uri="{FF2B5EF4-FFF2-40B4-BE49-F238E27FC236}">
+                <a16:creationId xmlns:a16="http://schemas.microsoft.com/office/drawing/2014/main" id="{F7B37C4E-C641-4333-9602-B8E6D3661998}"/>
               </a:ext>
             </a:extLst>
           </p:cNvPr>
@@ -3336,37 +3578,161 @@
         </p:nvSpPr>
         <p:spPr>
           <a:xfrm>
-            <a:off x="2009220" y="940732"/>
-            <a:ext cx="7693269" cy="4791808"/>
+            <a:off x="8418450" y="174673"/>
+            <a:ext cx="343930" cy="333895"/>
           </a:xfrm>
-          <a:prstGeom prst="roundRect">
-            <a:avLst>
-              <a:gd name="adj" fmla="val 5753"/>
-            </a:avLst>
-          </a:prstGeom>
-          <a:pattFill prst="weave">
-            <a:fgClr>
-              <a:schemeClr val="tx1">
-                <a:lumMod val="95000"/>
-                <a:lumOff val="5000"/>
-              </a:schemeClr>
-            </a:fgClr>
-            <a:bgClr>
-              <a:schemeClr val="bg2">
-                <a:lumMod val="25000"/>
-              </a:schemeClr>
-            </a:bgClr>
-          </a:pattFill>
+          <a:custGeom>
+            <a:avLst/>
+            <a:gdLst>
+              <a:gd name="connsiteX0" fmla="*/ 190062 w 1296417"/>
+              <a:gd name="connsiteY0" fmla="*/ 151823 h 1258591"/>
+              <a:gd name="connsiteX1" fmla="*/ 321606 w 1296417"/>
+              <a:gd name="connsiteY1" fmla="*/ 283484 h 1258591"/>
+              <a:gd name="connsiteX2" fmla="*/ 320132 w 1296417"/>
+              <a:gd name="connsiteY2" fmla="*/ 935801 h 1258591"/>
+              <a:gd name="connsiteX3" fmla="*/ 972440 w 1296417"/>
+              <a:gd name="connsiteY3" fmla="*/ 939632 h 1258591"/>
+              <a:gd name="connsiteX4" fmla="*/ 978628 w 1296417"/>
+              <a:gd name="connsiteY4" fmla="*/ 287342 h 1258591"/>
+              <a:gd name="connsiteX5" fmla="*/ 1111709 w 1296417"/>
+              <a:gd name="connsiteY5" fmla="*/ 157234 h 1258591"/>
+              <a:gd name="connsiteX6" fmla="*/ 1103028 w 1296417"/>
+              <a:gd name="connsiteY6" fmla="*/ 1072242 h 1258591"/>
+              <a:gd name="connsiteX7" fmla="*/ 187996 w 1296417"/>
+              <a:gd name="connsiteY7" fmla="*/ 1066868 h 1258591"/>
+              <a:gd name="connsiteX8" fmla="*/ 190062 w 1296417"/>
+              <a:gd name="connsiteY8" fmla="*/ 151823 h 1258591"/>
+              <a:gd name="connsiteX9" fmla="*/ 555290 w 1296417"/>
+              <a:gd name="connsiteY9" fmla="*/ 0 h 1258591"/>
+              <a:gd name="connsiteX10" fmla="*/ 741125 w 1296417"/>
+              <a:gd name="connsiteY10" fmla="*/ 0 h 1258591"/>
+              <a:gd name="connsiteX11" fmla="*/ 741125 w 1296417"/>
+              <a:gd name="connsiteY11" fmla="*/ 717292 h 1258591"/>
+              <a:gd name="connsiteX12" fmla="*/ 555290 w 1296417"/>
+              <a:gd name="connsiteY12" fmla="*/ 717292 h 1258591"/>
+            </a:gdLst>
+            <a:ahLst/>
+            <a:cxnLst>
+              <a:cxn ang="0">
+                <a:pos x="connsiteX0" y="connsiteY0"/>
+              </a:cxn>
+              <a:cxn ang="0">
+                <a:pos x="connsiteX1" y="connsiteY1"/>
+              </a:cxn>
+              <a:cxn ang="0">
+                <a:pos x="connsiteX2" y="connsiteY2"/>
+              </a:cxn>
+              <a:cxn ang="0">
+                <a:pos x="connsiteX3" y="connsiteY3"/>
+              </a:cxn>
+              <a:cxn ang="0">
+                <a:pos x="connsiteX4" y="connsiteY4"/>
+              </a:cxn>
+              <a:cxn ang="0">
+                <a:pos x="connsiteX5" y="connsiteY5"/>
+              </a:cxn>
+              <a:cxn ang="0">
+                <a:pos x="connsiteX6" y="connsiteY6"/>
+              </a:cxn>
+              <a:cxn ang="0">
+                <a:pos x="connsiteX7" y="connsiteY7"/>
+              </a:cxn>
+              <a:cxn ang="0">
+                <a:pos x="connsiteX8" y="connsiteY8"/>
+              </a:cxn>
+              <a:cxn ang="0">
+                <a:pos x="connsiteX9" y="connsiteY9"/>
+              </a:cxn>
+              <a:cxn ang="0">
+                <a:pos x="connsiteX10" y="connsiteY10"/>
+              </a:cxn>
+              <a:cxn ang="0">
+                <a:pos x="connsiteX11" y="connsiteY11"/>
+              </a:cxn>
+              <a:cxn ang="0">
+                <a:pos x="connsiteX12" y="connsiteY12"/>
+              </a:cxn>
+            </a:cxnLst>
+            <a:rect l="l" t="t" r="r" b="b"/>
+            <a:pathLst>
+              <a:path w="1296417" h="1258591">
+                <a:moveTo>
+                  <a:pt x="190062" y="151823"/>
+                </a:moveTo>
+                <a:cubicBezTo>
+                  <a:pt x="233910" y="195710"/>
+                  <a:pt x="277758" y="239597"/>
+                  <a:pt x="321606" y="283484"/>
+                </a:cubicBezTo>
+                <a:cubicBezTo>
+                  <a:pt x="141526" y="463401"/>
+                  <a:pt x="140867" y="755073"/>
+                  <a:pt x="320132" y="935801"/>
+                </a:cubicBezTo>
+                <a:cubicBezTo>
+                  <a:pt x="499397" y="1116530"/>
+                  <a:pt x="791065" y="1118243"/>
+                  <a:pt x="972440" y="939632"/>
+                </a:cubicBezTo>
+                <a:cubicBezTo>
+                  <a:pt x="1153816" y="761021"/>
+                  <a:pt x="1156582" y="469362"/>
+                  <a:pt x="978628" y="287342"/>
+                </a:cubicBezTo>
+                <a:lnTo>
+                  <a:pt x="1111709" y="157234"/>
+                </a:lnTo>
+                <a:cubicBezTo>
+                  <a:pt x="1361336" y="412565"/>
+                  <a:pt x="1357454" y="821693"/>
+                  <a:pt x="1103028" y="1072242"/>
+                </a:cubicBezTo>
+                <a:cubicBezTo>
+                  <a:pt x="848602" y="1322790"/>
+                  <a:pt x="439462" y="1320387"/>
+                  <a:pt x="187996" y="1066868"/>
+                </a:cubicBezTo>
+                <a:cubicBezTo>
+                  <a:pt x="-63470" y="813349"/>
+                  <a:pt x="-62546" y="404203"/>
+                  <a:pt x="190062" y="151823"/>
+                </a:cubicBezTo>
+                <a:close/>
+                <a:moveTo>
+                  <a:pt x="555290" y="0"/>
+                </a:moveTo>
+                <a:lnTo>
+                  <a:pt x="741125" y="0"/>
+                </a:lnTo>
+                <a:lnTo>
+                  <a:pt x="741125" y="717292"/>
+                </a:lnTo>
+                <a:lnTo>
+                  <a:pt x="555290" y="717292"/>
+                </a:lnTo>
+                <a:close/>
+              </a:path>
+            </a:pathLst>
+          </a:custGeom>
+          <a:solidFill>
+            <a:schemeClr val="bg1"/>
+          </a:solidFill>
           <a:ln>
             <a:noFill/>
           </a:ln>
+          <a:effectLst>
+            <a:glow rad="228600">
+              <a:schemeClr val="accent6">
+                <a:satMod val="175000"/>
+                <a:alpha val="40000"/>
+              </a:schemeClr>
+            </a:glow>
+          </a:effectLst>
           <a:scene3d>
             <a:camera prst="orthographicFront"/>
             <a:lightRig rig="threePt" dir="t"/>
           </a:scene3d>
-          <a:sp3d prstMaterial="metal">
-            <a:bevelT w="165100" h="88900"/>
-          </a:sp3d>
+          <a:sp3d prstMaterial="metal"/>
         </p:spPr>
         <p:style>
           <a:lnRef idx="2">
@@ -3385,20 +3751,886 @@
           </a:fontRef>
         </p:style>
         <p:txBody>
-          <a:bodyPr rtlCol="0" anchor="ctr"/>
+          <a:bodyPr wrap="square" rtlCol="0" anchor="ctr">
+            <a:noAutofit/>
+          </a:bodyPr>
           <a:lstStyle/>
           <a:p>
             <a:pPr algn="ctr"/>
-            <a:endParaRPr lang="zh-CN" altLang="en-US"/>
+            <a:endParaRPr lang="zh-CN" altLang="en-US">
+              <a:effectLst>
+                <a:glow rad="228600">
+                  <a:schemeClr val="accent6">
+                    <a:satMod val="175000"/>
+                    <a:alpha val="40000"/>
+                  </a:schemeClr>
+                </a:glow>
+              </a:effectLst>
+            </a:endParaRPr>
           </a:p>
         </p:txBody>
       </p:sp>
+      <p:grpSp>
+        <p:nvGrpSpPr>
+          <p:cNvPr id="8" name="组合 7">
+            <a:extLst>
+              <a:ext uri="{FF2B5EF4-FFF2-40B4-BE49-F238E27FC236}">
+                <a16:creationId xmlns:a16="http://schemas.microsoft.com/office/drawing/2014/main" id="{CCB244B4-C91E-44AF-9C16-03AE75DDFAEB}"/>
+              </a:ext>
+            </a:extLst>
+          </p:cNvPr>
+          <p:cNvGrpSpPr/>
+          <p:nvPr/>
+        </p:nvGrpSpPr>
+        <p:grpSpPr>
+          <a:xfrm>
+            <a:off x="1608615" y="883982"/>
+            <a:ext cx="8486868" cy="5090036"/>
+            <a:chOff x="1608615" y="883982"/>
+            <a:chExt cx="8486868" cy="5090036"/>
+          </a:xfrm>
+        </p:grpSpPr>
+        <p:grpSp>
+          <p:nvGrpSpPr>
+            <p:cNvPr id="5" name="组合 4">
+              <a:extLst>
+                <a:ext uri="{FF2B5EF4-FFF2-40B4-BE49-F238E27FC236}">
+                  <a16:creationId xmlns:a16="http://schemas.microsoft.com/office/drawing/2014/main" id="{30FE35A3-2C7D-4236-8CD4-8045044E6A97}"/>
+                </a:ext>
+              </a:extLst>
+            </p:cNvPr>
+            <p:cNvGrpSpPr/>
+            <p:nvPr/>
+          </p:nvGrpSpPr>
+          <p:grpSpPr>
+            <a:xfrm>
+              <a:off x="1608615" y="883982"/>
+              <a:ext cx="8486868" cy="5090036"/>
+              <a:chOff x="1608615" y="883982"/>
+              <a:chExt cx="8486868" cy="5090036"/>
+            </a:xfrm>
+          </p:grpSpPr>
+          <p:sp>
+            <p:nvSpPr>
+              <p:cNvPr id="4" name="矩形 3">
+                <a:extLst>
+                  <a:ext uri="{FF2B5EF4-FFF2-40B4-BE49-F238E27FC236}">
+                    <a16:creationId xmlns:a16="http://schemas.microsoft.com/office/drawing/2014/main" id="{B7A7EDAA-7EA9-4FC0-AF12-1D002DE288E7}"/>
+                  </a:ext>
+                </a:extLst>
+              </p:cNvPr>
+              <p:cNvSpPr/>
+              <p:nvPr/>
+            </p:nvSpPr>
+            <p:spPr>
+              <a:xfrm>
+                <a:off x="1608615" y="883982"/>
+                <a:ext cx="8486868" cy="5090036"/>
+              </a:xfrm>
+              <a:prstGeom prst="rect">
+                <a:avLst/>
+              </a:prstGeom>
+              <a:solidFill>
+                <a:schemeClr val="tx1"/>
+              </a:solidFill>
+              <a:ln>
+                <a:noFill/>
+              </a:ln>
+              <a:scene3d>
+                <a:camera prst="orthographicFront"/>
+                <a:lightRig rig="threePt" dir="t"/>
+              </a:scene3d>
+              <a:sp3d prstMaterial="metal"/>
+            </p:spPr>
+            <p:style>
+              <a:lnRef idx="2">
+                <a:schemeClr val="accent1">
+                  <a:shade val="50000"/>
+                </a:schemeClr>
+              </a:lnRef>
+              <a:fillRef idx="1">
+                <a:schemeClr val="accent1"/>
+              </a:fillRef>
+              <a:effectRef idx="0">
+                <a:schemeClr val="accent1"/>
+              </a:effectRef>
+              <a:fontRef idx="minor">
+                <a:schemeClr val="lt1"/>
+              </a:fontRef>
+            </p:style>
+            <p:txBody>
+              <a:bodyPr rtlCol="0" anchor="ctr"/>
+              <a:lstStyle/>
+              <a:p>
+                <a:pPr algn="ctr"/>
+                <a:endParaRPr lang="zh-CN" altLang="en-US"/>
+              </a:p>
+            </p:txBody>
+          </p:sp>
+          <p:pic>
+            <p:nvPicPr>
+              <p:cNvPr id="3" name="图片 2">
+                <a:extLst>
+                  <a:ext uri="{FF2B5EF4-FFF2-40B4-BE49-F238E27FC236}">
+                    <a16:creationId xmlns:a16="http://schemas.microsoft.com/office/drawing/2014/main" id="{A174FF3E-5FC3-4EF2-9264-845A4A86F35F}"/>
+                  </a:ext>
+                </a:extLst>
+              </p:cNvPr>
+              <p:cNvPicPr>
+                <a:picLocks noChangeAspect="1"/>
+              </p:cNvPicPr>
+              <p:nvPr/>
+            </p:nvPicPr>
+            <p:blipFill>
+              <a:blip r:embed="rId2">
+                <a:extLst>
+                  <a:ext uri="{28A0092B-C50C-407E-A947-70E740481C1C}">
+                    <a14:useLocalDpi xmlns:a14="http://schemas.microsoft.com/office/drawing/2010/main" val="0"/>
+                  </a:ext>
+                </a:extLst>
+              </a:blip>
+              <a:stretch>
+                <a:fillRect/>
+              </a:stretch>
+            </p:blipFill>
+            <p:spPr>
+              <a:xfrm>
+                <a:off x="7277893" y="4088081"/>
+                <a:ext cx="2817590" cy="1885937"/>
+              </a:xfrm>
+              <a:prstGeom prst="rect">
+                <a:avLst/>
+              </a:prstGeom>
+            </p:spPr>
+          </p:pic>
+          <p:grpSp>
+            <p:nvGrpSpPr>
+              <p:cNvPr id="11" name="组合 10">
+                <a:extLst>
+                  <a:ext uri="{FF2B5EF4-FFF2-40B4-BE49-F238E27FC236}">
+                    <a16:creationId xmlns:a16="http://schemas.microsoft.com/office/drawing/2014/main" id="{F080E61F-B936-4AEA-8E05-B4C69EC695C9}"/>
+                  </a:ext>
+                </a:extLst>
+              </p:cNvPr>
+              <p:cNvGrpSpPr/>
+              <p:nvPr/>
+            </p:nvGrpSpPr>
+            <p:grpSpPr>
+              <a:xfrm>
+                <a:off x="2576378" y="1076625"/>
+                <a:ext cx="2424062" cy="461665"/>
+                <a:chOff x="2728778" y="1009950"/>
+                <a:chExt cx="2424062" cy="461665"/>
+              </a:xfrm>
+            </p:grpSpPr>
+            <p:sp>
+              <p:nvSpPr>
+                <p:cNvPr id="10" name="矩形 9">
+                  <a:extLst>
+                    <a:ext uri="{FF2B5EF4-FFF2-40B4-BE49-F238E27FC236}">
+                      <a16:creationId xmlns:a16="http://schemas.microsoft.com/office/drawing/2014/main" id="{7B078341-C40E-4B26-8717-CE926C6332DD}"/>
+                    </a:ext>
+                  </a:extLst>
+                </p:cNvPr>
+                <p:cNvSpPr/>
+                <p:nvPr/>
+              </p:nvSpPr>
+              <p:spPr>
+                <a:xfrm>
+                  <a:off x="4088828" y="1073708"/>
+                  <a:ext cx="978471" cy="353197"/>
+                </a:xfrm>
+                <a:prstGeom prst="rect">
+                  <a:avLst/>
+                </a:prstGeom>
+                <a:solidFill>
+                  <a:srgbClr val="FFCC00"/>
+                </a:solidFill>
+                <a:ln>
+                  <a:noFill/>
+                </a:ln>
+                <a:scene3d>
+                  <a:camera prst="orthographicFront"/>
+                  <a:lightRig rig="threePt" dir="t"/>
+                </a:scene3d>
+                <a:sp3d prstMaterial="metal"/>
+              </p:spPr>
+              <p:style>
+                <a:lnRef idx="2">
+                  <a:schemeClr val="accent1">
+                    <a:shade val="50000"/>
+                  </a:schemeClr>
+                </a:lnRef>
+                <a:fillRef idx="1">
+                  <a:schemeClr val="accent1"/>
+                </a:fillRef>
+                <a:effectRef idx="0">
+                  <a:schemeClr val="accent1"/>
+                </a:effectRef>
+                <a:fontRef idx="minor">
+                  <a:schemeClr val="lt1"/>
+                </a:fontRef>
+              </p:style>
+              <p:txBody>
+                <a:bodyPr rtlCol="0" anchor="ctr"/>
+                <a:lstStyle/>
+                <a:p>
+                  <a:pPr algn="ctr"/>
+                  <a:endParaRPr lang="zh-CN" altLang="en-US" dirty="0"/>
+                </a:p>
+              </p:txBody>
+            </p:sp>
+            <p:sp>
+              <p:nvSpPr>
+                <p:cNvPr id="6" name="文本框 5">
+                  <a:extLst>
+                    <a:ext uri="{FF2B5EF4-FFF2-40B4-BE49-F238E27FC236}">
+                      <a16:creationId xmlns:a16="http://schemas.microsoft.com/office/drawing/2014/main" id="{9B1DC777-71C9-4F9C-9ED4-6932CA2281F2}"/>
+                    </a:ext>
+                  </a:extLst>
+                </p:cNvPr>
+                <p:cNvSpPr txBox="1"/>
+                <p:nvPr/>
+              </p:nvSpPr>
+              <p:spPr>
+                <a:xfrm>
+                  <a:off x="2728778" y="1009950"/>
+                  <a:ext cx="2424062" cy="461665"/>
+                </a:xfrm>
+                <a:prstGeom prst="rect">
+                  <a:avLst/>
+                </a:prstGeom>
+                <a:noFill/>
+              </p:spPr>
+              <p:txBody>
+                <a:bodyPr wrap="none" rtlCol="0">
+                  <a:spAutoFit/>
+                </a:bodyPr>
+                <a:lstStyle/>
+                <a:p>
+                  <a:r>
+                    <a:rPr lang="zh-CN" altLang="en-US" sz="2400" b="1" dirty="0">
+                      <a:solidFill>
+                        <a:schemeClr val="bg1">
+                          <a:lumMod val="95000"/>
+                        </a:schemeClr>
+                      </a:solidFill>
+                    </a:rPr>
+                    <a:t>耳机虚拟 </a:t>
+                  </a:r>
+                  <a:r>
+                    <a:rPr lang="zh-CN" altLang="en-US" sz="2400" b="1" dirty="0"/>
+                    <a:t>环绕声</a:t>
+                  </a:r>
+                </a:p>
+              </p:txBody>
+            </p:sp>
+          </p:grpSp>
+          <p:sp>
+            <p:nvSpPr>
+              <p:cNvPr id="22" name="任意多边形: 形状 21">
+                <a:extLst>
+                  <a:ext uri="{FF2B5EF4-FFF2-40B4-BE49-F238E27FC236}">
+                    <a16:creationId xmlns:a16="http://schemas.microsoft.com/office/drawing/2014/main" id="{8EF3F299-1BE1-4ABD-A2A9-F35BA558EE94}"/>
+                  </a:ext>
+                </a:extLst>
+              </p:cNvPr>
+              <p:cNvSpPr/>
+              <p:nvPr/>
+            </p:nvSpPr>
+            <p:spPr>
+              <a:xfrm rot="10800000">
+                <a:off x="1801003" y="1086149"/>
+                <a:ext cx="718409" cy="461664"/>
+              </a:xfrm>
+              <a:custGeom>
+                <a:avLst/>
+                <a:gdLst>
+                  <a:gd name="connsiteX0" fmla="*/ 497954 w 4218654"/>
+                  <a:gd name="connsiteY0" fmla="*/ 2077859 h 2710990"/>
+                  <a:gd name="connsiteX1" fmla="*/ 704431 w 4218654"/>
+                  <a:gd name="connsiteY1" fmla="*/ 1500882 h 2710990"/>
+                  <a:gd name="connsiteX2" fmla="*/ 602260 w 4218654"/>
+                  <a:gd name="connsiteY2" fmla="*/ 1500882 h 2710990"/>
+                  <a:gd name="connsiteX3" fmla="*/ 602260 w 4218654"/>
+                  <a:gd name="connsiteY3" fmla="*/ 709946 h 2710990"/>
+                  <a:gd name="connsiteX4" fmla="*/ 393647 w 4218654"/>
+                  <a:gd name="connsiteY4" fmla="*/ 709946 h 2710990"/>
+                  <a:gd name="connsiteX5" fmla="*/ 393647 w 4218654"/>
+                  <a:gd name="connsiteY5" fmla="*/ 1500882 h 2710990"/>
+                  <a:gd name="connsiteX6" fmla="*/ 291476 w 4218654"/>
+                  <a:gd name="connsiteY6" fmla="*/ 1500882 h 2710990"/>
+                  <a:gd name="connsiteX7" fmla="*/ 1402360 w 4218654"/>
+                  <a:gd name="connsiteY7" fmla="*/ 2077859 h 2710990"/>
+                  <a:gd name="connsiteX8" fmla="*/ 1402360 w 4218654"/>
+                  <a:gd name="connsiteY8" fmla="*/ 1286923 h 2710990"/>
+                  <a:gd name="connsiteX9" fmla="*/ 1504531 w 4218654"/>
+                  <a:gd name="connsiteY9" fmla="*/ 1286923 h 2710990"/>
+                  <a:gd name="connsiteX10" fmla="*/ 1298053 w 4218654"/>
+                  <a:gd name="connsiteY10" fmla="*/ 709946 h 2710990"/>
+                  <a:gd name="connsiteX11" fmla="*/ 1091576 w 4218654"/>
+                  <a:gd name="connsiteY11" fmla="*/ 1286923 h 2710990"/>
+                  <a:gd name="connsiteX12" fmla="*/ 1193747 w 4218654"/>
+                  <a:gd name="connsiteY12" fmla="*/ 1286923 h 2710990"/>
+                  <a:gd name="connsiteX13" fmla="*/ 1193747 w 4218654"/>
+                  <a:gd name="connsiteY13" fmla="*/ 2077859 h 2710990"/>
+                  <a:gd name="connsiteX14" fmla="*/ 2849105 w 4218654"/>
+                  <a:gd name="connsiteY14" fmla="*/ 2241319 h 2710990"/>
+                  <a:gd name="connsiteX15" fmla="*/ 3228226 w 4218654"/>
+                  <a:gd name="connsiteY15" fmla="*/ 2139734 h 2710990"/>
+                  <a:gd name="connsiteX16" fmla="*/ 3600679 w 4218654"/>
+                  <a:gd name="connsiteY16" fmla="*/ 1583515 h 2710990"/>
+                  <a:gd name="connsiteX17" fmla="*/ 3601162 w 4218654"/>
+                  <a:gd name="connsiteY17" fmla="*/ 1576240 h 2710990"/>
+                  <a:gd name="connsiteX18" fmla="*/ 3615604 w 4218654"/>
+                  <a:gd name="connsiteY18" fmla="*/ 1574038 h 2710990"/>
+                  <a:gd name="connsiteX19" fmla="*/ 3990054 w 4218654"/>
+                  <a:gd name="connsiteY19" fmla="*/ 1115584 h 2710990"/>
+                  <a:gd name="connsiteX20" fmla="*/ 3522960 w 4218654"/>
+                  <a:gd name="connsiteY20" fmla="*/ 645907 h 2710990"/>
+                  <a:gd name="connsiteX21" fmla="*/ 3522908 w 4218654"/>
+                  <a:gd name="connsiteY21" fmla="*/ 660256 h 2710990"/>
+                  <a:gd name="connsiteX22" fmla="*/ 3329883 w 4218654"/>
+                  <a:gd name="connsiteY22" fmla="*/ 660256 h 2710990"/>
+                  <a:gd name="connsiteX23" fmla="*/ 3329883 w 4218654"/>
+                  <a:gd name="connsiteY23" fmla="*/ 1483079 h 2710990"/>
+                  <a:gd name="connsiteX24" fmla="*/ 3338263 w 4218654"/>
+                  <a:gd name="connsiteY24" fmla="*/ 1483079 h 2710990"/>
+                  <a:gd name="connsiteX25" fmla="*/ 3333961 w 4218654"/>
+                  <a:gd name="connsiteY25" fmla="*/ 1547871 h 2710990"/>
+                  <a:gd name="connsiteX26" fmla="*/ 3093685 w 4218654"/>
+                  <a:gd name="connsiteY26" fmla="*/ 1906700 h 2710990"/>
+                  <a:gd name="connsiteX27" fmla="*/ 2604528 w 4218654"/>
+                  <a:gd name="connsiteY27" fmla="*/ 1906700 h 2710990"/>
+                  <a:gd name="connsiteX28" fmla="*/ 2364252 w 4218654"/>
+                  <a:gd name="connsiteY28" fmla="*/ 1547872 h 2710990"/>
+                  <a:gd name="connsiteX29" fmla="*/ 2359950 w 4218654"/>
+                  <a:gd name="connsiteY29" fmla="*/ 1483079 h 2710990"/>
+                  <a:gd name="connsiteX30" fmla="*/ 2368329 w 4218654"/>
+                  <a:gd name="connsiteY30" fmla="*/ 1483079 h 2710990"/>
+                  <a:gd name="connsiteX31" fmla="*/ 2368329 w 4218654"/>
+                  <a:gd name="connsiteY31" fmla="*/ 660256 h 2710990"/>
+                  <a:gd name="connsiteX32" fmla="*/ 2162623 w 4218654"/>
+                  <a:gd name="connsiteY32" fmla="*/ 660256 h 2710990"/>
+                  <a:gd name="connsiteX33" fmla="*/ 2162623 w 4218654"/>
+                  <a:gd name="connsiteY33" fmla="*/ 641120 h 2710990"/>
+                  <a:gd name="connsiteX34" fmla="*/ 1693806 w 4218654"/>
+                  <a:gd name="connsiteY34" fmla="*/ 1109076 h 2710990"/>
+                  <a:gd name="connsiteX35" fmla="*/ 2066568 w 4218654"/>
+                  <a:gd name="connsiteY35" fmla="*/ 1568904 h 2710990"/>
+                  <a:gd name="connsiteX36" fmla="*/ 2096877 w 4218654"/>
+                  <a:gd name="connsiteY36" fmla="*/ 1573638 h 2710990"/>
+                  <a:gd name="connsiteX37" fmla="*/ 2097533 w 4218654"/>
+                  <a:gd name="connsiteY37" fmla="*/ 1583514 h 2710990"/>
+                  <a:gd name="connsiteX38" fmla="*/ 2469985 w 4218654"/>
+                  <a:gd name="connsiteY38" fmla="*/ 2139734 h 2710990"/>
+                  <a:gd name="connsiteX39" fmla="*/ 2849105 w 4218654"/>
+                  <a:gd name="connsiteY39" fmla="*/ 2241319 h 2710990"/>
+                  <a:gd name="connsiteX40" fmla="*/ 3766813 w 4218654"/>
+                  <a:gd name="connsiteY40" fmla="*/ 2710990 h 2710990"/>
+                  <a:gd name="connsiteX41" fmla="*/ 0 w 4218654"/>
+                  <a:gd name="connsiteY41" fmla="*/ 2710990 h 2710990"/>
+                  <a:gd name="connsiteX42" fmla="*/ 0 w 4218654"/>
+                  <a:gd name="connsiteY42" fmla="*/ 451841 h 2710990"/>
+                  <a:gd name="connsiteX43" fmla="*/ 451841 w 4218654"/>
+                  <a:gd name="connsiteY43" fmla="*/ 0 h 2710990"/>
+                  <a:gd name="connsiteX44" fmla="*/ 4218654 w 4218654"/>
+                  <a:gd name="connsiteY44" fmla="*/ 0 h 2710990"/>
+                  <a:gd name="connsiteX45" fmla="*/ 4218654 w 4218654"/>
+                  <a:gd name="connsiteY45" fmla="*/ 2259149 h 2710990"/>
+                </a:gdLst>
+                <a:ahLst/>
+                <a:cxnLst>
+                  <a:cxn ang="0">
+                    <a:pos x="connsiteX0" y="connsiteY0"/>
+                  </a:cxn>
+                  <a:cxn ang="0">
+                    <a:pos x="connsiteX1" y="connsiteY1"/>
+                  </a:cxn>
+                  <a:cxn ang="0">
+                    <a:pos x="connsiteX2" y="connsiteY2"/>
+                  </a:cxn>
+                  <a:cxn ang="0">
+                    <a:pos x="connsiteX3" y="connsiteY3"/>
+                  </a:cxn>
+                  <a:cxn ang="0">
+                    <a:pos x="connsiteX4" y="connsiteY4"/>
+                  </a:cxn>
+                  <a:cxn ang="0">
+                    <a:pos x="connsiteX5" y="connsiteY5"/>
+                  </a:cxn>
+                  <a:cxn ang="0">
+                    <a:pos x="connsiteX6" y="connsiteY6"/>
+                  </a:cxn>
+                  <a:cxn ang="0">
+                    <a:pos x="connsiteX7" y="connsiteY7"/>
+                  </a:cxn>
+                  <a:cxn ang="0">
+                    <a:pos x="connsiteX8" y="connsiteY8"/>
+                  </a:cxn>
+                  <a:cxn ang="0">
+                    <a:pos x="connsiteX9" y="connsiteY9"/>
+                  </a:cxn>
+                  <a:cxn ang="0">
+                    <a:pos x="connsiteX10" y="connsiteY10"/>
+                  </a:cxn>
+                  <a:cxn ang="0">
+                    <a:pos x="connsiteX11" y="connsiteY11"/>
+                  </a:cxn>
+                  <a:cxn ang="0">
+                    <a:pos x="connsiteX12" y="connsiteY12"/>
+                  </a:cxn>
+                  <a:cxn ang="0">
+                    <a:pos x="connsiteX13" y="connsiteY13"/>
+                  </a:cxn>
+                  <a:cxn ang="0">
+                    <a:pos x="connsiteX14" y="connsiteY14"/>
+                  </a:cxn>
+                  <a:cxn ang="0">
+                    <a:pos x="connsiteX15" y="connsiteY15"/>
+                  </a:cxn>
+                  <a:cxn ang="0">
+                    <a:pos x="connsiteX16" y="connsiteY16"/>
+                  </a:cxn>
+                  <a:cxn ang="0">
+                    <a:pos x="connsiteX17" y="connsiteY17"/>
+                  </a:cxn>
+                  <a:cxn ang="0">
+                    <a:pos x="connsiteX18" y="connsiteY18"/>
+                  </a:cxn>
+                  <a:cxn ang="0">
+                    <a:pos x="connsiteX19" y="connsiteY19"/>
+                  </a:cxn>
+                  <a:cxn ang="0">
+                    <a:pos x="connsiteX20" y="connsiteY20"/>
+                  </a:cxn>
+                  <a:cxn ang="0">
+                    <a:pos x="connsiteX21" y="connsiteY21"/>
+                  </a:cxn>
+                  <a:cxn ang="0">
+                    <a:pos x="connsiteX22" y="connsiteY22"/>
+                  </a:cxn>
+                  <a:cxn ang="0">
+                    <a:pos x="connsiteX23" y="connsiteY23"/>
+                  </a:cxn>
+                  <a:cxn ang="0">
+                    <a:pos x="connsiteX24" y="connsiteY24"/>
+                  </a:cxn>
+                  <a:cxn ang="0">
+                    <a:pos x="connsiteX25" y="connsiteY25"/>
+                  </a:cxn>
+                  <a:cxn ang="0">
+                    <a:pos x="connsiteX26" y="connsiteY26"/>
+                  </a:cxn>
+                  <a:cxn ang="0">
+                    <a:pos x="connsiteX27" y="connsiteY27"/>
+                  </a:cxn>
+                  <a:cxn ang="0">
+                    <a:pos x="connsiteX28" y="connsiteY28"/>
+                  </a:cxn>
+                  <a:cxn ang="0">
+                    <a:pos x="connsiteX29" y="connsiteY29"/>
+                  </a:cxn>
+                  <a:cxn ang="0">
+                    <a:pos x="connsiteX30" y="connsiteY30"/>
+                  </a:cxn>
+                  <a:cxn ang="0">
+                    <a:pos x="connsiteX31" y="connsiteY31"/>
+                  </a:cxn>
+                  <a:cxn ang="0">
+                    <a:pos x="connsiteX32" y="connsiteY32"/>
+                  </a:cxn>
+                  <a:cxn ang="0">
+                    <a:pos x="connsiteX33" y="connsiteY33"/>
+                  </a:cxn>
+                  <a:cxn ang="0">
+                    <a:pos x="connsiteX34" y="connsiteY34"/>
+                  </a:cxn>
+                  <a:cxn ang="0">
+                    <a:pos x="connsiteX35" y="connsiteY35"/>
+                  </a:cxn>
+                  <a:cxn ang="0">
+                    <a:pos x="connsiteX36" y="connsiteY36"/>
+                  </a:cxn>
+                  <a:cxn ang="0">
+                    <a:pos x="connsiteX37" y="connsiteY37"/>
+                  </a:cxn>
+                  <a:cxn ang="0">
+                    <a:pos x="connsiteX38" y="connsiteY38"/>
+                  </a:cxn>
+                  <a:cxn ang="0">
+                    <a:pos x="connsiteX39" y="connsiteY39"/>
+                  </a:cxn>
+                  <a:cxn ang="0">
+                    <a:pos x="connsiteX40" y="connsiteY40"/>
+                  </a:cxn>
+                  <a:cxn ang="0">
+                    <a:pos x="connsiteX41" y="connsiteY41"/>
+                  </a:cxn>
+                  <a:cxn ang="0">
+                    <a:pos x="connsiteX42" y="connsiteY42"/>
+                  </a:cxn>
+                  <a:cxn ang="0">
+                    <a:pos x="connsiteX43" y="connsiteY43"/>
+                  </a:cxn>
+                  <a:cxn ang="0">
+                    <a:pos x="connsiteX44" y="connsiteY44"/>
+                  </a:cxn>
+                  <a:cxn ang="0">
+                    <a:pos x="connsiteX45" y="connsiteY45"/>
+                  </a:cxn>
+                </a:cxnLst>
+                <a:rect l="l" t="t" r="r" b="b"/>
+                <a:pathLst>
+                  <a:path w="4218654" h="2710990">
+                    <a:moveTo>
+                      <a:pt x="497954" y="2077859"/>
+                    </a:moveTo>
+                    <a:lnTo>
+                      <a:pt x="704431" y="1500882"/>
+                    </a:lnTo>
+                    <a:lnTo>
+                      <a:pt x="602260" y="1500882"/>
+                    </a:lnTo>
+                    <a:lnTo>
+                      <a:pt x="602260" y="709946"/>
+                    </a:lnTo>
+                    <a:lnTo>
+                      <a:pt x="393647" y="709946"/>
+                    </a:lnTo>
+                    <a:lnTo>
+                      <a:pt x="393647" y="1500882"/>
+                    </a:lnTo>
+                    <a:lnTo>
+                      <a:pt x="291476" y="1500882"/>
+                    </a:lnTo>
+                    <a:close/>
+                    <a:moveTo>
+                      <a:pt x="1402360" y="2077859"/>
+                    </a:moveTo>
+                    <a:lnTo>
+                      <a:pt x="1402360" y="1286923"/>
+                    </a:lnTo>
+                    <a:lnTo>
+                      <a:pt x="1504531" y="1286923"/>
+                    </a:lnTo>
+                    <a:lnTo>
+                      <a:pt x="1298053" y="709946"/>
+                    </a:lnTo>
+                    <a:lnTo>
+                      <a:pt x="1091576" y="1286923"/>
+                    </a:lnTo>
+                    <a:lnTo>
+                      <a:pt x="1193747" y="1286923"/>
+                    </a:lnTo>
+                    <a:lnTo>
+                      <a:pt x="1193747" y="2077859"/>
+                    </a:lnTo>
+                    <a:close/>
+                    <a:moveTo>
+                      <a:pt x="2849105" y="2241319"/>
+                    </a:moveTo>
+                    <a:cubicBezTo>
+                      <a:pt x="2980016" y="2241319"/>
+                      <a:pt x="3110926" y="2207458"/>
+                      <a:pt x="3228226" y="2139734"/>
+                    </a:cubicBezTo>
+                    <a:cubicBezTo>
+                      <a:pt x="3433502" y="2021218"/>
+                      <a:pt x="3569809" y="1814756"/>
+                      <a:pt x="3600679" y="1583515"/>
+                    </a:cubicBezTo>
+                    <a:lnTo>
+                      <a:pt x="3601162" y="1576240"/>
+                    </a:lnTo>
+                    <a:lnTo>
+                      <a:pt x="3615604" y="1574038"/>
+                    </a:lnTo>
+                    <a:cubicBezTo>
+                      <a:pt x="3828991" y="1530428"/>
+                      <a:pt x="3989638" y="1341845"/>
+                      <a:pt x="3990054" y="1115584"/>
+                    </a:cubicBezTo>
+                    <a:cubicBezTo>
+                      <a:pt x="3990529" y="857000"/>
+                      <a:pt x="3781543" y="646858"/>
+                      <a:pt x="3522960" y="645907"/>
+                    </a:cubicBezTo>
+                    <a:lnTo>
+                      <a:pt x="3522908" y="660256"/>
+                    </a:lnTo>
+                    <a:lnTo>
+                      <a:pt x="3329883" y="660256"/>
+                    </a:lnTo>
+                    <a:lnTo>
+                      <a:pt x="3329883" y="1483079"/>
+                    </a:lnTo>
+                    <a:lnTo>
+                      <a:pt x="3338263" y="1483079"/>
+                    </a:lnTo>
+                    <a:lnTo>
+                      <a:pt x="3333961" y="1547871"/>
+                    </a:lnTo>
+                    <a:cubicBezTo>
+                      <a:pt x="3314047" y="1697050"/>
+                      <a:pt x="3226112" y="1830243"/>
+                      <a:pt x="3093685" y="1906700"/>
+                    </a:cubicBezTo>
+                    <a:cubicBezTo>
+                      <a:pt x="2942339" y="1994080"/>
+                      <a:pt x="2755874" y="1994080"/>
+                      <a:pt x="2604528" y="1906700"/>
+                    </a:cubicBezTo>
+                    <a:cubicBezTo>
+                      <a:pt x="2472101" y="1830243"/>
+                      <a:pt x="2384166" y="1697050"/>
+                      <a:pt x="2364252" y="1547872"/>
+                    </a:cubicBezTo>
+                    <a:lnTo>
+                      <a:pt x="2359950" y="1483079"/>
+                    </a:lnTo>
+                    <a:lnTo>
+                      <a:pt x="2368329" y="1483079"/>
+                    </a:lnTo>
+                    <a:lnTo>
+                      <a:pt x="2368329" y="660256"/>
+                    </a:lnTo>
+                    <a:lnTo>
+                      <a:pt x="2162623" y="660256"/>
+                    </a:lnTo>
+                    <a:lnTo>
+                      <a:pt x="2162623" y="641120"/>
+                    </a:lnTo>
+                    <a:cubicBezTo>
+                      <a:pt x="1904038" y="641120"/>
+                      <a:pt x="1694281" y="850492"/>
+                      <a:pt x="1693806" y="1109076"/>
+                    </a:cubicBezTo>
+                    <a:cubicBezTo>
+                      <a:pt x="1693390" y="1335337"/>
+                      <a:pt x="1853343" y="1524509"/>
+                      <a:pt x="2066568" y="1568904"/>
+                    </a:cubicBezTo>
+                    <a:lnTo>
+                      <a:pt x="2096877" y="1573638"/>
+                    </a:lnTo>
+                    <a:lnTo>
+                      <a:pt x="2097533" y="1583514"/>
+                    </a:lnTo>
+                    <a:cubicBezTo>
+                      <a:pt x="2128403" y="1814755"/>
+                      <a:pt x="2264709" y="2021218"/>
+                      <a:pt x="2469985" y="2139734"/>
+                    </a:cubicBezTo>
+                    <a:cubicBezTo>
+                      <a:pt x="2587285" y="2207458"/>
+                      <a:pt x="2718195" y="2241319"/>
+                      <a:pt x="2849105" y="2241319"/>
+                    </a:cubicBezTo>
+                    <a:close/>
+                    <a:moveTo>
+                      <a:pt x="3766813" y="2710990"/>
+                    </a:moveTo>
+                    <a:lnTo>
+                      <a:pt x="0" y="2710990"/>
+                    </a:lnTo>
+                    <a:lnTo>
+                      <a:pt x="0" y="451841"/>
+                    </a:lnTo>
+                    <a:lnTo>
+                      <a:pt x="451841" y="0"/>
+                    </a:lnTo>
+                    <a:lnTo>
+                      <a:pt x="4218654" y="0"/>
+                    </a:lnTo>
+                    <a:lnTo>
+                      <a:pt x="4218654" y="2259149"/>
+                    </a:lnTo>
+                    <a:close/>
+                  </a:path>
+                </a:pathLst>
+              </a:custGeom>
+              <a:solidFill>
+                <a:schemeClr val="bg1"/>
+              </a:solidFill>
+              <a:ln>
+                <a:noFill/>
+              </a:ln>
+              <a:scene3d>
+                <a:camera prst="orthographicFront"/>
+                <a:lightRig rig="threePt" dir="t"/>
+              </a:scene3d>
+              <a:sp3d prstMaterial="metal"/>
+            </p:spPr>
+            <p:style>
+              <a:lnRef idx="2">
+                <a:schemeClr val="accent1">
+                  <a:shade val="50000"/>
+                </a:schemeClr>
+              </a:lnRef>
+              <a:fillRef idx="1">
+                <a:schemeClr val="accent1"/>
+              </a:fillRef>
+              <a:effectRef idx="0">
+                <a:schemeClr val="accent1"/>
+              </a:effectRef>
+              <a:fontRef idx="minor">
+                <a:schemeClr val="lt1"/>
+              </a:fontRef>
+            </p:style>
+            <p:txBody>
+              <a:bodyPr wrap="square" rtlCol="0" anchor="ctr">
+                <a:noAutofit/>
+              </a:bodyPr>
+              <a:lstStyle/>
+              <a:p>
+                <a:pPr algn="ctr"/>
+                <a:endParaRPr lang="zh-CN" altLang="en-US"/>
+              </a:p>
+            </p:txBody>
+          </p:sp>
+          <p:sp>
+            <p:nvSpPr>
+              <p:cNvPr id="2" name="乘号 1">
+                <a:extLst>
+                  <a:ext uri="{FF2B5EF4-FFF2-40B4-BE49-F238E27FC236}">
+                    <a16:creationId xmlns:a16="http://schemas.microsoft.com/office/drawing/2014/main" id="{9400C606-ED6F-48FB-A752-1D9A924467D4}"/>
+                  </a:ext>
+                </a:extLst>
+              </p:cNvPr>
+              <p:cNvSpPr/>
+              <p:nvPr/>
+            </p:nvSpPr>
+            <p:spPr>
+              <a:xfrm>
+                <a:off x="9384789" y="1086149"/>
+                <a:ext cx="461665" cy="461665"/>
+              </a:xfrm>
+              <a:prstGeom prst="mathMultiply">
+                <a:avLst>
+                  <a:gd name="adj1" fmla="val 10362"/>
+                </a:avLst>
+              </a:prstGeom>
+              <a:solidFill>
+                <a:schemeClr val="bg1"/>
+              </a:solidFill>
+              <a:ln>
+                <a:noFill/>
+              </a:ln>
+              <a:scene3d>
+                <a:camera prst="orthographicFront"/>
+                <a:lightRig rig="threePt" dir="t"/>
+              </a:scene3d>
+              <a:sp3d prstMaterial="metal"/>
+            </p:spPr>
+            <p:style>
+              <a:lnRef idx="2">
+                <a:schemeClr val="accent1">
+                  <a:shade val="50000"/>
+                </a:schemeClr>
+              </a:lnRef>
+              <a:fillRef idx="1">
+                <a:schemeClr val="accent1"/>
+              </a:fillRef>
+              <a:effectRef idx="0">
+                <a:schemeClr val="accent1"/>
+              </a:effectRef>
+              <a:fontRef idx="minor">
+                <a:schemeClr val="lt1"/>
+              </a:fontRef>
+            </p:style>
+            <p:txBody>
+              <a:bodyPr rtlCol="0" anchor="ctr"/>
+              <a:lstStyle/>
+              <a:p>
+                <a:pPr algn="ctr"/>
+                <a:endParaRPr lang="zh-CN" altLang="en-US"/>
+              </a:p>
+            </p:txBody>
+          </p:sp>
+        </p:grpSp>
+        <p:sp>
+          <p:nvSpPr>
+            <p:cNvPr id="19" name="矩形 18">
+              <a:extLst>
+                <a:ext uri="{FF2B5EF4-FFF2-40B4-BE49-F238E27FC236}">
+                  <a16:creationId xmlns:a16="http://schemas.microsoft.com/office/drawing/2014/main" id="{9BCB3F53-B737-43C7-9EC5-F25707C6646C}"/>
+                </a:ext>
+              </a:extLst>
+            </p:cNvPr>
+            <p:cNvSpPr/>
+            <p:nvPr/>
+          </p:nvSpPr>
+          <p:spPr>
+            <a:xfrm>
+              <a:off x="7243070" y="3796785"/>
+              <a:ext cx="2852413" cy="2177233"/>
+            </a:xfrm>
+            <a:prstGeom prst="rect">
+              <a:avLst/>
+            </a:prstGeom>
+            <a:gradFill flip="none" rotWithShape="1">
+              <a:gsLst>
+                <a:gs pos="0">
+                  <a:schemeClr val="tx1">
+                    <a:alpha val="0"/>
+                  </a:schemeClr>
+                </a:gs>
+                <a:gs pos="38000">
+                  <a:schemeClr val="tx1">
+                    <a:alpha val="43000"/>
+                  </a:schemeClr>
+                </a:gs>
+                <a:gs pos="100000">
+                  <a:schemeClr val="tx1"/>
+                </a:gs>
+              </a:gsLst>
+              <a:path path="circle">
+                <a:fillToRect l="100000" t="100000"/>
+              </a:path>
+              <a:tileRect r="-100000" b="-100000"/>
+            </a:gradFill>
+            <a:ln>
+              <a:noFill/>
+            </a:ln>
+            <a:scene3d>
+              <a:camera prst="orthographicFront"/>
+              <a:lightRig rig="threePt" dir="t"/>
+            </a:scene3d>
+            <a:sp3d prstMaterial="metal"/>
+          </p:spPr>
+          <p:style>
+            <a:lnRef idx="2">
+              <a:schemeClr val="accent1">
+                <a:shade val="50000"/>
+              </a:schemeClr>
+            </a:lnRef>
+            <a:fillRef idx="1">
+              <a:schemeClr val="accent1"/>
+            </a:fillRef>
+            <a:effectRef idx="0">
+              <a:schemeClr val="accent1"/>
+            </a:effectRef>
+            <a:fontRef idx="minor">
+              <a:schemeClr val="lt1"/>
+            </a:fontRef>
+          </p:style>
+          <p:txBody>
+            <a:bodyPr rtlCol="0" anchor="ctr"/>
+            <a:lstStyle/>
+            <a:p>
+              <a:pPr algn="ctr"/>
+              <a:endParaRPr lang="zh-CN" altLang="en-US"/>
+            </a:p>
+          </p:txBody>
+        </p:sp>
+      </p:grpSp>
       <p:sp>
         <p:nvSpPr>
-          <p:cNvPr id="6" name="矩形: 圆角 5">
-            <a:extLst>
-              <a:ext uri="{FF2B5EF4-FFF2-40B4-BE49-F238E27FC236}">
-                <a16:creationId xmlns:a16="http://schemas.microsoft.com/office/drawing/2014/main" id="{20E64544-0969-47C4-9F4B-98AAD8499116}"/>
+          <p:cNvPr id="20" name="任意多边形: 形状 19">
+            <a:extLst>
+              <a:ext uri="{FF2B5EF4-FFF2-40B4-BE49-F238E27FC236}">
+                <a16:creationId xmlns:a16="http://schemas.microsoft.com/office/drawing/2014/main" id="{76418D86-49B6-419D-9EED-DF3ACFEAF454}"/>
               </a:ext>
             </a:extLst>
           </p:cNvPr>
@@ -3407,44 +4639,160 @@
         </p:nvSpPr>
         <p:spPr>
           <a:xfrm>
-            <a:off x="4034733" y="0"/>
-            <a:ext cx="3851565" cy="789003"/>
+            <a:off x="10843316" y="550087"/>
+            <a:ext cx="343930" cy="333895"/>
           </a:xfrm>
-          <a:prstGeom prst="roundRect">
-            <a:avLst>
-              <a:gd name="adj" fmla="val 39033"/>
-            </a:avLst>
-          </a:prstGeom>
-          <a:pattFill prst="weave">
-            <a:fgClr>
-              <a:schemeClr val="tx1">
-                <a:lumMod val="95000"/>
-                <a:lumOff val="5000"/>
-              </a:schemeClr>
-            </a:fgClr>
-            <a:bgClr>
-              <a:schemeClr val="bg2">
-                <a:lumMod val="25000"/>
-              </a:schemeClr>
-            </a:bgClr>
-          </a:pattFill>
+          <a:custGeom>
+            <a:avLst/>
+            <a:gdLst>
+              <a:gd name="connsiteX0" fmla="*/ 190062 w 1296417"/>
+              <a:gd name="connsiteY0" fmla="*/ 151823 h 1258591"/>
+              <a:gd name="connsiteX1" fmla="*/ 321606 w 1296417"/>
+              <a:gd name="connsiteY1" fmla="*/ 283484 h 1258591"/>
+              <a:gd name="connsiteX2" fmla="*/ 320132 w 1296417"/>
+              <a:gd name="connsiteY2" fmla="*/ 935801 h 1258591"/>
+              <a:gd name="connsiteX3" fmla="*/ 972440 w 1296417"/>
+              <a:gd name="connsiteY3" fmla="*/ 939632 h 1258591"/>
+              <a:gd name="connsiteX4" fmla="*/ 978628 w 1296417"/>
+              <a:gd name="connsiteY4" fmla="*/ 287342 h 1258591"/>
+              <a:gd name="connsiteX5" fmla="*/ 1111709 w 1296417"/>
+              <a:gd name="connsiteY5" fmla="*/ 157234 h 1258591"/>
+              <a:gd name="connsiteX6" fmla="*/ 1103028 w 1296417"/>
+              <a:gd name="connsiteY6" fmla="*/ 1072242 h 1258591"/>
+              <a:gd name="connsiteX7" fmla="*/ 187996 w 1296417"/>
+              <a:gd name="connsiteY7" fmla="*/ 1066868 h 1258591"/>
+              <a:gd name="connsiteX8" fmla="*/ 190062 w 1296417"/>
+              <a:gd name="connsiteY8" fmla="*/ 151823 h 1258591"/>
+              <a:gd name="connsiteX9" fmla="*/ 555290 w 1296417"/>
+              <a:gd name="connsiteY9" fmla="*/ 0 h 1258591"/>
+              <a:gd name="connsiteX10" fmla="*/ 741125 w 1296417"/>
+              <a:gd name="connsiteY10" fmla="*/ 0 h 1258591"/>
+              <a:gd name="connsiteX11" fmla="*/ 741125 w 1296417"/>
+              <a:gd name="connsiteY11" fmla="*/ 717292 h 1258591"/>
+              <a:gd name="connsiteX12" fmla="*/ 555290 w 1296417"/>
+              <a:gd name="connsiteY12" fmla="*/ 717292 h 1258591"/>
+            </a:gdLst>
+            <a:ahLst/>
+            <a:cxnLst>
+              <a:cxn ang="0">
+                <a:pos x="connsiteX0" y="connsiteY0"/>
+              </a:cxn>
+              <a:cxn ang="0">
+                <a:pos x="connsiteX1" y="connsiteY1"/>
+              </a:cxn>
+              <a:cxn ang="0">
+                <a:pos x="connsiteX2" y="connsiteY2"/>
+              </a:cxn>
+              <a:cxn ang="0">
+                <a:pos x="connsiteX3" y="connsiteY3"/>
+              </a:cxn>
+              <a:cxn ang="0">
+                <a:pos x="connsiteX4" y="connsiteY4"/>
+              </a:cxn>
+              <a:cxn ang="0">
+                <a:pos x="connsiteX5" y="connsiteY5"/>
+              </a:cxn>
+              <a:cxn ang="0">
+                <a:pos x="connsiteX6" y="connsiteY6"/>
+              </a:cxn>
+              <a:cxn ang="0">
+                <a:pos x="connsiteX7" y="connsiteY7"/>
+              </a:cxn>
+              <a:cxn ang="0">
+                <a:pos x="connsiteX8" y="connsiteY8"/>
+              </a:cxn>
+              <a:cxn ang="0">
+                <a:pos x="connsiteX9" y="connsiteY9"/>
+              </a:cxn>
+              <a:cxn ang="0">
+                <a:pos x="connsiteX10" y="connsiteY10"/>
+              </a:cxn>
+              <a:cxn ang="0">
+                <a:pos x="connsiteX11" y="connsiteY11"/>
+              </a:cxn>
+              <a:cxn ang="0">
+                <a:pos x="connsiteX12" y="connsiteY12"/>
+              </a:cxn>
+            </a:cxnLst>
+            <a:rect l="l" t="t" r="r" b="b"/>
+            <a:pathLst>
+              <a:path w="1296417" h="1258591">
+                <a:moveTo>
+                  <a:pt x="190062" y="151823"/>
+                </a:moveTo>
+                <a:cubicBezTo>
+                  <a:pt x="233910" y="195710"/>
+                  <a:pt x="277758" y="239597"/>
+                  <a:pt x="321606" y="283484"/>
+                </a:cubicBezTo>
+                <a:cubicBezTo>
+                  <a:pt x="141526" y="463401"/>
+                  <a:pt x="140867" y="755073"/>
+                  <a:pt x="320132" y="935801"/>
+                </a:cubicBezTo>
+                <a:cubicBezTo>
+                  <a:pt x="499397" y="1116530"/>
+                  <a:pt x="791065" y="1118243"/>
+                  <a:pt x="972440" y="939632"/>
+                </a:cubicBezTo>
+                <a:cubicBezTo>
+                  <a:pt x="1153816" y="761021"/>
+                  <a:pt x="1156582" y="469362"/>
+                  <a:pt x="978628" y="287342"/>
+                </a:cubicBezTo>
+                <a:lnTo>
+                  <a:pt x="1111709" y="157234"/>
+                </a:lnTo>
+                <a:cubicBezTo>
+                  <a:pt x="1361336" y="412565"/>
+                  <a:pt x="1357454" y="821693"/>
+                  <a:pt x="1103028" y="1072242"/>
+                </a:cubicBezTo>
+                <a:cubicBezTo>
+                  <a:pt x="848602" y="1322790"/>
+                  <a:pt x="439462" y="1320387"/>
+                  <a:pt x="187996" y="1066868"/>
+                </a:cubicBezTo>
+                <a:cubicBezTo>
+                  <a:pt x="-63470" y="813349"/>
+                  <a:pt x="-62546" y="404203"/>
+                  <a:pt x="190062" y="151823"/>
+                </a:cubicBezTo>
+                <a:close/>
+                <a:moveTo>
+                  <a:pt x="555290" y="0"/>
+                </a:moveTo>
+                <a:lnTo>
+                  <a:pt x="741125" y="0"/>
+                </a:lnTo>
+                <a:lnTo>
+                  <a:pt x="741125" y="717292"/>
+                </a:lnTo>
+                <a:lnTo>
+                  <a:pt x="555290" y="717292"/>
+                </a:lnTo>
+                <a:close/>
+              </a:path>
+            </a:pathLst>
+          </a:custGeom>
+          <a:solidFill>
+            <a:schemeClr val="bg1"/>
+          </a:solidFill>
           <a:ln>
             <a:noFill/>
           </a:ln>
           <a:effectLst>
-            <a:innerShdw blurRad="63500" dist="50800" dir="13500000">
-              <a:prstClr val="black">
-                <a:alpha val="50000"/>
-              </a:prstClr>
-            </a:innerShdw>
+            <a:glow rad="228600">
+              <a:schemeClr val="tx1">
+                <a:alpha val="40000"/>
+              </a:schemeClr>
+            </a:glow>
           </a:effectLst>
           <a:scene3d>
             <a:camera prst="orthographicFront"/>
             <a:lightRig rig="threePt" dir="t"/>
           </a:scene3d>
-          <a:sp3d prstMaterial="metal">
-            <a:bevelT w="203200" h="19050" prst="softRound"/>
-          </a:sp3d>
+          <a:sp3d prstMaterial="metal"/>
         </p:spPr>
         <p:style>
           <a:lnRef idx="2">
@@ -3463,14 +4811,115 @@
           </a:fontRef>
         </p:style>
         <p:txBody>
-          <a:bodyPr rtlCol="0" anchor="ctr"/>
+          <a:bodyPr wrap="square" rtlCol="0" anchor="ctr">
+            <a:noAutofit/>
+          </a:bodyPr>
           <a:lstStyle/>
           <a:p>
             <a:pPr algn="ctr"/>
-            <a:endParaRPr lang="zh-CN" altLang="en-US"/>
+            <a:endParaRPr lang="zh-CN" altLang="en-US">
+              <a:effectLst>
+                <a:glow rad="228600">
+                  <a:schemeClr val="accent6">
+                    <a:satMod val="175000"/>
+                    <a:alpha val="40000"/>
+                  </a:schemeClr>
+                </a:glow>
+              </a:effectLst>
+            </a:endParaRPr>
           </a:p>
         </p:txBody>
       </p:sp>
+      <p:pic>
+        <p:nvPicPr>
+          <p:cNvPr id="12" name="图片 11">
+            <a:extLst>
+              <a:ext uri="{FF2B5EF4-FFF2-40B4-BE49-F238E27FC236}">
+                <a16:creationId xmlns:a16="http://schemas.microsoft.com/office/drawing/2014/main" id="{5A3714DF-046A-4EEB-A557-D3C68D462FA7}"/>
+              </a:ext>
+            </a:extLst>
+          </p:cNvPr>
+          <p:cNvPicPr>
+            <a:picLocks noChangeAspect="1"/>
+          </p:cNvPicPr>
+          <p:nvPr/>
+        </p:nvPicPr>
+        <p:blipFill>
+          <a:blip r:embed="rId3"/>
+          <a:stretch>
+            <a:fillRect/>
+          </a:stretch>
+        </p:blipFill>
+        <p:spPr>
+          <a:xfrm>
+            <a:off x="1801003" y="1307457"/>
+            <a:ext cx="8522947" cy="5114987"/>
+          </a:xfrm>
+          <a:prstGeom prst="rect">
+            <a:avLst/>
+          </a:prstGeom>
+        </p:spPr>
+      </p:pic>
+      <p:pic>
+        <p:nvPicPr>
+          <p:cNvPr id="13" name="图片 12">
+            <a:extLst>
+              <a:ext uri="{FF2B5EF4-FFF2-40B4-BE49-F238E27FC236}">
+                <a16:creationId xmlns:a16="http://schemas.microsoft.com/office/drawing/2014/main" id="{173DB6A6-5C71-40D3-996D-5C7BAA1FB488}"/>
+              </a:ext>
+            </a:extLst>
+          </p:cNvPr>
+          <p:cNvPicPr>
+            <a:picLocks noChangeAspect="1"/>
+          </p:cNvPicPr>
+          <p:nvPr/>
+        </p:nvPicPr>
+        <p:blipFill>
+          <a:blip r:embed="rId4"/>
+          <a:stretch>
+            <a:fillRect/>
+          </a:stretch>
+        </p:blipFill>
+        <p:spPr>
+          <a:xfrm>
+            <a:off x="10843316" y="1499873"/>
+            <a:ext cx="829128" cy="823031"/>
+          </a:xfrm>
+          <a:prstGeom prst="rect">
+            <a:avLst/>
+          </a:prstGeom>
+        </p:spPr>
+      </p:pic>
+      <p:pic>
+        <p:nvPicPr>
+          <p:cNvPr id="14" name="图片 13">
+            <a:extLst>
+              <a:ext uri="{FF2B5EF4-FFF2-40B4-BE49-F238E27FC236}">
+                <a16:creationId xmlns:a16="http://schemas.microsoft.com/office/drawing/2014/main" id="{930B0026-44BA-497E-AB20-73979F97E79F}"/>
+              </a:ext>
+            </a:extLst>
+          </p:cNvPr>
+          <p:cNvPicPr>
+            <a:picLocks noChangeAspect="1"/>
+          </p:cNvPicPr>
+          <p:nvPr/>
+        </p:nvPicPr>
+        <p:blipFill>
+          <a:blip r:embed="rId5"/>
+          <a:stretch>
+            <a:fillRect/>
+          </a:stretch>
+        </p:blipFill>
+        <p:spPr>
+          <a:xfrm>
+            <a:off x="6938736" y="-48369"/>
+            <a:ext cx="829128" cy="816935"/>
+          </a:xfrm>
+          <a:prstGeom prst="rect">
+            <a:avLst/>
+          </a:prstGeom>
+        </p:spPr>
+      </p:pic>
     </p:spTree>
     <p:extLst>
       <p:ext uri="{BB962C8B-B14F-4D97-AF65-F5344CB8AC3E}">
@@ -3503,10 +4952,10 @@
       </p:grpSpPr>
       <p:sp>
         <p:nvSpPr>
-          <p:cNvPr id="7" name="矩形: 圆角 6">
-            <a:extLst>
-              <a:ext uri="{FF2B5EF4-FFF2-40B4-BE49-F238E27FC236}">
-                <a16:creationId xmlns:a16="http://schemas.microsoft.com/office/drawing/2014/main" id="{C4A985B5-ED68-479C-8718-75FD52DCDE51}"/>
+          <p:cNvPr id="4" name="矩形 3">
+            <a:extLst>
+              <a:ext uri="{FF2B5EF4-FFF2-40B4-BE49-F238E27FC236}">
+                <a16:creationId xmlns:a16="http://schemas.microsoft.com/office/drawing/2014/main" id="{B7A7EDAA-7EA9-4FC0-AF12-1D002DE288E7}"/>
               </a:ext>
             </a:extLst>
           </p:cNvPr>
@@ -3515,36 +4964,705 @@
         </p:nvSpPr>
         <p:spPr>
           <a:xfrm>
-            <a:off x="2542818" y="1530416"/>
-            <a:ext cx="3867607" cy="827773"/>
+            <a:off x="1608615" y="883982"/>
+            <a:ext cx="8486868" cy="5090036"/>
           </a:xfrm>
-          <a:prstGeom prst="roundRect">
+          <a:prstGeom prst="rect">
+            <a:avLst/>
+          </a:prstGeom>
+          <a:solidFill>
+            <a:schemeClr val="tx1"/>
+          </a:solidFill>
+          <a:ln>
+            <a:noFill/>
+          </a:ln>
+          <a:scene3d>
+            <a:camera prst="orthographicFront"/>
+            <a:lightRig rig="threePt" dir="t"/>
+          </a:scene3d>
+          <a:sp3d prstMaterial="metal"/>
+        </p:spPr>
+        <p:style>
+          <a:lnRef idx="2">
+            <a:schemeClr val="accent1">
+              <a:shade val="50000"/>
+            </a:schemeClr>
+          </a:lnRef>
+          <a:fillRef idx="1">
+            <a:schemeClr val="accent1"/>
+          </a:fillRef>
+          <a:effectRef idx="0">
+            <a:schemeClr val="accent1"/>
+          </a:effectRef>
+          <a:fontRef idx="minor">
+            <a:schemeClr val="lt1"/>
+          </a:fontRef>
+        </p:style>
+        <p:txBody>
+          <a:bodyPr rtlCol="0" anchor="ctr"/>
+          <a:lstStyle/>
+          <a:p>
+            <a:pPr algn="ctr"/>
+            <a:endParaRPr lang="zh-CN" altLang="en-US"/>
+          </a:p>
+        </p:txBody>
+      </p:sp>
+      <p:pic>
+        <p:nvPicPr>
+          <p:cNvPr id="3" name="图片 2">
+            <a:extLst>
+              <a:ext uri="{FF2B5EF4-FFF2-40B4-BE49-F238E27FC236}">
+                <a16:creationId xmlns:a16="http://schemas.microsoft.com/office/drawing/2014/main" id="{A174FF3E-5FC3-4EF2-9264-845A4A86F35F}"/>
+              </a:ext>
+            </a:extLst>
+          </p:cNvPr>
+          <p:cNvPicPr>
+            <a:picLocks noChangeAspect="1"/>
+          </p:cNvPicPr>
+          <p:nvPr/>
+        </p:nvPicPr>
+        <p:blipFill>
+          <a:blip r:embed="rId2">
+            <a:extLst>
+              <a:ext uri="{28A0092B-C50C-407E-A947-70E740481C1C}">
+                <a14:useLocalDpi xmlns:a14="http://schemas.microsoft.com/office/drawing/2010/main" val="0"/>
+              </a:ext>
+            </a:extLst>
+          </a:blip>
+          <a:stretch>
+            <a:fillRect/>
+          </a:stretch>
+        </p:blipFill>
+        <p:spPr>
+          <a:xfrm>
+            <a:off x="7277893" y="4088081"/>
+            <a:ext cx="2817590" cy="1885937"/>
+          </a:xfrm>
+          <a:prstGeom prst="rect">
+            <a:avLst/>
+          </a:prstGeom>
+        </p:spPr>
+      </p:pic>
+      <p:grpSp>
+        <p:nvGrpSpPr>
+          <p:cNvPr id="11" name="组合 10">
+            <a:extLst>
+              <a:ext uri="{FF2B5EF4-FFF2-40B4-BE49-F238E27FC236}">
+                <a16:creationId xmlns:a16="http://schemas.microsoft.com/office/drawing/2014/main" id="{F080E61F-B936-4AEA-8E05-B4C69EC695C9}"/>
+              </a:ext>
+            </a:extLst>
+          </p:cNvPr>
+          <p:cNvGrpSpPr/>
+          <p:nvPr/>
+        </p:nvGrpSpPr>
+        <p:grpSpPr>
+          <a:xfrm>
+            <a:off x="2576378" y="1076625"/>
+            <a:ext cx="2424062" cy="461665"/>
+            <a:chOff x="2728778" y="1009950"/>
+            <a:chExt cx="2424062" cy="461665"/>
+          </a:xfrm>
+        </p:grpSpPr>
+        <p:sp>
+          <p:nvSpPr>
+            <p:cNvPr id="10" name="矩形 9">
+              <a:extLst>
+                <a:ext uri="{FF2B5EF4-FFF2-40B4-BE49-F238E27FC236}">
+                  <a16:creationId xmlns:a16="http://schemas.microsoft.com/office/drawing/2014/main" id="{7B078341-C40E-4B26-8717-CE926C6332DD}"/>
+                </a:ext>
+              </a:extLst>
+            </p:cNvPr>
+            <p:cNvSpPr/>
+            <p:nvPr/>
+          </p:nvSpPr>
+          <p:spPr>
+            <a:xfrm>
+              <a:off x="4088828" y="1073708"/>
+              <a:ext cx="978471" cy="353197"/>
+            </a:xfrm>
+            <a:prstGeom prst="rect">
+              <a:avLst/>
+            </a:prstGeom>
+            <a:solidFill>
+              <a:srgbClr val="FFCC00"/>
+            </a:solidFill>
+            <a:ln>
+              <a:noFill/>
+            </a:ln>
+            <a:scene3d>
+              <a:camera prst="orthographicFront"/>
+              <a:lightRig rig="threePt" dir="t"/>
+            </a:scene3d>
+            <a:sp3d prstMaterial="metal"/>
+          </p:spPr>
+          <p:style>
+            <a:lnRef idx="2">
+              <a:schemeClr val="accent1">
+                <a:shade val="50000"/>
+              </a:schemeClr>
+            </a:lnRef>
+            <a:fillRef idx="1">
+              <a:schemeClr val="accent1"/>
+            </a:fillRef>
+            <a:effectRef idx="0">
+              <a:schemeClr val="accent1"/>
+            </a:effectRef>
+            <a:fontRef idx="minor">
+              <a:schemeClr val="lt1"/>
+            </a:fontRef>
+          </p:style>
+          <p:txBody>
+            <a:bodyPr rtlCol="0" anchor="ctr"/>
+            <a:lstStyle/>
+            <a:p>
+              <a:pPr algn="ctr"/>
+              <a:endParaRPr lang="zh-CN" altLang="en-US" dirty="0"/>
+            </a:p>
+          </p:txBody>
+        </p:sp>
+        <p:sp>
+          <p:nvSpPr>
+            <p:cNvPr id="6" name="文本框 5">
+              <a:extLst>
+                <a:ext uri="{FF2B5EF4-FFF2-40B4-BE49-F238E27FC236}">
+                  <a16:creationId xmlns:a16="http://schemas.microsoft.com/office/drawing/2014/main" id="{9B1DC777-71C9-4F9C-9ED4-6932CA2281F2}"/>
+                </a:ext>
+              </a:extLst>
+            </p:cNvPr>
+            <p:cNvSpPr txBox="1"/>
+            <p:nvPr/>
+          </p:nvSpPr>
+          <p:spPr>
+            <a:xfrm>
+              <a:off x="2728778" y="1009950"/>
+              <a:ext cx="2424062" cy="461665"/>
+            </a:xfrm>
+            <a:prstGeom prst="rect">
+              <a:avLst/>
+            </a:prstGeom>
+            <a:noFill/>
+          </p:spPr>
+          <p:txBody>
+            <a:bodyPr wrap="none" rtlCol="0">
+              <a:spAutoFit/>
+            </a:bodyPr>
+            <a:lstStyle/>
+            <a:p>
+              <a:r>
+                <a:rPr lang="zh-CN" altLang="en-US" sz="2400" b="1" dirty="0">
+                  <a:solidFill>
+                    <a:schemeClr val="bg1">
+                      <a:lumMod val="95000"/>
+                    </a:schemeClr>
+                  </a:solidFill>
+                </a:rPr>
+                <a:t>耳机虚拟 </a:t>
+              </a:r>
+              <a:r>
+                <a:rPr lang="zh-CN" altLang="en-US" sz="2400" b="1" dirty="0"/>
+                <a:t>环绕声</a:t>
+              </a:r>
+            </a:p>
+          </p:txBody>
+        </p:sp>
+      </p:grpSp>
+      <p:sp>
+        <p:nvSpPr>
+          <p:cNvPr id="22" name="任意多边形: 形状 21">
+            <a:extLst>
+              <a:ext uri="{FF2B5EF4-FFF2-40B4-BE49-F238E27FC236}">
+                <a16:creationId xmlns:a16="http://schemas.microsoft.com/office/drawing/2014/main" id="{8EF3F299-1BE1-4ABD-A2A9-F35BA558EE94}"/>
+              </a:ext>
+            </a:extLst>
+          </p:cNvPr>
+          <p:cNvSpPr/>
+          <p:nvPr/>
+        </p:nvSpPr>
+        <p:spPr>
+          <a:xfrm rot="10800000">
+            <a:off x="1801003" y="1086149"/>
+            <a:ext cx="718409" cy="461664"/>
+          </a:xfrm>
+          <a:custGeom>
+            <a:avLst/>
+            <a:gdLst>
+              <a:gd name="connsiteX0" fmla="*/ 497954 w 4218654"/>
+              <a:gd name="connsiteY0" fmla="*/ 2077859 h 2710990"/>
+              <a:gd name="connsiteX1" fmla="*/ 704431 w 4218654"/>
+              <a:gd name="connsiteY1" fmla="*/ 1500882 h 2710990"/>
+              <a:gd name="connsiteX2" fmla="*/ 602260 w 4218654"/>
+              <a:gd name="connsiteY2" fmla="*/ 1500882 h 2710990"/>
+              <a:gd name="connsiteX3" fmla="*/ 602260 w 4218654"/>
+              <a:gd name="connsiteY3" fmla="*/ 709946 h 2710990"/>
+              <a:gd name="connsiteX4" fmla="*/ 393647 w 4218654"/>
+              <a:gd name="connsiteY4" fmla="*/ 709946 h 2710990"/>
+              <a:gd name="connsiteX5" fmla="*/ 393647 w 4218654"/>
+              <a:gd name="connsiteY5" fmla="*/ 1500882 h 2710990"/>
+              <a:gd name="connsiteX6" fmla="*/ 291476 w 4218654"/>
+              <a:gd name="connsiteY6" fmla="*/ 1500882 h 2710990"/>
+              <a:gd name="connsiteX7" fmla="*/ 1402360 w 4218654"/>
+              <a:gd name="connsiteY7" fmla="*/ 2077859 h 2710990"/>
+              <a:gd name="connsiteX8" fmla="*/ 1402360 w 4218654"/>
+              <a:gd name="connsiteY8" fmla="*/ 1286923 h 2710990"/>
+              <a:gd name="connsiteX9" fmla="*/ 1504531 w 4218654"/>
+              <a:gd name="connsiteY9" fmla="*/ 1286923 h 2710990"/>
+              <a:gd name="connsiteX10" fmla="*/ 1298053 w 4218654"/>
+              <a:gd name="connsiteY10" fmla="*/ 709946 h 2710990"/>
+              <a:gd name="connsiteX11" fmla="*/ 1091576 w 4218654"/>
+              <a:gd name="connsiteY11" fmla="*/ 1286923 h 2710990"/>
+              <a:gd name="connsiteX12" fmla="*/ 1193747 w 4218654"/>
+              <a:gd name="connsiteY12" fmla="*/ 1286923 h 2710990"/>
+              <a:gd name="connsiteX13" fmla="*/ 1193747 w 4218654"/>
+              <a:gd name="connsiteY13" fmla="*/ 2077859 h 2710990"/>
+              <a:gd name="connsiteX14" fmla="*/ 2849105 w 4218654"/>
+              <a:gd name="connsiteY14" fmla="*/ 2241319 h 2710990"/>
+              <a:gd name="connsiteX15" fmla="*/ 3228226 w 4218654"/>
+              <a:gd name="connsiteY15" fmla="*/ 2139734 h 2710990"/>
+              <a:gd name="connsiteX16" fmla="*/ 3600679 w 4218654"/>
+              <a:gd name="connsiteY16" fmla="*/ 1583515 h 2710990"/>
+              <a:gd name="connsiteX17" fmla="*/ 3601162 w 4218654"/>
+              <a:gd name="connsiteY17" fmla="*/ 1576240 h 2710990"/>
+              <a:gd name="connsiteX18" fmla="*/ 3615604 w 4218654"/>
+              <a:gd name="connsiteY18" fmla="*/ 1574038 h 2710990"/>
+              <a:gd name="connsiteX19" fmla="*/ 3990054 w 4218654"/>
+              <a:gd name="connsiteY19" fmla="*/ 1115584 h 2710990"/>
+              <a:gd name="connsiteX20" fmla="*/ 3522960 w 4218654"/>
+              <a:gd name="connsiteY20" fmla="*/ 645907 h 2710990"/>
+              <a:gd name="connsiteX21" fmla="*/ 3522908 w 4218654"/>
+              <a:gd name="connsiteY21" fmla="*/ 660256 h 2710990"/>
+              <a:gd name="connsiteX22" fmla="*/ 3329883 w 4218654"/>
+              <a:gd name="connsiteY22" fmla="*/ 660256 h 2710990"/>
+              <a:gd name="connsiteX23" fmla="*/ 3329883 w 4218654"/>
+              <a:gd name="connsiteY23" fmla="*/ 1483079 h 2710990"/>
+              <a:gd name="connsiteX24" fmla="*/ 3338263 w 4218654"/>
+              <a:gd name="connsiteY24" fmla="*/ 1483079 h 2710990"/>
+              <a:gd name="connsiteX25" fmla="*/ 3333961 w 4218654"/>
+              <a:gd name="connsiteY25" fmla="*/ 1547871 h 2710990"/>
+              <a:gd name="connsiteX26" fmla="*/ 3093685 w 4218654"/>
+              <a:gd name="connsiteY26" fmla="*/ 1906700 h 2710990"/>
+              <a:gd name="connsiteX27" fmla="*/ 2604528 w 4218654"/>
+              <a:gd name="connsiteY27" fmla="*/ 1906700 h 2710990"/>
+              <a:gd name="connsiteX28" fmla="*/ 2364252 w 4218654"/>
+              <a:gd name="connsiteY28" fmla="*/ 1547872 h 2710990"/>
+              <a:gd name="connsiteX29" fmla="*/ 2359950 w 4218654"/>
+              <a:gd name="connsiteY29" fmla="*/ 1483079 h 2710990"/>
+              <a:gd name="connsiteX30" fmla="*/ 2368329 w 4218654"/>
+              <a:gd name="connsiteY30" fmla="*/ 1483079 h 2710990"/>
+              <a:gd name="connsiteX31" fmla="*/ 2368329 w 4218654"/>
+              <a:gd name="connsiteY31" fmla="*/ 660256 h 2710990"/>
+              <a:gd name="connsiteX32" fmla="*/ 2162623 w 4218654"/>
+              <a:gd name="connsiteY32" fmla="*/ 660256 h 2710990"/>
+              <a:gd name="connsiteX33" fmla="*/ 2162623 w 4218654"/>
+              <a:gd name="connsiteY33" fmla="*/ 641120 h 2710990"/>
+              <a:gd name="connsiteX34" fmla="*/ 1693806 w 4218654"/>
+              <a:gd name="connsiteY34" fmla="*/ 1109076 h 2710990"/>
+              <a:gd name="connsiteX35" fmla="*/ 2066568 w 4218654"/>
+              <a:gd name="connsiteY35" fmla="*/ 1568904 h 2710990"/>
+              <a:gd name="connsiteX36" fmla="*/ 2096877 w 4218654"/>
+              <a:gd name="connsiteY36" fmla="*/ 1573638 h 2710990"/>
+              <a:gd name="connsiteX37" fmla="*/ 2097533 w 4218654"/>
+              <a:gd name="connsiteY37" fmla="*/ 1583514 h 2710990"/>
+              <a:gd name="connsiteX38" fmla="*/ 2469985 w 4218654"/>
+              <a:gd name="connsiteY38" fmla="*/ 2139734 h 2710990"/>
+              <a:gd name="connsiteX39" fmla="*/ 2849105 w 4218654"/>
+              <a:gd name="connsiteY39" fmla="*/ 2241319 h 2710990"/>
+              <a:gd name="connsiteX40" fmla="*/ 3766813 w 4218654"/>
+              <a:gd name="connsiteY40" fmla="*/ 2710990 h 2710990"/>
+              <a:gd name="connsiteX41" fmla="*/ 0 w 4218654"/>
+              <a:gd name="connsiteY41" fmla="*/ 2710990 h 2710990"/>
+              <a:gd name="connsiteX42" fmla="*/ 0 w 4218654"/>
+              <a:gd name="connsiteY42" fmla="*/ 451841 h 2710990"/>
+              <a:gd name="connsiteX43" fmla="*/ 451841 w 4218654"/>
+              <a:gd name="connsiteY43" fmla="*/ 0 h 2710990"/>
+              <a:gd name="connsiteX44" fmla="*/ 4218654 w 4218654"/>
+              <a:gd name="connsiteY44" fmla="*/ 0 h 2710990"/>
+              <a:gd name="connsiteX45" fmla="*/ 4218654 w 4218654"/>
+              <a:gd name="connsiteY45" fmla="*/ 2259149 h 2710990"/>
+            </a:gdLst>
+            <a:ahLst/>
+            <a:cxnLst>
+              <a:cxn ang="0">
+                <a:pos x="connsiteX0" y="connsiteY0"/>
+              </a:cxn>
+              <a:cxn ang="0">
+                <a:pos x="connsiteX1" y="connsiteY1"/>
+              </a:cxn>
+              <a:cxn ang="0">
+                <a:pos x="connsiteX2" y="connsiteY2"/>
+              </a:cxn>
+              <a:cxn ang="0">
+                <a:pos x="connsiteX3" y="connsiteY3"/>
+              </a:cxn>
+              <a:cxn ang="0">
+                <a:pos x="connsiteX4" y="connsiteY4"/>
+              </a:cxn>
+              <a:cxn ang="0">
+                <a:pos x="connsiteX5" y="connsiteY5"/>
+              </a:cxn>
+              <a:cxn ang="0">
+                <a:pos x="connsiteX6" y="connsiteY6"/>
+              </a:cxn>
+              <a:cxn ang="0">
+                <a:pos x="connsiteX7" y="connsiteY7"/>
+              </a:cxn>
+              <a:cxn ang="0">
+                <a:pos x="connsiteX8" y="connsiteY8"/>
+              </a:cxn>
+              <a:cxn ang="0">
+                <a:pos x="connsiteX9" y="connsiteY9"/>
+              </a:cxn>
+              <a:cxn ang="0">
+                <a:pos x="connsiteX10" y="connsiteY10"/>
+              </a:cxn>
+              <a:cxn ang="0">
+                <a:pos x="connsiteX11" y="connsiteY11"/>
+              </a:cxn>
+              <a:cxn ang="0">
+                <a:pos x="connsiteX12" y="connsiteY12"/>
+              </a:cxn>
+              <a:cxn ang="0">
+                <a:pos x="connsiteX13" y="connsiteY13"/>
+              </a:cxn>
+              <a:cxn ang="0">
+                <a:pos x="connsiteX14" y="connsiteY14"/>
+              </a:cxn>
+              <a:cxn ang="0">
+                <a:pos x="connsiteX15" y="connsiteY15"/>
+              </a:cxn>
+              <a:cxn ang="0">
+                <a:pos x="connsiteX16" y="connsiteY16"/>
+              </a:cxn>
+              <a:cxn ang="0">
+                <a:pos x="connsiteX17" y="connsiteY17"/>
+              </a:cxn>
+              <a:cxn ang="0">
+                <a:pos x="connsiteX18" y="connsiteY18"/>
+              </a:cxn>
+              <a:cxn ang="0">
+                <a:pos x="connsiteX19" y="connsiteY19"/>
+              </a:cxn>
+              <a:cxn ang="0">
+                <a:pos x="connsiteX20" y="connsiteY20"/>
+              </a:cxn>
+              <a:cxn ang="0">
+                <a:pos x="connsiteX21" y="connsiteY21"/>
+              </a:cxn>
+              <a:cxn ang="0">
+                <a:pos x="connsiteX22" y="connsiteY22"/>
+              </a:cxn>
+              <a:cxn ang="0">
+                <a:pos x="connsiteX23" y="connsiteY23"/>
+              </a:cxn>
+              <a:cxn ang="0">
+                <a:pos x="connsiteX24" y="connsiteY24"/>
+              </a:cxn>
+              <a:cxn ang="0">
+                <a:pos x="connsiteX25" y="connsiteY25"/>
+              </a:cxn>
+              <a:cxn ang="0">
+                <a:pos x="connsiteX26" y="connsiteY26"/>
+              </a:cxn>
+              <a:cxn ang="0">
+                <a:pos x="connsiteX27" y="connsiteY27"/>
+              </a:cxn>
+              <a:cxn ang="0">
+                <a:pos x="connsiteX28" y="connsiteY28"/>
+              </a:cxn>
+              <a:cxn ang="0">
+                <a:pos x="connsiteX29" y="connsiteY29"/>
+              </a:cxn>
+              <a:cxn ang="0">
+                <a:pos x="connsiteX30" y="connsiteY30"/>
+              </a:cxn>
+              <a:cxn ang="0">
+                <a:pos x="connsiteX31" y="connsiteY31"/>
+              </a:cxn>
+              <a:cxn ang="0">
+                <a:pos x="connsiteX32" y="connsiteY32"/>
+              </a:cxn>
+              <a:cxn ang="0">
+                <a:pos x="connsiteX33" y="connsiteY33"/>
+              </a:cxn>
+              <a:cxn ang="0">
+                <a:pos x="connsiteX34" y="connsiteY34"/>
+              </a:cxn>
+              <a:cxn ang="0">
+                <a:pos x="connsiteX35" y="connsiteY35"/>
+              </a:cxn>
+              <a:cxn ang="0">
+                <a:pos x="connsiteX36" y="connsiteY36"/>
+              </a:cxn>
+              <a:cxn ang="0">
+                <a:pos x="connsiteX37" y="connsiteY37"/>
+              </a:cxn>
+              <a:cxn ang="0">
+                <a:pos x="connsiteX38" y="connsiteY38"/>
+              </a:cxn>
+              <a:cxn ang="0">
+                <a:pos x="connsiteX39" y="connsiteY39"/>
+              </a:cxn>
+              <a:cxn ang="0">
+                <a:pos x="connsiteX40" y="connsiteY40"/>
+              </a:cxn>
+              <a:cxn ang="0">
+                <a:pos x="connsiteX41" y="connsiteY41"/>
+              </a:cxn>
+              <a:cxn ang="0">
+                <a:pos x="connsiteX42" y="connsiteY42"/>
+              </a:cxn>
+              <a:cxn ang="0">
+                <a:pos x="connsiteX43" y="connsiteY43"/>
+              </a:cxn>
+              <a:cxn ang="0">
+                <a:pos x="connsiteX44" y="connsiteY44"/>
+              </a:cxn>
+              <a:cxn ang="0">
+                <a:pos x="connsiteX45" y="connsiteY45"/>
+              </a:cxn>
+            </a:cxnLst>
+            <a:rect l="l" t="t" r="r" b="b"/>
+            <a:pathLst>
+              <a:path w="4218654" h="2710990">
+                <a:moveTo>
+                  <a:pt x="497954" y="2077859"/>
+                </a:moveTo>
+                <a:lnTo>
+                  <a:pt x="704431" y="1500882"/>
+                </a:lnTo>
+                <a:lnTo>
+                  <a:pt x="602260" y="1500882"/>
+                </a:lnTo>
+                <a:lnTo>
+                  <a:pt x="602260" y="709946"/>
+                </a:lnTo>
+                <a:lnTo>
+                  <a:pt x="393647" y="709946"/>
+                </a:lnTo>
+                <a:lnTo>
+                  <a:pt x="393647" y="1500882"/>
+                </a:lnTo>
+                <a:lnTo>
+                  <a:pt x="291476" y="1500882"/>
+                </a:lnTo>
+                <a:close/>
+                <a:moveTo>
+                  <a:pt x="1402360" y="2077859"/>
+                </a:moveTo>
+                <a:lnTo>
+                  <a:pt x="1402360" y="1286923"/>
+                </a:lnTo>
+                <a:lnTo>
+                  <a:pt x="1504531" y="1286923"/>
+                </a:lnTo>
+                <a:lnTo>
+                  <a:pt x="1298053" y="709946"/>
+                </a:lnTo>
+                <a:lnTo>
+                  <a:pt x="1091576" y="1286923"/>
+                </a:lnTo>
+                <a:lnTo>
+                  <a:pt x="1193747" y="1286923"/>
+                </a:lnTo>
+                <a:lnTo>
+                  <a:pt x="1193747" y="2077859"/>
+                </a:lnTo>
+                <a:close/>
+                <a:moveTo>
+                  <a:pt x="2849105" y="2241319"/>
+                </a:moveTo>
+                <a:cubicBezTo>
+                  <a:pt x="2980016" y="2241319"/>
+                  <a:pt x="3110926" y="2207458"/>
+                  <a:pt x="3228226" y="2139734"/>
+                </a:cubicBezTo>
+                <a:cubicBezTo>
+                  <a:pt x="3433502" y="2021218"/>
+                  <a:pt x="3569809" y="1814756"/>
+                  <a:pt x="3600679" y="1583515"/>
+                </a:cubicBezTo>
+                <a:lnTo>
+                  <a:pt x="3601162" y="1576240"/>
+                </a:lnTo>
+                <a:lnTo>
+                  <a:pt x="3615604" y="1574038"/>
+                </a:lnTo>
+                <a:cubicBezTo>
+                  <a:pt x="3828991" y="1530428"/>
+                  <a:pt x="3989638" y="1341845"/>
+                  <a:pt x="3990054" y="1115584"/>
+                </a:cubicBezTo>
+                <a:cubicBezTo>
+                  <a:pt x="3990529" y="857000"/>
+                  <a:pt x="3781543" y="646858"/>
+                  <a:pt x="3522960" y="645907"/>
+                </a:cubicBezTo>
+                <a:lnTo>
+                  <a:pt x="3522908" y="660256"/>
+                </a:lnTo>
+                <a:lnTo>
+                  <a:pt x="3329883" y="660256"/>
+                </a:lnTo>
+                <a:lnTo>
+                  <a:pt x="3329883" y="1483079"/>
+                </a:lnTo>
+                <a:lnTo>
+                  <a:pt x="3338263" y="1483079"/>
+                </a:lnTo>
+                <a:lnTo>
+                  <a:pt x="3333961" y="1547871"/>
+                </a:lnTo>
+                <a:cubicBezTo>
+                  <a:pt x="3314047" y="1697050"/>
+                  <a:pt x="3226112" y="1830243"/>
+                  <a:pt x="3093685" y="1906700"/>
+                </a:cubicBezTo>
+                <a:cubicBezTo>
+                  <a:pt x="2942339" y="1994080"/>
+                  <a:pt x="2755874" y="1994080"/>
+                  <a:pt x="2604528" y="1906700"/>
+                </a:cubicBezTo>
+                <a:cubicBezTo>
+                  <a:pt x="2472101" y="1830243"/>
+                  <a:pt x="2384166" y="1697050"/>
+                  <a:pt x="2364252" y="1547872"/>
+                </a:cubicBezTo>
+                <a:lnTo>
+                  <a:pt x="2359950" y="1483079"/>
+                </a:lnTo>
+                <a:lnTo>
+                  <a:pt x="2368329" y="1483079"/>
+                </a:lnTo>
+                <a:lnTo>
+                  <a:pt x="2368329" y="660256"/>
+                </a:lnTo>
+                <a:lnTo>
+                  <a:pt x="2162623" y="660256"/>
+                </a:lnTo>
+                <a:lnTo>
+                  <a:pt x="2162623" y="641120"/>
+                </a:lnTo>
+                <a:cubicBezTo>
+                  <a:pt x="1904038" y="641120"/>
+                  <a:pt x="1694281" y="850492"/>
+                  <a:pt x="1693806" y="1109076"/>
+                </a:cubicBezTo>
+                <a:cubicBezTo>
+                  <a:pt x="1693390" y="1335337"/>
+                  <a:pt x="1853343" y="1524509"/>
+                  <a:pt x="2066568" y="1568904"/>
+                </a:cubicBezTo>
+                <a:lnTo>
+                  <a:pt x="2096877" y="1573638"/>
+                </a:lnTo>
+                <a:lnTo>
+                  <a:pt x="2097533" y="1583514"/>
+                </a:lnTo>
+                <a:cubicBezTo>
+                  <a:pt x="2128403" y="1814755"/>
+                  <a:pt x="2264709" y="2021218"/>
+                  <a:pt x="2469985" y="2139734"/>
+                </a:cubicBezTo>
+                <a:cubicBezTo>
+                  <a:pt x="2587285" y="2207458"/>
+                  <a:pt x="2718195" y="2241319"/>
+                  <a:pt x="2849105" y="2241319"/>
+                </a:cubicBezTo>
+                <a:close/>
+                <a:moveTo>
+                  <a:pt x="3766813" y="2710990"/>
+                </a:moveTo>
+                <a:lnTo>
+                  <a:pt x="0" y="2710990"/>
+                </a:lnTo>
+                <a:lnTo>
+                  <a:pt x="0" y="451841"/>
+                </a:lnTo>
+                <a:lnTo>
+                  <a:pt x="451841" y="0"/>
+                </a:lnTo>
+                <a:lnTo>
+                  <a:pt x="4218654" y="0"/>
+                </a:lnTo>
+                <a:lnTo>
+                  <a:pt x="4218654" y="2259149"/>
+                </a:lnTo>
+                <a:close/>
+              </a:path>
+            </a:pathLst>
+          </a:custGeom>
+          <a:solidFill>
+            <a:schemeClr val="bg1"/>
+          </a:solidFill>
+          <a:ln>
+            <a:noFill/>
+          </a:ln>
+          <a:scene3d>
+            <a:camera prst="orthographicFront"/>
+            <a:lightRig rig="threePt" dir="t"/>
+          </a:scene3d>
+          <a:sp3d prstMaterial="metal"/>
+        </p:spPr>
+        <p:style>
+          <a:lnRef idx="2">
+            <a:schemeClr val="accent1">
+              <a:shade val="50000"/>
+            </a:schemeClr>
+          </a:lnRef>
+          <a:fillRef idx="1">
+            <a:schemeClr val="accent1"/>
+          </a:fillRef>
+          <a:effectRef idx="0">
+            <a:schemeClr val="accent1"/>
+          </a:effectRef>
+          <a:fontRef idx="minor">
+            <a:schemeClr val="lt1"/>
+          </a:fontRef>
+        </p:style>
+        <p:txBody>
+          <a:bodyPr wrap="square" rtlCol="0" anchor="ctr">
+            <a:noAutofit/>
+          </a:bodyPr>
+          <a:lstStyle/>
+          <a:p>
+            <a:pPr algn="ctr"/>
+            <a:endParaRPr lang="zh-CN" altLang="en-US"/>
+          </a:p>
+        </p:txBody>
+      </p:sp>
+      <p:sp>
+        <p:nvSpPr>
+          <p:cNvPr id="2" name="乘号 1">
+            <a:extLst>
+              <a:ext uri="{FF2B5EF4-FFF2-40B4-BE49-F238E27FC236}">
+                <a16:creationId xmlns:a16="http://schemas.microsoft.com/office/drawing/2014/main" id="{9400C606-ED6F-48FB-A752-1D9A924467D4}"/>
+              </a:ext>
+            </a:extLst>
+          </p:cNvPr>
+          <p:cNvSpPr/>
+          <p:nvPr/>
+        </p:nvSpPr>
+        <p:spPr>
+          <a:xfrm>
+            <a:off x="9384789" y="1086149"/>
+            <a:ext cx="461665" cy="461665"/>
+          </a:xfrm>
+          <a:prstGeom prst="mathMultiply">
             <a:avLst>
-              <a:gd name="adj" fmla="val 8896"/>
+              <a:gd name="adj1" fmla="val 10362"/>
             </a:avLst>
           </a:prstGeom>
-          <a:pattFill prst="weave">
-            <a:fgClr>
-              <a:schemeClr val="tx1">
-                <a:lumMod val="95000"/>
-                <a:lumOff val="5000"/>
-              </a:schemeClr>
-            </a:fgClr>
-            <a:bgClr>
-              <a:schemeClr val="bg2">
-                <a:lumMod val="25000"/>
-              </a:schemeClr>
-            </a:bgClr>
-          </a:pattFill>
+          <a:solidFill>
+            <a:schemeClr val="bg1"/>
+          </a:solidFill>
           <a:ln>
             <a:noFill/>
           </a:ln>
           <a:effectLst>
-            <a:innerShdw blurRad="63500" dist="50800" dir="13500000">
-              <a:prstClr val="black">
-                <a:alpha val="50000"/>
-              </a:prstClr>
-            </a:innerShdw>
+            <a:glow rad="228600">
+              <a:srgbClr val="C00000">
+                <a:alpha val="40000"/>
+              </a:srgbClr>
+            </a:glow>
           </a:effectLst>
           <a:scene3d>
             <a:camera prst="orthographicFront"/>
@@ -3579,10 +5697,217 @@
       </p:sp>
       <p:sp>
         <p:nvSpPr>
-          <p:cNvPr id="5" name="任意多边形: 形状 4">
-            <a:extLst>
-              <a:ext uri="{FF2B5EF4-FFF2-40B4-BE49-F238E27FC236}">
-                <a16:creationId xmlns:a16="http://schemas.microsoft.com/office/drawing/2014/main" id="{C2DA210B-4BA4-4919-A077-BA9343D7F866}"/>
+          <p:cNvPr id="7" name="文本框 6">
+            <a:extLst>
+              <a:ext uri="{FF2B5EF4-FFF2-40B4-BE49-F238E27FC236}">
+                <a16:creationId xmlns:a16="http://schemas.microsoft.com/office/drawing/2014/main" id="{30AB8525-DB0F-48D1-B75A-1A2FEF2D7888}"/>
+              </a:ext>
+            </a:extLst>
+          </p:cNvPr>
+          <p:cNvSpPr txBox="1"/>
+          <p:nvPr/>
+        </p:nvSpPr>
+        <p:spPr>
+          <a:xfrm>
+            <a:off x="1857063" y="1821473"/>
+            <a:ext cx="1324698" cy="400110"/>
+          </a:xfrm>
+          <a:prstGeom prst="rect">
+            <a:avLst/>
+          </a:prstGeom>
+          <a:noFill/>
+        </p:spPr>
+        <p:txBody>
+          <a:bodyPr wrap="square" rtlCol="0">
+            <a:spAutoFit/>
+          </a:bodyPr>
+          <a:lstStyle/>
+          <a:p>
+            <a:pPr algn="r"/>
+            <a:r>
+              <a:rPr lang="zh-CN" altLang="en-US" sz="2000" b="1" dirty="0">
+                <a:solidFill>
+                  <a:schemeClr val="bg1"/>
+                </a:solidFill>
+              </a:rPr>
+              <a:t>环绕声</a:t>
+            </a:r>
+          </a:p>
+        </p:txBody>
+      </p:sp>
+      <p:sp>
+        <p:nvSpPr>
+          <p:cNvPr id="15" name="文本框 14">
+            <a:extLst>
+              <a:ext uri="{FF2B5EF4-FFF2-40B4-BE49-F238E27FC236}">
+                <a16:creationId xmlns:a16="http://schemas.microsoft.com/office/drawing/2014/main" id="{6AD1C369-F406-48F2-8516-848195CEEBA0}"/>
+              </a:ext>
+            </a:extLst>
+          </p:cNvPr>
+          <p:cNvSpPr txBox="1"/>
+          <p:nvPr/>
+        </p:nvSpPr>
+        <p:spPr>
+          <a:xfrm>
+            <a:off x="1857063" y="2320298"/>
+            <a:ext cx="1324698" cy="400110"/>
+          </a:xfrm>
+          <a:prstGeom prst="rect">
+            <a:avLst/>
+          </a:prstGeom>
+          <a:noFill/>
+        </p:spPr>
+        <p:txBody>
+          <a:bodyPr wrap="square" rtlCol="0">
+            <a:spAutoFit/>
+          </a:bodyPr>
+          <a:lstStyle/>
+          <a:p>
+            <a:pPr algn="r"/>
+            <a:r>
+              <a:rPr lang="zh-CN" altLang="en-US" sz="2000" dirty="0">
+                <a:solidFill>
+                  <a:schemeClr val="bg1">
+                    <a:lumMod val="50000"/>
+                  </a:schemeClr>
+                </a:solidFill>
+              </a:rPr>
+              <a:t>音质增强</a:t>
+            </a:r>
+          </a:p>
+        </p:txBody>
+      </p:sp>
+      <p:sp>
+        <p:nvSpPr>
+          <p:cNvPr id="16" name="文本框 15">
+            <a:extLst>
+              <a:ext uri="{FF2B5EF4-FFF2-40B4-BE49-F238E27FC236}">
+                <a16:creationId xmlns:a16="http://schemas.microsoft.com/office/drawing/2014/main" id="{8A44217A-FE32-4EDB-8510-C80C6657673B}"/>
+              </a:ext>
+            </a:extLst>
+          </p:cNvPr>
+          <p:cNvSpPr txBox="1"/>
+          <p:nvPr/>
+        </p:nvSpPr>
+        <p:spPr>
+          <a:xfrm>
+            <a:off x="1857063" y="2819123"/>
+            <a:ext cx="1324698" cy="400110"/>
+          </a:xfrm>
+          <a:prstGeom prst="rect">
+            <a:avLst/>
+          </a:prstGeom>
+          <a:noFill/>
+        </p:spPr>
+        <p:txBody>
+          <a:bodyPr wrap="square" rtlCol="0">
+            <a:spAutoFit/>
+          </a:bodyPr>
+          <a:lstStyle/>
+          <a:p>
+            <a:pPr algn="r"/>
+            <a:r>
+              <a:rPr lang="zh-CN" altLang="en-US" sz="2000" dirty="0">
+                <a:solidFill>
+                  <a:schemeClr val="bg1">
+                    <a:lumMod val="50000"/>
+                  </a:schemeClr>
+                </a:solidFill>
+              </a:rPr>
+              <a:t>设备选项</a:t>
+            </a:r>
+          </a:p>
+        </p:txBody>
+      </p:sp>
+      <p:sp>
+        <p:nvSpPr>
+          <p:cNvPr id="17" name="文本框 16">
+            <a:extLst>
+              <a:ext uri="{FF2B5EF4-FFF2-40B4-BE49-F238E27FC236}">
+                <a16:creationId xmlns:a16="http://schemas.microsoft.com/office/drawing/2014/main" id="{C6012F29-9020-4499-B517-65C2A5CD95BC}"/>
+              </a:ext>
+            </a:extLst>
+          </p:cNvPr>
+          <p:cNvSpPr txBox="1"/>
+          <p:nvPr/>
+        </p:nvSpPr>
+        <p:spPr>
+          <a:xfrm>
+            <a:off x="1857063" y="3317949"/>
+            <a:ext cx="1324698" cy="400110"/>
+          </a:xfrm>
+          <a:prstGeom prst="rect">
+            <a:avLst/>
+          </a:prstGeom>
+          <a:noFill/>
+        </p:spPr>
+        <p:txBody>
+          <a:bodyPr wrap="square" rtlCol="0">
+            <a:spAutoFit/>
+          </a:bodyPr>
+          <a:lstStyle/>
+          <a:p>
+            <a:pPr algn="r"/>
+            <a:r>
+              <a:rPr lang="zh-CN" altLang="en-US" sz="2000" dirty="0">
+                <a:solidFill>
+                  <a:schemeClr val="bg1">
+                    <a:lumMod val="50000"/>
+                  </a:schemeClr>
+                </a:solidFill>
+              </a:rPr>
+              <a:t>关于</a:t>
+            </a:r>
+          </a:p>
+        </p:txBody>
+      </p:sp>
+      <p:cxnSp>
+        <p:nvCxnSpPr>
+          <p:cNvPr id="9" name="直接连接符 8">
+            <a:extLst>
+              <a:ext uri="{FF2B5EF4-FFF2-40B4-BE49-F238E27FC236}">
+                <a16:creationId xmlns:a16="http://schemas.microsoft.com/office/drawing/2014/main" id="{06CECFF9-58B9-4E06-920B-FB268CF6E666}"/>
+              </a:ext>
+            </a:extLst>
+          </p:cNvPr>
+          <p:cNvCxnSpPr/>
+          <p:nvPr/>
+        </p:nvCxnSpPr>
+        <p:spPr>
+          <a:xfrm>
+            <a:off x="3181761" y="1855207"/>
+            <a:ext cx="0" cy="332642"/>
+          </a:xfrm>
+          <a:prstGeom prst="line">
+            <a:avLst/>
+          </a:prstGeom>
+          <a:ln w="19050">
+            <a:solidFill>
+              <a:schemeClr val="bg1"/>
+            </a:solidFill>
+          </a:ln>
+        </p:spPr>
+        <p:style>
+          <a:lnRef idx="1">
+            <a:schemeClr val="accent1"/>
+          </a:lnRef>
+          <a:fillRef idx="0">
+            <a:schemeClr val="accent1"/>
+          </a:fillRef>
+          <a:effectRef idx="0">
+            <a:schemeClr val="accent1"/>
+          </a:effectRef>
+          <a:fontRef idx="minor">
+            <a:schemeClr val="tx1"/>
+          </a:fontRef>
+        </p:style>
+      </p:cxnSp>
+      <p:sp>
+        <p:nvSpPr>
+          <p:cNvPr id="18" name="任意多边形: 形状 17">
+            <a:extLst>
+              <a:ext uri="{FF2B5EF4-FFF2-40B4-BE49-F238E27FC236}">
+                <a16:creationId xmlns:a16="http://schemas.microsoft.com/office/drawing/2014/main" id="{F7B37C4E-C641-4333-9602-B8E6D3661998}"/>
               </a:ext>
             </a:extLst>
           </p:cNvPr>
@@ -3591,46 +5916,38 @@
         </p:nvSpPr>
         <p:spPr>
           <a:xfrm>
-            <a:off x="2249365" y="1200614"/>
-            <a:ext cx="7693269" cy="4791808"/>
+            <a:off x="8791830" y="1150033"/>
+            <a:ext cx="343930" cy="333895"/>
           </a:xfrm>
           <a:custGeom>
             <a:avLst/>
             <a:gdLst>
-              <a:gd name="connsiteX0" fmla="*/ 389183 w 7693269"/>
-              <a:gd name="connsiteY0" fmla="*/ 358678 h 4791808"/>
-              <a:gd name="connsiteX1" fmla="*/ 312216 w 7693269"/>
-              <a:gd name="connsiteY1" fmla="*/ 435645 h 4791808"/>
-              <a:gd name="connsiteX2" fmla="*/ 312216 w 7693269"/>
-              <a:gd name="connsiteY2" fmla="*/ 1070714 h 4791808"/>
-              <a:gd name="connsiteX3" fmla="*/ 389183 w 7693269"/>
-              <a:gd name="connsiteY3" fmla="*/ 1147681 h 4791808"/>
-              <a:gd name="connsiteX4" fmla="*/ 4086814 w 7693269"/>
-              <a:gd name="connsiteY4" fmla="*/ 1147681 h 4791808"/>
-              <a:gd name="connsiteX5" fmla="*/ 4163781 w 7693269"/>
-              <a:gd name="connsiteY5" fmla="*/ 1070714 h 4791808"/>
-              <a:gd name="connsiteX6" fmla="*/ 4163781 w 7693269"/>
-              <a:gd name="connsiteY6" fmla="*/ 435645 h 4791808"/>
-              <a:gd name="connsiteX7" fmla="*/ 4086814 w 7693269"/>
-              <a:gd name="connsiteY7" fmla="*/ 358678 h 4791808"/>
-              <a:gd name="connsiteX8" fmla="*/ 275673 w 7693269"/>
-              <a:gd name="connsiteY8" fmla="*/ 0 h 4791808"/>
-              <a:gd name="connsiteX9" fmla="*/ 7417596 w 7693269"/>
-              <a:gd name="connsiteY9" fmla="*/ 0 h 4791808"/>
-              <a:gd name="connsiteX10" fmla="*/ 7693269 w 7693269"/>
-              <a:gd name="connsiteY10" fmla="*/ 275673 h 4791808"/>
-              <a:gd name="connsiteX11" fmla="*/ 7693269 w 7693269"/>
-              <a:gd name="connsiteY11" fmla="*/ 4516135 h 4791808"/>
-              <a:gd name="connsiteX12" fmla="*/ 7417596 w 7693269"/>
-              <a:gd name="connsiteY12" fmla="*/ 4791808 h 4791808"/>
-              <a:gd name="connsiteX13" fmla="*/ 275673 w 7693269"/>
-              <a:gd name="connsiteY13" fmla="*/ 4791808 h 4791808"/>
-              <a:gd name="connsiteX14" fmla="*/ 0 w 7693269"/>
-              <a:gd name="connsiteY14" fmla="*/ 4516135 h 4791808"/>
-              <a:gd name="connsiteX15" fmla="*/ 0 w 7693269"/>
-              <a:gd name="connsiteY15" fmla="*/ 275673 h 4791808"/>
-              <a:gd name="connsiteX16" fmla="*/ 275673 w 7693269"/>
-              <a:gd name="connsiteY16" fmla="*/ 0 h 4791808"/>
+              <a:gd name="connsiteX0" fmla="*/ 190062 w 1296417"/>
+              <a:gd name="connsiteY0" fmla="*/ 151823 h 1258591"/>
+              <a:gd name="connsiteX1" fmla="*/ 321606 w 1296417"/>
+              <a:gd name="connsiteY1" fmla="*/ 283484 h 1258591"/>
+              <a:gd name="connsiteX2" fmla="*/ 320132 w 1296417"/>
+              <a:gd name="connsiteY2" fmla="*/ 935801 h 1258591"/>
+              <a:gd name="connsiteX3" fmla="*/ 972440 w 1296417"/>
+              <a:gd name="connsiteY3" fmla="*/ 939632 h 1258591"/>
+              <a:gd name="connsiteX4" fmla="*/ 978628 w 1296417"/>
+              <a:gd name="connsiteY4" fmla="*/ 287342 h 1258591"/>
+              <a:gd name="connsiteX5" fmla="*/ 1111709 w 1296417"/>
+              <a:gd name="connsiteY5" fmla="*/ 157234 h 1258591"/>
+              <a:gd name="connsiteX6" fmla="*/ 1103028 w 1296417"/>
+              <a:gd name="connsiteY6" fmla="*/ 1072242 h 1258591"/>
+              <a:gd name="connsiteX7" fmla="*/ 187996 w 1296417"/>
+              <a:gd name="connsiteY7" fmla="*/ 1066868 h 1258591"/>
+              <a:gd name="connsiteX8" fmla="*/ 190062 w 1296417"/>
+              <a:gd name="connsiteY8" fmla="*/ 151823 h 1258591"/>
+              <a:gd name="connsiteX9" fmla="*/ 555290 w 1296417"/>
+              <a:gd name="connsiteY9" fmla="*/ 0 h 1258591"/>
+              <a:gd name="connsiteX10" fmla="*/ 741125 w 1296417"/>
+              <a:gd name="connsiteY10" fmla="*/ 0 h 1258591"/>
+              <a:gd name="connsiteX11" fmla="*/ 741125 w 1296417"/>
+              <a:gd name="connsiteY11" fmla="*/ 717292 h 1258591"/>
+              <a:gd name="connsiteX12" fmla="*/ 555290 w 1296417"/>
+              <a:gd name="connsiteY12" fmla="*/ 717292 h 1258591"/>
             </a:gdLst>
             <a:ahLst/>
             <a:cxnLst>
@@ -3673,117 +5990,88 @@
               <a:cxn ang="0">
                 <a:pos x="connsiteX12" y="connsiteY12"/>
               </a:cxn>
-              <a:cxn ang="0">
-                <a:pos x="connsiteX13" y="connsiteY13"/>
-              </a:cxn>
-              <a:cxn ang="0">
-                <a:pos x="connsiteX14" y="connsiteY14"/>
-              </a:cxn>
-              <a:cxn ang="0">
-                <a:pos x="connsiteX15" y="connsiteY15"/>
-              </a:cxn>
-              <a:cxn ang="0">
-                <a:pos x="connsiteX16" y="connsiteY16"/>
-              </a:cxn>
             </a:cxnLst>
             <a:rect l="l" t="t" r="r" b="b"/>
             <a:pathLst>
-              <a:path w="7693269" h="4791808">
+              <a:path w="1296417" h="1258591">
                 <a:moveTo>
-                  <a:pt x="389183" y="358678"/>
+                  <a:pt x="190062" y="151823"/>
                 </a:moveTo>
                 <a:cubicBezTo>
-                  <a:pt x="346675" y="358678"/>
-                  <a:pt x="312216" y="393137"/>
-                  <a:pt x="312216" y="435645"/>
+                  <a:pt x="233910" y="195710"/>
+                  <a:pt x="277758" y="239597"/>
+                  <a:pt x="321606" y="283484"/>
+                </a:cubicBezTo>
+                <a:cubicBezTo>
+                  <a:pt x="141526" y="463401"/>
+                  <a:pt x="140867" y="755073"/>
+                  <a:pt x="320132" y="935801"/>
+                </a:cubicBezTo>
+                <a:cubicBezTo>
+                  <a:pt x="499397" y="1116530"/>
+                  <a:pt x="791065" y="1118243"/>
+                  <a:pt x="972440" y="939632"/>
+                </a:cubicBezTo>
+                <a:cubicBezTo>
+                  <a:pt x="1153816" y="761021"/>
+                  <a:pt x="1156582" y="469362"/>
+                  <a:pt x="978628" y="287342"/>
                 </a:cubicBezTo>
                 <a:lnTo>
-                  <a:pt x="312216" y="1070714"/>
+                  <a:pt x="1111709" y="157234"/>
                 </a:lnTo>
                 <a:cubicBezTo>
-                  <a:pt x="312216" y="1113222"/>
-                  <a:pt x="346675" y="1147681"/>
-                  <a:pt x="389183" y="1147681"/>
+                  <a:pt x="1361336" y="412565"/>
+                  <a:pt x="1357454" y="821693"/>
+                  <a:pt x="1103028" y="1072242"/>
                 </a:cubicBezTo>
-                <a:lnTo>
-                  <a:pt x="4086814" y="1147681"/>
-                </a:lnTo>
                 <a:cubicBezTo>
-                  <a:pt x="4129322" y="1147681"/>
-                  <a:pt x="4163781" y="1113222"/>
-                  <a:pt x="4163781" y="1070714"/>
+                  <a:pt x="848602" y="1322790"/>
+                  <a:pt x="439462" y="1320387"/>
+                  <a:pt x="187996" y="1066868"/>
                 </a:cubicBezTo>
-                <a:lnTo>
-                  <a:pt x="4163781" y="435645"/>
-                </a:lnTo>
                 <a:cubicBezTo>
-                  <a:pt x="4163781" y="393137"/>
-                  <a:pt x="4129322" y="358678"/>
-                  <a:pt x="4086814" y="358678"/>
+                  <a:pt x="-63470" y="813349"/>
+                  <a:pt x="-62546" y="404203"/>
+                  <a:pt x="190062" y="151823"/>
                 </a:cubicBezTo>
                 <a:close/>
                 <a:moveTo>
-                  <a:pt x="275673" y="0"/>
+                  <a:pt x="555290" y="0"/>
                 </a:moveTo>
                 <a:lnTo>
-                  <a:pt x="7417596" y="0"/>
+                  <a:pt x="741125" y="0"/>
                 </a:lnTo>
-                <a:cubicBezTo>
-                  <a:pt x="7569846" y="0"/>
-                  <a:pt x="7693269" y="123423"/>
-                  <a:pt x="7693269" y="275673"/>
-                </a:cubicBezTo>
                 <a:lnTo>
-                  <a:pt x="7693269" y="4516135"/>
+                  <a:pt x="741125" y="717292"/>
                 </a:lnTo>
-                <a:cubicBezTo>
-                  <a:pt x="7693269" y="4668385"/>
-                  <a:pt x="7569846" y="4791808"/>
-                  <a:pt x="7417596" y="4791808"/>
-                </a:cubicBezTo>
                 <a:lnTo>
-                  <a:pt x="275673" y="4791808"/>
+                  <a:pt x="555290" y="717292"/>
                 </a:lnTo>
-                <a:cubicBezTo>
-                  <a:pt x="123423" y="4791808"/>
-                  <a:pt x="0" y="4668385"/>
-                  <a:pt x="0" y="4516135"/>
-                </a:cubicBezTo>
-                <a:lnTo>
-                  <a:pt x="0" y="275673"/>
-                </a:lnTo>
-                <a:cubicBezTo>
-                  <a:pt x="0" y="123423"/>
-                  <a:pt x="123423" y="0"/>
-                  <a:pt x="275673" y="0"/>
-                </a:cubicBezTo>
                 <a:close/>
               </a:path>
             </a:pathLst>
           </a:custGeom>
-          <a:pattFill prst="weave">
-            <a:fgClr>
-              <a:schemeClr val="tx1">
-                <a:lumMod val="95000"/>
-                <a:lumOff val="5000"/>
-              </a:schemeClr>
-            </a:fgClr>
-            <a:bgClr>
-              <a:schemeClr val="bg2">
-                <a:lumMod val="25000"/>
-              </a:schemeClr>
-            </a:bgClr>
-          </a:pattFill>
+          <a:solidFill>
+            <a:schemeClr val="bg1"/>
+          </a:solidFill>
           <a:ln>
             <a:noFill/>
           </a:ln>
+          <a:effectLst>
+            <a:glow rad="228600">
+              <a:schemeClr val="tx1">
+                <a:lumMod val="85000"/>
+                <a:lumOff val="15000"/>
+                <a:alpha val="40000"/>
+              </a:schemeClr>
+            </a:glow>
+          </a:effectLst>
           <a:scene3d>
             <a:camera prst="orthographicFront"/>
             <a:lightRig rig="threePt" dir="t"/>
           </a:scene3d>
-          <a:sp3d prstMaterial="metal">
-            <a:bevelT w="165100" h="88900"/>
-          </a:sp3d>
+          <a:sp3d prstMaterial="metal"/>
         </p:spPr>
         <p:style>
           <a:lnRef idx="2">
@@ -3808,6 +6096,6486 @@
           <a:lstStyle/>
           <a:p>
             <a:pPr algn="ctr"/>
+            <a:endParaRPr lang="zh-CN" altLang="en-US">
+              <a:effectLst>
+                <a:glow rad="228600">
+                  <a:schemeClr val="accent6">
+                    <a:satMod val="175000"/>
+                    <a:alpha val="40000"/>
+                  </a:schemeClr>
+                </a:glow>
+              </a:effectLst>
+            </a:endParaRPr>
+          </a:p>
+        </p:txBody>
+      </p:sp>
+      <p:sp>
+        <p:nvSpPr>
+          <p:cNvPr id="12" name="文本框 11">
+            <a:extLst>
+              <a:ext uri="{FF2B5EF4-FFF2-40B4-BE49-F238E27FC236}">
+                <a16:creationId xmlns:a16="http://schemas.microsoft.com/office/drawing/2014/main" id="{5A49EED9-4C11-4D69-8346-20F523DEC29D}"/>
+              </a:ext>
+            </a:extLst>
+          </p:cNvPr>
+          <p:cNvSpPr txBox="1"/>
+          <p:nvPr/>
+        </p:nvSpPr>
+        <p:spPr>
+          <a:xfrm>
+            <a:off x="3514223" y="1830159"/>
+            <a:ext cx="646331" cy="369332"/>
+          </a:xfrm>
+          <a:prstGeom prst="rect">
+            <a:avLst/>
+          </a:prstGeom>
+          <a:solidFill>
+            <a:schemeClr val="bg1"/>
+          </a:solidFill>
+        </p:spPr>
+        <p:txBody>
+          <a:bodyPr wrap="none" rtlCol="0">
+            <a:spAutoFit/>
+          </a:bodyPr>
+          <a:lstStyle/>
+          <a:p>
+            <a:r>
+              <a:rPr lang="zh-CN" altLang="en-US" b="1" dirty="0"/>
+              <a:t>输入</a:t>
+            </a:r>
+          </a:p>
+        </p:txBody>
+      </p:sp>
+      <p:grpSp>
+        <p:nvGrpSpPr>
+          <p:cNvPr id="25" name="组合 24">
+            <a:extLst>
+              <a:ext uri="{FF2B5EF4-FFF2-40B4-BE49-F238E27FC236}">
+                <a16:creationId xmlns:a16="http://schemas.microsoft.com/office/drawing/2014/main" id="{F9B1B70E-EDBD-4995-8A43-B2D7AE817AC7}"/>
+              </a:ext>
+            </a:extLst>
+          </p:cNvPr>
+          <p:cNvGrpSpPr/>
+          <p:nvPr/>
+        </p:nvGrpSpPr>
+        <p:grpSpPr>
+          <a:xfrm>
+            <a:off x="3514223" y="2389414"/>
+            <a:ext cx="661988" cy="661988"/>
+            <a:chOff x="133350" y="2028825"/>
+            <a:chExt cx="1190408" cy="1190408"/>
+          </a:xfrm>
+        </p:grpSpPr>
+        <p:sp>
+          <p:nvSpPr>
+            <p:cNvPr id="14" name="弧形 13">
+              <a:extLst>
+                <a:ext uri="{FF2B5EF4-FFF2-40B4-BE49-F238E27FC236}">
+                  <a16:creationId xmlns:a16="http://schemas.microsoft.com/office/drawing/2014/main" id="{F027644D-CD36-4C70-AEE5-CA93BF67BFA6}"/>
+                </a:ext>
+              </a:extLst>
+            </p:cNvPr>
+            <p:cNvSpPr/>
+            <p:nvPr/>
+          </p:nvSpPr>
+          <p:spPr>
+            <a:xfrm>
+              <a:off x="133350" y="2028825"/>
+              <a:ext cx="1190408" cy="1190408"/>
+            </a:xfrm>
+            <a:prstGeom prst="arc">
+              <a:avLst>
+                <a:gd name="adj1" fmla="val 13503122"/>
+                <a:gd name="adj2" fmla="val 18910153"/>
+              </a:avLst>
+            </a:prstGeom>
+            <a:ln w="19050">
+              <a:solidFill>
+                <a:schemeClr val="bg1"/>
+              </a:solidFill>
+            </a:ln>
+          </p:spPr>
+          <p:style>
+            <a:lnRef idx="1">
+              <a:schemeClr val="accent1"/>
+            </a:lnRef>
+            <a:fillRef idx="0">
+              <a:schemeClr val="accent1"/>
+            </a:fillRef>
+            <a:effectRef idx="0">
+              <a:schemeClr val="accent1"/>
+            </a:effectRef>
+            <a:fontRef idx="minor">
+              <a:schemeClr val="tx1"/>
+            </a:fontRef>
+          </p:style>
+          <p:txBody>
+            <a:bodyPr rtlCol="0" anchor="ctr"/>
+            <a:lstStyle/>
+            <a:p>
+              <a:pPr algn="ctr"/>
+              <a:endParaRPr lang="zh-CN" altLang="en-US"/>
+            </a:p>
+          </p:txBody>
+        </p:sp>
+        <p:cxnSp>
+          <p:nvCxnSpPr>
+            <p:cNvPr id="20" name="直接连接符 19">
+              <a:extLst>
+                <a:ext uri="{FF2B5EF4-FFF2-40B4-BE49-F238E27FC236}">
+                  <a16:creationId xmlns:a16="http://schemas.microsoft.com/office/drawing/2014/main" id="{273EA87A-7466-4781-AB8E-84EA70B1BDA1}"/>
+                </a:ext>
+              </a:extLst>
+            </p:cNvPr>
+            <p:cNvCxnSpPr>
+              <a:cxnSpLocks/>
+            </p:cNvCxnSpPr>
+            <p:nvPr/>
+          </p:nvCxnSpPr>
+          <p:spPr>
+            <a:xfrm flipH="1" flipV="1">
+              <a:off x="573881" y="2083595"/>
+              <a:ext cx="161925" cy="516730"/>
+            </a:xfrm>
+            <a:prstGeom prst="line">
+              <a:avLst/>
+            </a:prstGeom>
+            <a:ln>
+              <a:solidFill>
+                <a:schemeClr val="bg1"/>
+              </a:solidFill>
+            </a:ln>
+          </p:spPr>
+          <p:style>
+            <a:lnRef idx="1">
+              <a:schemeClr val="accent1"/>
+            </a:lnRef>
+            <a:fillRef idx="0">
+              <a:schemeClr val="accent1"/>
+            </a:fillRef>
+            <a:effectRef idx="0">
+              <a:schemeClr val="accent1"/>
+            </a:effectRef>
+            <a:fontRef idx="minor">
+              <a:schemeClr val="tx1"/>
+            </a:fontRef>
+          </p:style>
+        </p:cxnSp>
+      </p:grpSp>
+      <p:grpSp>
+        <p:nvGrpSpPr>
+          <p:cNvPr id="26" name="组合 25">
+            <a:extLst>
+              <a:ext uri="{FF2B5EF4-FFF2-40B4-BE49-F238E27FC236}">
+                <a16:creationId xmlns:a16="http://schemas.microsoft.com/office/drawing/2014/main" id="{148F3CC4-8554-497F-9568-83F30858E508}"/>
+              </a:ext>
+            </a:extLst>
+          </p:cNvPr>
+          <p:cNvGrpSpPr/>
+          <p:nvPr/>
+        </p:nvGrpSpPr>
+        <p:grpSpPr>
+          <a:xfrm>
+            <a:off x="4138791" y="2389414"/>
+            <a:ext cx="661988" cy="661988"/>
+            <a:chOff x="133350" y="2028825"/>
+            <a:chExt cx="1190408" cy="1190408"/>
+          </a:xfrm>
+        </p:grpSpPr>
+        <p:sp>
+          <p:nvSpPr>
+            <p:cNvPr id="27" name="弧形 26">
+              <a:extLst>
+                <a:ext uri="{FF2B5EF4-FFF2-40B4-BE49-F238E27FC236}">
+                  <a16:creationId xmlns:a16="http://schemas.microsoft.com/office/drawing/2014/main" id="{E8705E3F-2D49-47B4-A92F-2983BB373435}"/>
+                </a:ext>
+              </a:extLst>
+            </p:cNvPr>
+            <p:cNvSpPr/>
+            <p:nvPr/>
+          </p:nvSpPr>
+          <p:spPr>
+            <a:xfrm>
+              <a:off x="133350" y="2028825"/>
+              <a:ext cx="1190408" cy="1190408"/>
+            </a:xfrm>
+            <a:prstGeom prst="arc">
+              <a:avLst>
+                <a:gd name="adj1" fmla="val 13503122"/>
+                <a:gd name="adj2" fmla="val 18910153"/>
+              </a:avLst>
+            </a:prstGeom>
+            <a:ln w="19050">
+              <a:solidFill>
+                <a:schemeClr val="bg1"/>
+              </a:solidFill>
+            </a:ln>
+          </p:spPr>
+          <p:style>
+            <a:lnRef idx="1">
+              <a:schemeClr val="accent1"/>
+            </a:lnRef>
+            <a:fillRef idx="0">
+              <a:schemeClr val="accent1"/>
+            </a:fillRef>
+            <a:effectRef idx="0">
+              <a:schemeClr val="accent1"/>
+            </a:effectRef>
+            <a:fontRef idx="minor">
+              <a:schemeClr val="tx1"/>
+            </a:fontRef>
+          </p:style>
+          <p:txBody>
+            <a:bodyPr rtlCol="0" anchor="ctr"/>
+            <a:lstStyle/>
+            <a:p>
+              <a:pPr algn="ctr"/>
+              <a:endParaRPr lang="zh-CN" altLang="en-US"/>
+            </a:p>
+          </p:txBody>
+        </p:sp>
+        <p:cxnSp>
+          <p:nvCxnSpPr>
+            <p:cNvPr id="28" name="直接连接符 27">
+              <a:extLst>
+                <a:ext uri="{FF2B5EF4-FFF2-40B4-BE49-F238E27FC236}">
+                  <a16:creationId xmlns:a16="http://schemas.microsoft.com/office/drawing/2014/main" id="{AD8DA080-314A-496E-A271-83A5BC0864C0}"/>
+                </a:ext>
+              </a:extLst>
+            </p:cNvPr>
+            <p:cNvCxnSpPr>
+              <a:cxnSpLocks/>
+            </p:cNvCxnSpPr>
+            <p:nvPr/>
+          </p:nvCxnSpPr>
+          <p:spPr>
+            <a:xfrm flipH="1" flipV="1">
+              <a:off x="573881" y="2083595"/>
+              <a:ext cx="161925" cy="516730"/>
+            </a:xfrm>
+            <a:prstGeom prst="line">
+              <a:avLst/>
+            </a:prstGeom>
+            <a:ln>
+              <a:solidFill>
+                <a:schemeClr val="bg1"/>
+              </a:solidFill>
+            </a:ln>
+          </p:spPr>
+          <p:style>
+            <a:lnRef idx="1">
+              <a:schemeClr val="accent1"/>
+            </a:lnRef>
+            <a:fillRef idx="0">
+              <a:schemeClr val="accent1"/>
+            </a:fillRef>
+            <a:effectRef idx="0">
+              <a:schemeClr val="accent1"/>
+            </a:effectRef>
+            <a:fontRef idx="minor">
+              <a:schemeClr val="tx1"/>
+            </a:fontRef>
+          </p:style>
+        </p:cxnSp>
+      </p:grpSp>
+      <p:grpSp>
+        <p:nvGrpSpPr>
+          <p:cNvPr id="30" name="组合 29">
+            <a:extLst>
+              <a:ext uri="{FF2B5EF4-FFF2-40B4-BE49-F238E27FC236}">
+                <a16:creationId xmlns:a16="http://schemas.microsoft.com/office/drawing/2014/main" id="{6E14B1B5-FD62-4D6F-B403-2E70BFD9E20A}"/>
+              </a:ext>
+            </a:extLst>
+          </p:cNvPr>
+          <p:cNvGrpSpPr/>
+          <p:nvPr/>
+        </p:nvGrpSpPr>
+        <p:grpSpPr>
+          <a:xfrm>
+            <a:off x="4763359" y="2389414"/>
+            <a:ext cx="661988" cy="661988"/>
+            <a:chOff x="133350" y="2028825"/>
+            <a:chExt cx="1190408" cy="1190408"/>
+          </a:xfrm>
+        </p:grpSpPr>
+        <p:sp>
+          <p:nvSpPr>
+            <p:cNvPr id="31" name="弧形 30">
+              <a:extLst>
+                <a:ext uri="{FF2B5EF4-FFF2-40B4-BE49-F238E27FC236}">
+                  <a16:creationId xmlns:a16="http://schemas.microsoft.com/office/drawing/2014/main" id="{F4F6EBF0-BB16-4381-8B5D-259DC69FFC8C}"/>
+                </a:ext>
+              </a:extLst>
+            </p:cNvPr>
+            <p:cNvSpPr/>
+            <p:nvPr/>
+          </p:nvSpPr>
+          <p:spPr>
+            <a:xfrm>
+              <a:off x="133350" y="2028825"/>
+              <a:ext cx="1190408" cy="1190408"/>
+            </a:xfrm>
+            <a:prstGeom prst="arc">
+              <a:avLst>
+                <a:gd name="adj1" fmla="val 13503122"/>
+                <a:gd name="adj2" fmla="val 18910153"/>
+              </a:avLst>
+            </a:prstGeom>
+            <a:ln w="19050">
+              <a:solidFill>
+                <a:schemeClr val="bg1"/>
+              </a:solidFill>
+            </a:ln>
+          </p:spPr>
+          <p:style>
+            <a:lnRef idx="1">
+              <a:schemeClr val="accent1"/>
+            </a:lnRef>
+            <a:fillRef idx="0">
+              <a:schemeClr val="accent1"/>
+            </a:fillRef>
+            <a:effectRef idx="0">
+              <a:schemeClr val="accent1"/>
+            </a:effectRef>
+            <a:fontRef idx="minor">
+              <a:schemeClr val="tx1"/>
+            </a:fontRef>
+          </p:style>
+          <p:txBody>
+            <a:bodyPr rtlCol="0" anchor="ctr"/>
+            <a:lstStyle/>
+            <a:p>
+              <a:pPr algn="ctr"/>
+              <a:endParaRPr lang="zh-CN" altLang="en-US"/>
+            </a:p>
+          </p:txBody>
+        </p:sp>
+        <p:cxnSp>
+          <p:nvCxnSpPr>
+            <p:cNvPr id="32" name="直接连接符 31">
+              <a:extLst>
+                <a:ext uri="{FF2B5EF4-FFF2-40B4-BE49-F238E27FC236}">
+                  <a16:creationId xmlns:a16="http://schemas.microsoft.com/office/drawing/2014/main" id="{7CE08CF0-E84F-41E5-9F38-51B84D7CC449}"/>
+                </a:ext>
+              </a:extLst>
+            </p:cNvPr>
+            <p:cNvCxnSpPr>
+              <a:cxnSpLocks/>
+            </p:cNvCxnSpPr>
+            <p:nvPr/>
+          </p:nvCxnSpPr>
+          <p:spPr>
+            <a:xfrm flipH="1" flipV="1">
+              <a:off x="573881" y="2083595"/>
+              <a:ext cx="161925" cy="516730"/>
+            </a:xfrm>
+            <a:prstGeom prst="line">
+              <a:avLst/>
+            </a:prstGeom>
+            <a:ln>
+              <a:solidFill>
+                <a:schemeClr val="bg1"/>
+              </a:solidFill>
+            </a:ln>
+          </p:spPr>
+          <p:style>
+            <a:lnRef idx="1">
+              <a:schemeClr val="accent1"/>
+            </a:lnRef>
+            <a:fillRef idx="0">
+              <a:schemeClr val="accent1"/>
+            </a:fillRef>
+            <a:effectRef idx="0">
+              <a:schemeClr val="accent1"/>
+            </a:effectRef>
+            <a:fontRef idx="minor">
+              <a:schemeClr val="tx1"/>
+            </a:fontRef>
+          </p:style>
+        </p:cxnSp>
+      </p:grpSp>
+      <p:grpSp>
+        <p:nvGrpSpPr>
+          <p:cNvPr id="33" name="组合 32">
+            <a:extLst>
+              <a:ext uri="{FF2B5EF4-FFF2-40B4-BE49-F238E27FC236}">
+                <a16:creationId xmlns:a16="http://schemas.microsoft.com/office/drawing/2014/main" id="{7B54C083-192C-45B0-BFF0-E097D909302A}"/>
+              </a:ext>
+            </a:extLst>
+          </p:cNvPr>
+          <p:cNvGrpSpPr/>
+          <p:nvPr/>
+        </p:nvGrpSpPr>
+        <p:grpSpPr>
+          <a:xfrm>
+            <a:off x="5387927" y="2389414"/>
+            <a:ext cx="661988" cy="661988"/>
+            <a:chOff x="133350" y="2028825"/>
+            <a:chExt cx="1190408" cy="1190408"/>
+          </a:xfrm>
+        </p:grpSpPr>
+        <p:sp>
+          <p:nvSpPr>
+            <p:cNvPr id="34" name="弧形 33">
+              <a:extLst>
+                <a:ext uri="{FF2B5EF4-FFF2-40B4-BE49-F238E27FC236}">
+                  <a16:creationId xmlns:a16="http://schemas.microsoft.com/office/drawing/2014/main" id="{72D1CD4B-C92C-4CE0-95A6-66374C4BCE95}"/>
+                </a:ext>
+              </a:extLst>
+            </p:cNvPr>
+            <p:cNvSpPr/>
+            <p:nvPr/>
+          </p:nvSpPr>
+          <p:spPr>
+            <a:xfrm>
+              <a:off x="133350" y="2028825"/>
+              <a:ext cx="1190408" cy="1190408"/>
+            </a:xfrm>
+            <a:prstGeom prst="arc">
+              <a:avLst>
+                <a:gd name="adj1" fmla="val 13503122"/>
+                <a:gd name="adj2" fmla="val 18910153"/>
+              </a:avLst>
+            </a:prstGeom>
+            <a:ln w="19050">
+              <a:solidFill>
+                <a:schemeClr val="bg1"/>
+              </a:solidFill>
+            </a:ln>
+          </p:spPr>
+          <p:style>
+            <a:lnRef idx="1">
+              <a:schemeClr val="accent1"/>
+            </a:lnRef>
+            <a:fillRef idx="0">
+              <a:schemeClr val="accent1"/>
+            </a:fillRef>
+            <a:effectRef idx="0">
+              <a:schemeClr val="accent1"/>
+            </a:effectRef>
+            <a:fontRef idx="minor">
+              <a:schemeClr val="tx1"/>
+            </a:fontRef>
+          </p:style>
+          <p:txBody>
+            <a:bodyPr rtlCol="0" anchor="ctr"/>
+            <a:lstStyle/>
+            <a:p>
+              <a:pPr algn="ctr"/>
+              <a:endParaRPr lang="zh-CN" altLang="en-US"/>
+            </a:p>
+          </p:txBody>
+        </p:sp>
+        <p:cxnSp>
+          <p:nvCxnSpPr>
+            <p:cNvPr id="35" name="直接连接符 34">
+              <a:extLst>
+                <a:ext uri="{FF2B5EF4-FFF2-40B4-BE49-F238E27FC236}">
+                  <a16:creationId xmlns:a16="http://schemas.microsoft.com/office/drawing/2014/main" id="{1E567AD6-1B48-4A0D-9335-E9592CB30B2E}"/>
+                </a:ext>
+              </a:extLst>
+            </p:cNvPr>
+            <p:cNvCxnSpPr>
+              <a:cxnSpLocks/>
+            </p:cNvCxnSpPr>
+            <p:nvPr/>
+          </p:nvCxnSpPr>
+          <p:spPr>
+            <a:xfrm flipH="1" flipV="1">
+              <a:off x="573881" y="2083595"/>
+              <a:ext cx="161925" cy="516730"/>
+            </a:xfrm>
+            <a:prstGeom prst="line">
+              <a:avLst/>
+            </a:prstGeom>
+            <a:ln>
+              <a:solidFill>
+                <a:schemeClr val="bg1"/>
+              </a:solidFill>
+            </a:ln>
+          </p:spPr>
+          <p:style>
+            <a:lnRef idx="1">
+              <a:schemeClr val="accent1"/>
+            </a:lnRef>
+            <a:fillRef idx="0">
+              <a:schemeClr val="accent1"/>
+            </a:fillRef>
+            <a:effectRef idx="0">
+              <a:schemeClr val="accent1"/>
+            </a:effectRef>
+            <a:fontRef idx="minor">
+              <a:schemeClr val="tx1"/>
+            </a:fontRef>
+          </p:style>
+        </p:cxnSp>
+      </p:grpSp>
+      <p:grpSp>
+        <p:nvGrpSpPr>
+          <p:cNvPr id="36" name="组合 35">
+            <a:extLst>
+              <a:ext uri="{FF2B5EF4-FFF2-40B4-BE49-F238E27FC236}">
+                <a16:creationId xmlns:a16="http://schemas.microsoft.com/office/drawing/2014/main" id="{4B46DF10-1454-4908-8A1B-BDB1F0CEB8BF}"/>
+              </a:ext>
+            </a:extLst>
+          </p:cNvPr>
+          <p:cNvGrpSpPr/>
+          <p:nvPr/>
+        </p:nvGrpSpPr>
+        <p:grpSpPr>
+          <a:xfrm>
+            <a:off x="3518256" y="2920211"/>
+            <a:ext cx="661988" cy="661988"/>
+            <a:chOff x="133350" y="2028825"/>
+            <a:chExt cx="1190408" cy="1190408"/>
+          </a:xfrm>
+        </p:grpSpPr>
+        <p:sp>
+          <p:nvSpPr>
+            <p:cNvPr id="37" name="弧形 36">
+              <a:extLst>
+                <a:ext uri="{FF2B5EF4-FFF2-40B4-BE49-F238E27FC236}">
+                  <a16:creationId xmlns:a16="http://schemas.microsoft.com/office/drawing/2014/main" id="{2A4012EB-6790-43DB-B2E6-1E2A6E230B1C}"/>
+                </a:ext>
+              </a:extLst>
+            </p:cNvPr>
+            <p:cNvSpPr/>
+            <p:nvPr/>
+          </p:nvSpPr>
+          <p:spPr>
+            <a:xfrm>
+              <a:off x="133350" y="2028825"/>
+              <a:ext cx="1190408" cy="1190408"/>
+            </a:xfrm>
+            <a:prstGeom prst="arc">
+              <a:avLst>
+                <a:gd name="adj1" fmla="val 13503122"/>
+                <a:gd name="adj2" fmla="val 18910153"/>
+              </a:avLst>
+            </a:prstGeom>
+            <a:ln w="19050">
+              <a:solidFill>
+                <a:schemeClr val="bg1"/>
+              </a:solidFill>
+            </a:ln>
+          </p:spPr>
+          <p:style>
+            <a:lnRef idx="1">
+              <a:schemeClr val="accent1"/>
+            </a:lnRef>
+            <a:fillRef idx="0">
+              <a:schemeClr val="accent1"/>
+            </a:fillRef>
+            <a:effectRef idx="0">
+              <a:schemeClr val="accent1"/>
+            </a:effectRef>
+            <a:fontRef idx="minor">
+              <a:schemeClr val="tx1"/>
+            </a:fontRef>
+          </p:style>
+          <p:txBody>
+            <a:bodyPr rtlCol="0" anchor="ctr"/>
+            <a:lstStyle/>
+            <a:p>
+              <a:pPr algn="ctr"/>
+              <a:endParaRPr lang="zh-CN" altLang="en-US"/>
+            </a:p>
+          </p:txBody>
+        </p:sp>
+        <p:cxnSp>
+          <p:nvCxnSpPr>
+            <p:cNvPr id="38" name="直接连接符 37">
+              <a:extLst>
+                <a:ext uri="{FF2B5EF4-FFF2-40B4-BE49-F238E27FC236}">
+                  <a16:creationId xmlns:a16="http://schemas.microsoft.com/office/drawing/2014/main" id="{76B0202A-5A4D-488F-BEC2-FE7E3FD8EA71}"/>
+                </a:ext>
+              </a:extLst>
+            </p:cNvPr>
+            <p:cNvCxnSpPr>
+              <a:cxnSpLocks/>
+            </p:cNvCxnSpPr>
+            <p:nvPr/>
+          </p:nvCxnSpPr>
+          <p:spPr>
+            <a:xfrm flipH="1" flipV="1">
+              <a:off x="573881" y="2083595"/>
+              <a:ext cx="161925" cy="516730"/>
+            </a:xfrm>
+            <a:prstGeom prst="line">
+              <a:avLst/>
+            </a:prstGeom>
+            <a:ln>
+              <a:solidFill>
+                <a:schemeClr val="bg1"/>
+              </a:solidFill>
+            </a:ln>
+          </p:spPr>
+          <p:style>
+            <a:lnRef idx="1">
+              <a:schemeClr val="accent1"/>
+            </a:lnRef>
+            <a:fillRef idx="0">
+              <a:schemeClr val="accent1"/>
+            </a:fillRef>
+            <a:effectRef idx="0">
+              <a:schemeClr val="accent1"/>
+            </a:effectRef>
+            <a:fontRef idx="minor">
+              <a:schemeClr val="tx1"/>
+            </a:fontRef>
+          </p:style>
+        </p:cxnSp>
+      </p:grpSp>
+      <p:grpSp>
+        <p:nvGrpSpPr>
+          <p:cNvPr id="39" name="组合 38">
+            <a:extLst>
+              <a:ext uri="{FF2B5EF4-FFF2-40B4-BE49-F238E27FC236}">
+                <a16:creationId xmlns:a16="http://schemas.microsoft.com/office/drawing/2014/main" id="{8707C773-F5AB-4E84-8183-6691938219FE}"/>
+              </a:ext>
+            </a:extLst>
+          </p:cNvPr>
+          <p:cNvGrpSpPr/>
+          <p:nvPr/>
+        </p:nvGrpSpPr>
+        <p:grpSpPr>
+          <a:xfrm>
+            <a:off x="4142824" y="2920211"/>
+            <a:ext cx="661988" cy="661988"/>
+            <a:chOff x="133350" y="2028825"/>
+            <a:chExt cx="1190408" cy="1190408"/>
+          </a:xfrm>
+        </p:grpSpPr>
+        <p:sp>
+          <p:nvSpPr>
+            <p:cNvPr id="40" name="弧形 39">
+              <a:extLst>
+                <a:ext uri="{FF2B5EF4-FFF2-40B4-BE49-F238E27FC236}">
+                  <a16:creationId xmlns:a16="http://schemas.microsoft.com/office/drawing/2014/main" id="{3EE92352-8609-40AF-A52F-938D7FAC24C7}"/>
+                </a:ext>
+              </a:extLst>
+            </p:cNvPr>
+            <p:cNvSpPr/>
+            <p:nvPr/>
+          </p:nvSpPr>
+          <p:spPr>
+            <a:xfrm>
+              <a:off x="133350" y="2028825"/>
+              <a:ext cx="1190408" cy="1190408"/>
+            </a:xfrm>
+            <a:prstGeom prst="arc">
+              <a:avLst>
+                <a:gd name="adj1" fmla="val 13503122"/>
+                <a:gd name="adj2" fmla="val 18910153"/>
+              </a:avLst>
+            </a:prstGeom>
+            <a:ln w="19050">
+              <a:solidFill>
+                <a:schemeClr val="bg1"/>
+              </a:solidFill>
+            </a:ln>
+          </p:spPr>
+          <p:style>
+            <a:lnRef idx="1">
+              <a:schemeClr val="accent1"/>
+            </a:lnRef>
+            <a:fillRef idx="0">
+              <a:schemeClr val="accent1"/>
+            </a:fillRef>
+            <a:effectRef idx="0">
+              <a:schemeClr val="accent1"/>
+            </a:effectRef>
+            <a:fontRef idx="minor">
+              <a:schemeClr val="tx1"/>
+            </a:fontRef>
+          </p:style>
+          <p:txBody>
+            <a:bodyPr rtlCol="0" anchor="ctr"/>
+            <a:lstStyle/>
+            <a:p>
+              <a:pPr algn="ctr"/>
+              <a:endParaRPr lang="zh-CN" altLang="en-US"/>
+            </a:p>
+          </p:txBody>
+        </p:sp>
+        <p:cxnSp>
+          <p:nvCxnSpPr>
+            <p:cNvPr id="41" name="直接连接符 40">
+              <a:extLst>
+                <a:ext uri="{FF2B5EF4-FFF2-40B4-BE49-F238E27FC236}">
+                  <a16:creationId xmlns:a16="http://schemas.microsoft.com/office/drawing/2014/main" id="{4186042E-CA3C-4252-9A3A-6AF30C26F5E4}"/>
+                </a:ext>
+              </a:extLst>
+            </p:cNvPr>
+            <p:cNvCxnSpPr>
+              <a:cxnSpLocks/>
+            </p:cNvCxnSpPr>
+            <p:nvPr/>
+          </p:nvCxnSpPr>
+          <p:spPr>
+            <a:xfrm flipH="1" flipV="1">
+              <a:off x="573881" y="2083595"/>
+              <a:ext cx="161925" cy="516730"/>
+            </a:xfrm>
+            <a:prstGeom prst="line">
+              <a:avLst/>
+            </a:prstGeom>
+            <a:ln>
+              <a:solidFill>
+                <a:schemeClr val="bg1"/>
+              </a:solidFill>
+            </a:ln>
+          </p:spPr>
+          <p:style>
+            <a:lnRef idx="1">
+              <a:schemeClr val="accent1"/>
+            </a:lnRef>
+            <a:fillRef idx="0">
+              <a:schemeClr val="accent1"/>
+            </a:fillRef>
+            <a:effectRef idx="0">
+              <a:schemeClr val="accent1"/>
+            </a:effectRef>
+            <a:fontRef idx="minor">
+              <a:schemeClr val="tx1"/>
+            </a:fontRef>
+          </p:style>
+        </p:cxnSp>
+      </p:grpSp>
+      <p:grpSp>
+        <p:nvGrpSpPr>
+          <p:cNvPr id="42" name="组合 41">
+            <a:extLst>
+              <a:ext uri="{FF2B5EF4-FFF2-40B4-BE49-F238E27FC236}">
+                <a16:creationId xmlns:a16="http://schemas.microsoft.com/office/drawing/2014/main" id="{1F8A6B72-37D5-4270-B5AF-B40A8DD988C6}"/>
+              </a:ext>
+            </a:extLst>
+          </p:cNvPr>
+          <p:cNvGrpSpPr/>
+          <p:nvPr/>
+        </p:nvGrpSpPr>
+        <p:grpSpPr>
+          <a:xfrm>
+            <a:off x="4767392" y="2920211"/>
+            <a:ext cx="661988" cy="661988"/>
+            <a:chOff x="133350" y="2028825"/>
+            <a:chExt cx="1190408" cy="1190408"/>
+          </a:xfrm>
+        </p:grpSpPr>
+        <p:sp>
+          <p:nvSpPr>
+            <p:cNvPr id="43" name="弧形 42">
+              <a:extLst>
+                <a:ext uri="{FF2B5EF4-FFF2-40B4-BE49-F238E27FC236}">
+                  <a16:creationId xmlns:a16="http://schemas.microsoft.com/office/drawing/2014/main" id="{AC12895D-FA57-414E-A291-C16C2DFCA7BA}"/>
+                </a:ext>
+              </a:extLst>
+            </p:cNvPr>
+            <p:cNvSpPr/>
+            <p:nvPr/>
+          </p:nvSpPr>
+          <p:spPr>
+            <a:xfrm>
+              <a:off x="133350" y="2028825"/>
+              <a:ext cx="1190408" cy="1190408"/>
+            </a:xfrm>
+            <a:prstGeom prst="arc">
+              <a:avLst>
+                <a:gd name="adj1" fmla="val 13503122"/>
+                <a:gd name="adj2" fmla="val 18910153"/>
+              </a:avLst>
+            </a:prstGeom>
+            <a:ln w="19050">
+              <a:solidFill>
+                <a:schemeClr val="bg1"/>
+              </a:solidFill>
+            </a:ln>
+          </p:spPr>
+          <p:style>
+            <a:lnRef idx="1">
+              <a:schemeClr val="accent1"/>
+            </a:lnRef>
+            <a:fillRef idx="0">
+              <a:schemeClr val="accent1"/>
+            </a:fillRef>
+            <a:effectRef idx="0">
+              <a:schemeClr val="accent1"/>
+            </a:effectRef>
+            <a:fontRef idx="minor">
+              <a:schemeClr val="tx1"/>
+            </a:fontRef>
+          </p:style>
+          <p:txBody>
+            <a:bodyPr rtlCol="0" anchor="ctr"/>
+            <a:lstStyle/>
+            <a:p>
+              <a:pPr algn="ctr"/>
+              <a:endParaRPr lang="zh-CN" altLang="en-US"/>
+            </a:p>
+          </p:txBody>
+        </p:sp>
+        <p:cxnSp>
+          <p:nvCxnSpPr>
+            <p:cNvPr id="44" name="直接连接符 43">
+              <a:extLst>
+                <a:ext uri="{FF2B5EF4-FFF2-40B4-BE49-F238E27FC236}">
+                  <a16:creationId xmlns:a16="http://schemas.microsoft.com/office/drawing/2014/main" id="{46A60012-F1A4-45C4-9320-73906AB2A6A1}"/>
+                </a:ext>
+              </a:extLst>
+            </p:cNvPr>
+            <p:cNvCxnSpPr>
+              <a:cxnSpLocks/>
+            </p:cNvCxnSpPr>
+            <p:nvPr/>
+          </p:nvCxnSpPr>
+          <p:spPr>
+            <a:xfrm flipH="1" flipV="1">
+              <a:off x="573881" y="2083595"/>
+              <a:ext cx="161925" cy="516730"/>
+            </a:xfrm>
+            <a:prstGeom prst="line">
+              <a:avLst/>
+            </a:prstGeom>
+            <a:ln>
+              <a:solidFill>
+                <a:schemeClr val="bg1"/>
+              </a:solidFill>
+            </a:ln>
+          </p:spPr>
+          <p:style>
+            <a:lnRef idx="1">
+              <a:schemeClr val="accent1"/>
+            </a:lnRef>
+            <a:fillRef idx="0">
+              <a:schemeClr val="accent1"/>
+            </a:fillRef>
+            <a:effectRef idx="0">
+              <a:schemeClr val="accent1"/>
+            </a:effectRef>
+            <a:fontRef idx="minor">
+              <a:schemeClr val="tx1"/>
+            </a:fontRef>
+          </p:style>
+        </p:cxnSp>
+      </p:grpSp>
+      <p:grpSp>
+        <p:nvGrpSpPr>
+          <p:cNvPr id="45" name="组合 44">
+            <a:extLst>
+              <a:ext uri="{FF2B5EF4-FFF2-40B4-BE49-F238E27FC236}">
+                <a16:creationId xmlns:a16="http://schemas.microsoft.com/office/drawing/2014/main" id="{8D4F5DCF-1B7E-4A00-9D9A-2EE5644D06C4}"/>
+              </a:ext>
+            </a:extLst>
+          </p:cNvPr>
+          <p:cNvGrpSpPr/>
+          <p:nvPr/>
+        </p:nvGrpSpPr>
+        <p:grpSpPr>
+          <a:xfrm>
+            <a:off x="5391959" y="2920211"/>
+            <a:ext cx="661988" cy="661988"/>
+            <a:chOff x="133350" y="2028825"/>
+            <a:chExt cx="1190408" cy="1190408"/>
+          </a:xfrm>
+        </p:grpSpPr>
+        <p:sp>
+          <p:nvSpPr>
+            <p:cNvPr id="46" name="弧形 45">
+              <a:extLst>
+                <a:ext uri="{FF2B5EF4-FFF2-40B4-BE49-F238E27FC236}">
+                  <a16:creationId xmlns:a16="http://schemas.microsoft.com/office/drawing/2014/main" id="{C8E9FF42-71BB-47B5-AAD7-8782540E1BFB}"/>
+                </a:ext>
+              </a:extLst>
+            </p:cNvPr>
+            <p:cNvSpPr/>
+            <p:nvPr/>
+          </p:nvSpPr>
+          <p:spPr>
+            <a:xfrm>
+              <a:off x="133350" y="2028825"/>
+              <a:ext cx="1190408" cy="1190408"/>
+            </a:xfrm>
+            <a:prstGeom prst="arc">
+              <a:avLst>
+                <a:gd name="adj1" fmla="val 13503122"/>
+                <a:gd name="adj2" fmla="val 18910153"/>
+              </a:avLst>
+            </a:prstGeom>
+            <a:ln w="19050">
+              <a:solidFill>
+                <a:schemeClr val="bg1"/>
+              </a:solidFill>
+            </a:ln>
+          </p:spPr>
+          <p:style>
+            <a:lnRef idx="1">
+              <a:schemeClr val="accent1"/>
+            </a:lnRef>
+            <a:fillRef idx="0">
+              <a:schemeClr val="accent1"/>
+            </a:fillRef>
+            <a:effectRef idx="0">
+              <a:schemeClr val="accent1"/>
+            </a:effectRef>
+            <a:fontRef idx="minor">
+              <a:schemeClr val="tx1"/>
+            </a:fontRef>
+          </p:style>
+          <p:txBody>
+            <a:bodyPr rtlCol="0" anchor="ctr"/>
+            <a:lstStyle/>
+            <a:p>
+              <a:pPr algn="ctr"/>
+              <a:endParaRPr lang="zh-CN" altLang="en-US"/>
+            </a:p>
+          </p:txBody>
+        </p:sp>
+        <p:cxnSp>
+          <p:nvCxnSpPr>
+            <p:cNvPr id="47" name="直接连接符 46">
+              <a:extLst>
+                <a:ext uri="{FF2B5EF4-FFF2-40B4-BE49-F238E27FC236}">
+                  <a16:creationId xmlns:a16="http://schemas.microsoft.com/office/drawing/2014/main" id="{78BA6110-84EF-4B9F-99B1-6ABC9421EC64}"/>
+                </a:ext>
+              </a:extLst>
+            </p:cNvPr>
+            <p:cNvCxnSpPr>
+              <a:cxnSpLocks/>
+            </p:cNvCxnSpPr>
+            <p:nvPr/>
+          </p:nvCxnSpPr>
+          <p:spPr>
+            <a:xfrm flipH="1" flipV="1">
+              <a:off x="573881" y="2083595"/>
+              <a:ext cx="161925" cy="516730"/>
+            </a:xfrm>
+            <a:prstGeom prst="line">
+              <a:avLst/>
+            </a:prstGeom>
+            <a:ln>
+              <a:solidFill>
+                <a:schemeClr val="bg1"/>
+              </a:solidFill>
+            </a:ln>
+          </p:spPr>
+          <p:style>
+            <a:lnRef idx="1">
+              <a:schemeClr val="accent1"/>
+            </a:lnRef>
+            <a:fillRef idx="0">
+              <a:schemeClr val="accent1"/>
+            </a:fillRef>
+            <a:effectRef idx="0">
+              <a:schemeClr val="accent1"/>
+            </a:effectRef>
+            <a:fontRef idx="minor">
+              <a:schemeClr val="tx1"/>
+            </a:fontRef>
+          </p:style>
+        </p:cxnSp>
+      </p:grpSp>
+      <p:sp>
+        <p:nvSpPr>
+          <p:cNvPr id="48" name="文本框 47">
+            <a:extLst>
+              <a:ext uri="{FF2B5EF4-FFF2-40B4-BE49-F238E27FC236}">
+                <a16:creationId xmlns:a16="http://schemas.microsoft.com/office/drawing/2014/main" id="{F611E00B-6A5A-43F1-9F47-EC3390FCFE67}"/>
+              </a:ext>
+            </a:extLst>
+          </p:cNvPr>
+          <p:cNvSpPr txBox="1"/>
+          <p:nvPr/>
+        </p:nvSpPr>
+        <p:spPr>
+          <a:xfrm>
+            <a:off x="6333623" y="1830159"/>
+            <a:ext cx="646331" cy="369332"/>
+          </a:xfrm>
+          <a:prstGeom prst="rect">
+            <a:avLst/>
+          </a:prstGeom>
+          <a:solidFill>
+            <a:schemeClr val="bg1"/>
+          </a:solidFill>
+        </p:spPr>
+        <p:txBody>
+          <a:bodyPr wrap="none" rtlCol="0">
+            <a:spAutoFit/>
+          </a:bodyPr>
+          <a:lstStyle/>
+          <a:p>
+            <a:r>
+              <a:rPr lang="zh-CN" altLang="en-US" b="1" dirty="0"/>
+              <a:t>输出</a:t>
+            </a:r>
+          </a:p>
+        </p:txBody>
+      </p:sp>
+      <p:grpSp>
+        <p:nvGrpSpPr>
+          <p:cNvPr id="50" name="组合 49">
+            <a:extLst>
+              <a:ext uri="{FF2B5EF4-FFF2-40B4-BE49-F238E27FC236}">
+                <a16:creationId xmlns:a16="http://schemas.microsoft.com/office/drawing/2014/main" id="{C933A1E9-CAE2-40C3-B8AD-25A0482771D8}"/>
+              </a:ext>
+            </a:extLst>
+          </p:cNvPr>
+          <p:cNvGrpSpPr/>
+          <p:nvPr/>
+        </p:nvGrpSpPr>
+        <p:grpSpPr>
+          <a:xfrm>
+            <a:off x="3380286" y="4360882"/>
+            <a:ext cx="1420493" cy="1420493"/>
+            <a:chOff x="133350" y="2028825"/>
+            <a:chExt cx="1190408" cy="1190408"/>
+          </a:xfrm>
+        </p:grpSpPr>
+        <p:sp>
+          <p:nvSpPr>
+            <p:cNvPr id="51" name="弧形 50">
+              <a:extLst>
+                <a:ext uri="{FF2B5EF4-FFF2-40B4-BE49-F238E27FC236}">
+                  <a16:creationId xmlns:a16="http://schemas.microsoft.com/office/drawing/2014/main" id="{6FFBF6C2-B0CA-46E4-A9FA-3C7FDD00B7E0}"/>
+                </a:ext>
+              </a:extLst>
+            </p:cNvPr>
+            <p:cNvSpPr/>
+            <p:nvPr/>
+          </p:nvSpPr>
+          <p:spPr>
+            <a:xfrm>
+              <a:off x="133350" y="2028825"/>
+              <a:ext cx="1190408" cy="1190408"/>
+            </a:xfrm>
+            <a:prstGeom prst="arc">
+              <a:avLst>
+                <a:gd name="adj1" fmla="val 13503122"/>
+                <a:gd name="adj2" fmla="val 18910153"/>
+              </a:avLst>
+            </a:prstGeom>
+            <a:ln w="19050">
+              <a:solidFill>
+                <a:schemeClr val="bg1"/>
+              </a:solidFill>
+            </a:ln>
+          </p:spPr>
+          <p:style>
+            <a:lnRef idx="1">
+              <a:schemeClr val="accent1"/>
+            </a:lnRef>
+            <a:fillRef idx="0">
+              <a:schemeClr val="accent1"/>
+            </a:fillRef>
+            <a:effectRef idx="0">
+              <a:schemeClr val="accent1"/>
+            </a:effectRef>
+            <a:fontRef idx="minor">
+              <a:schemeClr val="tx1"/>
+            </a:fontRef>
+          </p:style>
+          <p:txBody>
+            <a:bodyPr rtlCol="0" anchor="ctr"/>
+            <a:lstStyle/>
+            <a:p>
+              <a:pPr algn="ctr"/>
+              <a:endParaRPr lang="zh-CN" altLang="en-US"/>
+            </a:p>
+          </p:txBody>
+        </p:sp>
+        <p:cxnSp>
+          <p:nvCxnSpPr>
+            <p:cNvPr id="52" name="直接连接符 51">
+              <a:extLst>
+                <a:ext uri="{FF2B5EF4-FFF2-40B4-BE49-F238E27FC236}">
+                  <a16:creationId xmlns:a16="http://schemas.microsoft.com/office/drawing/2014/main" id="{2E6ECB1E-2F50-49A8-8AF1-A12CD09D89D9}"/>
+                </a:ext>
+              </a:extLst>
+            </p:cNvPr>
+            <p:cNvCxnSpPr>
+              <a:cxnSpLocks/>
+            </p:cNvCxnSpPr>
+            <p:nvPr/>
+          </p:nvCxnSpPr>
+          <p:spPr>
+            <a:xfrm flipH="1" flipV="1">
+              <a:off x="573881" y="2083595"/>
+              <a:ext cx="161925" cy="516730"/>
+            </a:xfrm>
+            <a:prstGeom prst="line">
+              <a:avLst/>
+            </a:prstGeom>
+            <a:ln>
+              <a:solidFill>
+                <a:schemeClr val="bg1"/>
+              </a:solidFill>
+            </a:ln>
+          </p:spPr>
+          <p:style>
+            <a:lnRef idx="1">
+              <a:schemeClr val="accent1"/>
+            </a:lnRef>
+            <a:fillRef idx="0">
+              <a:schemeClr val="accent1"/>
+            </a:fillRef>
+            <a:effectRef idx="0">
+              <a:schemeClr val="accent1"/>
+            </a:effectRef>
+            <a:fontRef idx="minor">
+              <a:schemeClr val="tx1"/>
+            </a:fontRef>
+          </p:style>
+        </p:cxnSp>
+      </p:grpSp>
+      <p:grpSp>
+        <p:nvGrpSpPr>
+          <p:cNvPr id="53" name="组合 52">
+            <a:extLst>
+              <a:ext uri="{FF2B5EF4-FFF2-40B4-BE49-F238E27FC236}">
+                <a16:creationId xmlns:a16="http://schemas.microsoft.com/office/drawing/2014/main" id="{E9E1F312-2BDD-416E-87B7-AC805F5B35F0}"/>
+              </a:ext>
+            </a:extLst>
+          </p:cNvPr>
+          <p:cNvGrpSpPr/>
+          <p:nvPr/>
+        </p:nvGrpSpPr>
+        <p:grpSpPr>
+          <a:xfrm>
+            <a:off x="6045906" y="2871952"/>
+            <a:ext cx="1420493" cy="1420493"/>
+            <a:chOff x="133350" y="2028825"/>
+            <a:chExt cx="1190408" cy="1190408"/>
+          </a:xfrm>
+        </p:grpSpPr>
+        <p:sp>
+          <p:nvSpPr>
+            <p:cNvPr id="54" name="弧形 53">
+              <a:extLst>
+                <a:ext uri="{FF2B5EF4-FFF2-40B4-BE49-F238E27FC236}">
+                  <a16:creationId xmlns:a16="http://schemas.microsoft.com/office/drawing/2014/main" id="{D4694787-673B-4FA3-9951-7348AE0B48E4}"/>
+                </a:ext>
+              </a:extLst>
+            </p:cNvPr>
+            <p:cNvSpPr/>
+            <p:nvPr/>
+          </p:nvSpPr>
+          <p:spPr>
+            <a:xfrm>
+              <a:off x="133350" y="2028825"/>
+              <a:ext cx="1190408" cy="1190408"/>
+            </a:xfrm>
+            <a:prstGeom prst="arc">
+              <a:avLst>
+                <a:gd name="adj1" fmla="val 13503122"/>
+                <a:gd name="adj2" fmla="val 18910153"/>
+              </a:avLst>
+            </a:prstGeom>
+            <a:ln w="19050">
+              <a:solidFill>
+                <a:schemeClr val="bg1"/>
+              </a:solidFill>
+            </a:ln>
+          </p:spPr>
+          <p:style>
+            <a:lnRef idx="1">
+              <a:schemeClr val="accent1"/>
+            </a:lnRef>
+            <a:fillRef idx="0">
+              <a:schemeClr val="accent1"/>
+            </a:fillRef>
+            <a:effectRef idx="0">
+              <a:schemeClr val="accent1"/>
+            </a:effectRef>
+            <a:fontRef idx="minor">
+              <a:schemeClr val="tx1"/>
+            </a:fontRef>
+          </p:style>
+          <p:txBody>
+            <a:bodyPr rtlCol="0" anchor="ctr"/>
+            <a:lstStyle/>
+            <a:p>
+              <a:pPr algn="ctr"/>
+              <a:endParaRPr lang="zh-CN" altLang="en-US"/>
+            </a:p>
+          </p:txBody>
+        </p:sp>
+        <p:cxnSp>
+          <p:nvCxnSpPr>
+            <p:cNvPr id="55" name="直接连接符 54">
+              <a:extLst>
+                <a:ext uri="{FF2B5EF4-FFF2-40B4-BE49-F238E27FC236}">
+                  <a16:creationId xmlns:a16="http://schemas.microsoft.com/office/drawing/2014/main" id="{065E88F3-A5DC-4D49-B9C8-EF89E5572863}"/>
+                </a:ext>
+              </a:extLst>
+            </p:cNvPr>
+            <p:cNvCxnSpPr>
+              <a:cxnSpLocks/>
+            </p:cNvCxnSpPr>
+            <p:nvPr/>
+          </p:nvCxnSpPr>
+          <p:spPr>
+            <a:xfrm flipH="1" flipV="1">
+              <a:off x="573881" y="2083595"/>
+              <a:ext cx="161925" cy="516730"/>
+            </a:xfrm>
+            <a:prstGeom prst="line">
+              <a:avLst/>
+            </a:prstGeom>
+            <a:ln>
+              <a:solidFill>
+                <a:schemeClr val="bg1"/>
+              </a:solidFill>
+            </a:ln>
+          </p:spPr>
+          <p:style>
+            <a:lnRef idx="1">
+              <a:schemeClr val="accent1"/>
+            </a:lnRef>
+            <a:fillRef idx="0">
+              <a:schemeClr val="accent1"/>
+            </a:fillRef>
+            <a:effectRef idx="0">
+              <a:schemeClr val="accent1"/>
+            </a:effectRef>
+            <a:fontRef idx="minor">
+              <a:schemeClr val="tx1"/>
+            </a:fontRef>
+          </p:style>
+        </p:cxnSp>
+      </p:grpSp>
+      <p:sp>
+        <p:nvSpPr>
+          <p:cNvPr id="56" name="文本框 55">
+            <a:extLst>
+              <a:ext uri="{FF2B5EF4-FFF2-40B4-BE49-F238E27FC236}">
+                <a16:creationId xmlns:a16="http://schemas.microsoft.com/office/drawing/2014/main" id="{CCB4DE9A-B32A-453F-AA21-6BA9A302947B}"/>
+              </a:ext>
+            </a:extLst>
+          </p:cNvPr>
+          <p:cNvSpPr txBox="1"/>
+          <p:nvPr/>
+        </p:nvSpPr>
+        <p:spPr>
+          <a:xfrm>
+            <a:off x="3514223" y="3582199"/>
+            <a:ext cx="646331" cy="369332"/>
+          </a:xfrm>
+          <a:prstGeom prst="rect">
+            <a:avLst/>
+          </a:prstGeom>
+          <a:solidFill>
+            <a:schemeClr val="bg1"/>
+          </a:solidFill>
+        </p:spPr>
+        <p:txBody>
+          <a:bodyPr wrap="none" rtlCol="0">
+            <a:spAutoFit/>
+          </a:bodyPr>
+          <a:lstStyle/>
+          <a:p>
+            <a:r>
+              <a:rPr lang="zh-CN" altLang="en-US" b="1" dirty="0"/>
+              <a:t>输出</a:t>
+            </a:r>
+          </a:p>
+        </p:txBody>
+      </p:sp>
+      <p:sp>
+        <p:nvSpPr>
+          <p:cNvPr id="57" name="矩形 56">
+            <a:extLst>
+              <a:ext uri="{FF2B5EF4-FFF2-40B4-BE49-F238E27FC236}">
+                <a16:creationId xmlns:a16="http://schemas.microsoft.com/office/drawing/2014/main" id="{A8CFC8FE-32C6-4595-91C2-A9081D5CD0C2}"/>
+              </a:ext>
+            </a:extLst>
+          </p:cNvPr>
+          <p:cNvSpPr/>
+          <p:nvPr/>
+        </p:nvSpPr>
+        <p:spPr>
+          <a:xfrm>
+            <a:off x="4249661" y="3601368"/>
+            <a:ext cx="852758" cy="330994"/>
+          </a:xfrm>
+          <a:prstGeom prst="rect">
+            <a:avLst/>
+          </a:prstGeom>
+          <a:solidFill>
+            <a:schemeClr val="tx1"/>
+          </a:solidFill>
+          <a:ln>
+            <a:solidFill>
+              <a:schemeClr val="bg1"/>
+            </a:solidFill>
+          </a:ln>
+          <a:scene3d>
+            <a:camera prst="orthographicFront"/>
+            <a:lightRig rig="threePt" dir="t"/>
+          </a:scene3d>
+          <a:sp3d prstMaterial="metal"/>
+        </p:spPr>
+        <p:style>
+          <a:lnRef idx="2">
+            <a:schemeClr val="accent1">
+              <a:shade val="50000"/>
+            </a:schemeClr>
+          </a:lnRef>
+          <a:fillRef idx="1">
+            <a:schemeClr val="accent1"/>
+          </a:fillRef>
+          <a:effectRef idx="0">
+            <a:schemeClr val="accent1"/>
+          </a:effectRef>
+          <a:fontRef idx="minor">
+            <a:schemeClr val="lt1"/>
+          </a:fontRef>
+        </p:style>
+        <p:txBody>
+          <a:bodyPr rtlCol="0" anchor="ctr"/>
+          <a:lstStyle/>
+          <a:p>
+            <a:pPr algn="ctr"/>
+            <a:r>
+              <a:rPr lang="en-US" altLang="zh-CN" sz="1400" dirty="0"/>
+              <a:t>BYPASS</a:t>
+            </a:r>
+            <a:endParaRPr lang="zh-CN" altLang="en-US" sz="1400" dirty="0"/>
+          </a:p>
+        </p:txBody>
+      </p:sp>
+      <p:sp>
+        <p:nvSpPr>
+          <p:cNvPr id="58" name="圆: 空心 57">
+            <a:extLst>
+              <a:ext uri="{FF2B5EF4-FFF2-40B4-BE49-F238E27FC236}">
+                <a16:creationId xmlns:a16="http://schemas.microsoft.com/office/drawing/2014/main" id="{EA15AA19-76A9-4634-9460-BF71B713731F}"/>
+              </a:ext>
+            </a:extLst>
+          </p:cNvPr>
+          <p:cNvSpPr/>
+          <p:nvPr/>
+        </p:nvSpPr>
+        <p:spPr>
+          <a:xfrm>
+            <a:off x="10709845" y="3056071"/>
+            <a:ext cx="661988" cy="661988"/>
+          </a:xfrm>
+          <a:prstGeom prst="donut">
+            <a:avLst>
+              <a:gd name="adj" fmla="val 6585"/>
+            </a:avLst>
+          </a:prstGeom>
+          <a:solidFill>
+            <a:schemeClr val="bg1"/>
+          </a:solidFill>
+          <a:ln>
+            <a:noFill/>
+          </a:ln>
+          <a:scene3d>
+            <a:camera prst="orthographicFront"/>
+            <a:lightRig rig="threePt" dir="t"/>
+          </a:scene3d>
+          <a:sp3d prstMaterial="metal"/>
+        </p:spPr>
+        <p:style>
+          <a:lnRef idx="2">
+            <a:schemeClr val="accent1">
+              <a:shade val="50000"/>
+            </a:schemeClr>
+          </a:lnRef>
+          <a:fillRef idx="1">
+            <a:schemeClr val="accent1"/>
+          </a:fillRef>
+          <a:effectRef idx="0">
+            <a:schemeClr val="accent1"/>
+          </a:effectRef>
+          <a:fontRef idx="minor">
+            <a:schemeClr val="lt1"/>
+          </a:fontRef>
+        </p:style>
+        <p:txBody>
+          <a:bodyPr rtlCol="0" anchor="ctr"/>
+          <a:lstStyle/>
+          <a:p>
+            <a:pPr algn="ctr"/>
+            <a:endParaRPr lang="zh-CN" altLang="en-US">
+              <a:solidFill>
+                <a:schemeClr val="tx1"/>
+              </a:solidFill>
+            </a:endParaRPr>
+          </a:p>
+        </p:txBody>
+      </p:sp>
+      <p:sp>
+        <p:nvSpPr>
+          <p:cNvPr id="59" name="矩形 58">
+            <a:extLst>
+              <a:ext uri="{FF2B5EF4-FFF2-40B4-BE49-F238E27FC236}">
+                <a16:creationId xmlns:a16="http://schemas.microsoft.com/office/drawing/2014/main" id="{781663F6-2011-46AF-BF4D-3FC6ECD727B0}"/>
+              </a:ext>
+            </a:extLst>
+          </p:cNvPr>
+          <p:cNvSpPr/>
+          <p:nvPr/>
+        </p:nvSpPr>
+        <p:spPr>
+          <a:xfrm>
+            <a:off x="7512671" y="2187849"/>
+            <a:ext cx="172560" cy="1777773"/>
+          </a:xfrm>
+          <a:prstGeom prst="rect">
+            <a:avLst/>
+          </a:prstGeom>
+          <a:gradFill flip="none" rotWithShape="1">
+            <a:gsLst>
+              <a:gs pos="45000">
+                <a:schemeClr val="bg1">
+                  <a:lumMod val="65000"/>
+                </a:schemeClr>
+              </a:gs>
+              <a:gs pos="46000">
+                <a:schemeClr val="bg1"/>
+              </a:gs>
+              <a:gs pos="100000">
+                <a:schemeClr val="bg1"/>
+              </a:gs>
+            </a:gsLst>
+            <a:lin ang="5400000" scaled="0"/>
+            <a:tileRect/>
+          </a:gradFill>
+          <a:ln>
+            <a:noFill/>
+          </a:ln>
+          <a:scene3d>
+            <a:camera prst="orthographicFront"/>
+            <a:lightRig rig="threePt" dir="t"/>
+          </a:scene3d>
+          <a:sp3d prstMaterial="metal"/>
+        </p:spPr>
+        <p:style>
+          <a:lnRef idx="2">
+            <a:schemeClr val="accent1">
+              <a:shade val="50000"/>
+            </a:schemeClr>
+          </a:lnRef>
+          <a:fillRef idx="1">
+            <a:schemeClr val="accent1"/>
+          </a:fillRef>
+          <a:effectRef idx="0">
+            <a:schemeClr val="accent1"/>
+          </a:effectRef>
+          <a:fontRef idx="minor">
+            <a:schemeClr val="lt1"/>
+          </a:fontRef>
+        </p:style>
+        <p:txBody>
+          <a:bodyPr rtlCol="0" anchor="ctr"/>
+          <a:lstStyle/>
+          <a:p>
+            <a:pPr algn="ctr"/>
+            <a:endParaRPr lang="zh-CN" altLang="en-US"/>
+          </a:p>
+        </p:txBody>
+      </p:sp>
+      <p:sp>
+        <p:nvSpPr>
+          <p:cNvPr id="60" name="矩形 59">
+            <a:extLst>
+              <a:ext uri="{FF2B5EF4-FFF2-40B4-BE49-F238E27FC236}">
+                <a16:creationId xmlns:a16="http://schemas.microsoft.com/office/drawing/2014/main" id="{0FB6B4DF-004A-4CB2-9673-19A4A43567C1}"/>
+              </a:ext>
+            </a:extLst>
+          </p:cNvPr>
+          <p:cNvSpPr/>
+          <p:nvPr/>
+        </p:nvSpPr>
+        <p:spPr>
+          <a:xfrm rot="5400000">
+            <a:off x="8782172" y="2330347"/>
+            <a:ext cx="172560" cy="1777773"/>
+          </a:xfrm>
+          <a:prstGeom prst="rect">
+            <a:avLst/>
+          </a:prstGeom>
+          <a:gradFill flip="none" rotWithShape="1">
+            <a:gsLst>
+              <a:gs pos="45000">
+                <a:schemeClr val="bg1">
+                  <a:lumMod val="65000"/>
+                </a:schemeClr>
+              </a:gs>
+              <a:gs pos="46000">
+                <a:schemeClr val="bg1"/>
+              </a:gs>
+              <a:gs pos="100000">
+                <a:schemeClr val="bg1"/>
+              </a:gs>
+            </a:gsLst>
+            <a:lin ang="5400000" scaled="0"/>
+            <a:tileRect/>
+          </a:gradFill>
+          <a:ln>
+            <a:noFill/>
+          </a:ln>
+          <a:scene3d>
+            <a:camera prst="orthographicFront"/>
+            <a:lightRig rig="threePt" dir="t"/>
+          </a:scene3d>
+          <a:sp3d prstMaterial="metal"/>
+        </p:spPr>
+        <p:style>
+          <a:lnRef idx="2">
+            <a:schemeClr val="accent1">
+              <a:shade val="50000"/>
+            </a:schemeClr>
+          </a:lnRef>
+          <a:fillRef idx="1">
+            <a:schemeClr val="accent1"/>
+          </a:fillRef>
+          <a:effectRef idx="0">
+            <a:schemeClr val="accent1"/>
+          </a:effectRef>
+          <a:fontRef idx="minor">
+            <a:schemeClr val="lt1"/>
+          </a:fontRef>
+        </p:style>
+        <p:txBody>
+          <a:bodyPr rtlCol="0" anchor="ctr"/>
+          <a:lstStyle/>
+          <a:p>
+            <a:pPr algn="ctr"/>
+            <a:endParaRPr lang="zh-CN" altLang="en-US"/>
+          </a:p>
+        </p:txBody>
+      </p:sp>
+      <p:sp>
+        <p:nvSpPr>
+          <p:cNvPr id="62" name="矩形 61">
+            <a:extLst>
+              <a:ext uri="{FF2B5EF4-FFF2-40B4-BE49-F238E27FC236}">
+                <a16:creationId xmlns:a16="http://schemas.microsoft.com/office/drawing/2014/main" id="{4904617C-C842-4A5C-97EC-7DA431043AA0}"/>
+              </a:ext>
+            </a:extLst>
+          </p:cNvPr>
+          <p:cNvSpPr/>
+          <p:nvPr/>
+        </p:nvSpPr>
+        <p:spPr>
+          <a:xfrm>
+            <a:off x="7243070" y="3796785"/>
+            <a:ext cx="2852413" cy="2177233"/>
+          </a:xfrm>
+          <a:prstGeom prst="rect">
+            <a:avLst/>
+          </a:prstGeom>
+          <a:gradFill flip="none" rotWithShape="1">
+            <a:gsLst>
+              <a:gs pos="0">
+                <a:schemeClr val="tx1">
+                  <a:alpha val="0"/>
+                </a:schemeClr>
+              </a:gs>
+              <a:gs pos="38000">
+                <a:schemeClr val="tx1">
+                  <a:alpha val="43000"/>
+                </a:schemeClr>
+              </a:gs>
+              <a:gs pos="100000">
+                <a:schemeClr val="tx1"/>
+              </a:gs>
+            </a:gsLst>
+            <a:path path="circle">
+              <a:fillToRect l="100000" t="100000"/>
+            </a:path>
+            <a:tileRect r="-100000" b="-100000"/>
+          </a:gradFill>
+          <a:ln>
+            <a:noFill/>
+          </a:ln>
+          <a:scene3d>
+            <a:camera prst="orthographicFront"/>
+            <a:lightRig rig="threePt" dir="t"/>
+          </a:scene3d>
+          <a:sp3d prstMaterial="metal"/>
+        </p:spPr>
+        <p:style>
+          <a:lnRef idx="2">
+            <a:schemeClr val="accent1">
+              <a:shade val="50000"/>
+            </a:schemeClr>
+          </a:lnRef>
+          <a:fillRef idx="1">
+            <a:schemeClr val="accent1"/>
+          </a:fillRef>
+          <a:effectRef idx="0">
+            <a:schemeClr val="accent1"/>
+          </a:effectRef>
+          <a:fontRef idx="minor">
+            <a:schemeClr val="lt1"/>
+          </a:fontRef>
+        </p:style>
+        <p:txBody>
+          <a:bodyPr rtlCol="0" anchor="ctr"/>
+          <a:lstStyle/>
+          <a:p>
+            <a:pPr algn="ctr"/>
+            <a:endParaRPr lang="zh-CN" altLang="en-US"/>
+          </a:p>
+        </p:txBody>
+      </p:sp>
+      <p:grpSp>
+        <p:nvGrpSpPr>
+          <p:cNvPr id="21" name="组合 20">
+            <a:extLst>
+              <a:ext uri="{FF2B5EF4-FFF2-40B4-BE49-F238E27FC236}">
+                <a16:creationId xmlns:a16="http://schemas.microsoft.com/office/drawing/2014/main" id="{35BE61F4-F678-464C-8FDF-F0B2C5D43B7F}"/>
+              </a:ext>
+            </a:extLst>
+          </p:cNvPr>
+          <p:cNvGrpSpPr/>
+          <p:nvPr/>
+        </p:nvGrpSpPr>
+        <p:grpSpPr>
+          <a:xfrm>
+            <a:off x="6186510" y="3817593"/>
+            <a:ext cx="618065" cy="684306"/>
+            <a:chOff x="6080044" y="378069"/>
+            <a:chExt cx="618065" cy="684306"/>
+          </a:xfrm>
+        </p:grpSpPr>
+        <p:sp>
+          <p:nvSpPr>
+            <p:cNvPr id="5" name="矩形: 圆角 4">
+              <a:extLst>
+                <a:ext uri="{FF2B5EF4-FFF2-40B4-BE49-F238E27FC236}">
+                  <a16:creationId xmlns:a16="http://schemas.microsoft.com/office/drawing/2014/main" id="{5B012A7A-A299-4222-83AF-FD77E3F163C9}"/>
+                </a:ext>
+              </a:extLst>
+            </p:cNvPr>
+            <p:cNvSpPr/>
+            <p:nvPr/>
+          </p:nvSpPr>
+          <p:spPr>
+            <a:xfrm>
+              <a:off x="6096000" y="378069"/>
+              <a:ext cx="586154" cy="413239"/>
+            </a:xfrm>
+            <a:prstGeom prst="roundRect">
+              <a:avLst>
+                <a:gd name="adj" fmla="val 9752"/>
+              </a:avLst>
+            </a:prstGeom>
+            <a:solidFill>
+              <a:schemeClr val="tx1"/>
+            </a:solidFill>
+            <a:ln>
+              <a:solidFill>
+                <a:schemeClr val="bg1"/>
+              </a:solidFill>
+            </a:ln>
+            <a:scene3d>
+              <a:camera prst="orthographicFront"/>
+              <a:lightRig rig="threePt" dir="t"/>
+            </a:scene3d>
+            <a:sp3d prstMaterial="metal"/>
+          </p:spPr>
+          <p:style>
+            <a:lnRef idx="2">
+              <a:schemeClr val="accent1">
+                <a:shade val="50000"/>
+              </a:schemeClr>
+            </a:lnRef>
+            <a:fillRef idx="1">
+              <a:schemeClr val="accent1"/>
+            </a:fillRef>
+            <a:effectRef idx="0">
+              <a:schemeClr val="accent1"/>
+            </a:effectRef>
+            <a:fontRef idx="minor">
+              <a:schemeClr val="lt1"/>
+            </a:fontRef>
+          </p:style>
+          <p:txBody>
+            <a:bodyPr rtlCol="0" anchor="ctr"/>
+            <a:lstStyle/>
+            <a:p>
+              <a:pPr algn="ctr"/>
+              <a:endParaRPr lang="zh-CN" altLang="en-US"/>
+            </a:p>
+          </p:txBody>
+        </p:sp>
+        <p:cxnSp>
+          <p:nvCxnSpPr>
+            <p:cNvPr id="13" name="直接连接符 12">
+              <a:extLst>
+                <a:ext uri="{FF2B5EF4-FFF2-40B4-BE49-F238E27FC236}">
+                  <a16:creationId xmlns:a16="http://schemas.microsoft.com/office/drawing/2014/main" id="{21742760-9298-4A8D-948E-F0FD4361EE9B}"/>
+                </a:ext>
+              </a:extLst>
+            </p:cNvPr>
+            <p:cNvCxnSpPr/>
+            <p:nvPr/>
+          </p:nvCxnSpPr>
+          <p:spPr>
+            <a:xfrm flipH="1" flipV="1">
+              <a:off x="6248400" y="542925"/>
+              <a:ext cx="142875" cy="248383"/>
+            </a:xfrm>
+            <a:prstGeom prst="line">
+              <a:avLst/>
+            </a:prstGeom>
+            <a:ln>
+              <a:solidFill>
+                <a:schemeClr val="bg1"/>
+              </a:solidFill>
+            </a:ln>
+          </p:spPr>
+          <p:style>
+            <a:lnRef idx="1">
+              <a:schemeClr val="accent1"/>
+            </a:lnRef>
+            <a:fillRef idx="0">
+              <a:schemeClr val="accent1"/>
+            </a:fillRef>
+            <a:effectRef idx="0">
+              <a:schemeClr val="accent1"/>
+            </a:effectRef>
+            <a:fontRef idx="minor">
+              <a:schemeClr val="tx1"/>
+            </a:fontRef>
+          </p:style>
+        </p:cxnSp>
+        <p:sp>
+          <p:nvSpPr>
+            <p:cNvPr id="19" name="弧形 18">
+              <a:extLst>
+                <a:ext uri="{FF2B5EF4-FFF2-40B4-BE49-F238E27FC236}">
+                  <a16:creationId xmlns:a16="http://schemas.microsoft.com/office/drawing/2014/main" id="{D1F4FF54-9731-4434-B9C4-915D5CF486C8}"/>
+                </a:ext>
+              </a:extLst>
+            </p:cNvPr>
+            <p:cNvSpPr/>
+            <p:nvPr/>
+          </p:nvSpPr>
+          <p:spPr>
+            <a:xfrm rot="18900000">
+              <a:off x="6080044" y="444310"/>
+              <a:ext cx="618065" cy="618065"/>
+            </a:xfrm>
+            <a:prstGeom prst="arc">
+              <a:avLst/>
+            </a:prstGeom>
+            <a:ln>
+              <a:solidFill>
+                <a:schemeClr val="bg1"/>
+              </a:solidFill>
+            </a:ln>
+          </p:spPr>
+          <p:style>
+            <a:lnRef idx="1">
+              <a:schemeClr val="accent1"/>
+            </a:lnRef>
+            <a:fillRef idx="0">
+              <a:schemeClr val="accent1"/>
+            </a:fillRef>
+            <a:effectRef idx="0">
+              <a:schemeClr val="accent1"/>
+            </a:effectRef>
+            <a:fontRef idx="minor">
+              <a:schemeClr val="tx1"/>
+            </a:fontRef>
+          </p:style>
+          <p:txBody>
+            <a:bodyPr rtlCol="0" anchor="ctr"/>
+            <a:lstStyle/>
+            <a:p>
+              <a:pPr algn="ctr"/>
+              <a:endParaRPr lang="zh-CN" altLang="en-US"/>
+            </a:p>
+          </p:txBody>
+        </p:sp>
+      </p:grpSp>
+    </p:spTree>
+    <p:extLst>
+      <p:ext uri="{BB962C8B-B14F-4D97-AF65-F5344CB8AC3E}">
+        <p14:creationId xmlns:p14="http://schemas.microsoft.com/office/powerpoint/2010/main" val="1365904458"/>
+      </p:ext>
+    </p:extLst>
+  </p:cSld>
+  <p:clrMapOvr>
+    <a:masterClrMapping/>
+  </p:clrMapOvr>
+</p:sld>
+</file>
+
+<file path=ppt/slides/slide3.xml><?xml version="1.0" encoding="utf-8"?>
+<p:sld xmlns:a="http://schemas.openxmlformats.org/drawingml/2006/main" xmlns:r="http://schemas.openxmlformats.org/officeDocument/2006/relationships" xmlns:p="http://schemas.openxmlformats.org/presentationml/2006/main">
+  <p:cSld>
+    <p:spTree>
+      <p:nvGrpSpPr>
+        <p:cNvPr id="1" name=""/>
+        <p:cNvGrpSpPr/>
+        <p:nvPr/>
+      </p:nvGrpSpPr>
+      <p:grpSpPr>
+        <a:xfrm>
+          <a:off x="0" y="0"/>
+          <a:ext cx="0" cy="0"/>
+          <a:chOff x="0" y="0"/>
+          <a:chExt cx="0" cy="0"/>
+        </a:xfrm>
+      </p:grpSpPr>
+      <p:sp>
+        <p:nvSpPr>
+          <p:cNvPr id="4" name="矩形 3">
+            <a:extLst>
+              <a:ext uri="{FF2B5EF4-FFF2-40B4-BE49-F238E27FC236}">
+                <a16:creationId xmlns:a16="http://schemas.microsoft.com/office/drawing/2014/main" id="{B7A7EDAA-7EA9-4FC0-AF12-1D002DE288E7}"/>
+              </a:ext>
+            </a:extLst>
+          </p:cNvPr>
+          <p:cNvSpPr/>
+          <p:nvPr/>
+        </p:nvSpPr>
+        <p:spPr>
+          <a:xfrm>
+            <a:off x="1608615" y="883982"/>
+            <a:ext cx="8486868" cy="5090036"/>
+          </a:xfrm>
+          <a:prstGeom prst="rect">
+            <a:avLst/>
+          </a:prstGeom>
+          <a:solidFill>
+            <a:schemeClr val="tx1"/>
+          </a:solidFill>
+          <a:ln>
+            <a:noFill/>
+          </a:ln>
+          <a:scene3d>
+            <a:camera prst="orthographicFront"/>
+            <a:lightRig rig="threePt" dir="t"/>
+          </a:scene3d>
+          <a:sp3d prstMaterial="metal"/>
+        </p:spPr>
+        <p:style>
+          <a:lnRef idx="2">
+            <a:schemeClr val="accent1">
+              <a:shade val="50000"/>
+            </a:schemeClr>
+          </a:lnRef>
+          <a:fillRef idx="1">
+            <a:schemeClr val="accent1"/>
+          </a:fillRef>
+          <a:effectRef idx="0">
+            <a:schemeClr val="accent1"/>
+          </a:effectRef>
+          <a:fontRef idx="minor">
+            <a:schemeClr val="lt1"/>
+          </a:fontRef>
+        </p:style>
+        <p:txBody>
+          <a:bodyPr rtlCol="0" anchor="ctr"/>
+          <a:lstStyle/>
+          <a:p>
+            <a:pPr algn="ctr"/>
+            <a:endParaRPr lang="zh-CN" altLang="en-US"/>
+          </a:p>
+        </p:txBody>
+      </p:sp>
+      <p:pic>
+        <p:nvPicPr>
+          <p:cNvPr id="3" name="图片 2">
+            <a:extLst>
+              <a:ext uri="{FF2B5EF4-FFF2-40B4-BE49-F238E27FC236}">
+                <a16:creationId xmlns:a16="http://schemas.microsoft.com/office/drawing/2014/main" id="{A174FF3E-5FC3-4EF2-9264-845A4A86F35F}"/>
+              </a:ext>
+            </a:extLst>
+          </p:cNvPr>
+          <p:cNvPicPr>
+            <a:picLocks noChangeAspect="1"/>
+          </p:cNvPicPr>
+          <p:nvPr/>
+        </p:nvPicPr>
+        <p:blipFill>
+          <a:blip r:embed="rId2">
+            <a:extLst>
+              <a:ext uri="{28A0092B-C50C-407E-A947-70E740481C1C}">
+                <a14:useLocalDpi xmlns:a14="http://schemas.microsoft.com/office/drawing/2010/main" val="0"/>
+              </a:ext>
+            </a:extLst>
+          </a:blip>
+          <a:stretch>
+            <a:fillRect/>
+          </a:stretch>
+        </p:blipFill>
+        <p:spPr>
+          <a:xfrm>
+            <a:off x="7277893" y="4088081"/>
+            <a:ext cx="2817590" cy="1885937"/>
+          </a:xfrm>
+          <a:prstGeom prst="rect">
+            <a:avLst/>
+          </a:prstGeom>
+        </p:spPr>
+      </p:pic>
+      <p:grpSp>
+        <p:nvGrpSpPr>
+          <p:cNvPr id="11" name="组合 10">
+            <a:extLst>
+              <a:ext uri="{FF2B5EF4-FFF2-40B4-BE49-F238E27FC236}">
+                <a16:creationId xmlns:a16="http://schemas.microsoft.com/office/drawing/2014/main" id="{F080E61F-B936-4AEA-8E05-B4C69EC695C9}"/>
+              </a:ext>
+            </a:extLst>
+          </p:cNvPr>
+          <p:cNvGrpSpPr/>
+          <p:nvPr/>
+        </p:nvGrpSpPr>
+        <p:grpSpPr>
+          <a:xfrm>
+            <a:off x="2576378" y="1076625"/>
+            <a:ext cx="2424062" cy="461665"/>
+            <a:chOff x="2728778" y="1009950"/>
+            <a:chExt cx="2424062" cy="461665"/>
+          </a:xfrm>
+        </p:grpSpPr>
+        <p:sp>
+          <p:nvSpPr>
+            <p:cNvPr id="10" name="矩形 9">
+              <a:extLst>
+                <a:ext uri="{FF2B5EF4-FFF2-40B4-BE49-F238E27FC236}">
+                  <a16:creationId xmlns:a16="http://schemas.microsoft.com/office/drawing/2014/main" id="{7B078341-C40E-4B26-8717-CE926C6332DD}"/>
+                </a:ext>
+              </a:extLst>
+            </p:cNvPr>
+            <p:cNvSpPr/>
+            <p:nvPr/>
+          </p:nvSpPr>
+          <p:spPr>
+            <a:xfrm>
+              <a:off x="4088828" y="1073708"/>
+              <a:ext cx="978471" cy="353197"/>
+            </a:xfrm>
+            <a:prstGeom prst="rect">
+              <a:avLst/>
+            </a:prstGeom>
+            <a:solidFill>
+              <a:srgbClr val="FFCC00"/>
+            </a:solidFill>
+            <a:ln>
+              <a:noFill/>
+            </a:ln>
+            <a:scene3d>
+              <a:camera prst="orthographicFront"/>
+              <a:lightRig rig="threePt" dir="t"/>
+            </a:scene3d>
+            <a:sp3d prstMaterial="metal"/>
+          </p:spPr>
+          <p:style>
+            <a:lnRef idx="2">
+              <a:schemeClr val="accent1">
+                <a:shade val="50000"/>
+              </a:schemeClr>
+            </a:lnRef>
+            <a:fillRef idx="1">
+              <a:schemeClr val="accent1"/>
+            </a:fillRef>
+            <a:effectRef idx="0">
+              <a:schemeClr val="accent1"/>
+            </a:effectRef>
+            <a:fontRef idx="minor">
+              <a:schemeClr val="lt1"/>
+            </a:fontRef>
+          </p:style>
+          <p:txBody>
+            <a:bodyPr rtlCol="0" anchor="ctr"/>
+            <a:lstStyle/>
+            <a:p>
+              <a:pPr algn="ctr"/>
+              <a:endParaRPr lang="zh-CN" altLang="en-US" dirty="0"/>
+            </a:p>
+          </p:txBody>
+        </p:sp>
+        <p:sp>
+          <p:nvSpPr>
+            <p:cNvPr id="6" name="文本框 5">
+              <a:extLst>
+                <a:ext uri="{FF2B5EF4-FFF2-40B4-BE49-F238E27FC236}">
+                  <a16:creationId xmlns:a16="http://schemas.microsoft.com/office/drawing/2014/main" id="{9B1DC777-71C9-4F9C-9ED4-6932CA2281F2}"/>
+                </a:ext>
+              </a:extLst>
+            </p:cNvPr>
+            <p:cNvSpPr txBox="1"/>
+            <p:nvPr/>
+          </p:nvSpPr>
+          <p:spPr>
+            <a:xfrm>
+              <a:off x="2728778" y="1009950"/>
+              <a:ext cx="2424062" cy="461665"/>
+            </a:xfrm>
+            <a:prstGeom prst="rect">
+              <a:avLst/>
+            </a:prstGeom>
+            <a:noFill/>
+          </p:spPr>
+          <p:txBody>
+            <a:bodyPr wrap="none" rtlCol="0">
+              <a:spAutoFit/>
+            </a:bodyPr>
+            <a:lstStyle/>
+            <a:p>
+              <a:r>
+                <a:rPr lang="zh-CN" altLang="en-US" sz="2400" b="1" dirty="0">
+                  <a:solidFill>
+                    <a:schemeClr val="bg1">
+                      <a:lumMod val="95000"/>
+                    </a:schemeClr>
+                  </a:solidFill>
+                </a:rPr>
+                <a:t>耳机虚拟 </a:t>
+              </a:r>
+              <a:r>
+                <a:rPr lang="zh-CN" altLang="en-US" sz="2400" b="1" dirty="0"/>
+                <a:t>环绕声</a:t>
+              </a:r>
+            </a:p>
+          </p:txBody>
+        </p:sp>
+      </p:grpSp>
+      <p:sp>
+        <p:nvSpPr>
+          <p:cNvPr id="22" name="任意多边形: 形状 21">
+            <a:extLst>
+              <a:ext uri="{FF2B5EF4-FFF2-40B4-BE49-F238E27FC236}">
+                <a16:creationId xmlns:a16="http://schemas.microsoft.com/office/drawing/2014/main" id="{8EF3F299-1BE1-4ABD-A2A9-F35BA558EE94}"/>
+              </a:ext>
+            </a:extLst>
+          </p:cNvPr>
+          <p:cNvSpPr/>
+          <p:nvPr/>
+        </p:nvSpPr>
+        <p:spPr>
+          <a:xfrm rot="10800000">
+            <a:off x="1801003" y="1086149"/>
+            <a:ext cx="718409" cy="461664"/>
+          </a:xfrm>
+          <a:custGeom>
+            <a:avLst/>
+            <a:gdLst>
+              <a:gd name="connsiteX0" fmla="*/ 497954 w 4218654"/>
+              <a:gd name="connsiteY0" fmla="*/ 2077859 h 2710990"/>
+              <a:gd name="connsiteX1" fmla="*/ 704431 w 4218654"/>
+              <a:gd name="connsiteY1" fmla="*/ 1500882 h 2710990"/>
+              <a:gd name="connsiteX2" fmla="*/ 602260 w 4218654"/>
+              <a:gd name="connsiteY2" fmla="*/ 1500882 h 2710990"/>
+              <a:gd name="connsiteX3" fmla="*/ 602260 w 4218654"/>
+              <a:gd name="connsiteY3" fmla="*/ 709946 h 2710990"/>
+              <a:gd name="connsiteX4" fmla="*/ 393647 w 4218654"/>
+              <a:gd name="connsiteY4" fmla="*/ 709946 h 2710990"/>
+              <a:gd name="connsiteX5" fmla="*/ 393647 w 4218654"/>
+              <a:gd name="connsiteY5" fmla="*/ 1500882 h 2710990"/>
+              <a:gd name="connsiteX6" fmla="*/ 291476 w 4218654"/>
+              <a:gd name="connsiteY6" fmla="*/ 1500882 h 2710990"/>
+              <a:gd name="connsiteX7" fmla="*/ 1402360 w 4218654"/>
+              <a:gd name="connsiteY7" fmla="*/ 2077859 h 2710990"/>
+              <a:gd name="connsiteX8" fmla="*/ 1402360 w 4218654"/>
+              <a:gd name="connsiteY8" fmla="*/ 1286923 h 2710990"/>
+              <a:gd name="connsiteX9" fmla="*/ 1504531 w 4218654"/>
+              <a:gd name="connsiteY9" fmla="*/ 1286923 h 2710990"/>
+              <a:gd name="connsiteX10" fmla="*/ 1298053 w 4218654"/>
+              <a:gd name="connsiteY10" fmla="*/ 709946 h 2710990"/>
+              <a:gd name="connsiteX11" fmla="*/ 1091576 w 4218654"/>
+              <a:gd name="connsiteY11" fmla="*/ 1286923 h 2710990"/>
+              <a:gd name="connsiteX12" fmla="*/ 1193747 w 4218654"/>
+              <a:gd name="connsiteY12" fmla="*/ 1286923 h 2710990"/>
+              <a:gd name="connsiteX13" fmla="*/ 1193747 w 4218654"/>
+              <a:gd name="connsiteY13" fmla="*/ 2077859 h 2710990"/>
+              <a:gd name="connsiteX14" fmla="*/ 2849105 w 4218654"/>
+              <a:gd name="connsiteY14" fmla="*/ 2241319 h 2710990"/>
+              <a:gd name="connsiteX15" fmla="*/ 3228226 w 4218654"/>
+              <a:gd name="connsiteY15" fmla="*/ 2139734 h 2710990"/>
+              <a:gd name="connsiteX16" fmla="*/ 3600679 w 4218654"/>
+              <a:gd name="connsiteY16" fmla="*/ 1583515 h 2710990"/>
+              <a:gd name="connsiteX17" fmla="*/ 3601162 w 4218654"/>
+              <a:gd name="connsiteY17" fmla="*/ 1576240 h 2710990"/>
+              <a:gd name="connsiteX18" fmla="*/ 3615604 w 4218654"/>
+              <a:gd name="connsiteY18" fmla="*/ 1574038 h 2710990"/>
+              <a:gd name="connsiteX19" fmla="*/ 3990054 w 4218654"/>
+              <a:gd name="connsiteY19" fmla="*/ 1115584 h 2710990"/>
+              <a:gd name="connsiteX20" fmla="*/ 3522960 w 4218654"/>
+              <a:gd name="connsiteY20" fmla="*/ 645907 h 2710990"/>
+              <a:gd name="connsiteX21" fmla="*/ 3522908 w 4218654"/>
+              <a:gd name="connsiteY21" fmla="*/ 660256 h 2710990"/>
+              <a:gd name="connsiteX22" fmla="*/ 3329883 w 4218654"/>
+              <a:gd name="connsiteY22" fmla="*/ 660256 h 2710990"/>
+              <a:gd name="connsiteX23" fmla="*/ 3329883 w 4218654"/>
+              <a:gd name="connsiteY23" fmla="*/ 1483079 h 2710990"/>
+              <a:gd name="connsiteX24" fmla="*/ 3338263 w 4218654"/>
+              <a:gd name="connsiteY24" fmla="*/ 1483079 h 2710990"/>
+              <a:gd name="connsiteX25" fmla="*/ 3333961 w 4218654"/>
+              <a:gd name="connsiteY25" fmla="*/ 1547871 h 2710990"/>
+              <a:gd name="connsiteX26" fmla="*/ 3093685 w 4218654"/>
+              <a:gd name="connsiteY26" fmla="*/ 1906700 h 2710990"/>
+              <a:gd name="connsiteX27" fmla="*/ 2604528 w 4218654"/>
+              <a:gd name="connsiteY27" fmla="*/ 1906700 h 2710990"/>
+              <a:gd name="connsiteX28" fmla="*/ 2364252 w 4218654"/>
+              <a:gd name="connsiteY28" fmla="*/ 1547872 h 2710990"/>
+              <a:gd name="connsiteX29" fmla="*/ 2359950 w 4218654"/>
+              <a:gd name="connsiteY29" fmla="*/ 1483079 h 2710990"/>
+              <a:gd name="connsiteX30" fmla="*/ 2368329 w 4218654"/>
+              <a:gd name="connsiteY30" fmla="*/ 1483079 h 2710990"/>
+              <a:gd name="connsiteX31" fmla="*/ 2368329 w 4218654"/>
+              <a:gd name="connsiteY31" fmla="*/ 660256 h 2710990"/>
+              <a:gd name="connsiteX32" fmla="*/ 2162623 w 4218654"/>
+              <a:gd name="connsiteY32" fmla="*/ 660256 h 2710990"/>
+              <a:gd name="connsiteX33" fmla="*/ 2162623 w 4218654"/>
+              <a:gd name="connsiteY33" fmla="*/ 641120 h 2710990"/>
+              <a:gd name="connsiteX34" fmla="*/ 1693806 w 4218654"/>
+              <a:gd name="connsiteY34" fmla="*/ 1109076 h 2710990"/>
+              <a:gd name="connsiteX35" fmla="*/ 2066568 w 4218654"/>
+              <a:gd name="connsiteY35" fmla="*/ 1568904 h 2710990"/>
+              <a:gd name="connsiteX36" fmla="*/ 2096877 w 4218654"/>
+              <a:gd name="connsiteY36" fmla="*/ 1573638 h 2710990"/>
+              <a:gd name="connsiteX37" fmla="*/ 2097533 w 4218654"/>
+              <a:gd name="connsiteY37" fmla="*/ 1583514 h 2710990"/>
+              <a:gd name="connsiteX38" fmla="*/ 2469985 w 4218654"/>
+              <a:gd name="connsiteY38" fmla="*/ 2139734 h 2710990"/>
+              <a:gd name="connsiteX39" fmla="*/ 2849105 w 4218654"/>
+              <a:gd name="connsiteY39" fmla="*/ 2241319 h 2710990"/>
+              <a:gd name="connsiteX40" fmla="*/ 3766813 w 4218654"/>
+              <a:gd name="connsiteY40" fmla="*/ 2710990 h 2710990"/>
+              <a:gd name="connsiteX41" fmla="*/ 0 w 4218654"/>
+              <a:gd name="connsiteY41" fmla="*/ 2710990 h 2710990"/>
+              <a:gd name="connsiteX42" fmla="*/ 0 w 4218654"/>
+              <a:gd name="connsiteY42" fmla="*/ 451841 h 2710990"/>
+              <a:gd name="connsiteX43" fmla="*/ 451841 w 4218654"/>
+              <a:gd name="connsiteY43" fmla="*/ 0 h 2710990"/>
+              <a:gd name="connsiteX44" fmla="*/ 4218654 w 4218654"/>
+              <a:gd name="connsiteY44" fmla="*/ 0 h 2710990"/>
+              <a:gd name="connsiteX45" fmla="*/ 4218654 w 4218654"/>
+              <a:gd name="connsiteY45" fmla="*/ 2259149 h 2710990"/>
+            </a:gdLst>
+            <a:ahLst/>
+            <a:cxnLst>
+              <a:cxn ang="0">
+                <a:pos x="connsiteX0" y="connsiteY0"/>
+              </a:cxn>
+              <a:cxn ang="0">
+                <a:pos x="connsiteX1" y="connsiteY1"/>
+              </a:cxn>
+              <a:cxn ang="0">
+                <a:pos x="connsiteX2" y="connsiteY2"/>
+              </a:cxn>
+              <a:cxn ang="0">
+                <a:pos x="connsiteX3" y="connsiteY3"/>
+              </a:cxn>
+              <a:cxn ang="0">
+                <a:pos x="connsiteX4" y="connsiteY4"/>
+              </a:cxn>
+              <a:cxn ang="0">
+                <a:pos x="connsiteX5" y="connsiteY5"/>
+              </a:cxn>
+              <a:cxn ang="0">
+                <a:pos x="connsiteX6" y="connsiteY6"/>
+              </a:cxn>
+              <a:cxn ang="0">
+                <a:pos x="connsiteX7" y="connsiteY7"/>
+              </a:cxn>
+              <a:cxn ang="0">
+                <a:pos x="connsiteX8" y="connsiteY8"/>
+              </a:cxn>
+              <a:cxn ang="0">
+                <a:pos x="connsiteX9" y="connsiteY9"/>
+              </a:cxn>
+              <a:cxn ang="0">
+                <a:pos x="connsiteX10" y="connsiteY10"/>
+              </a:cxn>
+              <a:cxn ang="0">
+                <a:pos x="connsiteX11" y="connsiteY11"/>
+              </a:cxn>
+              <a:cxn ang="0">
+                <a:pos x="connsiteX12" y="connsiteY12"/>
+              </a:cxn>
+              <a:cxn ang="0">
+                <a:pos x="connsiteX13" y="connsiteY13"/>
+              </a:cxn>
+              <a:cxn ang="0">
+                <a:pos x="connsiteX14" y="connsiteY14"/>
+              </a:cxn>
+              <a:cxn ang="0">
+                <a:pos x="connsiteX15" y="connsiteY15"/>
+              </a:cxn>
+              <a:cxn ang="0">
+                <a:pos x="connsiteX16" y="connsiteY16"/>
+              </a:cxn>
+              <a:cxn ang="0">
+                <a:pos x="connsiteX17" y="connsiteY17"/>
+              </a:cxn>
+              <a:cxn ang="0">
+                <a:pos x="connsiteX18" y="connsiteY18"/>
+              </a:cxn>
+              <a:cxn ang="0">
+                <a:pos x="connsiteX19" y="connsiteY19"/>
+              </a:cxn>
+              <a:cxn ang="0">
+                <a:pos x="connsiteX20" y="connsiteY20"/>
+              </a:cxn>
+              <a:cxn ang="0">
+                <a:pos x="connsiteX21" y="connsiteY21"/>
+              </a:cxn>
+              <a:cxn ang="0">
+                <a:pos x="connsiteX22" y="connsiteY22"/>
+              </a:cxn>
+              <a:cxn ang="0">
+                <a:pos x="connsiteX23" y="connsiteY23"/>
+              </a:cxn>
+              <a:cxn ang="0">
+                <a:pos x="connsiteX24" y="connsiteY24"/>
+              </a:cxn>
+              <a:cxn ang="0">
+                <a:pos x="connsiteX25" y="connsiteY25"/>
+              </a:cxn>
+              <a:cxn ang="0">
+                <a:pos x="connsiteX26" y="connsiteY26"/>
+              </a:cxn>
+              <a:cxn ang="0">
+                <a:pos x="connsiteX27" y="connsiteY27"/>
+              </a:cxn>
+              <a:cxn ang="0">
+                <a:pos x="connsiteX28" y="connsiteY28"/>
+              </a:cxn>
+              <a:cxn ang="0">
+                <a:pos x="connsiteX29" y="connsiteY29"/>
+              </a:cxn>
+              <a:cxn ang="0">
+                <a:pos x="connsiteX30" y="connsiteY30"/>
+              </a:cxn>
+              <a:cxn ang="0">
+                <a:pos x="connsiteX31" y="connsiteY31"/>
+              </a:cxn>
+              <a:cxn ang="0">
+                <a:pos x="connsiteX32" y="connsiteY32"/>
+              </a:cxn>
+              <a:cxn ang="0">
+                <a:pos x="connsiteX33" y="connsiteY33"/>
+              </a:cxn>
+              <a:cxn ang="0">
+                <a:pos x="connsiteX34" y="connsiteY34"/>
+              </a:cxn>
+              <a:cxn ang="0">
+                <a:pos x="connsiteX35" y="connsiteY35"/>
+              </a:cxn>
+              <a:cxn ang="0">
+                <a:pos x="connsiteX36" y="connsiteY36"/>
+              </a:cxn>
+              <a:cxn ang="0">
+                <a:pos x="connsiteX37" y="connsiteY37"/>
+              </a:cxn>
+              <a:cxn ang="0">
+                <a:pos x="connsiteX38" y="connsiteY38"/>
+              </a:cxn>
+              <a:cxn ang="0">
+                <a:pos x="connsiteX39" y="connsiteY39"/>
+              </a:cxn>
+              <a:cxn ang="0">
+                <a:pos x="connsiteX40" y="connsiteY40"/>
+              </a:cxn>
+              <a:cxn ang="0">
+                <a:pos x="connsiteX41" y="connsiteY41"/>
+              </a:cxn>
+              <a:cxn ang="0">
+                <a:pos x="connsiteX42" y="connsiteY42"/>
+              </a:cxn>
+              <a:cxn ang="0">
+                <a:pos x="connsiteX43" y="connsiteY43"/>
+              </a:cxn>
+              <a:cxn ang="0">
+                <a:pos x="connsiteX44" y="connsiteY44"/>
+              </a:cxn>
+              <a:cxn ang="0">
+                <a:pos x="connsiteX45" y="connsiteY45"/>
+              </a:cxn>
+            </a:cxnLst>
+            <a:rect l="l" t="t" r="r" b="b"/>
+            <a:pathLst>
+              <a:path w="4218654" h="2710990">
+                <a:moveTo>
+                  <a:pt x="497954" y="2077859"/>
+                </a:moveTo>
+                <a:lnTo>
+                  <a:pt x="704431" y="1500882"/>
+                </a:lnTo>
+                <a:lnTo>
+                  <a:pt x="602260" y="1500882"/>
+                </a:lnTo>
+                <a:lnTo>
+                  <a:pt x="602260" y="709946"/>
+                </a:lnTo>
+                <a:lnTo>
+                  <a:pt x="393647" y="709946"/>
+                </a:lnTo>
+                <a:lnTo>
+                  <a:pt x="393647" y="1500882"/>
+                </a:lnTo>
+                <a:lnTo>
+                  <a:pt x="291476" y="1500882"/>
+                </a:lnTo>
+                <a:close/>
+                <a:moveTo>
+                  <a:pt x="1402360" y="2077859"/>
+                </a:moveTo>
+                <a:lnTo>
+                  <a:pt x="1402360" y="1286923"/>
+                </a:lnTo>
+                <a:lnTo>
+                  <a:pt x="1504531" y="1286923"/>
+                </a:lnTo>
+                <a:lnTo>
+                  <a:pt x="1298053" y="709946"/>
+                </a:lnTo>
+                <a:lnTo>
+                  <a:pt x="1091576" y="1286923"/>
+                </a:lnTo>
+                <a:lnTo>
+                  <a:pt x="1193747" y="1286923"/>
+                </a:lnTo>
+                <a:lnTo>
+                  <a:pt x="1193747" y="2077859"/>
+                </a:lnTo>
+                <a:close/>
+                <a:moveTo>
+                  <a:pt x="2849105" y="2241319"/>
+                </a:moveTo>
+                <a:cubicBezTo>
+                  <a:pt x="2980016" y="2241319"/>
+                  <a:pt x="3110926" y="2207458"/>
+                  <a:pt x="3228226" y="2139734"/>
+                </a:cubicBezTo>
+                <a:cubicBezTo>
+                  <a:pt x="3433502" y="2021218"/>
+                  <a:pt x="3569809" y="1814756"/>
+                  <a:pt x="3600679" y="1583515"/>
+                </a:cubicBezTo>
+                <a:lnTo>
+                  <a:pt x="3601162" y="1576240"/>
+                </a:lnTo>
+                <a:lnTo>
+                  <a:pt x="3615604" y="1574038"/>
+                </a:lnTo>
+                <a:cubicBezTo>
+                  <a:pt x="3828991" y="1530428"/>
+                  <a:pt x="3989638" y="1341845"/>
+                  <a:pt x="3990054" y="1115584"/>
+                </a:cubicBezTo>
+                <a:cubicBezTo>
+                  <a:pt x="3990529" y="857000"/>
+                  <a:pt x="3781543" y="646858"/>
+                  <a:pt x="3522960" y="645907"/>
+                </a:cubicBezTo>
+                <a:lnTo>
+                  <a:pt x="3522908" y="660256"/>
+                </a:lnTo>
+                <a:lnTo>
+                  <a:pt x="3329883" y="660256"/>
+                </a:lnTo>
+                <a:lnTo>
+                  <a:pt x="3329883" y="1483079"/>
+                </a:lnTo>
+                <a:lnTo>
+                  <a:pt x="3338263" y="1483079"/>
+                </a:lnTo>
+                <a:lnTo>
+                  <a:pt x="3333961" y="1547871"/>
+                </a:lnTo>
+                <a:cubicBezTo>
+                  <a:pt x="3314047" y="1697050"/>
+                  <a:pt x="3226112" y="1830243"/>
+                  <a:pt x="3093685" y="1906700"/>
+                </a:cubicBezTo>
+                <a:cubicBezTo>
+                  <a:pt x="2942339" y="1994080"/>
+                  <a:pt x="2755874" y="1994080"/>
+                  <a:pt x="2604528" y="1906700"/>
+                </a:cubicBezTo>
+                <a:cubicBezTo>
+                  <a:pt x="2472101" y="1830243"/>
+                  <a:pt x="2384166" y="1697050"/>
+                  <a:pt x="2364252" y="1547872"/>
+                </a:cubicBezTo>
+                <a:lnTo>
+                  <a:pt x="2359950" y="1483079"/>
+                </a:lnTo>
+                <a:lnTo>
+                  <a:pt x="2368329" y="1483079"/>
+                </a:lnTo>
+                <a:lnTo>
+                  <a:pt x="2368329" y="660256"/>
+                </a:lnTo>
+                <a:lnTo>
+                  <a:pt x="2162623" y="660256"/>
+                </a:lnTo>
+                <a:lnTo>
+                  <a:pt x="2162623" y="641120"/>
+                </a:lnTo>
+                <a:cubicBezTo>
+                  <a:pt x="1904038" y="641120"/>
+                  <a:pt x="1694281" y="850492"/>
+                  <a:pt x="1693806" y="1109076"/>
+                </a:cubicBezTo>
+                <a:cubicBezTo>
+                  <a:pt x="1693390" y="1335337"/>
+                  <a:pt x="1853343" y="1524509"/>
+                  <a:pt x="2066568" y="1568904"/>
+                </a:cubicBezTo>
+                <a:lnTo>
+                  <a:pt x="2096877" y="1573638"/>
+                </a:lnTo>
+                <a:lnTo>
+                  <a:pt x="2097533" y="1583514"/>
+                </a:lnTo>
+                <a:cubicBezTo>
+                  <a:pt x="2128403" y="1814755"/>
+                  <a:pt x="2264709" y="2021218"/>
+                  <a:pt x="2469985" y="2139734"/>
+                </a:cubicBezTo>
+                <a:cubicBezTo>
+                  <a:pt x="2587285" y="2207458"/>
+                  <a:pt x="2718195" y="2241319"/>
+                  <a:pt x="2849105" y="2241319"/>
+                </a:cubicBezTo>
+                <a:close/>
+                <a:moveTo>
+                  <a:pt x="3766813" y="2710990"/>
+                </a:moveTo>
+                <a:lnTo>
+                  <a:pt x="0" y="2710990"/>
+                </a:lnTo>
+                <a:lnTo>
+                  <a:pt x="0" y="451841"/>
+                </a:lnTo>
+                <a:lnTo>
+                  <a:pt x="451841" y="0"/>
+                </a:lnTo>
+                <a:lnTo>
+                  <a:pt x="4218654" y="0"/>
+                </a:lnTo>
+                <a:lnTo>
+                  <a:pt x="4218654" y="2259149"/>
+                </a:lnTo>
+                <a:close/>
+              </a:path>
+            </a:pathLst>
+          </a:custGeom>
+          <a:solidFill>
+            <a:schemeClr val="bg1"/>
+          </a:solidFill>
+          <a:ln>
+            <a:noFill/>
+          </a:ln>
+          <a:scene3d>
+            <a:camera prst="orthographicFront"/>
+            <a:lightRig rig="threePt" dir="t"/>
+          </a:scene3d>
+          <a:sp3d prstMaterial="metal"/>
+        </p:spPr>
+        <p:style>
+          <a:lnRef idx="2">
+            <a:schemeClr val="accent1">
+              <a:shade val="50000"/>
+            </a:schemeClr>
+          </a:lnRef>
+          <a:fillRef idx="1">
+            <a:schemeClr val="accent1"/>
+          </a:fillRef>
+          <a:effectRef idx="0">
+            <a:schemeClr val="accent1"/>
+          </a:effectRef>
+          <a:fontRef idx="minor">
+            <a:schemeClr val="lt1"/>
+          </a:fontRef>
+        </p:style>
+        <p:txBody>
+          <a:bodyPr wrap="square" rtlCol="0" anchor="ctr">
+            <a:noAutofit/>
+          </a:bodyPr>
+          <a:lstStyle/>
+          <a:p>
+            <a:pPr algn="ctr"/>
+            <a:endParaRPr lang="zh-CN" altLang="en-US"/>
+          </a:p>
+        </p:txBody>
+      </p:sp>
+      <p:sp>
+        <p:nvSpPr>
+          <p:cNvPr id="2" name="乘号 1">
+            <a:extLst>
+              <a:ext uri="{FF2B5EF4-FFF2-40B4-BE49-F238E27FC236}">
+                <a16:creationId xmlns:a16="http://schemas.microsoft.com/office/drawing/2014/main" id="{9400C606-ED6F-48FB-A752-1D9A924467D4}"/>
+              </a:ext>
+            </a:extLst>
+          </p:cNvPr>
+          <p:cNvSpPr/>
+          <p:nvPr/>
+        </p:nvSpPr>
+        <p:spPr>
+          <a:xfrm>
+            <a:off x="9384789" y="1086149"/>
+            <a:ext cx="461665" cy="461665"/>
+          </a:xfrm>
+          <a:prstGeom prst="mathMultiply">
+            <a:avLst>
+              <a:gd name="adj1" fmla="val 10362"/>
+            </a:avLst>
+          </a:prstGeom>
+          <a:solidFill>
+            <a:schemeClr val="bg1"/>
+          </a:solidFill>
+          <a:ln>
+            <a:noFill/>
+          </a:ln>
+          <a:effectLst>
+            <a:glow rad="228600">
+              <a:srgbClr val="C00000">
+                <a:alpha val="40000"/>
+              </a:srgbClr>
+            </a:glow>
+          </a:effectLst>
+          <a:scene3d>
+            <a:camera prst="orthographicFront"/>
+            <a:lightRig rig="threePt" dir="t"/>
+          </a:scene3d>
+          <a:sp3d prstMaterial="metal"/>
+        </p:spPr>
+        <p:style>
+          <a:lnRef idx="2">
+            <a:schemeClr val="accent1">
+              <a:shade val="50000"/>
+            </a:schemeClr>
+          </a:lnRef>
+          <a:fillRef idx="1">
+            <a:schemeClr val="accent1"/>
+          </a:fillRef>
+          <a:effectRef idx="0">
+            <a:schemeClr val="accent1"/>
+          </a:effectRef>
+          <a:fontRef idx="minor">
+            <a:schemeClr val="lt1"/>
+          </a:fontRef>
+        </p:style>
+        <p:txBody>
+          <a:bodyPr rtlCol="0" anchor="ctr"/>
+          <a:lstStyle/>
+          <a:p>
+            <a:pPr algn="ctr"/>
+            <a:endParaRPr lang="zh-CN" altLang="en-US"/>
+          </a:p>
+        </p:txBody>
+      </p:sp>
+      <p:sp>
+        <p:nvSpPr>
+          <p:cNvPr id="7" name="文本框 6">
+            <a:extLst>
+              <a:ext uri="{FF2B5EF4-FFF2-40B4-BE49-F238E27FC236}">
+                <a16:creationId xmlns:a16="http://schemas.microsoft.com/office/drawing/2014/main" id="{30AB8525-DB0F-48D1-B75A-1A2FEF2D7888}"/>
+              </a:ext>
+            </a:extLst>
+          </p:cNvPr>
+          <p:cNvSpPr txBox="1"/>
+          <p:nvPr/>
+        </p:nvSpPr>
+        <p:spPr>
+          <a:xfrm>
+            <a:off x="1857063" y="1821473"/>
+            <a:ext cx="1324698" cy="400110"/>
+          </a:xfrm>
+          <a:prstGeom prst="rect">
+            <a:avLst/>
+          </a:prstGeom>
+          <a:noFill/>
+        </p:spPr>
+        <p:txBody>
+          <a:bodyPr wrap="square" rtlCol="0">
+            <a:spAutoFit/>
+          </a:bodyPr>
+          <a:lstStyle/>
+          <a:p>
+            <a:pPr algn="r"/>
+            <a:r>
+              <a:rPr lang="zh-CN" altLang="en-US" sz="2000" b="1" dirty="0">
+                <a:solidFill>
+                  <a:schemeClr val="bg1"/>
+                </a:solidFill>
+              </a:rPr>
+              <a:t>环绕声</a:t>
+            </a:r>
+          </a:p>
+        </p:txBody>
+      </p:sp>
+      <p:sp>
+        <p:nvSpPr>
+          <p:cNvPr id="15" name="文本框 14">
+            <a:extLst>
+              <a:ext uri="{FF2B5EF4-FFF2-40B4-BE49-F238E27FC236}">
+                <a16:creationId xmlns:a16="http://schemas.microsoft.com/office/drawing/2014/main" id="{6AD1C369-F406-48F2-8516-848195CEEBA0}"/>
+              </a:ext>
+            </a:extLst>
+          </p:cNvPr>
+          <p:cNvSpPr txBox="1"/>
+          <p:nvPr/>
+        </p:nvSpPr>
+        <p:spPr>
+          <a:xfrm>
+            <a:off x="1857063" y="2320298"/>
+            <a:ext cx="1324698" cy="400110"/>
+          </a:xfrm>
+          <a:prstGeom prst="rect">
+            <a:avLst/>
+          </a:prstGeom>
+          <a:noFill/>
+        </p:spPr>
+        <p:txBody>
+          <a:bodyPr wrap="square" rtlCol="0">
+            <a:spAutoFit/>
+          </a:bodyPr>
+          <a:lstStyle/>
+          <a:p>
+            <a:pPr algn="r"/>
+            <a:r>
+              <a:rPr lang="zh-CN" altLang="en-US" sz="2000" dirty="0">
+                <a:solidFill>
+                  <a:schemeClr val="bg1">
+                    <a:lumMod val="50000"/>
+                  </a:schemeClr>
+                </a:solidFill>
+              </a:rPr>
+              <a:t>音质增强</a:t>
+            </a:r>
+          </a:p>
+        </p:txBody>
+      </p:sp>
+      <p:sp>
+        <p:nvSpPr>
+          <p:cNvPr id="16" name="文本框 15">
+            <a:extLst>
+              <a:ext uri="{FF2B5EF4-FFF2-40B4-BE49-F238E27FC236}">
+                <a16:creationId xmlns:a16="http://schemas.microsoft.com/office/drawing/2014/main" id="{8A44217A-FE32-4EDB-8510-C80C6657673B}"/>
+              </a:ext>
+            </a:extLst>
+          </p:cNvPr>
+          <p:cNvSpPr txBox="1"/>
+          <p:nvPr/>
+        </p:nvSpPr>
+        <p:spPr>
+          <a:xfrm>
+            <a:off x="1857063" y="2819123"/>
+            <a:ext cx="1324698" cy="400110"/>
+          </a:xfrm>
+          <a:prstGeom prst="rect">
+            <a:avLst/>
+          </a:prstGeom>
+          <a:noFill/>
+        </p:spPr>
+        <p:txBody>
+          <a:bodyPr wrap="square" rtlCol="0">
+            <a:spAutoFit/>
+          </a:bodyPr>
+          <a:lstStyle/>
+          <a:p>
+            <a:pPr algn="r"/>
+            <a:r>
+              <a:rPr lang="zh-CN" altLang="en-US" sz="2000" dirty="0">
+                <a:solidFill>
+                  <a:schemeClr val="bg1">
+                    <a:lumMod val="50000"/>
+                  </a:schemeClr>
+                </a:solidFill>
+              </a:rPr>
+              <a:t>设备选项</a:t>
+            </a:r>
+          </a:p>
+        </p:txBody>
+      </p:sp>
+      <p:sp>
+        <p:nvSpPr>
+          <p:cNvPr id="17" name="文本框 16">
+            <a:extLst>
+              <a:ext uri="{FF2B5EF4-FFF2-40B4-BE49-F238E27FC236}">
+                <a16:creationId xmlns:a16="http://schemas.microsoft.com/office/drawing/2014/main" id="{C6012F29-9020-4499-B517-65C2A5CD95BC}"/>
+              </a:ext>
+            </a:extLst>
+          </p:cNvPr>
+          <p:cNvSpPr txBox="1"/>
+          <p:nvPr/>
+        </p:nvSpPr>
+        <p:spPr>
+          <a:xfrm>
+            <a:off x="1857063" y="3317949"/>
+            <a:ext cx="1324698" cy="400110"/>
+          </a:xfrm>
+          <a:prstGeom prst="rect">
+            <a:avLst/>
+          </a:prstGeom>
+          <a:noFill/>
+        </p:spPr>
+        <p:txBody>
+          <a:bodyPr wrap="square" rtlCol="0">
+            <a:spAutoFit/>
+          </a:bodyPr>
+          <a:lstStyle/>
+          <a:p>
+            <a:pPr algn="r"/>
+            <a:r>
+              <a:rPr lang="zh-CN" altLang="en-US" sz="2000" dirty="0">
+                <a:solidFill>
+                  <a:schemeClr val="bg1">
+                    <a:lumMod val="50000"/>
+                  </a:schemeClr>
+                </a:solidFill>
+              </a:rPr>
+              <a:t>关于</a:t>
+            </a:r>
+          </a:p>
+        </p:txBody>
+      </p:sp>
+      <p:cxnSp>
+        <p:nvCxnSpPr>
+          <p:cNvPr id="9" name="直接连接符 8">
+            <a:extLst>
+              <a:ext uri="{FF2B5EF4-FFF2-40B4-BE49-F238E27FC236}">
+                <a16:creationId xmlns:a16="http://schemas.microsoft.com/office/drawing/2014/main" id="{06CECFF9-58B9-4E06-920B-FB268CF6E666}"/>
+              </a:ext>
+            </a:extLst>
+          </p:cNvPr>
+          <p:cNvCxnSpPr/>
+          <p:nvPr/>
+        </p:nvCxnSpPr>
+        <p:spPr>
+          <a:xfrm>
+            <a:off x="3181761" y="1855207"/>
+            <a:ext cx="0" cy="332642"/>
+          </a:xfrm>
+          <a:prstGeom prst="line">
+            <a:avLst/>
+          </a:prstGeom>
+          <a:ln w="19050">
+            <a:solidFill>
+              <a:schemeClr val="bg1"/>
+            </a:solidFill>
+          </a:ln>
+        </p:spPr>
+        <p:style>
+          <a:lnRef idx="1">
+            <a:schemeClr val="accent1"/>
+          </a:lnRef>
+          <a:fillRef idx="0">
+            <a:schemeClr val="accent1"/>
+          </a:fillRef>
+          <a:effectRef idx="0">
+            <a:schemeClr val="accent1"/>
+          </a:effectRef>
+          <a:fontRef idx="minor">
+            <a:schemeClr val="tx1"/>
+          </a:fontRef>
+        </p:style>
+      </p:cxnSp>
+      <p:sp>
+        <p:nvSpPr>
+          <p:cNvPr id="18" name="任意多边形: 形状 17">
+            <a:extLst>
+              <a:ext uri="{FF2B5EF4-FFF2-40B4-BE49-F238E27FC236}">
+                <a16:creationId xmlns:a16="http://schemas.microsoft.com/office/drawing/2014/main" id="{F7B37C4E-C641-4333-9602-B8E6D3661998}"/>
+              </a:ext>
+            </a:extLst>
+          </p:cNvPr>
+          <p:cNvSpPr/>
+          <p:nvPr/>
+        </p:nvSpPr>
+        <p:spPr>
+          <a:xfrm>
+            <a:off x="8791830" y="1150033"/>
+            <a:ext cx="343930" cy="333895"/>
+          </a:xfrm>
+          <a:custGeom>
+            <a:avLst/>
+            <a:gdLst>
+              <a:gd name="connsiteX0" fmla="*/ 190062 w 1296417"/>
+              <a:gd name="connsiteY0" fmla="*/ 151823 h 1258591"/>
+              <a:gd name="connsiteX1" fmla="*/ 321606 w 1296417"/>
+              <a:gd name="connsiteY1" fmla="*/ 283484 h 1258591"/>
+              <a:gd name="connsiteX2" fmla="*/ 320132 w 1296417"/>
+              <a:gd name="connsiteY2" fmla="*/ 935801 h 1258591"/>
+              <a:gd name="connsiteX3" fmla="*/ 972440 w 1296417"/>
+              <a:gd name="connsiteY3" fmla="*/ 939632 h 1258591"/>
+              <a:gd name="connsiteX4" fmla="*/ 978628 w 1296417"/>
+              <a:gd name="connsiteY4" fmla="*/ 287342 h 1258591"/>
+              <a:gd name="connsiteX5" fmla="*/ 1111709 w 1296417"/>
+              <a:gd name="connsiteY5" fmla="*/ 157234 h 1258591"/>
+              <a:gd name="connsiteX6" fmla="*/ 1103028 w 1296417"/>
+              <a:gd name="connsiteY6" fmla="*/ 1072242 h 1258591"/>
+              <a:gd name="connsiteX7" fmla="*/ 187996 w 1296417"/>
+              <a:gd name="connsiteY7" fmla="*/ 1066868 h 1258591"/>
+              <a:gd name="connsiteX8" fmla="*/ 190062 w 1296417"/>
+              <a:gd name="connsiteY8" fmla="*/ 151823 h 1258591"/>
+              <a:gd name="connsiteX9" fmla="*/ 555290 w 1296417"/>
+              <a:gd name="connsiteY9" fmla="*/ 0 h 1258591"/>
+              <a:gd name="connsiteX10" fmla="*/ 741125 w 1296417"/>
+              <a:gd name="connsiteY10" fmla="*/ 0 h 1258591"/>
+              <a:gd name="connsiteX11" fmla="*/ 741125 w 1296417"/>
+              <a:gd name="connsiteY11" fmla="*/ 717292 h 1258591"/>
+              <a:gd name="connsiteX12" fmla="*/ 555290 w 1296417"/>
+              <a:gd name="connsiteY12" fmla="*/ 717292 h 1258591"/>
+            </a:gdLst>
+            <a:ahLst/>
+            <a:cxnLst>
+              <a:cxn ang="0">
+                <a:pos x="connsiteX0" y="connsiteY0"/>
+              </a:cxn>
+              <a:cxn ang="0">
+                <a:pos x="connsiteX1" y="connsiteY1"/>
+              </a:cxn>
+              <a:cxn ang="0">
+                <a:pos x="connsiteX2" y="connsiteY2"/>
+              </a:cxn>
+              <a:cxn ang="0">
+                <a:pos x="connsiteX3" y="connsiteY3"/>
+              </a:cxn>
+              <a:cxn ang="0">
+                <a:pos x="connsiteX4" y="connsiteY4"/>
+              </a:cxn>
+              <a:cxn ang="0">
+                <a:pos x="connsiteX5" y="connsiteY5"/>
+              </a:cxn>
+              <a:cxn ang="0">
+                <a:pos x="connsiteX6" y="connsiteY6"/>
+              </a:cxn>
+              <a:cxn ang="0">
+                <a:pos x="connsiteX7" y="connsiteY7"/>
+              </a:cxn>
+              <a:cxn ang="0">
+                <a:pos x="connsiteX8" y="connsiteY8"/>
+              </a:cxn>
+              <a:cxn ang="0">
+                <a:pos x="connsiteX9" y="connsiteY9"/>
+              </a:cxn>
+              <a:cxn ang="0">
+                <a:pos x="connsiteX10" y="connsiteY10"/>
+              </a:cxn>
+              <a:cxn ang="0">
+                <a:pos x="connsiteX11" y="connsiteY11"/>
+              </a:cxn>
+              <a:cxn ang="0">
+                <a:pos x="connsiteX12" y="connsiteY12"/>
+              </a:cxn>
+            </a:cxnLst>
+            <a:rect l="l" t="t" r="r" b="b"/>
+            <a:pathLst>
+              <a:path w="1296417" h="1258591">
+                <a:moveTo>
+                  <a:pt x="190062" y="151823"/>
+                </a:moveTo>
+                <a:cubicBezTo>
+                  <a:pt x="233910" y="195710"/>
+                  <a:pt x="277758" y="239597"/>
+                  <a:pt x="321606" y="283484"/>
+                </a:cubicBezTo>
+                <a:cubicBezTo>
+                  <a:pt x="141526" y="463401"/>
+                  <a:pt x="140867" y="755073"/>
+                  <a:pt x="320132" y="935801"/>
+                </a:cubicBezTo>
+                <a:cubicBezTo>
+                  <a:pt x="499397" y="1116530"/>
+                  <a:pt x="791065" y="1118243"/>
+                  <a:pt x="972440" y="939632"/>
+                </a:cubicBezTo>
+                <a:cubicBezTo>
+                  <a:pt x="1153816" y="761021"/>
+                  <a:pt x="1156582" y="469362"/>
+                  <a:pt x="978628" y="287342"/>
+                </a:cubicBezTo>
+                <a:lnTo>
+                  <a:pt x="1111709" y="157234"/>
+                </a:lnTo>
+                <a:cubicBezTo>
+                  <a:pt x="1361336" y="412565"/>
+                  <a:pt x="1357454" y="821693"/>
+                  <a:pt x="1103028" y="1072242"/>
+                </a:cubicBezTo>
+                <a:cubicBezTo>
+                  <a:pt x="848602" y="1322790"/>
+                  <a:pt x="439462" y="1320387"/>
+                  <a:pt x="187996" y="1066868"/>
+                </a:cubicBezTo>
+                <a:cubicBezTo>
+                  <a:pt x="-63470" y="813349"/>
+                  <a:pt x="-62546" y="404203"/>
+                  <a:pt x="190062" y="151823"/>
+                </a:cubicBezTo>
+                <a:close/>
+                <a:moveTo>
+                  <a:pt x="555290" y="0"/>
+                </a:moveTo>
+                <a:lnTo>
+                  <a:pt x="741125" y="0"/>
+                </a:lnTo>
+                <a:lnTo>
+                  <a:pt x="741125" y="717292"/>
+                </a:lnTo>
+                <a:lnTo>
+                  <a:pt x="555290" y="717292"/>
+                </a:lnTo>
+                <a:close/>
+              </a:path>
+            </a:pathLst>
+          </a:custGeom>
+          <a:solidFill>
+            <a:schemeClr val="bg1"/>
+          </a:solidFill>
+          <a:ln>
+            <a:noFill/>
+          </a:ln>
+          <a:effectLst>
+            <a:glow rad="228600">
+              <a:schemeClr val="tx1">
+                <a:lumMod val="85000"/>
+                <a:lumOff val="15000"/>
+                <a:alpha val="40000"/>
+              </a:schemeClr>
+            </a:glow>
+          </a:effectLst>
+          <a:scene3d>
+            <a:camera prst="orthographicFront"/>
+            <a:lightRig rig="threePt" dir="t"/>
+          </a:scene3d>
+          <a:sp3d prstMaterial="metal"/>
+        </p:spPr>
+        <p:style>
+          <a:lnRef idx="2">
+            <a:schemeClr val="accent1">
+              <a:shade val="50000"/>
+            </a:schemeClr>
+          </a:lnRef>
+          <a:fillRef idx="1">
+            <a:schemeClr val="accent1"/>
+          </a:fillRef>
+          <a:effectRef idx="0">
+            <a:schemeClr val="accent1"/>
+          </a:effectRef>
+          <a:fontRef idx="minor">
+            <a:schemeClr val="lt1"/>
+          </a:fontRef>
+        </p:style>
+        <p:txBody>
+          <a:bodyPr wrap="square" rtlCol="0" anchor="ctr">
+            <a:noAutofit/>
+          </a:bodyPr>
+          <a:lstStyle/>
+          <a:p>
+            <a:pPr algn="ctr"/>
+            <a:endParaRPr lang="zh-CN" altLang="en-US">
+              <a:effectLst>
+                <a:glow rad="228600">
+                  <a:schemeClr val="accent6">
+                    <a:satMod val="175000"/>
+                    <a:alpha val="40000"/>
+                  </a:schemeClr>
+                </a:glow>
+              </a:effectLst>
+            </a:endParaRPr>
+          </a:p>
+        </p:txBody>
+      </p:sp>
+      <p:sp>
+        <p:nvSpPr>
+          <p:cNvPr id="12" name="文本框 11">
+            <a:extLst>
+              <a:ext uri="{FF2B5EF4-FFF2-40B4-BE49-F238E27FC236}">
+                <a16:creationId xmlns:a16="http://schemas.microsoft.com/office/drawing/2014/main" id="{5A49EED9-4C11-4D69-8346-20F523DEC29D}"/>
+              </a:ext>
+            </a:extLst>
+          </p:cNvPr>
+          <p:cNvSpPr txBox="1"/>
+          <p:nvPr/>
+        </p:nvSpPr>
+        <p:spPr>
+          <a:xfrm>
+            <a:off x="3514223" y="1830159"/>
+            <a:ext cx="646331" cy="369332"/>
+          </a:xfrm>
+          <a:prstGeom prst="rect">
+            <a:avLst/>
+          </a:prstGeom>
+          <a:solidFill>
+            <a:schemeClr val="bg1"/>
+          </a:solidFill>
+        </p:spPr>
+        <p:txBody>
+          <a:bodyPr wrap="none" rtlCol="0">
+            <a:spAutoFit/>
+          </a:bodyPr>
+          <a:lstStyle/>
+          <a:p>
+            <a:r>
+              <a:rPr lang="zh-CN" altLang="en-US" b="1" dirty="0"/>
+              <a:t>输入</a:t>
+            </a:r>
+          </a:p>
+        </p:txBody>
+      </p:sp>
+      <p:sp>
+        <p:nvSpPr>
+          <p:cNvPr id="48" name="文本框 47">
+            <a:extLst>
+              <a:ext uri="{FF2B5EF4-FFF2-40B4-BE49-F238E27FC236}">
+                <a16:creationId xmlns:a16="http://schemas.microsoft.com/office/drawing/2014/main" id="{F611E00B-6A5A-43F1-9F47-EC3390FCFE67}"/>
+              </a:ext>
+            </a:extLst>
+          </p:cNvPr>
+          <p:cNvSpPr txBox="1"/>
+          <p:nvPr/>
+        </p:nvSpPr>
+        <p:spPr>
+          <a:xfrm>
+            <a:off x="3514222" y="2819123"/>
+            <a:ext cx="646331" cy="369332"/>
+          </a:xfrm>
+          <a:prstGeom prst="rect">
+            <a:avLst/>
+          </a:prstGeom>
+          <a:solidFill>
+            <a:schemeClr val="bg1"/>
+          </a:solidFill>
+        </p:spPr>
+        <p:txBody>
+          <a:bodyPr wrap="none" rtlCol="0">
+            <a:spAutoFit/>
+          </a:bodyPr>
+          <a:lstStyle/>
+          <a:p>
+            <a:r>
+              <a:rPr lang="zh-CN" altLang="en-US" b="1" dirty="0"/>
+              <a:t>输出</a:t>
+            </a:r>
+          </a:p>
+        </p:txBody>
+      </p:sp>
+    </p:spTree>
+    <p:extLst>
+      <p:ext uri="{BB962C8B-B14F-4D97-AF65-F5344CB8AC3E}">
+        <p14:creationId xmlns:p14="http://schemas.microsoft.com/office/powerpoint/2010/main" val="717945634"/>
+      </p:ext>
+    </p:extLst>
+  </p:cSld>
+  <p:clrMapOvr>
+    <a:masterClrMapping/>
+  </p:clrMapOvr>
+</p:sld>
+</file>
+
+<file path=ppt/slides/slide4.xml><?xml version="1.0" encoding="utf-8"?>
+<p:sld xmlns:a="http://schemas.openxmlformats.org/drawingml/2006/main" xmlns:r="http://schemas.openxmlformats.org/officeDocument/2006/relationships" xmlns:p="http://schemas.openxmlformats.org/presentationml/2006/main">
+  <p:cSld>
+    <p:spTree>
+      <p:nvGrpSpPr>
+        <p:cNvPr id="1" name=""/>
+        <p:cNvGrpSpPr/>
+        <p:nvPr/>
+      </p:nvGrpSpPr>
+      <p:grpSpPr>
+        <a:xfrm>
+          <a:off x="0" y="0"/>
+          <a:ext cx="0" cy="0"/>
+          <a:chOff x="0" y="0"/>
+          <a:chExt cx="0" cy="0"/>
+        </a:xfrm>
+      </p:grpSpPr>
+      <p:grpSp>
+        <p:nvGrpSpPr>
+          <p:cNvPr id="5" name="组合 4">
+            <a:extLst>
+              <a:ext uri="{FF2B5EF4-FFF2-40B4-BE49-F238E27FC236}">
+                <a16:creationId xmlns:a16="http://schemas.microsoft.com/office/drawing/2014/main" id="{30FE35A3-2C7D-4236-8CD4-8045044E6A97}"/>
+              </a:ext>
+            </a:extLst>
+          </p:cNvPr>
+          <p:cNvGrpSpPr/>
+          <p:nvPr/>
+        </p:nvGrpSpPr>
+        <p:grpSpPr>
+          <a:xfrm>
+            <a:off x="1608615" y="883982"/>
+            <a:ext cx="8486868" cy="5090036"/>
+            <a:chOff x="1608615" y="883982"/>
+            <a:chExt cx="8486868" cy="5090036"/>
+          </a:xfrm>
+        </p:grpSpPr>
+        <p:sp>
+          <p:nvSpPr>
+            <p:cNvPr id="4" name="矩形 3">
+              <a:extLst>
+                <a:ext uri="{FF2B5EF4-FFF2-40B4-BE49-F238E27FC236}">
+                  <a16:creationId xmlns:a16="http://schemas.microsoft.com/office/drawing/2014/main" id="{B7A7EDAA-7EA9-4FC0-AF12-1D002DE288E7}"/>
+                </a:ext>
+              </a:extLst>
+            </p:cNvPr>
+            <p:cNvSpPr/>
+            <p:nvPr/>
+          </p:nvSpPr>
+          <p:spPr>
+            <a:xfrm>
+              <a:off x="1608615" y="883982"/>
+              <a:ext cx="8486868" cy="5090036"/>
+            </a:xfrm>
+            <a:prstGeom prst="rect">
+              <a:avLst/>
+            </a:prstGeom>
+            <a:solidFill>
+              <a:schemeClr val="tx1"/>
+            </a:solidFill>
+            <a:ln>
+              <a:noFill/>
+            </a:ln>
+            <a:scene3d>
+              <a:camera prst="orthographicFront"/>
+              <a:lightRig rig="threePt" dir="t"/>
+            </a:scene3d>
+            <a:sp3d prstMaterial="metal"/>
+          </p:spPr>
+          <p:style>
+            <a:lnRef idx="2">
+              <a:schemeClr val="accent1">
+                <a:shade val="50000"/>
+              </a:schemeClr>
+            </a:lnRef>
+            <a:fillRef idx="1">
+              <a:schemeClr val="accent1"/>
+            </a:fillRef>
+            <a:effectRef idx="0">
+              <a:schemeClr val="accent1"/>
+            </a:effectRef>
+            <a:fontRef idx="minor">
+              <a:schemeClr val="lt1"/>
+            </a:fontRef>
+          </p:style>
+          <p:txBody>
+            <a:bodyPr rtlCol="0" anchor="ctr"/>
+            <a:lstStyle/>
+            <a:p>
+              <a:pPr algn="ctr"/>
+              <a:endParaRPr lang="zh-CN" altLang="en-US"/>
+            </a:p>
+          </p:txBody>
+        </p:sp>
+        <p:pic>
+          <p:nvPicPr>
+            <p:cNvPr id="3" name="图片 2">
+              <a:extLst>
+                <a:ext uri="{FF2B5EF4-FFF2-40B4-BE49-F238E27FC236}">
+                  <a16:creationId xmlns:a16="http://schemas.microsoft.com/office/drawing/2014/main" id="{A174FF3E-5FC3-4EF2-9264-845A4A86F35F}"/>
+                </a:ext>
+              </a:extLst>
+            </p:cNvPr>
+            <p:cNvPicPr>
+              <a:picLocks noChangeAspect="1"/>
+            </p:cNvPicPr>
+            <p:nvPr/>
+          </p:nvPicPr>
+          <p:blipFill>
+            <a:blip r:embed="rId2">
+              <a:extLst>
+                <a:ext uri="{28A0092B-C50C-407E-A947-70E740481C1C}">
+                  <a14:useLocalDpi xmlns:a14="http://schemas.microsoft.com/office/drawing/2010/main" val="0"/>
+                </a:ext>
+              </a:extLst>
+            </a:blip>
+            <a:stretch>
+              <a:fillRect/>
+            </a:stretch>
+          </p:blipFill>
+          <p:spPr>
+            <a:xfrm>
+              <a:off x="7277893" y="4088081"/>
+              <a:ext cx="2817590" cy="1885937"/>
+            </a:xfrm>
+            <a:prstGeom prst="rect">
+              <a:avLst/>
+            </a:prstGeom>
+          </p:spPr>
+        </p:pic>
+        <p:grpSp>
+          <p:nvGrpSpPr>
+            <p:cNvPr id="11" name="组合 10">
+              <a:extLst>
+                <a:ext uri="{FF2B5EF4-FFF2-40B4-BE49-F238E27FC236}">
+                  <a16:creationId xmlns:a16="http://schemas.microsoft.com/office/drawing/2014/main" id="{F080E61F-B936-4AEA-8E05-B4C69EC695C9}"/>
+                </a:ext>
+              </a:extLst>
+            </p:cNvPr>
+            <p:cNvGrpSpPr/>
+            <p:nvPr/>
+          </p:nvGrpSpPr>
+          <p:grpSpPr>
+            <a:xfrm>
+              <a:off x="2576378" y="1076625"/>
+              <a:ext cx="2424062" cy="461665"/>
+              <a:chOff x="2728778" y="1009950"/>
+              <a:chExt cx="2424062" cy="461665"/>
+            </a:xfrm>
+          </p:grpSpPr>
+          <p:sp>
+            <p:nvSpPr>
+              <p:cNvPr id="10" name="矩形 9">
+                <a:extLst>
+                  <a:ext uri="{FF2B5EF4-FFF2-40B4-BE49-F238E27FC236}">
+                    <a16:creationId xmlns:a16="http://schemas.microsoft.com/office/drawing/2014/main" id="{7B078341-C40E-4B26-8717-CE926C6332DD}"/>
+                  </a:ext>
+                </a:extLst>
+              </p:cNvPr>
+              <p:cNvSpPr/>
+              <p:nvPr/>
+            </p:nvSpPr>
+            <p:spPr>
+              <a:xfrm>
+                <a:off x="4088828" y="1073708"/>
+                <a:ext cx="978471" cy="353197"/>
+              </a:xfrm>
+              <a:prstGeom prst="rect">
+                <a:avLst/>
+              </a:prstGeom>
+              <a:solidFill>
+                <a:srgbClr val="FFCC00"/>
+              </a:solidFill>
+              <a:ln>
+                <a:noFill/>
+              </a:ln>
+              <a:scene3d>
+                <a:camera prst="orthographicFront"/>
+                <a:lightRig rig="threePt" dir="t"/>
+              </a:scene3d>
+              <a:sp3d prstMaterial="metal"/>
+            </p:spPr>
+            <p:style>
+              <a:lnRef idx="2">
+                <a:schemeClr val="accent1">
+                  <a:shade val="50000"/>
+                </a:schemeClr>
+              </a:lnRef>
+              <a:fillRef idx="1">
+                <a:schemeClr val="accent1"/>
+              </a:fillRef>
+              <a:effectRef idx="0">
+                <a:schemeClr val="accent1"/>
+              </a:effectRef>
+              <a:fontRef idx="minor">
+                <a:schemeClr val="lt1"/>
+              </a:fontRef>
+            </p:style>
+            <p:txBody>
+              <a:bodyPr rtlCol="0" anchor="ctr"/>
+              <a:lstStyle/>
+              <a:p>
+                <a:pPr algn="ctr"/>
+                <a:endParaRPr lang="zh-CN" altLang="en-US" dirty="0"/>
+              </a:p>
+            </p:txBody>
+          </p:sp>
+          <p:sp>
+            <p:nvSpPr>
+              <p:cNvPr id="6" name="文本框 5">
+                <a:extLst>
+                  <a:ext uri="{FF2B5EF4-FFF2-40B4-BE49-F238E27FC236}">
+                    <a16:creationId xmlns:a16="http://schemas.microsoft.com/office/drawing/2014/main" id="{9B1DC777-71C9-4F9C-9ED4-6932CA2281F2}"/>
+                  </a:ext>
+                </a:extLst>
+              </p:cNvPr>
+              <p:cNvSpPr txBox="1"/>
+              <p:nvPr/>
+            </p:nvSpPr>
+            <p:spPr>
+              <a:xfrm>
+                <a:off x="2728778" y="1009950"/>
+                <a:ext cx="2424062" cy="461665"/>
+              </a:xfrm>
+              <a:prstGeom prst="rect">
+                <a:avLst/>
+              </a:prstGeom>
+              <a:noFill/>
+            </p:spPr>
+            <p:txBody>
+              <a:bodyPr wrap="none" rtlCol="0">
+                <a:spAutoFit/>
+              </a:bodyPr>
+              <a:lstStyle/>
+              <a:p>
+                <a:r>
+                  <a:rPr lang="zh-CN" altLang="en-US" sz="2400" b="1" dirty="0">
+                    <a:solidFill>
+                      <a:schemeClr val="bg1">
+                        <a:lumMod val="95000"/>
+                      </a:schemeClr>
+                    </a:solidFill>
+                  </a:rPr>
+                  <a:t>耳机虚拟 </a:t>
+                </a:r>
+                <a:r>
+                  <a:rPr lang="zh-CN" altLang="en-US" sz="2400" b="1" dirty="0"/>
+                  <a:t>环绕声</a:t>
+                </a:r>
+              </a:p>
+            </p:txBody>
+          </p:sp>
+        </p:grpSp>
+        <p:sp>
+          <p:nvSpPr>
+            <p:cNvPr id="22" name="任意多边形: 形状 21">
+              <a:extLst>
+                <a:ext uri="{FF2B5EF4-FFF2-40B4-BE49-F238E27FC236}">
+                  <a16:creationId xmlns:a16="http://schemas.microsoft.com/office/drawing/2014/main" id="{8EF3F299-1BE1-4ABD-A2A9-F35BA558EE94}"/>
+                </a:ext>
+              </a:extLst>
+            </p:cNvPr>
+            <p:cNvSpPr/>
+            <p:nvPr/>
+          </p:nvSpPr>
+          <p:spPr>
+            <a:xfrm rot="10800000">
+              <a:off x="1801003" y="1086149"/>
+              <a:ext cx="718409" cy="461664"/>
+            </a:xfrm>
+            <a:custGeom>
+              <a:avLst/>
+              <a:gdLst>
+                <a:gd name="connsiteX0" fmla="*/ 497954 w 4218654"/>
+                <a:gd name="connsiteY0" fmla="*/ 2077859 h 2710990"/>
+                <a:gd name="connsiteX1" fmla="*/ 704431 w 4218654"/>
+                <a:gd name="connsiteY1" fmla="*/ 1500882 h 2710990"/>
+                <a:gd name="connsiteX2" fmla="*/ 602260 w 4218654"/>
+                <a:gd name="connsiteY2" fmla="*/ 1500882 h 2710990"/>
+                <a:gd name="connsiteX3" fmla="*/ 602260 w 4218654"/>
+                <a:gd name="connsiteY3" fmla="*/ 709946 h 2710990"/>
+                <a:gd name="connsiteX4" fmla="*/ 393647 w 4218654"/>
+                <a:gd name="connsiteY4" fmla="*/ 709946 h 2710990"/>
+                <a:gd name="connsiteX5" fmla="*/ 393647 w 4218654"/>
+                <a:gd name="connsiteY5" fmla="*/ 1500882 h 2710990"/>
+                <a:gd name="connsiteX6" fmla="*/ 291476 w 4218654"/>
+                <a:gd name="connsiteY6" fmla="*/ 1500882 h 2710990"/>
+                <a:gd name="connsiteX7" fmla="*/ 1402360 w 4218654"/>
+                <a:gd name="connsiteY7" fmla="*/ 2077859 h 2710990"/>
+                <a:gd name="connsiteX8" fmla="*/ 1402360 w 4218654"/>
+                <a:gd name="connsiteY8" fmla="*/ 1286923 h 2710990"/>
+                <a:gd name="connsiteX9" fmla="*/ 1504531 w 4218654"/>
+                <a:gd name="connsiteY9" fmla="*/ 1286923 h 2710990"/>
+                <a:gd name="connsiteX10" fmla="*/ 1298053 w 4218654"/>
+                <a:gd name="connsiteY10" fmla="*/ 709946 h 2710990"/>
+                <a:gd name="connsiteX11" fmla="*/ 1091576 w 4218654"/>
+                <a:gd name="connsiteY11" fmla="*/ 1286923 h 2710990"/>
+                <a:gd name="connsiteX12" fmla="*/ 1193747 w 4218654"/>
+                <a:gd name="connsiteY12" fmla="*/ 1286923 h 2710990"/>
+                <a:gd name="connsiteX13" fmla="*/ 1193747 w 4218654"/>
+                <a:gd name="connsiteY13" fmla="*/ 2077859 h 2710990"/>
+                <a:gd name="connsiteX14" fmla="*/ 2849105 w 4218654"/>
+                <a:gd name="connsiteY14" fmla="*/ 2241319 h 2710990"/>
+                <a:gd name="connsiteX15" fmla="*/ 3228226 w 4218654"/>
+                <a:gd name="connsiteY15" fmla="*/ 2139734 h 2710990"/>
+                <a:gd name="connsiteX16" fmla="*/ 3600679 w 4218654"/>
+                <a:gd name="connsiteY16" fmla="*/ 1583515 h 2710990"/>
+                <a:gd name="connsiteX17" fmla="*/ 3601162 w 4218654"/>
+                <a:gd name="connsiteY17" fmla="*/ 1576240 h 2710990"/>
+                <a:gd name="connsiteX18" fmla="*/ 3615604 w 4218654"/>
+                <a:gd name="connsiteY18" fmla="*/ 1574038 h 2710990"/>
+                <a:gd name="connsiteX19" fmla="*/ 3990054 w 4218654"/>
+                <a:gd name="connsiteY19" fmla="*/ 1115584 h 2710990"/>
+                <a:gd name="connsiteX20" fmla="*/ 3522960 w 4218654"/>
+                <a:gd name="connsiteY20" fmla="*/ 645907 h 2710990"/>
+                <a:gd name="connsiteX21" fmla="*/ 3522908 w 4218654"/>
+                <a:gd name="connsiteY21" fmla="*/ 660256 h 2710990"/>
+                <a:gd name="connsiteX22" fmla="*/ 3329883 w 4218654"/>
+                <a:gd name="connsiteY22" fmla="*/ 660256 h 2710990"/>
+                <a:gd name="connsiteX23" fmla="*/ 3329883 w 4218654"/>
+                <a:gd name="connsiteY23" fmla="*/ 1483079 h 2710990"/>
+                <a:gd name="connsiteX24" fmla="*/ 3338263 w 4218654"/>
+                <a:gd name="connsiteY24" fmla="*/ 1483079 h 2710990"/>
+                <a:gd name="connsiteX25" fmla="*/ 3333961 w 4218654"/>
+                <a:gd name="connsiteY25" fmla="*/ 1547871 h 2710990"/>
+                <a:gd name="connsiteX26" fmla="*/ 3093685 w 4218654"/>
+                <a:gd name="connsiteY26" fmla="*/ 1906700 h 2710990"/>
+                <a:gd name="connsiteX27" fmla="*/ 2604528 w 4218654"/>
+                <a:gd name="connsiteY27" fmla="*/ 1906700 h 2710990"/>
+                <a:gd name="connsiteX28" fmla="*/ 2364252 w 4218654"/>
+                <a:gd name="connsiteY28" fmla="*/ 1547872 h 2710990"/>
+                <a:gd name="connsiteX29" fmla="*/ 2359950 w 4218654"/>
+                <a:gd name="connsiteY29" fmla="*/ 1483079 h 2710990"/>
+                <a:gd name="connsiteX30" fmla="*/ 2368329 w 4218654"/>
+                <a:gd name="connsiteY30" fmla="*/ 1483079 h 2710990"/>
+                <a:gd name="connsiteX31" fmla="*/ 2368329 w 4218654"/>
+                <a:gd name="connsiteY31" fmla="*/ 660256 h 2710990"/>
+                <a:gd name="connsiteX32" fmla="*/ 2162623 w 4218654"/>
+                <a:gd name="connsiteY32" fmla="*/ 660256 h 2710990"/>
+                <a:gd name="connsiteX33" fmla="*/ 2162623 w 4218654"/>
+                <a:gd name="connsiteY33" fmla="*/ 641120 h 2710990"/>
+                <a:gd name="connsiteX34" fmla="*/ 1693806 w 4218654"/>
+                <a:gd name="connsiteY34" fmla="*/ 1109076 h 2710990"/>
+                <a:gd name="connsiteX35" fmla="*/ 2066568 w 4218654"/>
+                <a:gd name="connsiteY35" fmla="*/ 1568904 h 2710990"/>
+                <a:gd name="connsiteX36" fmla="*/ 2096877 w 4218654"/>
+                <a:gd name="connsiteY36" fmla="*/ 1573638 h 2710990"/>
+                <a:gd name="connsiteX37" fmla="*/ 2097533 w 4218654"/>
+                <a:gd name="connsiteY37" fmla="*/ 1583514 h 2710990"/>
+                <a:gd name="connsiteX38" fmla="*/ 2469985 w 4218654"/>
+                <a:gd name="connsiteY38" fmla="*/ 2139734 h 2710990"/>
+                <a:gd name="connsiteX39" fmla="*/ 2849105 w 4218654"/>
+                <a:gd name="connsiteY39" fmla="*/ 2241319 h 2710990"/>
+                <a:gd name="connsiteX40" fmla="*/ 3766813 w 4218654"/>
+                <a:gd name="connsiteY40" fmla="*/ 2710990 h 2710990"/>
+                <a:gd name="connsiteX41" fmla="*/ 0 w 4218654"/>
+                <a:gd name="connsiteY41" fmla="*/ 2710990 h 2710990"/>
+                <a:gd name="connsiteX42" fmla="*/ 0 w 4218654"/>
+                <a:gd name="connsiteY42" fmla="*/ 451841 h 2710990"/>
+                <a:gd name="connsiteX43" fmla="*/ 451841 w 4218654"/>
+                <a:gd name="connsiteY43" fmla="*/ 0 h 2710990"/>
+                <a:gd name="connsiteX44" fmla="*/ 4218654 w 4218654"/>
+                <a:gd name="connsiteY44" fmla="*/ 0 h 2710990"/>
+                <a:gd name="connsiteX45" fmla="*/ 4218654 w 4218654"/>
+                <a:gd name="connsiteY45" fmla="*/ 2259149 h 2710990"/>
+              </a:gdLst>
+              <a:ahLst/>
+              <a:cxnLst>
+                <a:cxn ang="0">
+                  <a:pos x="connsiteX0" y="connsiteY0"/>
+                </a:cxn>
+                <a:cxn ang="0">
+                  <a:pos x="connsiteX1" y="connsiteY1"/>
+                </a:cxn>
+                <a:cxn ang="0">
+                  <a:pos x="connsiteX2" y="connsiteY2"/>
+                </a:cxn>
+                <a:cxn ang="0">
+                  <a:pos x="connsiteX3" y="connsiteY3"/>
+                </a:cxn>
+                <a:cxn ang="0">
+                  <a:pos x="connsiteX4" y="connsiteY4"/>
+                </a:cxn>
+                <a:cxn ang="0">
+                  <a:pos x="connsiteX5" y="connsiteY5"/>
+                </a:cxn>
+                <a:cxn ang="0">
+                  <a:pos x="connsiteX6" y="connsiteY6"/>
+                </a:cxn>
+                <a:cxn ang="0">
+                  <a:pos x="connsiteX7" y="connsiteY7"/>
+                </a:cxn>
+                <a:cxn ang="0">
+                  <a:pos x="connsiteX8" y="connsiteY8"/>
+                </a:cxn>
+                <a:cxn ang="0">
+                  <a:pos x="connsiteX9" y="connsiteY9"/>
+                </a:cxn>
+                <a:cxn ang="0">
+                  <a:pos x="connsiteX10" y="connsiteY10"/>
+                </a:cxn>
+                <a:cxn ang="0">
+                  <a:pos x="connsiteX11" y="connsiteY11"/>
+                </a:cxn>
+                <a:cxn ang="0">
+                  <a:pos x="connsiteX12" y="connsiteY12"/>
+                </a:cxn>
+                <a:cxn ang="0">
+                  <a:pos x="connsiteX13" y="connsiteY13"/>
+                </a:cxn>
+                <a:cxn ang="0">
+                  <a:pos x="connsiteX14" y="connsiteY14"/>
+                </a:cxn>
+                <a:cxn ang="0">
+                  <a:pos x="connsiteX15" y="connsiteY15"/>
+                </a:cxn>
+                <a:cxn ang="0">
+                  <a:pos x="connsiteX16" y="connsiteY16"/>
+                </a:cxn>
+                <a:cxn ang="0">
+                  <a:pos x="connsiteX17" y="connsiteY17"/>
+                </a:cxn>
+                <a:cxn ang="0">
+                  <a:pos x="connsiteX18" y="connsiteY18"/>
+                </a:cxn>
+                <a:cxn ang="0">
+                  <a:pos x="connsiteX19" y="connsiteY19"/>
+                </a:cxn>
+                <a:cxn ang="0">
+                  <a:pos x="connsiteX20" y="connsiteY20"/>
+                </a:cxn>
+                <a:cxn ang="0">
+                  <a:pos x="connsiteX21" y="connsiteY21"/>
+                </a:cxn>
+                <a:cxn ang="0">
+                  <a:pos x="connsiteX22" y="connsiteY22"/>
+                </a:cxn>
+                <a:cxn ang="0">
+                  <a:pos x="connsiteX23" y="connsiteY23"/>
+                </a:cxn>
+                <a:cxn ang="0">
+                  <a:pos x="connsiteX24" y="connsiteY24"/>
+                </a:cxn>
+                <a:cxn ang="0">
+                  <a:pos x="connsiteX25" y="connsiteY25"/>
+                </a:cxn>
+                <a:cxn ang="0">
+                  <a:pos x="connsiteX26" y="connsiteY26"/>
+                </a:cxn>
+                <a:cxn ang="0">
+                  <a:pos x="connsiteX27" y="connsiteY27"/>
+                </a:cxn>
+                <a:cxn ang="0">
+                  <a:pos x="connsiteX28" y="connsiteY28"/>
+                </a:cxn>
+                <a:cxn ang="0">
+                  <a:pos x="connsiteX29" y="connsiteY29"/>
+                </a:cxn>
+                <a:cxn ang="0">
+                  <a:pos x="connsiteX30" y="connsiteY30"/>
+                </a:cxn>
+                <a:cxn ang="0">
+                  <a:pos x="connsiteX31" y="connsiteY31"/>
+                </a:cxn>
+                <a:cxn ang="0">
+                  <a:pos x="connsiteX32" y="connsiteY32"/>
+                </a:cxn>
+                <a:cxn ang="0">
+                  <a:pos x="connsiteX33" y="connsiteY33"/>
+                </a:cxn>
+                <a:cxn ang="0">
+                  <a:pos x="connsiteX34" y="connsiteY34"/>
+                </a:cxn>
+                <a:cxn ang="0">
+                  <a:pos x="connsiteX35" y="connsiteY35"/>
+                </a:cxn>
+                <a:cxn ang="0">
+                  <a:pos x="connsiteX36" y="connsiteY36"/>
+                </a:cxn>
+                <a:cxn ang="0">
+                  <a:pos x="connsiteX37" y="connsiteY37"/>
+                </a:cxn>
+                <a:cxn ang="0">
+                  <a:pos x="connsiteX38" y="connsiteY38"/>
+                </a:cxn>
+                <a:cxn ang="0">
+                  <a:pos x="connsiteX39" y="connsiteY39"/>
+                </a:cxn>
+                <a:cxn ang="0">
+                  <a:pos x="connsiteX40" y="connsiteY40"/>
+                </a:cxn>
+                <a:cxn ang="0">
+                  <a:pos x="connsiteX41" y="connsiteY41"/>
+                </a:cxn>
+                <a:cxn ang="0">
+                  <a:pos x="connsiteX42" y="connsiteY42"/>
+                </a:cxn>
+                <a:cxn ang="0">
+                  <a:pos x="connsiteX43" y="connsiteY43"/>
+                </a:cxn>
+                <a:cxn ang="0">
+                  <a:pos x="connsiteX44" y="connsiteY44"/>
+                </a:cxn>
+                <a:cxn ang="0">
+                  <a:pos x="connsiteX45" y="connsiteY45"/>
+                </a:cxn>
+              </a:cxnLst>
+              <a:rect l="l" t="t" r="r" b="b"/>
+              <a:pathLst>
+                <a:path w="4218654" h="2710990">
+                  <a:moveTo>
+                    <a:pt x="497954" y="2077859"/>
+                  </a:moveTo>
+                  <a:lnTo>
+                    <a:pt x="704431" y="1500882"/>
+                  </a:lnTo>
+                  <a:lnTo>
+                    <a:pt x="602260" y="1500882"/>
+                  </a:lnTo>
+                  <a:lnTo>
+                    <a:pt x="602260" y="709946"/>
+                  </a:lnTo>
+                  <a:lnTo>
+                    <a:pt x="393647" y="709946"/>
+                  </a:lnTo>
+                  <a:lnTo>
+                    <a:pt x="393647" y="1500882"/>
+                  </a:lnTo>
+                  <a:lnTo>
+                    <a:pt x="291476" y="1500882"/>
+                  </a:lnTo>
+                  <a:close/>
+                  <a:moveTo>
+                    <a:pt x="1402360" y="2077859"/>
+                  </a:moveTo>
+                  <a:lnTo>
+                    <a:pt x="1402360" y="1286923"/>
+                  </a:lnTo>
+                  <a:lnTo>
+                    <a:pt x="1504531" y="1286923"/>
+                  </a:lnTo>
+                  <a:lnTo>
+                    <a:pt x="1298053" y="709946"/>
+                  </a:lnTo>
+                  <a:lnTo>
+                    <a:pt x="1091576" y="1286923"/>
+                  </a:lnTo>
+                  <a:lnTo>
+                    <a:pt x="1193747" y="1286923"/>
+                  </a:lnTo>
+                  <a:lnTo>
+                    <a:pt x="1193747" y="2077859"/>
+                  </a:lnTo>
+                  <a:close/>
+                  <a:moveTo>
+                    <a:pt x="2849105" y="2241319"/>
+                  </a:moveTo>
+                  <a:cubicBezTo>
+                    <a:pt x="2980016" y="2241319"/>
+                    <a:pt x="3110926" y="2207458"/>
+                    <a:pt x="3228226" y="2139734"/>
+                  </a:cubicBezTo>
+                  <a:cubicBezTo>
+                    <a:pt x="3433502" y="2021218"/>
+                    <a:pt x="3569809" y="1814756"/>
+                    <a:pt x="3600679" y="1583515"/>
+                  </a:cubicBezTo>
+                  <a:lnTo>
+                    <a:pt x="3601162" y="1576240"/>
+                  </a:lnTo>
+                  <a:lnTo>
+                    <a:pt x="3615604" y="1574038"/>
+                  </a:lnTo>
+                  <a:cubicBezTo>
+                    <a:pt x="3828991" y="1530428"/>
+                    <a:pt x="3989638" y="1341845"/>
+                    <a:pt x="3990054" y="1115584"/>
+                  </a:cubicBezTo>
+                  <a:cubicBezTo>
+                    <a:pt x="3990529" y="857000"/>
+                    <a:pt x="3781543" y="646858"/>
+                    <a:pt x="3522960" y="645907"/>
+                  </a:cubicBezTo>
+                  <a:lnTo>
+                    <a:pt x="3522908" y="660256"/>
+                  </a:lnTo>
+                  <a:lnTo>
+                    <a:pt x="3329883" y="660256"/>
+                  </a:lnTo>
+                  <a:lnTo>
+                    <a:pt x="3329883" y="1483079"/>
+                  </a:lnTo>
+                  <a:lnTo>
+                    <a:pt x="3338263" y="1483079"/>
+                  </a:lnTo>
+                  <a:lnTo>
+                    <a:pt x="3333961" y="1547871"/>
+                  </a:lnTo>
+                  <a:cubicBezTo>
+                    <a:pt x="3314047" y="1697050"/>
+                    <a:pt x="3226112" y="1830243"/>
+                    <a:pt x="3093685" y="1906700"/>
+                  </a:cubicBezTo>
+                  <a:cubicBezTo>
+                    <a:pt x="2942339" y="1994080"/>
+                    <a:pt x="2755874" y="1994080"/>
+                    <a:pt x="2604528" y="1906700"/>
+                  </a:cubicBezTo>
+                  <a:cubicBezTo>
+                    <a:pt x="2472101" y="1830243"/>
+                    <a:pt x="2384166" y="1697050"/>
+                    <a:pt x="2364252" y="1547872"/>
+                  </a:cubicBezTo>
+                  <a:lnTo>
+                    <a:pt x="2359950" y="1483079"/>
+                  </a:lnTo>
+                  <a:lnTo>
+                    <a:pt x="2368329" y="1483079"/>
+                  </a:lnTo>
+                  <a:lnTo>
+                    <a:pt x="2368329" y="660256"/>
+                  </a:lnTo>
+                  <a:lnTo>
+                    <a:pt x="2162623" y="660256"/>
+                  </a:lnTo>
+                  <a:lnTo>
+                    <a:pt x="2162623" y="641120"/>
+                  </a:lnTo>
+                  <a:cubicBezTo>
+                    <a:pt x="1904038" y="641120"/>
+                    <a:pt x="1694281" y="850492"/>
+                    <a:pt x="1693806" y="1109076"/>
+                  </a:cubicBezTo>
+                  <a:cubicBezTo>
+                    <a:pt x="1693390" y="1335337"/>
+                    <a:pt x="1853343" y="1524509"/>
+                    <a:pt x="2066568" y="1568904"/>
+                  </a:cubicBezTo>
+                  <a:lnTo>
+                    <a:pt x="2096877" y="1573638"/>
+                  </a:lnTo>
+                  <a:lnTo>
+                    <a:pt x="2097533" y="1583514"/>
+                  </a:lnTo>
+                  <a:cubicBezTo>
+                    <a:pt x="2128403" y="1814755"/>
+                    <a:pt x="2264709" y="2021218"/>
+                    <a:pt x="2469985" y="2139734"/>
+                  </a:cubicBezTo>
+                  <a:cubicBezTo>
+                    <a:pt x="2587285" y="2207458"/>
+                    <a:pt x="2718195" y="2241319"/>
+                    <a:pt x="2849105" y="2241319"/>
+                  </a:cubicBezTo>
+                  <a:close/>
+                  <a:moveTo>
+                    <a:pt x="3766813" y="2710990"/>
+                  </a:moveTo>
+                  <a:lnTo>
+                    <a:pt x="0" y="2710990"/>
+                  </a:lnTo>
+                  <a:lnTo>
+                    <a:pt x="0" y="451841"/>
+                  </a:lnTo>
+                  <a:lnTo>
+                    <a:pt x="451841" y="0"/>
+                  </a:lnTo>
+                  <a:lnTo>
+                    <a:pt x="4218654" y="0"/>
+                  </a:lnTo>
+                  <a:lnTo>
+                    <a:pt x="4218654" y="2259149"/>
+                  </a:lnTo>
+                  <a:close/>
+                </a:path>
+              </a:pathLst>
+            </a:custGeom>
+            <a:solidFill>
+              <a:schemeClr val="bg1"/>
+            </a:solidFill>
+            <a:ln>
+              <a:noFill/>
+            </a:ln>
+            <a:scene3d>
+              <a:camera prst="orthographicFront"/>
+              <a:lightRig rig="threePt" dir="t"/>
+            </a:scene3d>
+            <a:sp3d prstMaterial="metal"/>
+          </p:spPr>
+          <p:style>
+            <a:lnRef idx="2">
+              <a:schemeClr val="accent1">
+                <a:shade val="50000"/>
+              </a:schemeClr>
+            </a:lnRef>
+            <a:fillRef idx="1">
+              <a:schemeClr val="accent1"/>
+            </a:fillRef>
+            <a:effectRef idx="0">
+              <a:schemeClr val="accent1"/>
+            </a:effectRef>
+            <a:fontRef idx="minor">
+              <a:schemeClr val="lt1"/>
+            </a:fontRef>
+          </p:style>
+          <p:txBody>
+            <a:bodyPr wrap="square" rtlCol="0" anchor="ctr">
+              <a:noAutofit/>
+            </a:bodyPr>
+            <a:lstStyle/>
+            <a:p>
+              <a:pPr algn="ctr"/>
+              <a:endParaRPr lang="zh-CN" altLang="en-US"/>
+            </a:p>
+          </p:txBody>
+        </p:sp>
+        <p:sp>
+          <p:nvSpPr>
+            <p:cNvPr id="2" name="乘号 1">
+              <a:extLst>
+                <a:ext uri="{FF2B5EF4-FFF2-40B4-BE49-F238E27FC236}">
+                  <a16:creationId xmlns:a16="http://schemas.microsoft.com/office/drawing/2014/main" id="{9400C606-ED6F-48FB-A752-1D9A924467D4}"/>
+                </a:ext>
+              </a:extLst>
+            </p:cNvPr>
+            <p:cNvSpPr/>
+            <p:nvPr/>
+          </p:nvSpPr>
+          <p:spPr>
+            <a:xfrm>
+              <a:off x="9384789" y="1086149"/>
+              <a:ext cx="461665" cy="461665"/>
+            </a:xfrm>
+            <a:prstGeom prst="mathMultiply">
+              <a:avLst>
+                <a:gd name="adj1" fmla="val 10362"/>
+              </a:avLst>
+            </a:prstGeom>
+            <a:solidFill>
+              <a:schemeClr val="bg1"/>
+            </a:solidFill>
+            <a:ln>
+              <a:noFill/>
+            </a:ln>
+            <a:scene3d>
+              <a:camera prst="orthographicFront"/>
+              <a:lightRig rig="threePt" dir="t"/>
+            </a:scene3d>
+            <a:sp3d prstMaterial="metal"/>
+          </p:spPr>
+          <p:style>
+            <a:lnRef idx="2">
+              <a:schemeClr val="accent1">
+                <a:shade val="50000"/>
+              </a:schemeClr>
+            </a:lnRef>
+            <a:fillRef idx="1">
+              <a:schemeClr val="accent1"/>
+            </a:fillRef>
+            <a:effectRef idx="0">
+              <a:schemeClr val="accent1"/>
+            </a:effectRef>
+            <a:fontRef idx="minor">
+              <a:schemeClr val="lt1"/>
+            </a:fontRef>
+          </p:style>
+          <p:txBody>
+            <a:bodyPr rtlCol="0" anchor="ctr"/>
+            <a:lstStyle/>
+            <a:p>
+              <a:pPr algn="ctr"/>
+              <a:endParaRPr lang="zh-CN" altLang="en-US"/>
+            </a:p>
+          </p:txBody>
+        </p:sp>
+      </p:grpSp>
+      <p:sp>
+        <p:nvSpPr>
+          <p:cNvPr id="7" name="文本框 6">
+            <a:extLst>
+              <a:ext uri="{FF2B5EF4-FFF2-40B4-BE49-F238E27FC236}">
+                <a16:creationId xmlns:a16="http://schemas.microsoft.com/office/drawing/2014/main" id="{30AB8525-DB0F-48D1-B75A-1A2FEF2D7888}"/>
+              </a:ext>
+            </a:extLst>
+          </p:cNvPr>
+          <p:cNvSpPr txBox="1"/>
+          <p:nvPr/>
+        </p:nvSpPr>
+        <p:spPr>
+          <a:xfrm>
+            <a:off x="1857063" y="1821473"/>
+            <a:ext cx="1324698" cy="400110"/>
+          </a:xfrm>
+          <a:prstGeom prst="rect">
+            <a:avLst/>
+          </a:prstGeom>
+          <a:noFill/>
+        </p:spPr>
+        <p:txBody>
+          <a:bodyPr wrap="square" rtlCol="0">
+            <a:spAutoFit/>
+          </a:bodyPr>
+          <a:lstStyle/>
+          <a:p>
+            <a:pPr algn="r"/>
+            <a:r>
+              <a:rPr lang="zh-CN" altLang="en-US" sz="2000" b="1" dirty="0">
+                <a:solidFill>
+                  <a:schemeClr val="bg1"/>
+                </a:solidFill>
+              </a:rPr>
+              <a:t>环绕声</a:t>
+            </a:r>
+          </a:p>
+        </p:txBody>
+      </p:sp>
+      <p:sp>
+        <p:nvSpPr>
+          <p:cNvPr id="15" name="文本框 14">
+            <a:extLst>
+              <a:ext uri="{FF2B5EF4-FFF2-40B4-BE49-F238E27FC236}">
+                <a16:creationId xmlns:a16="http://schemas.microsoft.com/office/drawing/2014/main" id="{6AD1C369-F406-48F2-8516-848195CEEBA0}"/>
+              </a:ext>
+            </a:extLst>
+          </p:cNvPr>
+          <p:cNvSpPr txBox="1"/>
+          <p:nvPr/>
+        </p:nvSpPr>
+        <p:spPr>
+          <a:xfrm>
+            <a:off x="1857063" y="2320298"/>
+            <a:ext cx="1324698" cy="400110"/>
+          </a:xfrm>
+          <a:prstGeom prst="rect">
+            <a:avLst/>
+          </a:prstGeom>
+          <a:noFill/>
+        </p:spPr>
+        <p:txBody>
+          <a:bodyPr wrap="square" rtlCol="0">
+            <a:spAutoFit/>
+          </a:bodyPr>
+          <a:lstStyle/>
+          <a:p>
+            <a:pPr algn="r"/>
+            <a:r>
+              <a:rPr lang="zh-CN" altLang="en-US" sz="2000" dirty="0">
+                <a:solidFill>
+                  <a:schemeClr val="bg1">
+                    <a:lumMod val="50000"/>
+                  </a:schemeClr>
+                </a:solidFill>
+              </a:rPr>
+              <a:t>音质增强</a:t>
+            </a:r>
+          </a:p>
+        </p:txBody>
+      </p:sp>
+      <p:sp>
+        <p:nvSpPr>
+          <p:cNvPr id="16" name="文本框 15">
+            <a:extLst>
+              <a:ext uri="{FF2B5EF4-FFF2-40B4-BE49-F238E27FC236}">
+                <a16:creationId xmlns:a16="http://schemas.microsoft.com/office/drawing/2014/main" id="{8A44217A-FE32-4EDB-8510-C80C6657673B}"/>
+              </a:ext>
+            </a:extLst>
+          </p:cNvPr>
+          <p:cNvSpPr txBox="1"/>
+          <p:nvPr/>
+        </p:nvSpPr>
+        <p:spPr>
+          <a:xfrm>
+            <a:off x="1857063" y="2819123"/>
+            <a:ext cx="1324698" cy="400110"/>
+          </a:xfrm>
+          <a:prstGeom prst="rect">
+            <a:avLst/>
+          </a:prstGeom>
+          <a:noFill/>
+        </p:spPr>
+        <p:txBody>
+          <a:bodyPr wrap="square" rtlCol="0">
+            <a:spAutoFit/>
+          </a:bodyPr>
+          <a:lstStyle/>
+          <a:p>
+            <a:pPr algn="r"/>
+            <a:r>
+              <a:rPr lang="zh-CN" altLang="en-US" sz="2000" dirty="0">
+                <a:solidFill>
+                  <a:schemeClr val="bg1">
+                    <a:lumMod val="50000"/>
+                  </a:schemeClr>
+                </a:solidFill>
+              </a:rPr>
+              <a:t>设备选项</a:t>
+            </a:r>
+          </a:p>
+        </p:txBody>
+      </p:sp>
+      <p:sp>
+        <p:nvSpPr>
+          <p:cNvPr id="17" name="文本框 16">
+            <a:extLst>
+              <a:ext uri="{FF2B5EF4-FFF2-40B4-BE49-F238E27FC236}">
+                <a16:creationId xmlns:a16="http://schemas.microsoft.com/office/drawing/2014/main" id="{C6012F29-9020-4499-B517-65C2A5CD95BC}"/>
+              </a:ext>
+            </a:extLst>
+          </p:cNvPr>
+          <p:cNvSpPr txBox="1"/>
+          <p:nvPr/>
+        </p:nvSpPr>
+        <p:spPr>
+          <a:xfrm>
+            <a:off x="1857063" y="3317949"/>
+            <a:ext cx="1324698" cy="400110"/>
+          </a:xfrm>
+          <a:prstGeom prst="rect">
+            <a:avLst/>
+          </a:prstGeom>
+          <a:noFill/>
+        </p:spPr>
+        <p:txBody>
+          <a:bodyPr wrap="square" rtlCol="0">
+            <a:spAutoFit/>
+          </a:bodyPr>
+          <a:lstStyle/>
+          <a:p>
+            <a:pPr algn="r"/>
+            <a:r>
+              <a:rPr lang="zh-CN" altLang="en-US" sz="2000" dirty="0">
+                <a:solidFill>
+                  <a:schemeClr val="bg1">
+                    <a:lumMod val="50000"/>
+                  </a:schemeClr>
+                </a:solidFill>
+              </a:rPr>
+              <a:t>关于</a:t>
+            </a:r>
+          </a:p>
+        </p:txBody>
+      </p:sp>
+      <p:cxnSp>
+        <p:nvCxnSpPr>
+          <p:cNvPr id="9" name="直接连接符 8">
+            <a:extLst>
+              <a:ext uri="{FF2B5EF4-FFF2-40B4-BE49-F238E27FC236}">
+                <a16:creationId xmlns:a16="http://schemas.microsoft.com/office/drawing/2014/main" id="{06CECFF9-58B9-4E06-920B-FB268CF6E666}"/>
+              </a:ext>
+            </a:extLst>
+          </p:cNvPr>
+          <p:cNvCxnSpPr/>
+          <p:nvPr/>
+        </p:nvCxnSpPr>
+        <p:spPr>
+          <a:xfrm>
+            <a:off x="3181761" y="1855207"/>
+            <a:ext cx="0" cy="332642"/>
+          </a:xfrm>
+          <a:prstGeom prst="line">
+            <a:avLst/>
+          </a:prstGeom>
+          <a:ln w="19050">
+            <a:solidFill>
+              <a:schemeClr val="bg1"/>
+            </a:solidFill>
+          </a:ln>
+        </p:spPr>
+        <p:style>
+          <a:lnRef idx="1">
+            <a:schemeClr val="accent1"/>
+          </a:lnRef>
+          <a:fillRef idx="0">
+            <a:schemeClr val="accent1"/>
+          </a:fillRef>
+          <a:effectRef idx="0">
+            <a:schemeClr val="accent1"/>
+          </a:effectRef>
+          <a:fontRef idx="minor">
+            <a:schemeClr val="tx1"/>
+          </a:fontRef>
+        </p:style>
+      </p:cxnSp>
+      <p:sp>
+        <p:nvSpPr>
+          <p:cNvPr id="18" name="任意多边形: 形状 17">
+            <a:extLst>
+              <a:ext uri="{FF2B5EF4-FFF2-40B4-BE49-F238E27FC236}">
+                <a16:creationId xmlns:a16="http://schemas.microsoft.com/office/drawing/2014/main" id="{F7B37C4E-C641-4333-9602-B8E6D3661998}"/>
+              </a:ext>
+            </a:extLst>
+          </p:cNvPr>
+          <p:cNvSpPr/>
+          <p:nvPr/>
+        </p:nvSpPr>
+        <p:spPr>
+          <a:xfrm>
+            <a:off x="8791830" y="1150033"/>
+            <a:ext cx="343930" cy="333895"/>
+          </a:xfrm>
+          <a:custGeom>
+            <a:avLst/>
+            <a:gdLst>
+              <a:gd name="connsiteX0" fmla="*/ 190062 w 1296417"/>
+              <a:gd name="connsiteY0" fmla="*/ 151823 h 1258591"/>
+              <a:gd name="connsiteX1" fmla="*/ 321606 w 1296417"/>
+              <a:gd name="connsiteY1" fmla="*/ 283484 h 1258591"/>
+              <a:gd name="connsiteX2" fmla="*/ 320132 w 1296417"/>
+              <a:gd name="connsiteY2" fmla="*/ 935801 h 1258591"/>
+              <a:gd name="connsiteX3" fmla="*/ 972440 w 1296417"/>
+              <a:gd name="connsiteY3" fmla="*/ 939632 h 1258591"/>
+              <a:gd name="connsiteX4" fmla="*/ 978628 w 1296417"/>
+              <a:gd name="connsiteY4" fmla="*/ 287342 h 1258591"/>
+              <a:gd name="connsiteX5" fmla="*/ 1111709 w 1296417"/>
+              <a:gd name="connsiteY5" fmla="*/ 157234 h 1258591"/>
+              <a:gd name="connsiteX6" fmla="*/ 1103028 w 1296417"/>
+              <a:gd name="connsiteY6" fmla="*/ 1072242 h 1258591"/>
+              <a:gd name="connsiteX7" fmla="*/ 187996 w 1296417"/>
+              <a:gd name="connsiteY7" fmla="*/ 1066868 h 1258591"/>
+              <a:gd name="connsiteX8" fmla="*/ 190062 w 1296417"/>
+              <a:gd name="connsiteY8" fmla="*/ 151823 h 1258591"/>
+              <a:gd name="connsiteX9" fmla="*/ 555290 w 1296417"/>
+              <a:gd name="connsiteY9" fmla="*/ 0 h 1258591"/>
+              <a:gd name="connsiteX10" fmla="*/ 741125 w 1296417"/>
+              <a:gd name="connsiteY10" fmla="*/ 0 h 1258591"/>
+              <a:gd name="connsiteX11" fmla="*/ 741125 w 1296417"/>
+              <a:gd name="connsiteY11" fmla="*/ 717292 h 1258591"/>
+              <a:gd name="connsiteX12" fmla="*/ 555290 w 1296417"/>
+              <a:gd name="connsiteY12" fmla="*/ 717292 h 1258591"/>
+            </a:gdLst>
+            <a:ahLst/>
+            <a:cxnLst>
+              <a:cxn ang="0">
+                <a:pos x="connsiteX0" y="connsiteY0"/>
+              </a:cxn>
+              <a:cxn ang="0">
+                <a:pos x="connsiteX1" y="connsiteY1"/>
+              </a:cxn>
+              <a:cxn ang="0">
+                <a:pos x="connsiteX2" y="connsiteY2"/>
+              </a:cxn>
+              <a:cxn ang="0">
+                <a:pos x="connsiteX3" y="connsiteY3"/>
+              </a:cxn>
+              <a:cxn ang="0">
+                <a:pos x="connsiteX4" y="connsiteY4"/>
+              </a:cxn>
+              <a:cxn ang="0">
+                <a:pos x="connsiteX5" y="connsiteY5"/>
+              </a:cxn>
+              <a:cxn ang="0">
+                <a:pos x="connsiteX6" y="connsiteY6"/>
+              </a:cxn>
+              <a:cxn ang="0">
+                <a:pos x="connsiteX7" y="connsiteY7"/>
+              </a:cxn>
+              <a:cxn ang="0">
+                <a:pos x="connsiteX8" y="connsiteY8"/>
+              </a:cxn>
+              <a:cxn ang="0">
+                <a:pos x="connsiteX9" y="connsiteY9"/>
+              </a:cxn>
+              <a:cxn ang="0">
+                <a:pos x="connsiteX10" y="connsiteY10"/>
+              </a:cxn>
+              <a:cxn ang="0">
+                <a:pos x="connsiteX11" y="connsiteY11"/>
+              </a:cxn>
+              <a:cxn ang="0">
+                <a:pos x="connsiteX12" y="connsiteY12"/>
+              </a:cxn>
+            </a:cxnLst>
+            <a:rect l="l" t="t" r="r" b="b"/>
+            <a:pathLst>
+              <a:path w="1296417" h="1258591">
+                <a:moveTo>
+                  <a:pt x="190062" y="151823"/>
+                </a:moveTo>
+                <a:cubicBezTo>
+                  <a:pt x="233910" y="195710"/>
+                  <a:pt x="277758" y="239597"/>
+                  <a:pt x="321606" y="283484"/>
+                </a:cubicBezTo>
+                <a:cubicBezTo>
+                  <a:pt x="141526" y="463401"/>
+                  <a:pt x="140867" y="755073"/>
+                  <a:pt x="320132" y="935801"/>
+                </a:cubicBezTo>
+                <a:cubicBezTo>
+                  <a:pt x="499397" y="1116530"/>
+                  <a:pt x="791065" y="1118243"/>
+                  <a:pt x="972440" y="939632"/>
+                </a:cubicBezTo>
+                <a:cubicBezTo>
+                  <a:pt x="1153816" y="761021"/>
+                  <a:pt x="1156582" y="469362"/>
+                  <a:pt x="978628" y="287342"/>
+                </a:cubicBezTo>
+                <a:lnTo>
+                  <a:pt x="1111709" y="157234"/>
+                </a:lnTo>
+                <a:cubicBezTo>
+                  <a:pt x="1361336" y="412565"/>
+                  <a:pt x="1357454" y="821693"/>
+                  <a:pt x="1103028" y="1072242"/>
+                </a:cubicBezTo>
+                <a:cubicBezTo>
+                  <a:pt x="848602" y="1322790"/>
+                  <a:pt x="439462" y="1320387"/>
+                  <a:pt x="187996" y="1066868"/>
+                </a:cubicBezTo>
+                <a:cubicBezTo>
+                  <a:pt x="-63470" y="813349"/>
+                  <a:pt x="-62546" y="404203"/>
+                  <a:pt x="190062" y="151823"/>
+                </a:cubicBezTo>
+                <a:close/>
+                <a:moveTo>
+                  <a:pt x="555290" y="0"/>
+                </a:moveTo>
+                <a:lnTo>
+                  <a:pt x="741125" y="0"/>
+                </a:lnTo>
+                <a:lnTo>
+                  <a:pt x="741125" y="717292"/>
+                </a:lnTo>
+                <a:lnTo>
+                  <a:pt x="555290" y="717292"/>
+                </a:lnTo>
+                <a:close/>
+              </a:path>
+            </a:pathLst>
+          </a:custGeom>
+          <a:solidFill>
+            <a:schemeClr val="bg1"/>
+          </a:solidFill>
+          <a:ln>
+            <a:noFill/>
+          </a:ln>
+          <a:effectLst>
+            <a:glow rad="228600">
+              <a:schemeClr val="accent6">
+                <a:satMod val="175000"/>
+                <a:alpha val="40000"/>
+              </a:schemeClr>
+            </a:glow>
+          </a:effectLst>
+          <a:scene3d>
+            <a:camera prst="orthographicFront"/>
+            <a:lightRig rig="threePt" dir="t"/>
+          </a:scene3d>
+          <a:sp3d prstMaterial="metal"/>
+        </p:spPr>
+        <p:style>
+          <a:lnRef idx="2">
+            <a:schemeClr val="accent1">
+              <a:shade val="50000"/>
+            </a:schemeClr>
+          </a:lnRef>
+          <a:fillRef idx="1">
+            <a:schemeClr val="accent1"/>
+          </a:fillRef>
+          <a:effectRef idx="0">
+            <a:schemeClr val="accent1"/>
+          </a:effectRef>
+          <a:fontRef idx="minor">
+            <a:schemeClr val="lt1"/>
+          </a:fontRef>
+        </p:style>
+        <p:txBody>
+          <a:bodyPr wrap="square" rtlCol="0" anchor="ctr">
+            <a:noAutofit/>
+          </a:bodyPr>
+          <a:lstStyle/>
+          <a:p>
+            <a:pPr algn="ctr"/>
+            <a:endParaRPr lang="zh-CN" altLang="en-US">
+              <a:effectLst>
+                <a:glow rad="228600">
+                  <a:schemeClr val="accent6">
+                    <a:satMod val="175000"/>
+                    <a:alpha val="40000"/>
+                  </a:schemeClr>
+                </a:glow>
+              </a:effectLst>
+            </a:endParaRPr>
+          </a:p>
+        </p:txBody>
+      </p:sp>
+    </p:spTree>
+    <p:extLst>
+      <p:ext uri="{BB962C8B-B14F-4D97-AF65-F5344CB8AC3E}">
+        <p14:creationId xmlns:p14="http://schemas.microsoft.com/office/powerpoint/2010/main" val="1730617999"/>
+      </p:ext>
+    </p:extLst>
+  </p:cSld>
+  <p:clrMapOvr>
+    <a:masterClrMapping/>
+  </p:clrMapOvr>
+</p:sld>
+</file>
+
+<file path=ppt/slides/slide5.xml><?xml version="1.0" encoding="utf-8"?>
+<p:sld xmlns:a="http://schemas.openxmlformats.org/drawingml/2006/main" xmlns:r="http://schemas.openxmlformats.org/officeDocument/2006/relationships" xmlns:p="http://schemas.openxmlformats.org/presentationml/2006/main">
+  <p:cSld>
+    <p:spTree>
+      <p:nvGrpSpPr>
+        <p:cNvPr id="1" name=""/>
+        <p:cNvGrpSpPr/>
+        <p:nvPr/>
+      </p:nvGrpSpPr>
+      <p:grpSpPr>
+        <a:xfrm>
+          <a:off x="0" y="0"/>
+          <a:ext cx="0" cy="0"/>
+          <a:chOff x="0" y="0"/>
+          <a:chExt cx="0" cy="0"/>
+        </a:xfrm>
+      </p:grpSpPr>
+      <p:grpSp>
+        <p:nvGrpSpPr>
+          <p:cNvPr id="5" name="组合 4">
+            <a:extLst>
+              <a:ext uri="{FF2B5EF4-FFF2-40B4-BE49-F238E27FC236}">
+                <a16:creationId xmlns:a16="http://schemas.microsoft.com/office/drawing/2014/main" id="{30FE35A3-2C7D-4236-8CD4-8045044E6A97}"/>
+              </a:ext>
+            </a:extLst>
+          </p:cNvPr>
+          <p:cNvGrpSpPr/>
+          <p:nvPr/>
+        </p:nvGrpSpPr>
+        <p:grpSpPr>
+          <a:xfrm>
+            <a:off x="1608615" y="883982"/>
+            <a:ext cx="8486868" cy="5090036"/>
+            <a:chOff x="1608615" y="883982"/>
+            <a:chExt cx="8486868" cy="5090036"/>
+          </a:xfrm>
+        </p:grpSpPr>
+        <p:sp>
+          <p:nvSpPr>
+            <p:cNvPr id="4" name="矩形 3">
+              <a:extLst>
+                <a:ext uri="{FF2B5EF4-FFF2-40B4-BE49-F238E27FC236}">
+                  <a16:creationId xmlns:a16="http://schemas.microsoft.com/office/drawing/2014/main" id="{B7A7EDAA-7EA9-4FC0-AF12-1D002DE288E7}"/>
+                </a:ext>
+              </a:extLst>
+            </p:cNvPr>
+            <p:cNvSpPr/>
+            <p:nvPr/>
+          </p:nvSpPr>
+          <p:spPr>
+            <a:xfrm>
+              <a:off x="1608615" y="883982"/>
+              <a:ext cx="8486868" cy="5090036"/>
+            </a:xfrm>
+            <a:prstGeom prst="rect">
+              <a:avLst/>
+            </a:prstGeom>
+            <a:solidFill>
+              <a:schemeClr val="tx1"/>
+            </a:solidFill>
+            <a:ln>
+              <a:noFill/>
+            </a:ln>
+            <a:scene3d>
+              <a:camera prst="orthographicFront"/>
+              <a:lightRig rig="threePt" dir="t"/>
+            </a:scene3d>
+            <a:sp3d prstMaterial="metal"/>
+          </p:spPr>
+          <p:style>
+            <a:lnRef idx="2">
+              <a:schemeClr val="accent1">
+                <a:shade val="50000"/>
+              </a:schemeClr>
+            </a:lnRef>
+            <a:fillRef idx="1">
+              <a:schemeClr val="accent1"/>
+            </a:fillRef>
+            <a:effectRef idx="0">
+              <a:schemeClr val="accent1"/>
+            </a:effectRef>
+            <a:fontRef idx="minor">
+              <a:schemeClr val="lt1"/>
+            </a:fontRef>
+          </p:style>
+          <p:txBody>
+            <a:bodyPr rtlCol="0" anchor="ctr"/>
+            <a:lstStyle/>
+            <a:p>
+              <a:pPr algn="ctr"/>
+              <a:endParaRPr lang="zh-CN" altLang="en-US"/>
+            </a:p>
+          </p:txBody>
+        </p:sp>
+        <p:pic>
+          <p:nvPicPr>
+            <p:cNvPr id="3" name="图片 2">
+              <a:extLst>
+                <a:ext uri="{FF2B5EF4-FFF2-40B4-BE49-F238E27FC236}">
+                  <a16:creationId xmlns:a16="http://schemas.microsoft.com/office/drawing/2014/main" id="{A174FF3E-5FC3-4EF2-9264-845A4A86F35F}"/>
+                </a:ext>
+              </a:extLst>
+            </p:cNvPr>
+            <p:cNvPicPr>
+              <a:picLocks noChangeAspect="1"/>
+            </p:cNvPicPr>
+            <p:nvPr/>
+          </p:nvPicPr>
+          <p:blipFill>
+            <a:blip r:embed="rId2">
+              <a:extLst>
+                <a:ext uri="{28A0092B-C50C-407E-A947-70E740481C1C}">
+                  <a14:useLocalDpi xmlns:a14="http://schemas.microsoft.com/office/drawing/2010/main" val="0"/>
+                </a:ext>
+              </a:extLst>
+            </a:blip>
+            <a:stretch>
+              <a:fillRect/>
+            </a:stretch>
+          </p:blipFill>
+          <p:spPr>
+            <a:xfrm>
+              <a:off x="7277893" y="4088081"/>
+              <a:ext cx="2817590" cy="1885937"/>
+            </a:xfrm>
+            <a:prstGeom prst="rect">
+              <a:avLst/>
+            </a:prstGeom>
+          </p:spPr>
+        </p:pic>
+        <p:grpSp>
+          <p:nvGrpSpPr>
+            <p:cNvPr id="11" name="组合 10">
+              <a:extLst>
+                <a:ext uri="{FF2B5EF4-FFF2-40B4-BE49-F238E27FC236}">
+                  <a16:creationId xmlns:a16="http://schemas.microsoft.com/office/drawing/2014/main" id="{F080E61F-B936-4AEA-8E05-B4C69EC695C9}"/>
+                </a:ext>
+              </a:extLst>
+            </p:cNvPr>
+            <p:cNvGrpSpPr/>
+            <p:nvPr/>
+          </p:nvGrpSpPr>
+          <p:grpSpPr>
+            <a:xfrm>
+              <a:off x="2576378" y="1076625"/>
+              <a:ext cx="2424062" cy="461665"/>
+              <a:chOff x="2728778" y="1009950"/>
+              <a:chExt cx="2424062" cy="461665"/>
+            </a:xfrm>
+          </p:grpSpPr>
+          <p:sp>
+            <p:nvSpPr>
+              <p:cNvPr id="10" name="矩形 9">
+                <a:extLst>
+                  <a:ext uri="{FF2B5EF4-FFF2-40B4-BE49-F238E27FC236}">
+                    <a16:creationId xmlns:a16="http://schemas.microsoft.com/office/drawing/2014/main" id="{7B078341-C40E-4B26-8717-CE926C6332DD}"/>
+                  </a:ext>
+                </a:extLst>
+              </p:cNvPr>
+              <p:cNvSpPr/>
+              <p:nvPr/>
+            </p:nvSpPr>
+            <p:spPr>
+              <a:xfrm>
+                <a:off x="4088828" y="1073708"/>
+                <a:ext cx="978471" cy="353197"/>
+              </a:xfrm>
+              <a:prstGeom prst="rect">
+                <a:avLst/>
+              </a:prstGeom>
+              <a:solidFill>
+                <a:srgbClr val="FFCC00"/>
+              </a:solidFill>
+              <a:ln>
+                <a:noFill/>
+              </a:ln>
+              <a:scene3d>
+                <a:camera prst="orthographicFront"/>
+                <a:lightRig rig="threePt" dir="t"/>
+              </a:scene3d>
+              <a:sp3d prstMaterial="metal"/>
+            </p:spPr>
+            <p:style>
+              <a:lnRef idx="2">
+                <a:schemeClr val="accent1">
+                  <a:shade val="50000"/>
+                </a:schemeClr>
+              </a:lnRef>
+              <a:fillRef idx="1">
+                <a:schemeClr val="accent1"/>
+              </a:fillRef>
+              <a:effectRef idx="0">
+                <a:schemeClr val="accent1"/>
+              </a:effectRef>
+              <a:fontRef idx="minor">
+                <a:schemeClr val="lt1"/>
+              </a:fontRef>
+            </p:style>
+            <p:txBody>
+              <a:bodyPr rtlCol="0" anchor="ctr"/>
+              <a:lstStyle/>
+              <a:p>
+                <a:pPr algn="ctr"/>
+                <a:endParaRPr lang="zh-CN" altLang="en-US" dirty="0"/>
+              </a:p>
+            </p:txBody>
+          </p:sp>
+          <p:sp>
+            <p:nvSpPr>
+              <p:cNvPr id="6" name="文本框 5">
+                <a:extLst>
+                  <a:ext uri="{FF2B5EF4-FFF2-40B4-BE49-F238E27FC236}">
+                    <a16:creationId xmlns:a16="http://schemas.microsoft.com/office/drawing/2014/main" id="{9B1DC777-71C9-4F9C-9ED4-6932CA2281F2}"/>
+                  </a:ext>
+                </a:extLst>
+              </p:cNvPr>
+              <p:cNvSpPr txBox="1"/>
+              <p:nvPr/>
+            </p:nvSpPr>
+            <p:spPr>
+              <a:xfrm>
+                <a:off x="2728778" y="1009950"/>
+                <a:ext cx="2424062" cy="461665"/>
+              </a:xfrm>
+              <a:prstGeom prst="rect">
+                <a:avLst/>
+              </a:prstGeom>
+              <a:noFill/>
+            </p:spPr>
+            <p:txBody>
+              <a:bodyPr wrap="none" rtlCol="0">
+                <a:spAutoFit/>
+              </a:bodyPr>
+              <a:lstStyle/>
+              <a:p>
+                <a:r>
+                  <a:rPr lang="zh-CN" altLang="en-US" sz="2400" b="1" dirty="0">
+                    <a:solidFill>
+                      <a:schemeClr val="bg1">
+                        <a:lumMod val="95000"/>
+                      </a:schemeClr>
+                    </a:solidFill>
+                  </a:rPr>
+                  <a:t>耳机虚拟 </a:t>
+                </a:r>
+                <a:r>
+                  <a:rPr lang="zh-CN" altLang="en-US" sz="2400" b="1" dirty="0"/>
+                  <a:t>环绕声</a:t>
+                </a:r>
+              </a:p>
+            </p:txBody>
+          </p:sp>
+        </p:grpSp>
+        <p:sp>
+          <p:nvSpPr>
+            <p:cNvPr id="22" name="任意多边形: 形状 21">
+              <a:extLst>
+                <a:ext uri="{FF2B5EF4-FFF2-40B4-BE49-F238E27FC236}">
+                  <a16:creationId xmlns:a16="http://schemas.microsoft.com/office/drawing/2014/main" id="{8EF3F299-1BE1-4ABD-A2A9-F35BA558EE94}"/>
+                </a:ext>
+              </a:extLst>
+            </p:cNvPr>
+            <p:cNvSpPr/>
+            <p:nvPr/>
+          </p:nvSpPr>
+          <p:spPr>
+            <a:xfrm rot="10800000">
+              <a:off x="1801003" y="1086149"/>
+              <a:ext cx="718409" cy="461664"/>
+            </a:xfrm>
+            <a:custGeom>
+              <a:avLst/>
+              <a:gdLst>
+                <a:gd name="connsiteX0" fmla="*/ 497954 w 4218654"/>
+                <a:gd name="connsiteY0" fmla="*/ 2077859 h 2710990"/>
+                <a:gd name="connsiteX1" fmla="*/ 704431 w 4218654"/>
+                <a:gd name="connsiteY1" fmla="*/ 1500882 h 2710990"/>
+                <a:gd name="connsiteX2" fmla="*/ 602260 w 4218654"/>
+                <a:gd name="connsiteY2" fmla="*/ 1500882 h 2710990"/>
+                <a:gd name="connsiteX3" fmla="*/ 602260 w 4218654"/>
+                <a:gd name="connsiteY3" fmla="*/ 709946 h 2710990"/>
+                <a:gd name="connsiteX4" fmla="*/ 393647 w 4218654"/>
+                <a:gd name="connsiteY4" fmla="*/ 709946 h 2710990"/>
+                <a:gd name="connsiteX5" fmla="*/ 393647 w 4218654"/>
+                <a:gd name="connsiteY5" fmla="*/ 1500882 h 2710990"/>
+                <a:gd name="connsiteX6" fmla="*/ 291476 w 4218654"/>
+                <a:gd name="connsiteY6" fmla="*/ 1500882 h 2710990"/>
+                <a:gd name="connsiteX7" fmla="*/ 1402360 w 4218654"/>
+                <a:gd name="connsiteY7" fmla="*/ 2077859 h 2710990"/>
+                <a:gd name="connsiteX8" fmla="*/ 1402360 w 4218654"/>
+                <a:gd name="connsiteY8" fmla="*/ 1286923 h 2710990"/>
+                <a:gd name="connsiteX9" fmla="*/ 1504531 w 4218654"/>
+                <a:gd name="connsiteY9" fmla="*/ 1286923 h 2710990"/>
+                <a:gd name="connsiteX10" fmla="*/ 1298053 w 4218654"/>
+                <a:gd name="connsiteY10" fmla="*/ 709946 h 2710990"/>
+                <a:gd name="connsiteX11" fmla="*/ 1091576 w 4218654"/>
+                <a:gd name="connsiteY11" fmla="*/ 1286923 h 2710990"/>
+                <a:gd name="connsiteX12" fmla="*/ 1193747 w 4218654"/>
+                <a:gd name="connsiteY12" fmla="*/ 1286923 h 2710990"/>
+                <a:gd name="connsiteX13" fmla="*/ 1193747 w 4218654"/>
+                <a:gd name="connsiteY13" fmla="*/ 2077859 h 2710990"/>
+                <a:gd name="connsiteX14" fmla="*/ 2849105 w 4218654"/>
+                <a:gd name="connsiteY14" fmla="*/ 2241319 h 2710990"/>
+                <a:gd name="connsiteX15" fmla="*/ 3228226 w 4218654"/>
+                <a:gd name="connsiteY15" fmla="*/ 2139734 h 2710990"/>
+                <a:gd name="connsiteX16" fmla="*/ 3600679 w 4218654"/>
+                <a:gd name="connsiteY16" fmla="*/ 1583515 h 2710990"/>
+                <a:gd name="connsiteX17" fmla="*/ 3601162 w 4218654"/>
+                <a:gd name="connsiteY17" fmla="*/ 1576240 h 2710990"/>
+                <a:gd name="connsiteX18" fmla="*/ 3615604 w 4218654"/>
+                <a:gd name="connsiteY18" fmla="*/ 1574038 h 2710990"/>
+                <a:gd name="connsiteX19" fmla="*/ 3990054 w 4218654"/>
+                <a:gd name="connsiteY19" fmla="*/ 1115584 h 2710990"/>
+                <a:gd name="connsiteX20" fmla="*/ 3522960 w 4218654"/>
+                <a:gd name="connsiteY20" fmla="*/ 645907 h 2710990"/>
+                <a:gd name="connsiteX21" fmla="*/ 3522908 w 4218654"/>
+                <a:gd name="connsiteY21" fmla="*/ 660256 h 2710990"/>
+                <a:gd name="connsiteX22" fmla="*/ 3329883 w 4218654"/>
+                <a:gd name="connsiteY22" fmla="*/ 660256 h 2710990"/>
+                <a:gd name="connsiteX23" fmla="*/ 3329883 w 4218654"/>
+                <a:gd name="connsiteY23" fmla="*/ 1483079 h 2710990"/>
+                <a:gd name="connsiteX24" fmla="*/ 3338263 w 4218654"/>
+                <a:gd name="connsiteY24" fmla="*/ 1483079 h 2710990"/>
+                <a:gd name="connsiteX25" fmla="*/ 3333961 w 4218654"/>
+                <a:gd name="connsiteY25" fmla="*/ 1547871 h 2710990"/>
+                <a:gd name="connsiteX26" fmla="*/ 3093685 w 4218654"/>
+                <a:gd name="connsiteY26" fmla="*/ 1906700 h 2710990"/>
+                <a:gd name="connsiteX27" fmla="*/ 2604528 w 4218654"/>
+                <a:gd name="connsiteY27" fmla="*/ 1906700 h 2710990"/>
+                <a:gd name="connsiteX28" fmla="*/ 2364252 w 4218654"/>
+                <a:gd name="connsiteY28" fmla="*/ 1547872 h 2710990"/>
+                <a:gd name="connsiteX29" fmla="*/ 2359950 w 4218654"/>
+                <a:gd name="connsiteY29" fmla="*/ 1483079 h 2710990"/>
+                <a:gd name="connsiteX30" fmla="*/ 2368329 w 4218654"/>
+                <a:gd name="connsiteY30" fmla="*/ 1483079 h 2710990"/>
+                <a:gd name="connsiteX31" fmla="*/ 2368329 w 4218654"/>
+                <a:gd name="connsiteY31" fmla="*/ 660256 h 2710990"/>
+                <a:gd name="connsiteX32" fmla="*/ 2162623 w 4218654"/>
+                <a:gd name="connsiteY32" fmla="*/ 660256 h 2710990"/>
+                <a:gd name="connsiteX33" fmla="*/ 2162623 w 4218654"/>
+                <a:gd name="connsiteY33" fmla="*/ 641120 h 2710990"/>
+                <a:gd name="connsiteX34" fmla="*/ 1693806 w 4218654"/>
+                <a:gd name="connsiteY34" fmla="*/ 1109076 h 2710990"/>
+                <a:gd name="connsiteX35" fmla="*/ 2066568 w 4218654"/>
+                <a:gd name="connsiteY35" fmla="*/ 1568904 h 2710990"/>
+                <a:gd name="connsiteX36" fmla="*/ 2096877 w 4218654"/>
+                <a:gd name="connsiteY36" fmla="*/ 1573638 h 2710990"/>
+                <a:gd name="connsiteX37" fmla="*/ 2097533 w 4218654"/>
+                <a:gd name="connsiteY37" fmla="*/ 1583514 h 2710990"/>
+                <a:gd name="connsiteX38" fmla="*/ 2469985 w 4218654"/>
+                <a:gd name="connsiteY38" fmla="*/ 2139734 h 2710990"/>
+                <a:gd name="connsiteX39" fmla="*/ 2849105 w 4218654"/>
+                <a:gd name="connsiteY39" fmla="*/ 2241319 h 2710990"/>
+                <a:gd name="connsiteX40" fmla="*/ 3766813 w 4218654"/>
+                <a:gd name="connsiteY40" fmla="*/ 2710990 h 2710990"/>
+                <a:gd name="connsiteX41" fmla="*/ 0 w 4218654"/>
+                <a:gd name="connsiteY41" fmla="*/ 2710990 h 2710990"/>
+                <a:gd name="connsiteX42" fmla="*/ 0 w 4218654"/>
+                <a:gd name="connsiteY42" fmla="*/ 451841 h 2710990"/>
+                <a:gd name="connsiteX43" fmla="*/ 451841 w 4218654"/>
+                <a:gd name="connsiteY43" fmla="*/ 0 h 2710990"/>
+                <a:gd name="connsiteX44" fmla="*/ 4218654 w 4218654"/>
+                <a:gd name="connsiteY44" fmla="*/ 0 h 2710990"/>
+                <a:gd name="connsiteX45" fmla="*/ 4218654 w 4218654"/>
+                <a:gd name="connsiteY45" fmla="*/ 2259149 h 2710990"/>
+              </a:gdLst>
+              <a:ahLst/>
+              <a:cxnLst>
+                <a:cxn ang="0">
+                  <a:pos x="connsiteX0" y="connsiteY0"/>
+                </a:cxn>
+                <a:cxn ang="0">
+                  <a:pos x="connsiteX1" y="connsiteY1"/>
+                </a:cxn>
+                <a:cxn ang="0">
+                  <a:pos x="connsiteX2" y="connsiteY2"/>
+                </a:cxn>
+                <a:cxn ang="0">
+                  <a:pos x="connsiteX3" y="connsiteY3"/>
+                </a:cxn>
+                <a:cxn ang="0">
+                  <a:pos x="connsiteX4" y="connsiteY4"/>
+                </a:cxn>
+                <a:cxn ang="0">
+                  <a:pos x="connsiteX5" y="connsiteY5"/>
+                </a:cxn>
+                <a:cxn ang="0">
+                  <a:pos x="connsiteX6" y="connsiteY6"/>
+                </a:cxn>
+                <a:cxn ang="0">
+                  <a:pos x="connsiteX7" y="connsiteY7"/>
+                </a:cxn>
+                <a:cxn ang="0">
+                  <a:pos x="connsiteX8" y="connsiteY8"/>
+                </a:cxn>
+                <a:cxn ang="0">
+                  <a:pos x="connsiteX9" y="connsiteY9"/>
+                </a:cxn>
+                <a:cxn ang="0">
+                  <a:pos x="connsiteX10" y="connsiteY10"/>
+                </a:cxn>
+                <a:cxn ang="0">
+                  <a:pos x="connsiteX11" y="connsiteY11"/>
+                </a:cxn>
+                <a:cxn ang="0">
+                  <a:pos x="connsiteX12" y="connsiteY12"/>
+                </a:cxn>
+                <a:cxn ang="0">
+                  <a:pos x="connsiteX13" y="connsiteY13"/>
+                </a:cxn>
+                <a:cxn ang="0">
+                  <a:pos x="connsiteX14" y="connsiteY14"/>
+                </a:cxn>
+                <a:cxn ang="0">
+                  <a:pos x="connsiteX15" y="connsiteY15"/>
+                </a:cxn>
+                <a:cxn ang="0">
+                  <a:pos x="connsiteX16" y="connsiteY16"/>
+                </a:cxn>
+                <a:cxn ang="0">
+                  <a:pos x="connsiteX17" y="connsiteY17"/>
+                </a:cxn>
+                <a:cxn ang="0">
+                  <a:pos x="connsiteX18" y="connsiteY18"/>
+                </a:cxn>
+                <a:cxn ang="0">
+                  <a:pos x="connsiteX19" y="connsiteY19"/>
+                </a:cxn>
+                <a:cxn ang="0">
+                  <a:pos x="connsiteX20" y="connsiteY20"/>
+                </a:cxn>
+                <a:cxn ang="0">
+                  <a:pos x="connsiteX21" y="connsiteY21"/>
+                </a:cxn>
+                <a:cxn ang="0">
+                  <a:pos x="connsiteX22" y="connsiteY22"/>
+                </a:cxn>
+                <a:cxn ang="0">
+                  <a:pos x="connsiteX23" y="connsiteY23"/>
+                </a:cxn>
+                <a:cxn ang="0">
+                  <a:pos x="connsiteX24" y="connsiteY24"/>
+                </a:cxn>
+                <a:cxn ang="0">
+                  <a:pos x="connsiteX25" y="connsiteY25"/>
+                </a:cxn>
+                <a:cxn ang="0">
+                  <a:pos x="connsiteX26" y="connsiteY26"/>
+                </a:cxn>
+                <a:cxn ang="0">
+                  <a:pos x="connsiteX27" y="connsiteY27"/>
+                </a:cxn>
+                <a:cxn ang="0">
+                  <a:pos x="connsiteX28" y="connsiteY28"/>
+                </a:cxn>
+                <a:cxn ang="0">
+                  <a:pos x="connsiteX29" y="connsiteY29"/>
+                </a:cxn>
+                <a:cxn ang="0">
+                  <a:pos x="connsiteX30" y="connsiteY30"/>
+                </a:cxn>
+                <a:cxn ang="0">
+                  <a:pos x="connsiteX31" y="connsiteY31"/>
+                </a:cxn>
+                <a:cxn ang="0">
+                  <a:pos x="connsiteX32" y="connsiteY32"/>
+                </a:cxn>
+                <a:cxn ang="0">
+                  <a:pos x="connsiteX33" y="connsiteY33"/>
+                </a:cxn>
+                <a:cxn ang="0">
+                  <a:pos x="connsiteX34" y="connsiteY34"/>
+                </a:cxn>
+                <a:cxn ang="0">
+                  <a:pos x="connsiteX35" y="connsiteY35"/>
+                </a:cxn>
+                <a:cxn ang="0">
+                  <a:pos x="connsiteX36" y="connsiteY36"/>
+                </a:cxn>
+                <a:cxn ang="0">
+                  <a:pos x="connsiteX37" y="connsiteY37"/>
+                </a:cxn>
+                <a:cxn ang="0">
+                  <a:pos x="connsiteX38" y="connsiteY38"/>
+                </a:cxn>
+                <a:cxn ang="0">
+                  <a:pos x="connsiteX39" y="connsiteY39"/>
+                </a:cxn>
+                <a:cxn ang="0">
+                  <a:pos x="connsiteX40" y="connsiteY40"/>
+                </a:cxn>
+                <a:cxn ang="0">
+                  <a:pos x="connsiteX41" y="connsiteY41"/>
+                </a:cxn>
+                <a:cxn ang="0">
+                  <a:pos x="connsiteX42" y="connsiteY42"/>
+                </a:cxn>
+                <a:cxn ang="0">
+                  <a:pos x="connsiteX43" y="connsiteY43"/>
+                </a:cxn>
+                <a:cxn ang="0">
+                  <a:pos x="connsiteX44" y="connsiteY44"/>
+                </a:cxn>
+                <a:cxn ang="0">
+                  <a:pos x="connsiteX45" y="connsiteY45"/>
+                </a:cxn>
+              </a:cxnLst>
+              <a:rect l="l" t="t" r="r" b="b"/>
+              <a:pathLst>
+                <a:path w="4218654" h="2710990">
+                  <a:moveTo>
+                    <a:pt x="497954" y="2077859"/>
+                  </a:moveTo>
+                  <a:lnTo>
+                    <a:pt x="704431" y="1500882"/>
+                  </a:lnTo>
+                  <a:lnTo>
+                    <a:pt x="602260" y="1500882"/>
+                  </a:lnTo>
+                  <a:lnTo>
+                    <a:pt x="602260" y="709946"/>
+                  </a:lnTo>
+                  <a:lnTo>
+                    <a:pt x="393647" y="709946"/>
+                  </a:lnTo>
+                  <a:lnTo>
+                    <a:pt x="393647" y="1500882"/>
+                  </a:lnTo>
+                  <a:lnTo>
+                    <a:pt x="291476" y="1500882"/>
+                  </a:lnTo>
+                  <a:close/>
+                  <a:moveTo>
+                    <a:pt x="1402360" y="2077859"/>
+                  </a:moveTo>
+                  <a:lnTo>
+                    <a:pt x="1402360" y="1286923"/>
+                  </a:lnTo>
+                  <a:lnTo>
+                    <a:pt x="1504531" y="1286923"/>
+                  </a:lnTo>
+                  <a:lnTo>
+                    <a:pt x="1298053" y="709946"/>
+                  </a:lnTo>
+                  <a:lnTo>
+                    <a:pt x="1091576" y="1286923"/>
+                  </a:lnTo>
+                  <a:lnTo>
+                    <a:pt x="1193747" y="1286923"/>
+                  </a:lnTo>
+                  <a:lnTo>
+                    <a:pt x="1193747" y="2077859"/>
+                  </a:lnTo>
+                  <a:close/>
+                  <a:moveTo>
+                    <a:pt x="2849105" y="2241319"/>
+                  </a:moveTo>
+                  <a:cubicBezTo>
+                    <a:pt x="2980016" y="2241319"/>
+                    <a:pt x="3110926" y="2207458"/>
+                    <a:pt x="3228226" y="2139734"/>
+                  </a:cubicBezTo>
+                  <a:cubicBezTo>
+                    <a:pt x="3433502" y="2021218"/>
+                    <a:pt x="3569809" y="1814756"/>
+                    <a:pt x="3600679" y="1583515"/>
+                  </a:cubicBezTo>
+                  <a:lnTo>
+                    <a:pt x="3601162" y="1576240"/>
+                  </a:lnTo>
+                  <a:lnTo>
+                    <a:pt x="3615604" y="1574038"/>
+                  </a:lnTo>
+                  <a:cubicBezTo>
+                    <a:pt x="3828991" y="1530428"/>
+                    <a:pt x="3989638" y="1341845"/>
+                    <a:pt x="3990054" y="1115584"/>
+                  </a:cubicBezTo>
+                  <a:cubicBezTo>
+                    <a:pt x="3990529" y="857000"/>
+                    <a:pt x="3781543" y="646858"/>
+                    <a:pt x="3522960" y="645907"/>
+                  </a:cubicBezTo>
+                  <a:lnTo>
+                    <a:pt x="3522908" y="660256"/>
+                  </a:lnTo>
+                  <a:lnTo>
+                    <a:pt x="3329883" y="660256"/>
+                  </a:lnTo>
+                  <a:lnTo>
+                    <a:pt x="3329883" y="1483079"/>
+                  </a:lnTo>
+                  <a:lnTo>
+                    <a:pt x="3338263" y="1483079"/>
+                  </a:lnTo>
+                  <a:lnTo>
+                    <a:pt x="3333961" y="1547871"/>
+                  </a:lnTo>
+                  <a:cubicBezTo>
+                    <a:pt x="3314047" y="1697050"/>
+                    <a:pt x="3226112" y="1830243"/>
+                    <a:pt x="3093685" y="1906700"/>
+                  </a:cubicBezTo>
+                  <a:cubicBezTo>
+                    <a:pt x="2942339" y="1994080"/>
+                    <a:pt x="2755874" y="1994080"/>
+                    <a:pt x="2604528" y="1906700"/>
+                  </a:cubicBezTo>
+                  <a:cubicBezTo>
+                    <a:pt x="2472101" y="1830243"/>
+                    <a:pt x="2384166" y="1697050"/>
+                    <a:pt x="2364252" y="1547872"/>
+                  </a:cubicBezTo>
+                  <a:lnTo>
+                    <a:pt x="2359950" y="1483079"/>
+                  </a:lnTo>
+                  <a:lnTo>
+                    <a:pt x="2368329" y="1483079"/>
+                  </a:lnTo>
+                  <a:lnTo>
+                    <a:pt x="2368329" y="660256"/>
+                  </a:lnTo>
+                  <a:lnTo>
+                    <a:pt x="2162623" y="660256"/>
+                  </a:lnTo>
+                  <a:lnTo>
+                    <a:pt x="2162623" y="641120"/>
+                  </a:lnTo>
+                  <a:cubicBezTo>
+                    <a:pt x="1904038" y="641120"/>
+                    <a:pt x="1694281" y="850492"/>
+                    <a:pt x="1693806" y="1109076"/>
+                  </a:cubicBezTo>
+                  <a:cubicBezTo>
+                    <a:pt x="1693390" y="1335337"/>
+                    <a:pt x="1853343" y="1524509"/>
+                    <a:pt x="2066568" y="1568904"/>
+                  </a:cubicBezTo>
+                  <a:lnTo>
+                    <a:pt x="2096877" y="1573638"/>
+                  </a:lnTo>
+                  <a:lnTo>
+                    <a:pt x="2097533" y="1583514"/>
+                  </a:lnTo>
+                  <a:cubicBezTo>
+                    <a:pt x="2128403" y="1814755"/>
+                    <a:pt x="2264709" y="2021218"/>
+                    <a:pt x="2469985" y="2139734"/>
+                  </a:cubicBezTo>
+                  <a:cubicBezTo>
+                    <a:pt x="2587285" y="2207458"/>
+                    <a:pt x="2718195" y="2241319"/>
+                    <a:pt x="2849105" y="2241319"/>
+                  </a:cubicBezTo>
+                  <a:close/>
+                  <a:moveTo>
+                    <a:pt x="3766813" y="2710990"/>
+                  </a:moveTo>
+                  <a:lnTo>
+                    <a:pt x="0" y="2710990"/>
+                  </a:lnTo>
+                  <a:lnTo>
+                    <a:pt x="0" y="451841"/>
+                  </a:lnTo>
+                  <a:lnTo>
+                    <a:pt x="451841" y="0"/>
+                  </a:lnTo>
+                  <a:lnTo>
+                    <a:pt x="4218654" y="0"/>
+                  </a:lnTo>
+                  <a:lnTo>
+                    <a:pt x="4218654" y="2259149"/>
+                  </a:lnTo>
+                  <a:close/>
+                </a:path>
+              </a:pathLst>
+            </a:custGeom>
+            <a:solidFill>
+              <a:schemeClr val="bg1"/>
+            </a:solidFill>
+            <a:ln>
+              <a:noFill/>
+            </a:ln>
+            <a:scene3d>
+              <a:camera prst="orthographicFront"/>
+              <a:lightRig rig="threePt" dir="t"/>
+            </a:scene3d>
+            <a:sp3d prstMaterial="metal"/>
+          </p:spPr>
+          <p:style>
+            <a:lnRef idx="2">
+              <a:schemeClr val="accent1">
+                <a:shade val="50000"/>
+              </a:schemeClr>
+            </a:lnRef>
+            <a:fillRef idx="1">
+              <a:schemeClr val="accent1"/>
+            </a:fillRef>
+            <a:effectRef idx="0">
+              <a:schemeClr val="accent1"/>
+            </a:effectRef>
+            <a:fontRef idx="minor">
+              <a:schemeClr val="lt1"/>
+            </a:fontRef>
+          </p:style>
+          <p:txBody>
+            <a:bodyPr wrap="square" rtlCol="0" anchor="ctr">
+              <a:noAutofit/>
+            </a:bodyPr>
+            <a:lstStyle/>
+            <a:p>
+              <a:pPr algn="ctr"/>
+              <a:endParaRPr lang="zh-CN" altLang="en-US"/>
+            </a:p>
+          </p:txBody>
+        </p:sp>
+        <p:sp>
+          <p:nvSpPr>
+            <p:cNvPr id="2" name="乘号 1">
+              <a:extLst>
+                <a:ext uri="{FF2B5EF4-FFF2-40B4-BE49-F238E27FC236}">
+                  <a16:creationId xmlns:a16="http://schemas.microsoft.com/office/drawing/2014/main" id="{9400C606-ED6F-48FB-A752-1D9A924467D4}"/>
+                </a:ext>
+              </a:extLst>
+            </p:cNvPr>
+            <p:cNvSpPr/>
+            <p:nvPr/>
+          </p:nvSpPr>
+          <p:spPr>
+            <a:xfrm>
+              <a:off x="9384789" y="1086149"/>
+              <a:ext cx="461665" cy="461665"/>
+            </a:xfrm>
+            <a:prstGeom prst="mathMultiply">
+              <a:avLst>
+                <a:gd name="adj1" fmla="val 10362"/>
+              </a:avLst>
+            </a:prstGeom>
+            <a:solidFill>
+              <a:schemeClr val="bg1"/>
+            </a:solidFill>
+            <a:ln>
+              <a:noFill/>
+            </a:ln>
+            <a:scene3d>
+              <a:camera prst="orthographicFront"/>
+              <a:lightRig rig="threePt" dir="t"/>
+            </a:scene3d>
+            <a:sp3d prstMaterial="metal"/>
+          </p:spPr>
+          <p:style>
+            <a:lnRef idx="2">
+              <a:schemeClr val="accent1">
+                <a:shade val="50000"/>
+              </a:schemeClr>
+            </a:lnRef>
+            <a:fillRef idx="1">
+              <a:schemeClr val="accent1"/>
+            </a:fillRef>
+            <a:effectRef idx="0">
+              <a:schemeClr val="accent1"/>
+            </a:effectRef>
+            <a:fontRef idx="minor">
+              <a:schemeClr val="lt1"/>
+            </a:fontRef>
+          </p:style>
+          <p:txBody>
+            <a:bodyPr rtlCol="0" anchor="ctr"/>
+            <a:lstStyle/>
+            <a:p>
+              <a:pPr algn="ctr"/>
+              <a:endParaRPr lang="zh-CN" altLang="en-US"/>
+            </a:p>
+          </p:txBody>
+        </p:sp>
+      </p:grpSp>
+      <p:sp>
+        <p:nvSpPr>
+          <p:cNvPr id="7" name="文本框 6">
+            <a:extLst>
+              <a:ext uri="{FF2B5EF4-FFF2-40B4-BE49-F238E27FC236}">
+                <a16:creationId xmlns:a16="http://schemas.microsoft.com/office/drawing/2014/main" id="{30AB8525-DB0F-48D1-B75A-1A2FEF2D7888}"/>
+              </a:ext>
+            </a:extLst>
+          </p:cNvPr>
+          <p:cNvSpPr txBox="1"/>
+          <p:nvPr/>
+        </p:nvSpPr>
+        <p:spPr>
+          <a:xfrm>
+            <a:off x="1857063" y="1821473"/>
+            <a:ext cx="1324698" cy="400110"/>
+          </a:xfrm>
+          <a:prstGeom prst="rect">
+            <a:avLst/>
+          </a:prstGeom>
+          <a:noFill/>
+        </p:spPr>
+        <p:txBody>
+          <a:bodyPr wrap="square" rtlCol="0">
+            <a:spAutoFit/>
+          </a:bodyPr>
+          <a:lstStyle/>
+          <a:p>
+            <a:pPr algn="r"/>
+            <a:r>
+              <a:rPr lang="zh-CN" altLang="en-US" sz="2000" b="1" dirty="0">
+                <a:solidFill>
+                  <a:schemeClr val="bg1"/>
+                </a:solidFill>
+              </a:rPr>
+              <a:t>环绕声</a:t>
+            </a:r>
+          </a:p>
+        </p:txBody>
+      </p:sp>
+      <p:sp>
+        <p:nvSpPr>
+          <p:cNvPr id="15" name="文本框 14">
+            <a:extLst>
+              <a:ext uri="{FF2B5EF4-FFF2-40B4-BE49-F238E27FC236}">
+                <a16:creationId xmlns:a16="http://schemas.microsoft.com/office/drawing/2014/main" id="{6AD1C369-F406-48F2-8516-848195CEEBA0}"/>
+              </a:ext>
+            </a:extLst>
+          </p:cNvPr>
+          <p:cNvSpPr txBox="1"/>
+          <p:nvPr/>
+        </p:nvSpPr>
+        <p:spPr>
+          <a:xfrm>
+            <a:off x="1857063" y="2320298"/>
+            <a:ext cx="1324698" cy="400110"/>
+          </a:xfrm>
+          <a:prstGeom prst="rect">
+            <a:avLst/>
+          </a:prstGeom>
+          <a:noFill/>
+        </p:spPr>
+        <p:txBody>
+          <a:bodyPr wrap="square" rtlCol="0">
+            <a:spAutoFit/>
+          </a:bodyPr>
+          <a:lstStyle/>
+          <a:p>
+            <a:pPr algn="r"/>
+            <a:r>
+              <a:rPr lang="zh-CN" altLang="en-US" sz="2000" dirty="0">
+                <a:solidFill>
+                  <a:schemeClr val="bg1">
+                    <a:lumMod val="50000"/>
+                  </a:schemeClr>
+                </a:solidFill>
+              </a:rPr>
+              <a:t>压缩器</a:t>
+            </a:r>
+          </a:p>
+        </p:txBody>
+      </p:sp>
+      <p:sp>
+        <p:nvSpPr>
+          <p:cNvPr id="16" name="文本框 15">
+            <a:extLst>
+              <a:ext uri="{FF2B5EF4-FFF2-40B4-BE49-F238E27FC236}">
+                <a16:creationId xmlns:a16="http://schemas.microsoft.com/office/drawing/2014/main" id="{8A44217A-FE32-4EDB-8510-C80C6657673B}"/>
+              </a:ext>
+            </a:extLst>
+          </p:cNvPr>
+          <p:cNvSpPr txBox="1"/>
+          <p:nvPr/>
+        </p:nvSpPr>
+        <p:spPr>
+          <a:xfrm>
+            <a:off x="1857063" y="2819123"/>
+            <a:ext cx="1324698" cy="400110"/>
+          </a:xfrm>
+          <a:prstGeom prst="rect">
+            <a:avLst/>
+          </a:prstGeom>
+          <a:noFill/>
+        </p:spPr>
+        <p:txBody>
+          <a:bodyPr wrap="square" rtlCol="0">
+            <a:spAutoFit/>
+          </a:bodyPr>
+          <a:lstStyle/>
+          <a:p>
+            <a:pPr algn="r"/>
+            <a:r>
+              <a:rPr lang="zh-CN" altLang="en-US" sz="2000" dirty="0">
+                <a:solidFill>
+                  <a:schemeClr val="bg1">
+                    <a:lumMod val="50000"/>
+                  </a:schemeClr>
+                </a:solidFill>
+              </a:rPr>
+              <a:t>设备选项</a:t>
+            </a:r>
+          </a:p>
+        </p:txBody>
+      </p:sp>
+      <p:sp>
+        <p:nvSpPr>
+          <p:cNvPr id="17" name="文本框 16">
+            <a:extLst>
+              <a:ext uri="{FF2B5EF4-FFF2-40B4-BE49-F238E27FC236}">
+                <a16:creationId xmlns:a16="http://schemas.microsoft.com/office/drawing/2014/main" id="{C6012F29-9020-4499-B517-65C2A5CD95BC}"/>
+              </a:ext>
+            </a:extLst>
+          </p:cNvPr>
+          <p:cNvSpPr txBox="1"/>
+          <p:nvPr/>
+        </p:nvSpPr>
+        <p:spPr>
+          <a:xfrm>
+            <a:off x="1857063" y="3317949"/>
+            <a:ext cx="1324698" cy="400110"/>
+          </a:xfrm>
+          <a:prstGeom prst="rect">
+            <a:avLst/>
+          </a:prstGeom>
+          <a:noFill/>
+        </p:spPr>
+        <p:txBody>
+          <a:bodyPr wrap="square" rtlCol="0">
+            <a:spAutoFit/>
+          </a:bodyPr>
+          <a:lstStyle/>
+          <a:p>
+            <a:pPr algn="r"/>
+            <a:r>
+              <a:rPr lang="zh-CN" altLang="en-US" sz="2000" dirty="0">
+                <a:solidFill>
+                  <a:schemeClr val="bg1">
+                    <a:lumMod val="50000"/>
+                  </a:schemeClr>
+                </a:solidFill>
+              </a:rPr>
+              <a:t>关于</a:t>
+            </a:r>
+          </a:p>
+        </p:txBody>
+      </p:sp>
+      <p:cxnSp>
+        <p:nvCxnSpPr>
+          <p:cNvPr id="9" name="直接连接符 8">
+            <a:extLst>
+              <a:ext uri="{FF2B5EF4-FFF2-40B4-BE49-F238E27FC236}">
+                <a16:creationId xmlns:a16="http://schemas.microsoft.com/office/drawing/2014/main" id="{06CECFF9-58B9-4E06-920B-FB268CF6E666}"/>
+              </a:ext>
+            </a:extLst>
+          </p:cNvPr>
+          <p:cNvCxnSpPr/>
+          <p:nvPr/>
+        </p:nvCxnSpPr>
+        <p:spPr>
+          <a:xfrm>
+            <a:off x="3181761" y="1855207"/>
+            <a:ext cx="0" cy="332642"/>
+          </a:xfrm>
+          <a:prstGeom prst="line">
+            <a:avLst/>
+          </a:prstGeom>
+          <a:ln w="19050">
+            <a:solidFill>
+              <a:schemeClr val="bg1"/>
+            </a:solidFill>
+          </a:ln>
+        </p:spPr>
+        <p:style>
+          <a:lnRef idx="1">
+            <a:schemeClr val="accent1"/>
+          </a:lnRef>
+          <a:fillRef idx="0">
+            <a:schemeClr val="accent1"/>
+          </a:fillRef>
+          <a:effectRef idx="0">
+            <a:schemeClr val="accent1"/>
+          </a:effectRef>
+          <a:fontRef idx="minor">
+            <a:schemeClr val="tx1"/>
+          </a:fontRef>
+        </p:style>
+      </p:cxnSp>
+      <p:sp>
+        <p:nvSpPr>
+          <p:cNvPr id="18" name="任意多边形: 形状 17">
+            <a:extLst>
+              <a:ext uri="{FF2B5EF4-FFF2-40B4-BE49-F238E27FC236}">
+                <a16:creationId xmlns:a16="http://schemas.microsoft.com/office/drawing/2014/main" id="{F7B37C4E-C641-4333-9602-B8E6D3661998}"/>
+              </a:ext>
+            </a:extLst>
+          </p:cNvPr>
+          <p:cNvSpPr/>
+          <p:nvPr/>
+        </p:nvSpPr>
+        <p:spPr>
+          <a:xfrm>
+            <a:off x="8791830" y="1150033"/>
+            <a:ext cx="343930" cy="333895"/>
+          </a:xfrm>
+          <a:custGeom>
+            <a:avLst/>
+            <a:gdLst>
+              <a:gd name="connsiteX0" fmla="*/ 190062 w 1296417"/>
+              <a:gd name="connsiteY0" fmla="*/ 151823 h 1258591"/>
+              <a:gd name="connsiteX1" fmla="*/ 321606 w 1296417"/>
+              <a:gd name="connsiteY1" fmla="*/ 283484 h 1258591"/>
+              <a:gd name="connsiteX2" fmla="*/ 320132 w 1296417"/>
+              <a:gd name="connsiteY2" fmla="*/ 935801 h 1258591"/>
+              <a:gd name="connsiteX3" fmla="*/ 972440 w 1296417"/>
+              <a:gd name="connsiteY3" fmla="*/ 939632 h 1258591"/>
+              <a:gd name="connsiteX4" fmla="*/ 978628 w 1296417"/>
+              <a:gd name="connsiteY4" fmla="*/ 287342 h 1258591"/>
+              <a:gd name="connsiteX5" fmla="*/ 1111709 w 1296417"/>
+              <a:gd name="connsiteY5" fmla="*/ 157234 h 1258591"/>
+              <a:gd name="connsiteX6" fmla="*/ 1103028 w 1296417"/>
+              <a:gd name="connsiteY6" fmla="*/ 1072242 h 1258591"/>
+              <a:gd name="connsiteX7" fmla="*/ 187996 w 1296417"/>
+              <a:gd name="connsiteY7" fmla="*/ 1066868 h 1258591"/>
+              <a:gd name="connsiteX8" fmla="*/ 190062 w 1296417"/>
+              <a:gd name="connsiteY8" fmla="*/ 151823 h 1258591"/>
+              <a:gd name="connsiteX9" fmla="*/ 555290 w 1296417"/>
+              <a:gd name="connsiteY9" fmla="*/ 0 h 1258591"/>
+              <a:gd name="connsiteX10" fmla="*/ 741125 w 1296417"/>
+              <a:gd name="connsiteY10" fmla="*/ 0 h 1258591"/>
+              <a:gd name="connsiteX11" fmla="*/ 741125 w 1296417"/>
+              <a:gd name="connsiteY11" fmla="*/ 717292 h 1258591"/>
+              <a:gd name="connsiteX12" fmla="*/ 555290 w 1296417"/>
+              <a:gd name="connsiteY12" fmla="*/ 717292 h 1258591"/>
+            </a:gdLst>
+            <a:ahLst/>
+            <a:cxnLst>
+              <a:cxn ang="0">
+                <a:pos x="connsiteX0" y="connsiteY0"/>
+              </a:cxn>
+              <a:cxn ang="0">
+                <a:pos x="connsiteX1" y="connsiteY1"/>
+              </a:cxn>
+              <a:cxn ang="0">
+                <a:pos x="connsiteX2" y="connsiteY2"/>
+              </a:cxn>
+              <a:cxn ang="0">
+                <a:pos x="connsiteX3" y="connsiteY3"/>
+              </a:cxn>
+              <a:cxn ang="0">
+                <a:pos x="connsiteX4" y="connsiteY4"/>
+              </a:cxn>
+              <a:cxn ang="0">
+                <a:pos x="connsiteX5" y="connsiteY5"/>
+              </a:cxn>
+              <a:cxn ang="0">
+                <a:pos x="connsiteX6" y="connsiteY6"/>
+              </a:cxn>
+              <a:cxn ang="0">
+                <a:pos x="connsiteX7" y="connsiteY7"/>
+              </a:cxn>
+              <a:cxn ang="0">
+                <a:pos x="connsiteX8" y="connsiteY8"/>
+              </a:cxn>
+              <a:cxn ang="0">
+                <a:pos x="connsiteX9" y="connsiteY9"/>
+              </a:cxn>
+              <a:cxn ang="0">
+                <a:pos x="connsiteX10" y="connsiteY10"/>
+              </a:cxn>
+              <a:cxn ang="0">
+                <a:pos x="connsiteX11" y="connsiteY11"/>
+              </a:cxn>
+              <a:cxn ang="0">
+                <a:pos x="connsiteX12" y="connsiteY12"/>
+              </a:cxn>
+            </a:cxnLst>
+            <a:rect l="l" t="t" r="r" b="b"/>
+            <a:pathLst>
+              <a:path w="1296417" h="1258591">
+                <a:moveTo>
+                  <a:pt x="190062" y="151823"/>
+                </a:moveTo>
+                <a:cubicBezTo>
+                  <a:pt x="233910" y="195710"/>
+                  <a:pt x="277758" y="239597"/>
+                  <a:pt x="321606" y="283484"/>
+                </a:cubicBezTo>
+                <a:cubicBezTo>
+                  <a:pt x="141526" y="463401"/>
+                  <a:pt x="140867" y="755073"/>
+                  <a:pt x="320132" y="935801"/>
+                </a:cubicBezTo>
+                <a:cubicBezTo>
+                  <a:pt x="499397" y="1116530"/>
+                  <a:pt x="791065" y="1118243"/>
+                  <a:pt x="972440" y="939632"/>
+                </a:cubicBezTo>
+                <a:cubicBezTo>
+                  <a:pt x="1153816" y="761021"/>
+                  <a:pt x="1156582" y="469362"/>
+                  <a:pt x="978628" y="287342"/>
+                </a:cubicBezTo>
+                <a:lnTo>
+                  <a:pt x="1111709" y="157234"/>
+                </a:lnTo>
+                <a:cubicBezTo>
+                  <a:pt x="1361336" y="412565"/>
+                  <a:pt x="1357454" y="821693"/>
+                  <a:pt x="1103028" y="1072242"/>
+                </a:cubicBezTo>
+                <a:cubicBezTo>
+                  <a:pt x="848602" y="1322790"/>
+                  <a:pt x="439462" y="1320387"/>
+                  <a:pt x="187996" y="1066868"/>
+                </a:cubicBezTo>
+                <a:cubicBezTo>
+                  <a:pt x="-63470" y="813349"/>
+                  <a:pt x="-62546" y="404203"/>
+                  <a:pt x="190062" y="151823"/>
+                </a:cubicBezTo>
+                <a:close/>
+                <a:moveTo>
+                  <a:pt x="555290" y="0"/>
+                </a:moveTo>
+                <a:lnTo>
+                  <a:pt x="741125" y="0"/>
+                </a:lnTo>
+                <a:lnTo>
+                  <a:pt x="741125" y="717292"/>
+                </a:lnTo>
+                <a:lnTo>
+                  <a:pt x="555290" y="717292"/>
+                </a:lnTo>
+                <a:close/>
+              </a:path>
+            </a:pathLst>
+          </a:custGeom>
+          <a:solidFill>
+            <a:schemeClr val="bg1"/>
+          </a:solidFill>
+          <a:ln>
+            <a:noFill/>
+          </a:ln>
+          <a:effectLst>
+            <a:glow rad="228600">
+              <a:schemeClr val="accent6">
+                <a:satMod val="175000"/>
+                <a:alpha val="40000"/>
+              </a:schemeClr>
+            </a:glow>
+          </a:effectLst>
+          <a:scene3d>
+            <a:camera prst="orthographicFront"/>
+            <a:lightRig rig="threePt" dir="t"/>
+          </a:scene3d>
+          <a:sp3d prstMaterial="metal"/>
+        </p:spPr>
+        <p:style>
+          <a:lnRef idx="2">
+            <a:schemeClr val="accent1">
+              <a:shade val="50000"/>
+            </a:schemeClr>
+          </a:lnRef>
+          <a:fillRef idx="1">
+            <a:schemeClr val="accent1"/>
+          </a:fillRef>
+          <a:effectRef idx="0">
+            <a:schemeClr val="accent1"/>
+          </a:effectRef>
+          <a:fontRef idx="minor">
+            <a:schemeClr val="lt1"/>
+          </a:fontRef>
+        </p:style>
+        <p:txBody>
+          <a:bodyPr wrap="square" rtlCol="0" anchor="ctr">
+            <a:noAutofit/>
+          </a:bodyPr>
+          <a:lstStyle/>
+          <a:p>
+            <a:pPr algn="ctr"/>
+            <a:endParaRPr lang="zh-CN" altLang="en-US">
+              <a:effectLst>
+                <a:glow rad="228600">
+                  <a:schemeClr val="accent6">
+                    <a:satMod val="175000"/>
+                    <a:alpha val="40000"/>
+                  </a:schemeClr>
+                </a:glow>
+              </a:effectLst>
+            </a:endParaRPr>
+          </a:p>
+        </p:txBody>
+      </p:sp>
+    </p:spTree>
+    <p:extLst>
+      <p:ext uri="{BB962C8B-B14F-4D97-AF65-F5344CB8AC3E}">
+        <p14:creationId xmlns:p14="http://schemas.microsoft.com/office/powerpoint/2010/main" val="275608246"/>
+      </p:ext>
+    </p:extLst>
+  </p:cSld>
+  <p:clrMapOvr>
+    <a:masterClrMapping/>
+  </p:clrMapOvr>
+</p:sld>
+</file>
+
+<file path=ppt/slides/slide6.xml><?xml version="1.0" encoding="utf-8"?>
+<p:sld xmlns:a="http://schemas.openxmlformats.org/drawingml/2006/main" xmlns:r="http://schemas.openxmlformats.org/officeDocument/2006/relationships" xmlns:p="http://schemas.openxmlformats.org/presentationml/2006/main">
+  <p:cSld>
+    <p:spTree>
+      <p:nvGrpSpPr>
+        <p:cNvPr id="1" name=""/>
+        <p:cNvGrpSpPr/>
+        <p:nvPr/>
+      </p:nvGrpSpPr>
+      <p:grpSpPr>
+        <a:xfrm>
+          <a:off x="0" y="0"/>
+          <a:ext cx="0" cy="0"/>
+          <a:chOff x="0" y="0"/>
+          <a:chExt cx="0" cy="0"/>
+        </a:xfrm>
+      </p:grpSpPr>
+      <p:grpSp>
+        <p:nvGrpSpPr>
+          <p:cNvPr id="22" name="组合 21">
+            <a:extLst>
+              <a:ext uri="{FF2B5EF4-FFF2-40B4-BE49-F238E27FC236}">
+                <a16:creationId xmlns:a16="http://schemas.microsoft.com/office/drawing/2014/main" id="{44212D68-48E6-4659-8A98-C59EADACDD3E}"/>
+              </a:ext>
+            </a:extLst>
+          </p:cNvPr>
+          <p:cNvGrpSpPr/>
+          <p:nvPr/>
+        </p:nvGrpSpPr>
+        <p:grpSpPr>
+          <a:xfrm>
+            <a:off x="634320" y="1854430"/>
+            <a:ext cx="4218654" cy="2710990"/>
+            <a:chOff x="634320" y="1854430"/>
+            <a:chExt cx="4218654" cy="2710990"/>
+          </a:xfrm>
+        </p:grpSpPr>
+        <p:sp>
+          <p:nvSpPr>
+            <p:cNvPr id="2" name="矩形: 剪去对角 1">
+              <a:extLst>
+                <a:ext uri="{FF2B5EF4-FFF2-40B4-BE49-F238E27FC236}">
+                  <a16:creationId xmlns:a16="http://schemas.microsoft.com/office/drawing/2014/main" id="{66F5CF81-70B0-48AC-BDCD-5985233A340E}"/>
+                </a:ext>
+              </a:extLst>
+            </p:cNvPr>
+            <p:cNvSpPr/>
+            <p:nvPr/>
+          </p:nvSpPr>
+          <p:spPr>
+            <a:xfrm rot="16200000">
+              <a:off x="1388152" y="1100598"/>
+              <a:ext cx="2710990" cy="4218654"/>
+            </a:xfrm>
+            <a:prstGeom prst="snip2DiagRect">
+              <a:avLst/>
+            </a:prstGeom>
+            <a:solidFill>
+              <a:schemeClr val="tx1"/>
+            </a:solidFill>
+            <a:ln>
+              <a:noFill/>
+            </a:ln>
+            <a:scene3d>
+              <a:camera prst="orthographicFront"/>
+              <a:lightRig rig="threePt" dir="t"/>
+            </a:scene3d>
+            <a:sp3d prstMaterial="metal"/>
+          </p:spPr>
+          <p:style>
+            <a:lnRef idx="2">
+              <a:schemeClr val="accent1">
+                <a:shade val="50000"/>
+              </a:schemeClr>
+            </a:lnRef>
+            <a:fillRef idx="1">
+              <a:schemeClr val="accent1"/>
+            </a:fillRef>
+            <a:effectRef idx="0">
+              <a:schemeClr val="accent1"/>
+            </a:effectRef>
+            <a:fontRef idx="minor">
+              <a:schemeClr val="lt1"/>
+            </a:fontRef>
+          </p:style>
+          <p:txBody>
+            <a:bodyPr rtlCol="0" anchor="ctr"/>
+            <a:lstStyle/>
+            <a:p>
+              <a:pPr algn="ctr"/>
+              <a:endParaRPr lang="zh-CN" altLang="en-US"/>
+            </a:p>
+          </p:txBody>
+        </p:sp>
+        <p:grpSp>
+          <p:nvGrpSpPr>
+            <p:cNvPr id="21" name="组合 20">
+              <a:extLst>
+                <a:ext uri="{FF2B5EF4-FFF2-40B4-BE49-F238E27FC236}">
+                  <a16:creationId xmlns:a16="http://schemas.microsoft.com/office/drawing/2014/main" id="{CD5F1D89-689C-4EE8-A7D8-9C32EB5759EE}"/>
+                </a:ext>
+              </a:extLst>
+            </p:cNvPr>
+            <p:cNvGrpSpPr/>
+            <p:nvPr/>
+          </p:nvGrpSpPr>
+          <p:grpSpPr>
+            <a:xfrm>
+              <a:off x="862920" y="2324101"/>
+              <a:ext cx="3698578" cy="1600199"/>
+              <a:chOff x="7372353" y="1514476"/>
+              <a:chExt cx="4094854" cy="1771649"/>
+            </a:xfrm>
+          </p:grpSpPr>
+          <p:sp>
+            <p:nvSpPr>
+              <p:cNvPr id="18" name="任意多边形: 形状 17">
+                <a:extLst>
+                  <a:ext uri="{FF2B5EF4-FFF2-40B4-BE49-F238E27FC236}">
+                    <a16:creationId xmlns:a16="http://schemas.microsoft.com/office/drawing/2014/main" id="{3E3E30A3-DDD2-4E44-B4B8-7478373B4A41}"/>
+                  </a:ext>
+                </a:extLst>
+              </p:cNvPr>
+              <p:cNvSpPr/>
+              <p:nvPr/>
+            </p:nvSpPr>
+            <p:spPr>
+              <a:xfrm rot="10800000">
+                <a:off x="7372353" y="1514476"/>
+                <a:ext cx="2542276" cy="1771649"/>
+              </a:xfrm>
+              <a:custGeom>
+                <a:avLst/>
+                <a:gdLst>
+                  <a:gd name="connsiteX0" fmla="*/ 2300287 w 4571999"/>
+                  <a:gd name="connsiteY0" fmla="*/ 3186113 h 3186113"/>
+                  <a:gd name="connsiteX1" fmla="*/ 1545431 w 4571999"/>
+                  <a:gd name="connsiteY1" fmla="*/ 2983849 h 3186113"/>
+                  <a:gd name="connsiteX2" fmla="*/ 803852 w 4571999"/>
+                  <a:gd name="connsiteY2" fmla="*/ 1876375 h 3186113"/>
+                  <a:gd name="connsiteX3" fmla="*/ 802546 w 4571999"/>
+                  <a:gd name="connsiteY3" fmla="*/ 1856711 h 3186113"/>
+                  <a:gd name="connsiteX4" fmla="*/ 742197 w 4571999"/>
+                  <a:gd name="connsiteY4" fmla="*/ 1847285 h 3186113"/>
+                  <a:gd name="connsiteX5" fmla="*/ 1 w 4571999"/>
+                  <a:gd name="connsiteY5" fmla="*/ 931734 h 3186113"/>
+                  <a:gd name="connsiteX6" fmla="*/ 933450 w 4571999"/>
+                  <a:gd name="connsiteY6" fmla="*/ 0 h 3186113"/>
+                  <a:gd name="connsiteX7" fmla="*/ 933450 w 4571999"/>
+                  <a:gd name="connsiteY7" fmla="*/ 38101 h 3186113"/>
+                  <a:gd name="connsiteX8" fmla="*/ 1343026 w 4571999"/>
+                  <a:gd name="connsiteY8" fmla="*/ 38101 h 3186113"/>
+                  <a:gd name="connsiteX9" fmla="*/ 1343026 w 4571999"/>
+                  <a:gd name="connsiteY9" fmla="*/ 1676401 h 3186113"/>
+                  <a:gd name="connsiteX10" fmla="*/ 1326343 w 4571999"/>
+                  <a:gd name="connsiteY10" fmla="*/ 1676401 h 3186113"/>
+                  <a:gd name="connsiteX11" fmla="*/ 1334908 w 4571999"/>
+                  <a:gd name="connsiteY11" fmla="*/ 1805409 h 3186113"/>
+                  <a:gd name="connsiteX12" fmla="*/ 1813316 w 4571999"/>
+                  <a:gd name="connsiteY12" fmla="*/ 2519862 h 3186113"/>
+                  <a:gd name="connsiteX13" fmla="*/ 2787262 w 4571999"/>
+                  <a:gd name="connsiteY13" fmla="*/ 2519862 h 3186113"/>
+                  <a:gd name="connsiteX14" fmla="*/ 3265670 w 4571999"/>
+                  <a:gd name="connsiteY14" fmla="*/ 1805408 h 3186113"/>
+                  <a:gd name="connsiteX15" fmla="*/ 3274235 w 4571999"/>
+                  <a:gd name="connsiteY15" fmla="*/ 1676401 h 3186113"/>
+                  <a:gd name="connsiteX16" fmla="*/ 3257551 w 4571999"/>
+                  <a:gd name="connsiteY16" fmla="*/ 1676401 h 3186113"/>
+                  <a:gd name="connsiteX17" fmla="*/ 3257551 w 4571999"/>
+                  <a:gd name="connsiteY17" fmla="*/ 38101 h 3186113"/>
+                  <a:gd name="connsiteX18" fmla="*/ 3641876 w 4571999"/>
+                  <a:gd name="connsiteY18" fmla="*/ 38101 h 3186113"/>
+                  <a:gd name="connsiteX19" fmla="*/ 3641981 w 4571999"/>
+                  <a:gd name="connsiteY19" fmla="*/ 9532 h 3186113"/>
+                  <a:gd name="connsiteX20" fmla="*/ 4571998 w 4571999"/>
+                  <a:gd name="connsiteY20" fmla="*/ 944692 h 3186113"/>
+                  <a:gd name="connsiteX21" fmla="*/ 3826441 w 4571999"/>
+                  <a:gd name="connsiteY21" fmla="*/ 1857508 h 3186113"/>
+                  <a:gd name="connsiteX22" fmla="*/ 3797686 w 4571999"/>
+                  <a:gd name="connsiteY22" fmla="*/ 1861891 h 3186113"/>
+                  <a:gd name="connsiteX23" fmla="*/ 3796725 w 4571999"/>
+                  <a:gd name="connsiteY23" fmla="*/ 1876376 h 3186113"/>
+                  <a:gd name="connsiteX24" fmla="*/ 3055144 w 4571999"/>
+                  <a:gd name="connsiteY24" fmla="*/ 2983850 h 3186113"/>
+                  <a:gd name="connsiteX25" fmla="*/ 2300287 w 4571999"/>
+                  <a:gd name="connsiteY25" fmla="*/ 3186113 h 3186113"/>
+                </a:gdLst>
+                <a:ahLst/>
+                <a:cxnLst>
+                  <a:cxn ang="0">
+                    <a:pos x="connsiteX0" y="connsiteY0"/>
+                  </a:cxn>
+                  <a:cxn ang="0">
+                    <a:pos x="connsiteX1" y="connsiteY1"/>
+                  </a:cxn>
+                  <a:cxn ang="0">
+                    <a:pos x="connsiteX2" y="connsiteY2"/>
+                  </a:cxn>
+                  <a:cxn ang="0">
+                    <a:pos x="connsiteX3" y="connsiteY3"/>
+                  </a:cxn>
+                  <a:cxn ang="0">
+                    <a:pos x="connsiteX4" y="connsiteY4"/>
+                  </a:cxn>
+                  <a:cxn ang="0">
+                    <a:pos x="connsiteX5" y="connsiteY5"/>
+                  </a:cxn>
+                  <a:cxn ang="0">
+                    <a:pos x="connsiteX6" y="connsiteY6"/>
+                  </a:cxn>
+                  <a:cxn ang="0">
+                    <a:pos x="connsiteX7" y="connsiteY7"/>
+                  </a:cxn>
+                  <a:cxn ang="0">
+                    <a:pos x="connsiteX8" y="connsiteY8"/>
+                  </a:cxn>
+                  <a:cxn ang="0">
+                    <a:pos x="connsiteX9" y="connsiteY9"/>
+                  </a:cxn>
+                  <a:cxn ang="0">
+                    <a:pos x="connsiteX10" y="connsiteY10"/>
+                  </a:cxn>
+                  <a:cxn ang="0">
+                    <a:pos x="connsiteX11" y="connsiteY11"/>
+                  </a:cxn>
+                  <a:cxn ang="0">
+                    <a:pos x="connsiteX12" y="connsiteY12"/>
+                  </a:cxn>
+                  <a:cxn ang="0">
+                    <a:pos x="connsiteX13" y="connsiteY13"/>
+                  </a:cxn>
+                  <a:cxn ang="0">
+                    <a:pos x="connsiteX14" y="connsiteY14"/>
+                  </a:cxn>
+                  <a:cxn ang="0">
+                    <a:pos x="connsiteX15" y="connsiteY15"/>
+                  </a:cxn>
+                  <a:cxn ang="0">
+                    <a:pos x="connsiteX16" y="connsiteY16"/>
+                  </a:cxn>
+                  <a:cxn ang="0">
+                    <a:pos x="connsiteX17" y="connsiteY17"/>
+                  </a:cxn>
+                  <a:cxn ang="0">
+                    <a:pos x="connsiteX18" y="connsiteY18"/>
+                  </a:cxn>
+                  <a:cxn ang="0">
+                    <a:pos x="connsiteX19" y="connsiteY19"/>
+                  </a:cxn>
+                  <a:cxn ang="0">
+                    <a:pos x="connsiteX20" y="connsiteY20"/>
+                  </a:cxn>
+                  <a:cxn ang="0">
+                    <a:pos x="connsiteX21" y="connsiteY21"/>
+                  </a:cxn>
+                  <a:cxn ang="0">
+                    <a:pos x="connsiteX22" y="connsiteY22"/>
+                  </a:cxn>
+                  <a:cxn ang="0">
+                    <a:pos x="connsiteX23" y="connsiteY23"/>
+                  </a:cxn>
+                  <a:cxn ang="0">
+                    <a:pos x="connsiteX24" y="connsiteY24"/>
+                  </a:cxn>
+                  <a:cxn ang="0">
+                    <a:pos x="connsiteX25" y="connsiteY25"/>
+                  </a:cxn>
+                </a:cxnLst>
+                <a:rect l="l" t="t" r="r" b="b"/>
+                <a:pathLst>
+                  <a:path w="4571999" h="3186113">
+                    <a:moveTo>
+                      <a:pt x="2300287" y="3186113"/>
+                    </a:moveTo>
+                    <a:cubicBezTo>
+                      <a:pt x="2039635" y="3186113"/>
+                      <a:pt x="1778984" y="3118692"/>
+                      <a:pt x="1545431" y="2983849"/>
+                    </a:cubicBezTo>
+                    <a:cubicBezTo>
+                      <a:pt x="1136712" y="2747876"/>
+                      <a:pt x="865315" y="2336793"/>
+                      <a:pt x="803852" y="1876375"/>
+                    </a:cubicBezTo>
+                    <a:lnTo>
+                      <a:pt x="802546" y="1856711"/>
+                    </a:lnTo>
+                    <a:lnTo>
+                      <a:pt x="742197" y="1847285"/>
+                    </a:lnTo>
+                    <a:cubicBezTo>
+                      <a:pt x="317651" y="1758892"/>
+                      <a:pt x="-827" y="1382237"/>
+                      <a:pt x="1" y="931734"/>
+                    </a:cubicBezTo>
+                    <a:cubicBezTo>
+                      <a:pt x="948" y="416875"/>
+                      <a:pt x="418589" y="0"/>
+                      <a:pt x="933450" y="0"/>
+                    </a:cubicBezTo>
+                    <a:lnTo>
+                      <a:pt x="933450" y="38101"/>
+                    </a:lnTo>
+                    <a:lnTo>
+                      <a:pt x="1343026" y="38101"/>
+                    </a:lnTo>
+                    <a:lnTo>
+                      <a:pt x="1343026" y="1676401"/>
+                    </a:lnTo>
+                    <a:lnTo>
+                      <a:pt x="1326343" y="1676401"/>
+                    </a:lnTo>
+                    <a:lnTo>
+                      <a:pt x="1334908" y="1805409"/>
+                    </a:lnTo>
+                    <a:cubicBezTo>
+                      <a:pt x="1374559" y="2102433"/>
+                      <a:pt x="1549644" y="2367631"/>
+                      <a:pt x="1813316" y="2519862"/>
+                    </a:cubicBezTo>
+                    <a:cubicBezTo>
+                      <a:pt x="2114656" y="2693841"/>
+                      <a:pt x="2485922" y="2693841"/>
+                      <a:pt x="2787262" y="2519862"/>
+                    </a:cubicBezTo>
+                    <a:cubicBezTo>
+                      <a:pt x="3050934" y="2367630"/>
+                      <a:pt x="3226019" y="2102433"/>
+                      <a:pt x="3265670" y="1805408"/>
+                    </a:cubicBezTo>
+                    <a:lnTo>
+                      <a:pt x="3274235" y="1676401"/>
+                    </a:lnTo>
+                    <a:lnTo>
+                      <a:pt x="3257551" y="1676401"/>
+                    </a:lnTo>
+                    <a:lnTo>
+                      <a:pt x="3257551" y="38101"/>
+                    </a:lnTo>
+                    <a:lnTo>
+                      <a:pt x="3641876" y="38101"/>
+                    </a:lnTo>
+                    <a:lnTo>
+                      <a:pt x="3641981" y="9532"/>
+                    </a:lnTo>
+                    <a:cubicBezTo>
+                      <a:pt x="4156838" y="11425"/>
+                      <a:pt x="4572944" y="429832"/>
+                      <a:pt x="4571998" y="944692"/>
+                    </a:cubicBezTo>
+                    <a:cubicBezTo>
+                      <a:pt x="4571170" y="1395194"/>
+                      <a:pt x="4251310" y="1770676"/>
+                      <a:pt x="3826441" y="1857508"/>
+                    </a:cubicBezTo>
+                    <a:lnTo>
+                      <a:pt x="3797686" y="1861891"/>
+                    </a:lnTo>
+                    <a:lnTo>
+                      <a:pt x="3796725" y="1876376"/>
+                    </a:lnTo>
+                    <a:cubicBezTo>
+                      <a:pt x="3735261" y="2336795"/>
+                      <a:pt x="3463863" y="2747876"/>
+                      <a:pt x="3055144" y="2983850"/>
+                    </a:cubicBezTo>
+                    <a:cubicBezTo>
+                      <a:pt x="2821590" y="3118692"/>
+                      <a:pt x="2560939" y="3186113"/>
+                      <a:pt x="2300287" y="3186113"/>
+                    </a:cubicBezTo>
+                    <a:close/>
+                  </a:path>
+                </a:pathLst>
+              </a:custGeom>
+              <a:solidFill>
+                <a:schemeClr val="bg1"/>
+              </a:solidFill>
+              <a:ln>
+                <a:noFill/>
+              </a:ln>
+              <a:scene3d>
+                <a:camera prst="orthographicFront"/>
+                <a:lightRig rig="threePt" dir="t"/>
+              </a:scene3d>
+              <a:sp3d prstMaterial="metal"/>
+            </p:spPr>
+            <p:style>
+              <a:lnRef idx="2">
+                <a:schemeClr val="accent1">
+                  <a:shade val="50000"/>
+                </a:schemeClr>
+              </a:lnRef>
+              <a:fillRef idx="1">
+                <a:schemeClr val="accent1"/>
+              </a:fillRef>
+              <a:effectRef idx="0">
+                <a:schemeClr val="accent1"/>
+              </a:effectRef>
+              <a:fontRef idx="minor">
+                <a:schemeClr val="lt1"/>
+              </a:fontRef>
+            </p:style>
+            <p:txBody>
+              <a:bodyPr wrap="square" rtlCol="0" anchor="ctr">
+                <a:noAutofit/>
+              </a:bodyPr>
+              <a:lstStyle/>
+              <a:p>
+                <a:pPr algn="ctr"/>
+                <a:endParaRPr lang="zh-CN" altLang="en-US">
+                  <a:solidFill>
+                    <a:schemeClr val="tx1"/>
+                  </a:solidFill>
+                </a:endParaRPr>
+              </a:p>
+            </p:txBody>
+          </p:sp>
+          <p:sp>
+            <p:nvSpPr>
+              <p:cNvPr id="19" name="箭头: 下 18">
+                <a:extLst>
+                  <a:ext uri="{FF2B5EF4-FFF2-40B4-BE49-F238E27FC236}">
+                    <a16:creationId xmlns:a16="http://schemas.microsoft.com/office/drawing/2014/main" id="{8AFEAF35-C48C-419D-A92D-76A2122DE8BF}"/>
+                  </a:ext>
+                </a:extLst>
+              </p:cNvPr>
+              <p:cNvSpPr/>
+              <p:nvPr/>
+            </p:nvSpPr>
+            <p:spPr>
+              <a:xfrm>
+                <a:off x="10124182" y="1695450"/>
+                <a:ext cx="457200" cy="1514475"/>
+              </a:xfrm>
+              <a:prstGeom prst="downArrow">
+                <a:avLst>
+                  <a:gd name="adj1" fmla="val 50517"/>
+                  <a:gd name="adj2" fmla="val 139719"/>
+                </a:avLst>
+              </a:prstGeom>
+              <a:solidFill>
+                <a:schemeClr val="bg1"/>
+              </a:solidFill>
+              <a:ln>
+                <a:noFill/>
+              </a:ln>
+              <a:scene3d>
+                <a:camera prst="orthographicFront"/>
+                <a:lightRig rig="threePt" dir="t"/>
+              </a:scene3d>
+              <a:sp3d prstMaterial="metal"/>
+            </p:spPr>
+            <p:style>
+              <a:lnRef idx="2">
+                <a:schemeClr val="accent1">
+                  <a:shade val="50000"/>
+                </a:schemeClr>
+              </a:lnRef>
+              <a:fillRef idx="1">
+                <a:schemeClr val="accent1"/>
+              </a:fillRef>
+              <a:effectRef idx="0">
+                <a:schemeClr val="accent1"/>
+              </a:effectRef>
+              <a:fontRef idx="minor">
+                <a:schemeClr val="lt1"/>
+              </a:fontRef>
+            </p:style>
+            <p:txBody>
+              <a:bodyPr rtlCol="0" anchor="ctr"/>
+              <a:lstStyle/>
+              <a:p>
+                <a:pPr algn="ctr"/>
+                <a:endParaRPr lang="zh-CN" altLang="en-US"/>
+              </a:p>
+            </p:txBody>
+          </p:sp>
+          <p:sp>
+            <p:nvSpPr>
+              <p:cNvPr id="20" name="箭头: 下 19">
+                <a:extLst>
+                  <a:ext uri="{FF2B5EF4-FFF2-40B4-BE49-F238E27FC236}">
+                    <a16:creationId xmlns:a16="http://schemas.microsoft.com/office/drawing/2014/main" id="{6B73D1F7-D958-442E-8544-3F81ED05544D}"/>
+                  </a:ext>
+                </a:extLst>
+              </p:cNvPr>
+              <p:cNvSpPr/>
+              <p:nvPr/>
+            </p:nvSpPr>
+            <p:spPr>
+              <a:xfrm rot="10800000">
+                <a:off x="11010007" y="1695450"/>
+                <a:ext cx="457200" cy="1514475"/>
+              </a:xfrm>
+              <a:prstGeom prst="downArrow">
+                <a:avLst>
+                  <a:gd name="adj1" fmla="val 50517"/>
+                  <a:gd name="adj2" fmla="val 139719"/>
+                </a:avLst>
+              </a:prstGeom>
+              <a:solidFill>
+                <a:schemeClr val="bg1"/>
+              </a:solidFill>
+              <a:ln>
+                <a:noFill/>
+              </a:ln>
+              <a:scene3d>
+                <a:camera prst="orthographicFront"/>
+                <a:lightRig rig="threePt" dir="t"/>
+              </a:scene3d>
+              <a:sp3d prstMaterial="metal"/>
+            </p:spPr>
+            <p:style>
+              <a:lnRef idx="2">
+                <a:schemeClr val="accent1">
+                  <a:shade val="50000"/>
+                </a:schemeClr>
+              </a:lnRef>
+              <a:fillRef idx="1">
+                <a:schemeClr val="accent1"/>
+              </a:fillRef>
+              <a:effectRef idx="0">
+                <a:schemeClr val="accent1"/>
+              </a:effectRef>
+              <a:fontRef idx="minor">
+                <a:schemeClr val="lt1"/>
+              </a:fontRef>
+            </p:style>
+            <p:txBody>
+              <a:bodyPr rtlCol="0" anchor="ctr"/>
+              <a:lstStyle/>
+              <a:p>
+                <a:pPr algn="ctr"/>
+                <a:endParaRPr lang="zh-CN" altLang="en-US"/>
+              </a:p>
+            </p:txBody>
+          </p:sp>
+        </p:grpSp>
+      </p:grpSp>
+      <p:sp>
+        <p:nvSpPr>
+          <p:cNvPr id="31" name="任意多边形: 形状 30">
+            <a:extLst>
+              <a:ext uri="{FF2B5EF4-FFF2-40B4-BE49-F238E27FC236}">
+                <a16:creationId xmlns:a16="http://schemas.microsoft.com/office/drawing/2014/main" id="{6B97B7B2-73C6-43E5-8755-AFD6715F1ED9}"/>
+              </a:ext>
+            </a:extLst>
+          </p:cNvPr>
+          <p:cNvSpPr/>
+          <p:nvPr/>
+        </p:nvSpPr>
+        <p:spPr>
+          <a:xfrm rot="10800000">
+            <a:off x="5842347" y="1854430"/>
+            <a:ext cx="4218654" cy="2710990"/>
+          </a:xfrm>
+          <a:custGeom>
+            <a:avLst/>
+            <a:gdLst>
+              <a:gd name="connsiteX0" fmla="*/ 497954 w 4218654"/>
+              <a:gd name="connsiteY0" fmla="*/ 2077859 h 2710990"/>
+              <a:gd name="connsiteX1" fmla="*/ 704431 w 4218654"/>
+              <a:gd name="connsiteY1" fmla="*/ 1500882 h 2710990"/>
+              <a:gd name="connsiteX2" fmla="*/ 602260 w 4218654"/>
+              <a:gd name="connsiteY2" fmla="*/ 1500882 h 2710990"/>
+              <a:gd name="connsiteX3" fmla="*/ 602260 w 4218654"/>
+              <a:gd name="connsiteY3" fmla="*/ 709946 h 2710990"/>
+              <a:gd name="connsiteX4" fmla="*/ 393647 w 4218654"/>
+              <a:gd name="connsiteY4" fmla="*/ 709946 h 2710990"/>
+              <a:gd name="connsiteX5" fmla="*/ 393647 w 4218654"/>
+              <a:gd name="connsiteY5" fmla="*/ 1500882 h 2710990"/>
+              <a:gd name="connsiteX6" fmla="*/ 291476 w 4218654"/>
+              <a:gd name="connsiteY6" fmla="*/ 1500882 h 2710990"/>
+              <a:gd name="connsiteX7" fmla="*/ 1402360 w 4218654"/>
+              <a:gd name="connsiteY7" fmla="*/ 2077859 h 2710990"/>
+              <a:gd name="connsiteX8" fmla="*/ 1402360 w 4218654"/>
+              <a:gd name="connsiteY8" fmla="*/ 1286923 h 2710990"/>
+              <a:gd name="connsiteX9" fmla="*/ 1504531 w 4218654"/>
+              <a:gd name="connsiteY9" fmla="*/ 1286923 h 2710990"/>
+              <a:gd name="connsiteX10" fmla="*/ 1298053 w 4218654"/>
+              <a:gd name="connsiteY10" fmla="*/ 709946 h 2710990"/>
+              <a:gd name="connsiteX11" fmla="*/ 1091576 w 4218654"/>
+              <a:gd name="connsiteY11" fmla="*/ 1286923 h 2710990"/>
+              <a:gd name="connsiteX12" fmla="*/ 1193747 w 4218654"/>
+              <a:gd name="connsiteY12" fmla="*/ 1286923 h 2710990"/>
+              <a:gd name="connsiteX13" fmla="*/ 1193747 w 4218654"/>
+              <a:gd name="connsiteY13" fmla="*/ 2077859 h 2710990"/>
+              <a:gd name="connsiteX14" fmla="*/ 2849105 w 4218654"/>
+              <a:gd name="connsiteY14" fmla="*/ 2241319 h 2710990"/>
+              <a:gd name="connsiteX15" fmla="*/ 3228226 w 4218654"/>
+              <a:gd name="connsiteY15" fmla="*/ 2139734 h 2710990"/>
+              <a:gd name="connsiteX16" fmla="*/ 3600679 w 4218654"/>
+              <a:gd name="connsiteY16" fmla="*/ 1583515 h 2710990"/>
+              <a:gd name="connsiteX17" fmla="*/ 3601162 w 4218654"/>
+              <a:gd name="connsiteY17" fmla="*/ 1576240 h 2710990"/>
+              <a:gd name="connsiteX18" fmla="*/ 3615604 w 4218654"/>
+              <a:gd name="connsiteY18" fmla="*/ 1574038 h 2710990"/>
+              <a:gd name="connsiteX19" fmla="*/ 3990054 w 4218654"/>
+              <a:gd name="connsiteY19" fmla="*/ 1115584 h 2710990"/>
+              <a:gd name="connsiteX20" fmla="*/ 3522960 w 4218654"/>
+              <a:gd name="connsiteY20" fmla="*/ 645907 h 2710990"/>
+              <a:gd name="connsiteX21" fmla="*/ 3522908 w 4218654"/>
+              <a:gd name="connsiteY21" fmla="*/ 660256 h 2710990"/>
+              <a:gd name="connsiteX22" fmla="*/ 3329883 w 4218654"/>
+              <a:gd name="connsiteY22" fmla="*/ 660256 h 2710990"/>
+              <a:gd name="connsiteX23" fmla="*/ 3329883 w 4218654"/>
+              <a:gd name="connsiteY23" fmla="*/ 1483079 h 2710990"/>
+              <a:gd name="connsiteX24" fmla="*/ 3338263 w 4218654"/>
+              <a:gd name="connsiteY24" fmla="*/ 1483079 h 2710990"/>
+              <a:gd name="connsiteX25" fmla="*/ 3333961 w 4218654"/>
+              <a:gd name="connsiteY25" fmla="*/ 1547871 h 2710990"/>
+              <a:gd name="connsiteX26" fmla="*/ 3093685 w 4218654"/>
+              <a:gd name="connsiteY26" fmla="*/ 1906700 h 2710990"/>
+              <a:gd name="connsiteX27" fmla="*/ 2604528 w 4218654"/>
+              <a:gd name="connsiteY27" fmla="*/ 1906700 h 2710990"/>
+              <a:gd name="connsiteX28" fmla="*/ 2364252 w 4218654"/>
+              <a:gd name="connsiteY28" fmla="*/ 1547872 h 2710990"/>
+              <a:gd name="connsiteX29" fmla="*/ 2359950 w 4218654"/>
+              <a:gd name="connsiteY29" fmla="*/ 1483079 h 2710990"/>
+              <a:gd name="connsiteX30" fmla="*/ 2368329 w 4218654"/>
+              <a:gd name="connsiteY30" fmla="*/ 1483079 h 2710990"/>
+              <a:gd name="connsiteX31" fmla="*/ 2368329 w 4218654"/>
+              <a:gd name="connsiteY31" fmla="*/ 660256 h 2710990"/>
+              <a:gd name="connsiteX32" fmla="*/ 2162623 w 4218654"/>
+              <a:gd name="connsiteY32" fmla="*/ 660256 h 2710990"/>
+              <a:gd name="connsiteX33" fmla="*/ 2162623 w 4218654"/>
+              <a:gd name="connsiteY33" fmla="*/ 641120 h 2710990"/>
+              <a:gd name="connsiteX34" fmla="*/ 1693806 w 4218654"/>
+              <a:gd name="connsiteY34" fmla="*/ 1109076 h 2710990"/>
+              <a:gd name="connsiteX35" fmla="*/ 2066568 w 4218654"/>
+              <a:gd name="connsiteY35" fmla="*/ 1568904 h 2710990"/>
+              <a:gd name="connsiteX36" fmla="*/ 2096877 w 4218654"/>
+              <a:gd name="connsiteY36" fmla="*/ 1573638 h 2710990"/>
+              <a:gd name="connsiteX37" fmla="*/ 2097533 w 4218654"/>
+              <a:gd name="connsiteY37" fmla="*/ 1583514 h 2710990"/>
+              <a:gd name="connsiteX38" fmla="*/ 2469985 w 4218654"/>
+              <a:gd name="connsiteY38" fmla="*/ 2139734 h 2710990"/>
+              <a:gd name="connsiteX39" fmla="*/ 2849105 w 4218654"/>
+              <a:gd name="connsiteY39" fmla="*/ 2241319 h 2710990"/>
+              <a:gd name="connsiteX40" fmla="*/ 3766813 w 4218654"/>
+              <a:gd name="connsiteY40" fmla="*/ 2710990 h 2710990"/>
+              <a:gd name="connsiteX41" fmla="*/ 0 w 4218654"/>
+              <a:gd name="connsiteY41" fmla="*/ 2710990 h 2710990"/>
+              <a:gd name="connsiteX42" fmla="*/ 0 w 4218654"/>
+              <a:gd name="connsiteY42" fmla="*/ 451841 h 2710990"/>
+              <a:gd name="connsiteX43" fmla="*/ 451841 w 4218654"/>
+              <a:gd name="connsiteY43" fmla="*/ 0 h 2710990"/>
+              <a:gd name="connsiteX44" fmla="*/ 4218654 w 4218654"/>
+              <a:gd name="connsiteY44" fmla="*/ 0 h 2710990"/>
+              <a:gd name="connsiteX45" fmla="*/ 4218654 w 4218654"/>
+              <a:gd name="connsiteY45" fmla="*/ 2259149 h 2710990"/>
+            </a:gdLst>
+            <a:ahLst/>
+            <a:cxnLst>
+              <a:cxn ang="0">
+                <a:pos x="connsiteX0" y="connsiteY0"/>
+              </a:cxn>
+              <a:cxn ang="0">
+                <a:pos x="connsiteX1" y="connsiteY1"/>
+              </a:cxn>
+              <a:cxn ang="0">
+                <a:pos x="connsiteX2" y="connsiteY2"/>
+              </a:cxn>
+              <a:cxn ang="0">
+                <a:pos x="connsiteX3" y="connsiteY3"/>
+              </a:cxn>
+              <a:cxn ang="0">
+                <a:pos x="connsiteX4" y="connsiteY4"/>
+              </a:cxn>
+              <a:cxn ang="0">
+                <a:pos x="connsiteX5" y="connsiteY5"/>
+              </a:cxn>
+              <a:cxn ang="0">
+                <a:pos x="connsiteX6" y="connsiteY6"/>
+              </a:cxn>
+              <a:cxn ang="0">
+                <a:pos x="connsiteX7" y="connsiteY7"/>
+              </a:cxn>
+              <a:cxn ang="0">
+                <a:pos x="connsiteX8" y="connsiteY8"/>
+              </a:cxn>
+              <a:cxn ang="0">
+                <a:pos x="connsiteX9" y="connsiteY9"/>
+              </a:cxn>
+              <a:cxn ang="0">
+                <a:pos x="connsiteX10" y="connsiteY10"/>
+              </a:cxn>
+              <a:cxn ang="0">
+                <a:pos x="connsiteX11" y="connsiteY11"/>
+              </a:cxn>
+              <a:cxn ang="0">
+                <a:pos x="connsiteX12" y="connsiteY12"/>
+              </a:cxn>
+              <a:cxn ang="0">
+                <a:pos x="connsiteX13" y="connsiteY13"/>
+              </a:cxn>
+              <a:cxn ang="0">
+                <a:pos x="connsiteX14" y="connsiteY14"/>
+              </a:cxn>
+              <a:cxn ang="0">
+                <a:pos x="connsiteX15" y="connsiteY15"/>
+              </a:cxn>
+              <a:cxn ang="0">
+                <a:pos x="connsiteX16" y="connsiteY16"/>
+              </a:cxn>
+              <a:cxn ang="0">
+                <a:pos x="connsiteX17" y="connsiteY17"/>
+              </a:cxn>
+              <a:cxn ang="0">
+                <a:pos x="connsiteX18" y="connsiteY18"/>
+              </a:cxn>
+              <a:cxn ang="0">
+                <a:pos x="connsiteX19" y="connsiteY19"/>
+              </a:cxn>
+              <a:cxn ang="0">
+                <a:pos x="connsiteX20" y="connsiteY20"/>
+              </a:cxn>
+              <a:cxn ang="0">
+                <a:pos x="connsiteX21" y="connsiteY21"/>
+              </a:cxn>
+              <a:cxn ang="0">
+                <a:pos x="connsiteX22" y="connsiteY22"/>
+              </a:cxn>
+              <a:cxn ang="0">
+                <a:pos x="connsiteX23" y="connsiteY23"/>
+              </a:cxn>
+              <a:cxn ang="0">
+                <a:pos x="connsiteX24" y="connsiteY24"/>
+              </a:cxn>
+              <a:cxn ang="0">
+                <a:pos x="connsiteX25" y="connsiteY25"/>
+              </a:cxn>
+              <a:cxn ang="0">
+                <a:pos x="connsiteX26" y="connsiteY26"/>
+              </a:cxn>
+              <a:cxn ang="0">
+                <a:pos x="connsiteX27" y="connsiteY27"/>
+              </a:cxn>
+              <a:cxn ang="0">
+                <a:pos x="connsiteX28" y="connsiteY28"/>
+              </a:cxn>
+              <a:cxn ang="0">
+                <a:pos x="connsiteX29" y="connsiteY29"/>
+              </a:cxn>
+              <a:cxn ang="0">
+                <a:pos x="connsiteX30" y="connsiteY30"/>
+              </a:cxn>
+              <a:cxn ang="0">
+                <a:pos x="connsiteX31" y="connsiteY31"/>
+              </a:cxn>
+              <a:cxn ang="0">
+                <a:pos x="connsiteX32" y="connsiteY32"/>
+              </a:cxn>
+              <a:cxn ang="0">
+                <a:pos x="connsiteX33" y="connsiteY33"/>
+              </a:cxn>
+              <a:cxn ang="0">
+                <a:pos x="connsiteX34" y="connsiteY34"/>
+              </a:cxn>
+              <a:cxn ang="0">
+                <a:pos x="connsiteX35" y="connsiteY35"/>
+              </a:cxn>
+              <a:cxn ang="0">
+                <a:pos x="connsiteX36" y="connsiteY36"/>
+              </a:cxn>
+              <a:cxn ang="0">
+                <a:pos x="connsiteX37" y="connsiteY37"/>
+              </a:cxn>
+              <a:cxn ang="0">
+                <a:pos x="connsiteX38" y="connsiteY38"/>
+              </a:cxn>
+              <a:cxn ang="0">
+                <a:pos x="connsiteX39" y="connsiteY39"/>
+              </a:cxn>
+              <a:cxn ang="0">
+                <a:pos x="connsiteX40" y="connsiteY40"/>
+              </a:cxn>
+              <a:cxn ang="0">
+                <a:pos x="connsiteX41" y="connsiteY41"/>
+              </a:cxn>
+              <a:cxn ang="0">
+                <a:pos x="connsiteX42" y="connsiteY42"/>
+              </a:cxn>
+              <a:cxn ang="0">
+                <a:pos x="connsiteX43" y="connsiteY43"/>
+              </a:cxn>
+              <a:cxn ang="0">
+                <a:pos x="connsiteX44" y="connsiteY44"/>
+              </a:cxn>
+              <a:cxn ang="0">
+                <a:pos x="connsiteX45" y="connsiteY45"/>
+              </a:cxn>
+            </a:cxnLst>
+            <a:rect l="l" t="t" r="r" b="b"/>
+            <a:pathLst>
+              <a:path w="4218654" h="2710990">
+                <a:moveTo>
+                  <a:pt x="497954" y="2077859"/>
+                </a:moveTo>
+                <a:lnTo>
+                  <a:pt x="704431" y="1500882"/>
+                </a:lnTo>
+                <a:lnTo>
+                  <a:pt x="602260" y="1500882"/>
+                </a:lnTo>
+                <a:lnTo>
+                  <a:pt x="602260" y="709946"/>
+                </a:lnTo>
+                <a:lnTo>
+                  <a:pt x="393647" y="709946"/>
+                </a:lnTo>
+                <a:lnTo>
+                  <a:pt x="393647" y="1500882"/>
+                </a:lnTo>
+                <a:lnTo>
+                  <a:pt x="291476" y="1500882"/>
+                </a:lnTo>
+                <a:close/>
+                <a:moveTo>
+                  <a:pt x="1402360" y="2077859"/>
+                </a:moveTo>
+                <a:lnTo>
+                  <a:pt x="1402360" y="1286923"/>
+                </a:lnTo>
+                <a:lnTo>
+                  <a:pt x="1504531" y="1286923"/>
+                </a:lnTo>
+                <a:lnTo>
+                  <a:pt x="1298053" y="709946"/>
+                </a:lnTo>
+                <a:lnTo>
+                  <a:pt x="1091576" y="1286923"/>
+                </a:lnTo>
+                <a:lnTo>
+                  <a:pt x="1193747" y="1286923"/>
+                </a:lnTo>
+                <a:lnTo>
+                  <a:pt x="1193747" y="2077859"/>
+                </a:lnTo>
+                <a:close/>
+                <a:moveTo>
+                  <a:pt x="2849105" y="2241319"/>
+                </a:moveTo>
+                <a:cubicBezTo>
+                  <a:pt x="2980016" y="2241319"/>
+                  <a:pt x="3110926" y="2207458"/>
+                  <a:pt x="3228226" y="2139734"/>
+                </a:cubicBezTo>
+                <a:cubicBezTo>
+                  <a:pt x="3433502" y="2021218"/>
+                  <a:pt x="3569809" y="1814756"/>
+                  <a:pt x="3600679" y="1583515"/>
+                </a:cubicBezTo>
+                <a:lnTo>
+                  <a:pt x="3601162" y="1576240"/>
+                </a:lnTo>
+                <a:lnTo>
+                  <a:pt x="3615604" y="1574038"/>
+                </a:lnTo>
+                <a:cubicBezTo>
+                  <a:pt x="3828991" y="1530428"/>
+                  <a:pt x="3989638" y="1341845"/>
+                  <a:pt x="3990054" y="1115584"/>
+                </a:cubicBezTo>
+                <a:cubicBezTo>
+                  <a:pt x="3990529" y="857000"/>
+                  <a:pt x="3781543" y="646858"/>
+                  <a:pt x="3522960" y="645907"/>
+                </a:cubicBezTo>
+                <a:lnTo>
+                  <a:pt x="3522908" y="660256"/>
+                </a:lnTo>
+                <a:lnTo>
+                  <a:pt x="3329883" y="660256"/>
+                </a:lnTo>
+                <a:lnTo>
+                  <a:pt x="3329883" y="1483079"/>
+                </a:lnTo>
+                <a:lnTo>
+                  <a:pt x="3338263" y="1483079"/>
+                </a:lnTo>
+                <a:lnTo>
+                  <a:pt x="3333961" y="1547871"/>
+                </a:lnTo>
+                <a:cubicBezTo>
+                  <a:pt x="3314047" y="1697050"/>
+                  <a:pt x="3226112" y="1830243"/>
+                  <a:pt x="3093685" y="1906700"/>
+                </a:cubicBezTo>
+                <a:cubicBezTo>
+                  <a:pt x="2942339" y="1994080"/>
+                  <a:pt x="2755874" y="1994080"/>
+                  <a:pt x="2604528" y="1906700"/>
+                </a:cubicBezTo>
+                <a:cubicBezTo>
+                  <a:pt x="2472101" y="1830243"/>
+                  <a:pt x="2384166" y="1697050"/>
+                  <a:pt x="2364252" y="1547872"/>
+                </a:cubicBezTo>
+                <a:lnTo>
+                  <a:pt x="2359950" y="1483079"/>
+                </a:lnTo>
+                <a:lnTo>
+                  <a:pt x="2368329" y="1483079"/>
+                </a:lnTo>
+                <a:lnTo>
+                  <a:pt x="2368329" y="660256"/>
+                </a:lnTo>
+                <a:lnTo>
+                  <a:pt x="2162623" y="660256"/>
+                </a:lnTo>
+                <a:lnTo>
+                  <a:pt x="2162623" y="641120"/>
+                </a:lnTo>
+                <a:cubicBezTo>
+                  <a:pt x="1904038" y="641120"/>
+                  <a:pt x="1694281" y="850492"/>
+                  <a:pt x="1693806" y="1109076"/>
+                </a:cubicBezTo>
+                <a:cubicBezTo>
+                  <a:pt x="1693390" y="1335337"/>
+                  <a:pt x="1853343" y="1524509"/>
+                  <a:pt x="2066568" y="1568904"/>
+                </a:cubicBezTo>
+                <a:lnTo>
+                  <a:pt x="2096877" y="1573638"/>
+                </a:lnTo>
+                <a:lnTo>
+                  <a:pt x="2097533" y="1583514"/>
+                </a:lnTo>
+                <a:cubicBezTo>
+                  <a:pt x="2128403" y="1814755"/>
+                  <a:pt x="2264709" y="2021218"/>
+                  <a:pt x="2469985" y="2139734"/>
+                </a:cubicBezTo>
+                <a:cubicBezTo>
+                  <a:pt x="2587285" y="2207458"/>
+                  <a:pt x="2718195" y="2241319"/>
+                  <a:pt x="2849105" y="2241319"/>
+                </a:cubicBezTo>
+                <a:close/>
+                <a:moveTo>
+                  <a:pt x="3766813" y="2710990"/>
+                </a:moveTo>
+                <a:lnTo>
+                  <a:pt x="0" y="2710990"/>
+                </a:lnTo>
+                <a:lnTo>
+                  <a:pt x="0" y="451841"/>
+                </a:lnTo>
+                <a:lnTo>
+                  <a:pt x="451841" y="0"/>
+                </a:lnTo>
+                <a:lnTo>
+                  <a:pt x="4218654" y="0"/>
+                </a:lnTo>
+                <a:lnTo>
+                  <a:pt x="4218654" y="2259149"/>
+                </a:lnTo>
+                <a:close/>
+              </a:path>
+            </a:pathLst>
+          </a:custGeom>
+          <a:solidFill>
+            <a:schemeClr val="bg1">
+              <a:lumMod val="50000"/>
+            </a:schemeClr>
+          </a:solidFill>
+          <a:ln>
+            <a:noFill/>
+          </a:ln>
+          <a:scene3d>
+            <a:camera prst="orthographicFront"/>
+            <a:lightRig rig="threePt" dir="t"/>
+          </a:scene3d>
+          <a:sp3d prstMaterial="metal"/>
+        </p:spPr>
+        <p:style>
+          <a:lnRef idx="2">
+            <a:schemeClr val="accent1">
+              <a:shade val="50000"/>
+            </a:schemeClr>
+          </a:lnRef>
+          <a:fillRef idx="1">
+            <a:schemeClr val="accent1"/>
+          </a:fillRef>
+          <a:effectRef idx="0">
+            <a:schemeClr val="accent1"/>
+          </a:effectRef>
+          <a:fontRef idx="minor">
+            <a:schemeClr val="lt1"/>
+          </a:fontRef>
+        </p:style>
+        <p:txBody>
+          <a:bodyPr wrap="square" rtlCol="0" anchor="ctr">
+            <a:noAutofit/>
+          </a:bodyPr>
+          <a:lstStyle/>
+          <a:p>
+            <a:pPr algn="ctr"/>
             <a:endParaRPr lang="zh-CN" altLang="en-US"/>
           </a:p>
         </p:txBody>
@@ -3816,6 +12584,36 @@
     <p:extLst>
       <p:ext uri="{BB962C8B-B14F-4D97-AF65-F5344CB8AC3E}">
         <p14:creationId xmlns:p14="http://schemas.microsoft.com/office/powerpoint/2010/main" val="3691984669"/>
+      </p:ext>
+    </p:extLst>
+  </p:cSld>
+  <p:clrMapOvr>
+    <a:masterClrMapping/>
+  </p:clrMapOvr>
+</p:sld>
+</file>
+
+<file path=ppt/slides/slide7.xml><?xml version="1.0" encoding="utf-8"?>
+<p:sld xmlns:a="http://schemas.openxmlformats.org/drawingml/2006/main" xmlns:r="http://schemas.openxmlformats.org/officeDocument/2006/relationships" xmlns:p="http://schemas.openxmlformats.org/presentationml/2006/main">
+  <p:cSld>
+    <p:spTree>
+      <p:nvGrpSpPr>
+        <p:cNvPr id="1" name=""/>
+        <p:cNvGrpSpPr/>
+        <p:nvPr/>
+      </p:nvGrpSpPr>
+      <p:grpSpPr>
+        <a:xfrm>
+          <a:off x="0" y="0"/>
+          <a:ext cx="0" cy="0"/>
+          <a:chOff x="0" y="0"/>
+          <a:chExt cx="0" cy="0"/>
+        </a:xfrm>
+      </p:grpSpPr>
+    </p:spTree>
+    <p:extLst>
+      <p:ext uri="{BB962C8B-B14F-4D97-AF65-F5344CB8AC3E}">
+        <p14:creationId xmlns:p14="http://schemas.microsoft.com/office/powerpoint/2010/main" val="3489488757"/>
       </p:ext>
     </p:extLst>
   </p:cSld>
@@ -4113,19 +12911,9 @@
   <a:objectDefaults>
     <a:spDef>
       <a:spPr>
-        <a:pattFill prst="weave">
-          <a:fgClr>
-            <a:schemeClr val="tx1">
-              <a:lumMod val="95000"/>
-              <a:lumOff val="5000"/>
-            </a:schemeClr>
-          </a:fgClr>
-          <a:bgClr>
-            <a:schemeClr val="bg2">
-              <a:lumMod val="25000"/>
-            </a:schemeClr>
-          </a:bgClr>
-        </a:pattFill>
+        <a:solidFill>
+          <a:schemeClr val="tx1"/>
+        </a:solidFill>
         <a:ln>
           <a:noFill/>
         </a:ln>
@@ -4133,9 +12921,7 @@
           <a:camera prst="orthographicFront"/>
           <a:lightRig rig="threePt" dir="t"/>
         </a:scene3d>
-        <a:sp3d prstMaterial="metal">
-          <a:bevelT w="165100" h="88900"/>
-        </a:sp3d>
+        <a:sp3d prstMaterial="metal"/>
       </a:spPr>
       <a:bodyPr rtlCol="0" anchor="ctr"/>
       <a:lstStyle>
